--- a/DocumentsTP/Documentation_Emericc.pptx
+++ b/DocumentsTP/Documentation_Emericc.pptx
@@ -5,33 +5,31 @@
     <p:sldMasterId id="2147483648" r:id="rId1"/>
   </p:sldMasterIdLst>
   <p:notesMasterIdLst>
-    <p:notesMasterId r:id="rId23"/>
+    <p:notesMasterId r:id="rId21"/>
   </p:notesMasterIdLst>
   <p:handoutMasterIdLst>
-    <p:handoutMasterId r:id="rId24"/>
+    <p:handoutMasterId r:id="rId22"/>
   </p:handoutMasterIdLst>
   <p:sldIdLst>
     <p:sldId id="256" r:id="rId2"/>
     <p:sldId id="286" r:id="rId3"/>
     <p:sldId id="288" r:id="rId4"/>
     <p:sldId id="314" r:id="rId5"/>
-    <p:sldId id="311" r:id="rId6"/>
-    <p:sldId id="289" r:id="rId7"/>
-    <p:sldId id="301" r:id="rId8"/>
-    <p:sldId id="291" r:id="rId9"/>
-    <p:sldId id="290" r:id="rId10"/>
-    <p:sldId id="296" r:id="rId11"/>
-    <p:sldId id="299" r:id="rId12"/>
-    <p:sldId id="300" r:id="rId13"/>
-    <p:sldId id="302" r:id="rId14"/>
-    <p:sldId id="309" r:id="rId15"/>
-    <p:sldId id="310" r:id="rId16"/>
-    <p:sldId id="303" r:id="rId17"/>
-    <p:sldId id="304" r:id="rId18"/>
-    <p:sldId id="315" r:id="rId19"/>
-    <p:sldId id="293" r:id="rId20"/>
-    <p:sldId id="294" r:id="rId21"/>
-    <p:sldId id="295" r:id="rId22"/>
+    <p:sldId id="301" r:id="rId6"/>
+    <p:sldId id="291" r:id="rId7"/>
+    <p:sldId id="290" r:id="rId8"/>
+    <p:sldId id="296" r:id="rId9"/>
+    <p:sldId id="299" r:id="rId10"/>
+    <p:sldId id="300" r:id="rId11"/>
+    <p:sldId id="302" r:id="rId12"/>
+    <p:sldId id="309" r:id="rId13"/>
+    <p:sldId id="310" r:id="rId14"/>
+    <p:sldId id="303" r:id="rId15"/>
+    <p:sldId id="304" r:id="rId16"/>
+    <p:sldId id="315" r:id="rId17"/>
+    <p:sldId id="293" r:id="rId18"/>
+    <p:sldId id="294" r:id="rId19"/>
+    <p:sldId id="295" r:id="rId20"/>
   </p:sldIdLst>
   <p:sldSz cx="9144000" cy="6858000" type="screen4x3"/>
   <p:notesSz cx="7099300" cy="10234613"/>
@@ -210,7 +208,7 @@
             <a:fld id="{31555DB1-8736-42A3-B48D-2B08FB93332A}" type="datetimeFigureOut">
               <a:rPr lang="fr-FR" smtClean="0"/>
               <a:pPr/>
-              <a:t>25/12/2013</a:t>
+              <a:t>06/01/2014</a:t>
             </a:fld>
             <a:endParaRPr lang="fr-FR"/>
           </a:p>
@@ -369,7 +367,7 @@
             <a:fld id="{0BDB199F-A56C-4049-BA04-1447030960FF}" type="datetimeFigureOut">
               <a:rPr lang="fr-FR"/>
               <a:pPr/>
-              <a:t>25/12/2013</a:t>
+              <a:t>06/01/2014</a:t>
             </a:fld>
             <a:endParaRPr lang="fr-FR"/>
           </a:p>
@@ -9254,24 +9252,7 @@
                 <a:ea typeface="+mj-ea"/>
                 <a:cs typeface="+mj-cs"/>
               </a:rPr>
-              <a:t>Documentation Technique – </a:t>
-            </a:r>
-            <a:r>
-              <a:rPr kumimoji="0" lang="fr-FR" sz="1600" b="0" i="0" u="none" strike="noStrike" kern="0" cap="small" spc="0" normalizeH="0" baseline="0" noProof="0" dirty="0" smtClean="0">
-                <a:ln>
-                  <a:noFill/>
-                </a:ln>
-                <a:solidFill>
-                  <a:schemeClr val="bg1"/>
-                </a:solidFill>
-                <a:effectLst/>
-                <a:uLnTx/>
-                <a:uFillTx/>
-                <a:latin typeface="+mj-lt"/>
-                <a:ea typeface="+mj-ea"/>
-                <a:cs typeface="+mj-cs"/>
-              </a:rPr>
-              <a:t>Axe </a:t>
+              <a:t>Documentation Technique – Axe </a:t>
             </a:r>
             <a:r>
               <a:rPr kumimoji="0" lang="fr-FR" sz="1600" b="0" i="0" u="none" strike="noStrike" kern="0" cap="small" spc="0" normalizeH="0" baseline="0" noProof="0" dirty="0" err="1" smtClean="0">
@@ -9809,12 +9790,12 @@
       </p:grpSpPr>
       <p:sp>
         <p:nvSpPr>
-          <p:cNvPr id="5" name="Espace réservé du contenu 4"/>
-          <p:cNvSpPr>
-            <a:spLocks noGrp="1"/>
-          </p:cNvSpPr>
-          <p:nvPr>
-            <p:ph sz="quarter" idx="15"/>
+          <p:cNvPr id="3" name="Espace réservé du numéro de diapositive 2"/>
+          <p:cNvSpPr>
+            <a:spLocks noGrp="1"/>
+          </p:cNvSpPr>
+          <p:nvPr>
+            <p:ph type="sldNum" sz="quarter" idx="17"/>
           </p:nvPr>
         </p:nvSpPr>
         <p:spPr/>
@@ -9822,32 +9803,12 @@
           <a:bodyPr/>
           <a:lstStyle/>
           <a:p>
-            <a:endParaRPr lang="fr-FR" dirty="0"/>
-          </a:p>
-        </p:txBody>
-      </p:sp>
-      <p:sp>
-        <p:nvSpPr>
-          <p:cNvPr id="3" name="Espace réservé du numéro de diapositive 2"/>
-          <p:cNvSpPr>
-            <a:spLocks noGrp="1"/>
-          </p:cNvSpPr>
-          <p:nvPr>
-            <p:ph type="sldNum" sz="quarter" idx="17"/>
-          </p:nvPr>
-        </p:nvSpPr>
-        <p:spPr/>
-        <p:txBody>
-          <a:bodyPr/>
-          <a:lstStyle/>
-          <a:p>
-            <a:pPr algn="r"/>
             <a:fld id="{256D3EEF-DE4E-429D-8EC4-DDC531AFF587}" type="slidenum">
-              <a:rPr kumimoji="0" lang="fr-FR" sz="1000" smtClean="0"/>
-              <a:pPr algn="r"/>
+              <a:rPr lang="fr-FR" smtClean="0"/>
+              <a:pPr/>
               <a:t>10</a:t>
             </a:fld>
-            <a:endParaRPr kumimoji="0" lang="fr-FR"/>
+            <a:endParaRPr lang="fr-FR" dirty="0"/>
           </a:p>
         </p:txBody>
       </p:sp>
@@ -9870,17 +9831,22 @@
           <a:p>
             <a:r>
               <a:rPr lang="fr-FR" dirty="0"/>
-              <a:t>Présentation externe de la </a:t>
+              <a:t>Présentation externe de </a:t>
             </a:r>
             <a:r>
               <a:rPr lang="fr-FR" dirty="0" smtClean="0"/>
-              <a:t>DAE</a:t>
-            </a:r>
+              <a:t>l’axe </a:t>
+            </a:r>
+            <a:r>
+              <a:rPr lang="fr-FR" dirty="0" err="1" smtClean="0"/>
+              <a:t>Emericc</a:t>
+            </a:r>
+            <a:endParaRPr lang="fr-FR" dirty="0" smtClean="0"/>
           </a:p>
           <a:p>
             <a:r>
               <a:rPr lang="fr-FR" dirty="0" smtClean="0"/>
-              <a:t>Constituants de la DAE</a:t>
+              <a:t>Cahier des charges</a:t>
             </a:r>
             <a:endParaRPr lang="fr-FR" dirty="0"/>
           </a:p>
@@ -9888,7 +9854,7 @@
       </p:sp>
       <p:sp>
         <p:nvSpPr>
-          <p:cNvPr id="23" name="ZoneTexte 22">
+          <p:cNvPr id="9" name="ZoneTexte 8">
             <a:hlinkClick r:id="rId2" action="ppaction://hlinksldjump"/>
           </p:cNvPr>
           <p:cNvSpPr txBox="1"/>
@@ -9934,7 +9900,7 @@
     </p:spTree>
     <p:extLst>
       <p:ext uri="{BB962C8B-B14F-4D97-AF65-F5344CB8AC3E}">
-        <p14:creationId xmlns:p14="http://schemas.microsoft.com/office/powerpoint/2010/main" val="3894496050"/>
+        <p14:creationId xmlns:p14="http://schemas.microsoft.com/office/powerpoint/2010/main" val="2706017064"/>
       </p:ext>
     </p:extLst>
   </p:cSld>
@@ -9970,6 +9936,974 @@
       </p:grpSpPr>
       <p:sp>
         <p:nvSpPr>
+          <p:cNvPr id="2" name="Titre 1"/>
+          <p:cNvSpPr>
+            <a:spLocks noGrp="1"/>
+          </p:cNvSpPr>
+          <p:nvPr>
+            <p:ph type="ctrTitle"/>
+          </p:nvPr>
+        </p:nvSpPr>
+        <p:spPr/>
+        <p:txBody>
+          <a:bodyPr/>
+          <a:lstStyle/>
+          <a:p>
+            <a:r>
+              <a:rPr lang="fr-FR" dirty="0" smtClean="0"/>
+              <a:t>Présentation interne de l’axe </a:t>
+            </a:r>
+            <a:r>
+              <a:rPr lang="fr-FR" dirty="0" err="1" smtClean="0"/>
+              <a:t>Emericc</a:t>
+            </a:r>
+            <a:endParaRPr lang="fr-FR" dirty="0"/>
+          </a:p>
+        </p:txBody>
+      </p:sp>
+      <p:sp>
+        <p:nvSpPr>
+          <p:cNvPr id="3" name="Espace réservé du numéro de diapositive 2"/>
+          <p:cNvSpPr>
+            <a:spLocks noGrp="1"/>
+          </p:cNvSpPr>
+          <p:nvPr>
+            <p:ph type="sldNum" sz="quarter" idx="12"/>
+          </p:nvPr>
+        </p:nvSpPr>
+        <p:spPr/>
+        <p:txBody>
+          <a:bodyPr/>
+          <a:lstStyle/>
+          <a:p>
+            <a:pPr algn="r"/>
+            <a:fld id="{256D3EEF-DE4E-429D-8EC4-DDC531AFF587}" type="slidenum">
+              <a:rPr kumimoji="0" lang="fr-FR" sz="1000" smtClean="0"/>
+              <a:pPr algn="r"/>
+              <a:t>11</a:t>
+            </a:fld>
+            <a:endParaRPr kumimoji="0" lang="fr-FR"/>
+          </a:p>
+        </p:txBody>
+      </p:sp>
+      <p:sp>
+        <p:nvSpPr>
+          <p:cNvPr id="5" name="ZoneTexte 4">
+            <a:hlinkClick r:id="rId2" action="ppaction://hlinksldjump"/>
+          </p:cNvPr>
+          <p:cNvSpPr txBox="1"/>
+          <p:nvPr/>
+        </p:nvSpPr>
+        <p:spPr>
+          <a:xfrm>
+            <a:off x="107504" y="6525344"/>
+            <a:ext cx="8136904" cy="307777"/>
+          </a:xfrm>
+          <a:prstGeom prst="rect">
+            <a:avLst/>
+          </a:prstGeom>
+          <a:noFill/>
+        </p:spPr>
+        <p:txBody>
+          <a:bodyPr wrap="square" rtlCol="0">
+            <a:spAutoFit/>
+          </a:bodyPr>
+          <a:lstStyle/>
+          <a:p>
+            <a:pPr algn="r"/>
+            <a:r>
+              <a:rPr lang="fr-FR" sz="1400" i="1" dirty="0" smtClean="0">
+                <a:solidFill>
+                  <a:schemeClr val="bg1">
+                    <a:lumMod val="50000"/>
+                  </a:schemeClr>
+                </a:solidFill>
+              </a:rPr>
+              <a:t>Retour vers le menu</a:t>
+            </a:r>
+            <a:endParaRPr lang="fr-FR" sz="1400" i="1" dirty="0">
+              <a:solidFill>
+                <a:schemeClr val="bg1">
+                  <a:lumMod val="50000"/>
+                </a:schemeClr>
+              </a:solidFill>
+            </a:endParaRPr>
+          </a:p>
+        </p:txBody>
+      </p:sp>
+    </p:spTree>
+    <p:extLst>
+      <p:ext uri="{BB962C8B-B14F-4D97-AF65-F5344CB8AC3E}">
+        <p14:creationId xmlns:p14="http://schemas.microsoft.com/office/powerpoint/2010/main" val="3834210991"/>
+      </p:ext>
+    </p:extLst>
+  </p:cSld>
+  <p:clrMapOvr>
+    <a:masterClrMapping/>
+  </p:clrMapOvr>
+  <p:timing>
+    <p:tnLst>
+      <p:par>
+        <p:cTn id="1" dur="indefinite" restart="never" nodeType="tmRoot"/>
+      </p:par>
+    </p:tnLst>
+  </p:timing>
+</p:sld>
+</file>
+
+<file path=ppt/slides/slide12.xml><?xml version="1.0" encoding="utf-8"?>
+<p:sld xmlns:a="http://schemas.openxmlformats.org/drawingml/2006/main" xmlns:r="http://schemas.openxmlformats.org/officeDocument/2006/relationships" xmlns:p="http://schemas.openxmlformats.org/presentationml/2006/main">
+  <p:cSld>
+    <p:spTree>
+      <p:nvGrpSpPr>
+        <p:cNvPr id="1" name=""/>
+        <p:cNvGrpSpPr/>
+        <p:nvPr/>
+      </p:nvGrpSpPr>
+      <p:grpSpPr>
+        <a:xfrm>
+          <a:off x="0" y="0"/>
+          <a:ext cx="0" cy="0"/>
+          <a:chOff x="0" y="0"/>
+          <a:chExt cx="0" cy="0"/>
+        </a:xfrm>
+      </p:grpSpPr>
+      <p:sp>
+        <p:nvSpPr>
+          <p:cNvPr id="3" name="Espace réservé du numéro de diapositive 2"/>
+          <p:cNvSpPr>
+            <a:spLocks noGrp="1"/>
+          </p:cNvSpPr>
+          <p:nvPr>
+            <p:ph type="sldNum" sz="quarter" idx="17"/>
+          </p:nvPr>
+        </p:nvSpPr>
+        <p:spPr/>
+        <p:txBody>
+          <a:bodyPr/>
+          <a:lstStyle/>
+          <a:p>
+            <a:pPr algn="r"/>
+            <a:fld id="{256D3EEF-DE4E-429D-8EC4-DDC531AFF587}" type="slidenum">
+              <a:rPr kumimoji="0" lang="fr-FR" sz="1000" smtClean="0"/>
+              <a:pPr algn="r"/>
+              <a:t>12</a:t>
+            </a:fld>
+            <a:endParaRPr kumimoji="0" lang="fr-FR"/>
+          </a:p>
+        </p:txBody>
+      </p:sp>
+      <p:sp>
+        <p:nvSpPr>
+          <p:cNvPr id="4" name="Espace réservé du texte 3"/>
+          <p:cNvSpPr>
+            <a:spLocks noGrp="1"/>
+          </p:cNvSpPr>
+          <p:nvPr>
+            <p:ph type="body" sz="quarter" idx="13"/>
+          </p:nvPr>
+        </p:nvSpPr>
+        <p:spPr/>
+        <p:txBody>
+          <a:bodyPr>
+            <a:normAutofit fontScale="55000" lnSpcReduction="20000"/>
+          </a:bodyPr>
+          <a:lstStyle/>
+          <a:p>
+            <a:r>
+              <a:rPr lang="fr-FR" dirty="0"/>
+              <a:t>Présentation interne de </a:t>
+            </a:r>
+            <a:r>
+              <a:rPr lang="fr-FR" dirty="0" smtClean="0"/>
+              <a:t>l’axe </a:t>
+            </a:r>
+            <a:r>
+              <a:rPr lang="fr-FR" dirty="0" err="1" smtClean="0"/>
+              <a:t>emericc</a:t>
+            </a:r>
+            <a:endParaRPr lang="fr-FR" dirty="0" smtClean="0"/>
+          </a:p>
+          <a:p>
+            <a:r>
+              <a:rPr lang="fr-FR" dirty="0" smtClean="0"/>
+              <a:t>Diagramme de blocs</a:t>
+            </a:r>
+          </a:p>
+        </p:txBody>
+      </p:sp>
+      <p:sp>
+        <p:nvSpPr>
+          <p:cNvPr id="7" name="ZoneTexte 6">
+            <a:hlinkClick r:id="rId2" action="ppaction://hlinksldjump"/>
+          </p:cNvPr>
+          <p:cNvSpPr txBox="1"/>
+          <p:nvPr/>
+        </p:nvSpPr>
+        <p:spPr>
+          <a:xfrm>
+            <a:off x="107504" y="6525344"/>
+            <a:ext cx="8136904" cy="307777"/>
+          </a:xfrm>
+          <a:prstGeom prst="rect">
+            <a:avLst/>
+          </a:prstGeom>
+          <a:noFill/>
+        </p:spPr>
+        <p:txBody>
+          <a:bodyPr wrap="square" rtlCol="0">
+            <a:spAutoFit/>
+          </a:bodyPr>
+          <a:lstStyle/>
+          <a:p>
+            <a:pPr algn="r"/>
+            <a:r>
+              <a:rPr lang="fr-FR" sz="1400" i="1" dirty="0" smtClean="0">
+                <a:solidFill>
+                  <a:schemeClr val="bg1">
+                    <a:lumMod val="50000"/>
+                  </a:schemeClr>
+                </a:solidFill>
+              </a:rPr>
+              <a:t>Retour vers le menu</a:t>
+            </a:r>
+            <a:endParaRPr lang="fr-FR" sz="1400" i="1" dirty="0">
+              <a:solidFill>
+                <a:schemeClr val="bg1">
+                  <a:lumMod val="50000"/>
+                </a:schemeClr>
+              </a:solidFill>
+            </a:endParaRPr>
+          </a:p>
+        </p:txBody>
+      </p:sp>
+      <p:pic>
+        <p:nvPicPr>
+          <p:cNvPr id="6" name="Image 5" descr="C:\Users\Xavier Pessoles\Dropbox\PartageXavier\PTSI\TP\Serie_3_SLCI_Scilab\Ressources\BDD.png"/>
+          <p:cNvPicPr/>
+          <p:nvPr/>
+        </p:nvPicPr>
+        <p:blipFill>
+          <a:blip r:embed="rId3">
+            <a:extLst>
+              <a:ext uri="{28A0092B-C50C-407E-A947-70E740481C1C}">
+                <a14:useLocalDpi xmlns:a14="http://schemas.microsoft.com/office/drawing/2010/main" val="0"/>
+              </a:ext>
+            </a:extLst>
+          </a:blip>
+          <a:srcRect/>
+          <a:stretch>
+            <a:fillRect/>
+          </a:stretch>
+        </p:blipFill>
+        <p:spPr bwMode="auto">
+          <a:xfrm>
+            <a:off x="248091" y="1196752"/>
+            <a:ext cx="7800191" cy="2776339"/>
+          </a:xfrm>
+          <a:prstGeom prst="rect">
+            <a:avLst/>
+          </a:prstGeom>
+          <a:noFill/>
+          <a:ln>
+            <a:noFill/>
+          </a:ln>
+        </p:spPr>
+      </p:pic>
+      <mc:AlternateContent xmlns:mc="http://schemas.openxmlformats.org/markup-compatibility/2006">
+        <mc:Choice xmlns:a14="http://schemas.microsoft.com/office/drawing/2010/main" Requires="a14">
+          <p:sp>
+            <p:nvSpPr>
+              <p:cNvPr id="2" name="Rectangle 1"/>
+              <p:cNvSpPr/>
+              <p:nvPr/>
+            </p:nvSpPr>
+            <p:spPr>
+              <a:xfrm>
+                <a:off x="4219419" y="4129879"/>
+                <a:ext cx="3460691" cy="923330"/>
+              </a:xfrm>
+              <a:prstGeom prst="rect">
+                <a:avLst/>
+              </a:prstGeom>
+            </p:spPr>
+            <p:txBody>
+              <a:bodyPr wrap="none">
+                <a:spAutoFit/>
+              </a:bodyPr>
+              <a:lstStyle/>
+              <a:p>
+                <a:r>
+                  <a:rPr lang="fr-FR" dirty="0" smtClean="0"/>
+                  <a:t>De plus </a:t>
+                </a:r>
+                <a14:m>
+                  <m:oMath xmlns:m="http://schemas.openxmlformats.org/officeDocument/2006/math">
+                    <m:r>
+                      <a:rPr lang="en-US" i="1">
+                        <a:latin typeface="Cambria Math"/>
+                      </a:rPr>
+                      <m:t>𝐽</m:t>
+                    </m:r>
+                    <m:r>
+                      <a:rPr lang="fr-FR" i="1">
+                        <a:latin typeface="Cambria Math"/>
+                      </a:rPr>
+                      <m:t> = 47⋅ </m:t>
+                    </m:r>
+                    <m:sSup>
+                      <m:sSupPr>
+                        <m:ctrlPr>
+                          <a:rPr lang="fr-FR" i="1">
+                            <a:latin typeface="Cambria Math"/>
+                          </a:rPr>
+                        </m:ctrlPr>
+                      </m:sSupPr>
+                      <m:e>
+                        <m:r>
+                          <a:rPr lang="fr-FR" i="1">
+                            <a:latin typeface="Cambria Math"/>
+                          </a:rPr>
+                          <m:t>10</m:t>
+                        </m:r>
+                      </m:e>
+                      <m:sup>
+                        <m:r>
+                          <a:rPr lang="fr-FR" i="1">
+                            <a:latin typeface="Cambria Math"/>
+                          </a:rPr>
+                          <m:t>−7</m:t>
+                        </m:r>
+                      </m:sup>
+                    </m:sSup>
+                    <m:r>
+                      <a:rPr lang="fr-FR" i="1">
+                        <a:latin typeface="Cambria Math"/>
+                      </a:rPr>
+                      <m:t>⋅ </m:t>
+                    </m:r>
+                    <m:r>
+                      <a:rPr lang="en-US" i="1">
+                        <a:latin typeface="Cambria Math"/>
+                      </a:rPr>
+                      <m:t>𝑘𝑔</m:t>
+                    </m:r>
+                    <m:r>
+                      <a:rPr lang="fr-FR" i="1">
+                        <a:latin typeface="Cambria Math"/>
+                      </a:rPr>
+                      <m:t>⋅ </m:t>
+                    </m:r>
+                    <m:sSup>
+                      <m:sSupPr>
+                        <m:ctrlPr>
+                          <a:rPr lang="fr-FR" i="1">
+                            <a:latin typeface="Cambria Math"/>
+                          </a:rPr>
+                        </m:ctrlPr>
+                      </m:sSupPr>
+                      <m:e>
+                        <m:r>
+                          <a:rPr lang="en-US" i="1">
+                            <a:latin typeface="Cambria Math"/>
+                          </a:rPr>
+                          <m:t>𝑚</m:t>
+                        </m:r>
+                      </m:e>
+                      <m:sup>
+                        <m:r>
+                          <a:rPr lang="fr-FR" i="1">
+                            <a:latin typeface="Cambria Math"/>
+                          </a:rPr>
+                          <m:t>2</m:t>
+                        </m:r>
+                      </m:sup>
+                    </m:sSup>
+                    <m:r>
+                      <a:rPr lang="en-US" i="1">
+                        <a:latin typeface="Cambria Math"/>
+                      </a:rPr>
+                      <m:t> </m:t>
+                    </m:r>
+                  </m:oMath>
+                </a14:m>
+                <a:endParaRPr lang="fr-FR" dirty="0" smtClean="0"/>
+              </a:p>
+              <a:p>
+                <a:r>
+                  <a:rPr lang="fr-FR" dirty="0" smtClean="0"/>
+                  <a:t>Masse unitaire des disques : 1 kg</a:t>
+                </a:r>
+              </a:p>
+              <a:p>
+                <a:r>
+                  <a:rPr lang="fr-FR" dirty="0" smtClean="0"/>
+                  <a:t>Masse du chariot : 2,2 kg</a:t>
+                </a:r>
+                <a:endParaRPr lang="fr-FR" dirty="0"/>
+              </a:p>
+            </p:txBody>
+          </p:sp>
+        </mc:Choice>
+        <mc:Fallback>
+          <p:sp>
+            <p:nvSpPr>
+              <p:cNvPr id="2" name="Rectangle 1"/>
+              <p:cNvSpPr>
+                <a:spLocks noRot="1" noChangeAspect="1" noMove="1" noResize="1" noEditPoints="1" noAdjustHandles="1" noChangeArrowheads="1" noChangeShapeType="1" noTextEdit="1"/>
+              </p:cNvSpPr>
+              <p:nvPr/>
+            </p:nvSpPr>
+            <p:spPr>
+              <a:xfrm>
+                <a:off x="4219419" y="4129879"/>
+                <a:ext cx="3460691" cy="923330"/>
+              </a:xfrm>
+              <a:prstGeom prst="rect">
+                <a:avLst/>
+              </a:prstGeom>
+              <a:blipFill rotWithShape="1">
+                <a:blip r:embed="rId4"/>
+                <a:stretch>
+                  <a:fillRect l="-1408" t="-3289" b="-9211"/>
+                </a:stretch>
+              </a:blipFill>
+            </p:spPr>
+            <p:txBody>
+              <a:bodyPr/>
+              <a:lstStyle/>
+              <a:p>
+                <a:r>
+                  <a:rPr lang="fr-FR">
+                    <a:noFill/>
+                  </a:rPr>
+                  <a:t> </a:t>
+                </a:r>
+              </a:p>
+            </p:txBody>
+          </p:sp>
+        </mc:Fallback>
+      </mc:AlternateContent>
+    </p:spTree>
+    <p:extLst>
+      <p:ext uri="{BB962C8B-B14F-4D97-AF65-F5344CB8AC3E}">
+        <p14:creationId xmlns:p14="http://schemas.microsoft.com/office/powerpoint/2010/main" val="746680930"/>
+      </p:ext>
+    </p:extLst>
+  </p:cSld>
+  <p:clrMapOvr>
+    <a:masterClrMapping/>
+  </p:clrMapOvr>
+  <p:timing>
+    <p:tnLst>
+      <p:par>
+        <p:cTn id="1" dur="indefinite" restart="never" nodeType="tmRoot"/>
+      </p:par>
+    </p:tnLst>
+  </p:timing>
+</p:sld>
+</file>
+
+<file path=ppt/slides/slide13.xml><?xml version="1.0" encoding="utf-8"?>
+<p:sld xmlns:a="http://schemas.openxmlformats.org/drawingml/2006/main" xmlns:r="http://schemas.openxmlformats.org/officeDocument/2006/relationships" xmlns:p="http://schemas.openxmlformats.org/presentationml/2006/main">
+  <p:cSld>
+    <p:spTree>
+      <p:nvGrpSpPr>
+        <p:cNvPr id="1" name=""/>
+        <p:cNvGrpSpPr/>
+        <p:nvPr/>
+      </p:nvGrpSpPr>
+      <p:grpSpPr>
+        <a:xfrm>
+          <a:off x="0" y="0"/>
+          <a:ext cx="0" cy="0"/>
+          <a:chOff x="0" y="0"/>
+          <a:chExt cx="0" cy="0"/>
+        </a:xfrm>
+      </p:grpSpPr>
+      <p:sp>
+        <p:nvSpPr>
+          <p:cNvPr id="3" name="Espace réservé du numéro de diapositive 2"/>
+          <p:cNvSpPr>
+            <a:spLocks noGrp="1"/>
+          </p:cNvSpPr>
+          <p:nvPr>
+            <p:ph type="sldNum" sz="quarter" idx="17"/>
+          </p:nvPr>
+        </p:nvSpPr>
+        <p:spPr/>
+        <p:txBody>
+          <a:bodyPr/>
+          <a:lstStyle/>
+          <a:p>
+            <a:pPr algn="r"/>
+            <a:fld id="{256D3EEF-DE4E-429D-8EC4-DDC531AFF587}" type="slidenum">
+              <a:rPr kumimoji="0" lang="fr-FR" sz="1000" smtClean="0"/>
+              <a:pPr algn="r"/>
+              <a:t>13</a:t>
+            </a:fld>
+            <a:endParaRPr kumimoji="0" lang="fr-FR"/>
+          </a:p>
+        </p:txBody>
+      </p:sp>
+      <p:sp>
+        <p:nvSpPr>
+          <p:cNvPr id="4" name="Espace réservé du texte 3"/>
+          <p:cNvSpPr>
+            <a:spLocks noGrp="1"/>
+          </p:cNvSpPr>
+          <p:nvPr>
+            <p:ph type="body" sz="quarter" idx="13"/>
+          </p:nvPr>
+        </p:nvSpPr>
+        <p:spPr/>
+        <p:txBody>
+          <a:bodyPr>
+            <a:normAutofit fontScale="55000" lnSpcReduction="20000"/>
+          </a:bodyPr>
+          <a:lstStyle/>
+          <a:p>
+            <a:r>
+              <a:rPr lang="fr-FR" dirty="0"/>
+              <a:t>Présentation interne de </a:t>
+            </a:r>
+            <a:r>
+              <a:rPr lang="fr-FR" dirty="0" smtClean="0"/>
+              <a:t>L’</a:t>
+            </a:r>
+            <a:r>
+              <a:rPr lang="fr-FR" dirty="0" err="1" smtClean="0"/>
+              <a:t>eaxe</a:t>
+            </a:r>
+            <a:r>
+              <a:rPr lang="fr-FR" dirty="0" smtClean="0"/>
+              <a:t> </a:t>
+            </a:r>
+            <a:r>
+              <a:rPr lang="fr-FR" dirty="0" err="1" smtClean="0"/>
+              <a:t>Emericc</a:t>
+            </a:r>
+            <a:endParaRPr lang="fr-FR" dirty="0" smtClean="0"/>
+          </a:p>
+          <a:p>
+            <a:r>
+              <a:rPr lang="fr-FR" dirty="0" smtClean="0"/>
+              <a:t>Diagramme de blocs internes</a:t>
+            </a:r>
+          </a:p>
+        </p:txBody>
+      </p:sp>
+      <p:sp>
+        <p:nvSpPr>
+          <p:cNvPr id="7" name="ZoneTexte 6">
+            <a:hlinkClick r:id="rId2" action="ppaction://hlinksldjump"/>
+          </p:cNvPr>
+          <p:cNvSpPr txBox="1"/>
+          <p:nvPr/>
+        </p:nvSpPr>
+        <p:spPr>
+          <a:xfrm>
+            <a:off x="107504" y="6525344"/>
+            <a:ext cx="8136904" cy="307777"/>
+          </a:xfrm>
+          <a:prstGeom prst="rect">
+            <a:avLst/>
+          </a:prstGeom>
+          <a:noFill/>
+        </p:spPr>
+        <p:txBody>
+          <a:bodyPr wrap="square" rtlCol="0">
+            <a:spAutoFit/>
+          </a:bodyPr>
+          <a:lstStyle/>
+          <a:p>
+            <a:pPr algn="r"/>
+            <a:r>
+              <a:rPr lang="fr-FR" sz="1400" i="1" dirty="0" smtClean="0">
+                <a:solidFill>
+                  <a:schemeClr val="bg1">
+                    <a:lumMod val="50000"/>
+                  </a:schemeClr>
+                </a:solidFill>
+              </a:rPr>
+              <a:t>Retour vers le menu</a:t>
+            </a:r>
+            <a:endParaRPr lang="fr-FR" sz="1400" i="1" dirty="0">
+              <a:solidFill>
+                <a:schemeClr val="bg1">
+                  <a:lumMod val="50000"/>
+                </a:schemeClr>
+              </a:solidFill>
+            </a:endParaRPr>
+          </a:p>
+        </p:txBody>
+      </p:sp>
+      <p:pic>
+        <p:nvPicPr>
+          <p:cNvPr id="6" name="Image 5" descr="C:\Users\Xavier Pessoles\Dropbox\PartageXavier\PTSI\TP\Serie_3_SLCI_Scilab\Ressources\Sans Titre1.png"/>
+          <p:cNvPicPr/>
+          <p:nvPr/>
+        </p:nvPicPr>
+        <p:blipFill>
+          <a:blip r:embed="rId3">
+            <a:extLst>
+              <a:ext uri="{28A0092B-C50C-407E-A947-70E740481C1C}">
+                <a14:useLocalDpi xmlns:a14="http://schemas.microsoft.com/office/drawing/2010/main" val="0"/>
+              </a:ext>
+            </a:extLst>
+          </a:blip>
+          <a:srcRect/>
+          <a:stretch>
+            <a:fillRect/>
+          </a:stretch>
+        </p:blipFill>
+        <p:spPr bwMode="auto">
+          <a:xfrm>
+            <a:off x="1481137" y="2228850"/>
+            <a:ext cx="6181725" cy="2400300"/>
+          </a:xfrm>
+          <a:prstGeom prst="rect">
+            <a:avLst/>
+          </a:prstGeom>
+          <a:noFill/>
+          <a:ln>
+            <a:noFill/>
+          </a:ln>
+        </p:spPr>
+      </p:pic>
+    </p:spTree>
+    <p:extLst>
+      <p:ext uri="{BB962C8B-B14F-4D97-AF65-F5344CB8AC3E}">
+        <p14:creationId xmlns:p14="http://schemas.microsoft.com/office/powerpoint/2010/main" val="3136007789"/>
+      </p:ext>
+    </p:extLst>
+  </p:cSld>
+  <p:clrMapOvr>
+    <a:masterClrMapping/>
+  </p:clrMapOvr>
+  <p:timing>
+    <p:tnLst>
+      <p:par>
+        <p:cTn id="1" dur="indefinite" restart="never" nodeType="tmRoot"/>
+      </p:par>
+    </p:tnLst>
+  </p:timing>
+</p:sld>
+</file>
+
+<file path=ppt/slides/slide14.xml><?xml version="1.0" encoding="utf-8"?>
+<p:sld xmlns:a="http://schemas.openxmlformats.org/drawingml/2006/main" xmlns:r="http://schemas.openxmlformats.org/officeDocument/2006/relationships" xmlns:p="http://schemas.openxmlformats.org/presentationml/2006/main">
+  <p:cSld>
+    <p:spTree>
+      <p:nvGrpSpPr>
+        <p:cNvPr id="1" name=""/>
+        <p:cNvGrpSpPr/>
+        <p:nvPr/>
+      </p:nvGrpSpPr>
+      <p:grpSpPr>
+        <a:xfrm>
+          <a:off x="0" y="0"/>
+          <a:ext cx="0" cy="0"/>
+          <a:chOff x="0" y="0"/>
+          <a:chExt cx="0" cy="0"/>
+        </a:xfrm>
+      </p:grpSpPr>
+      <p:sp>
+        <p:nvSpPr>
+          <p:cNvPr id="3" name="Espace réservé du numéro de diapositive 2"/>
+          <p:cNvSpPr>
+            <a:spLocks noGrp="1"/>
+          </p:cNvSpPr>
+          <p:nvPr>
+            <p:ph type="sldNum" sz="quarter" idx="17"/>
+          </p:nvPr>
+        </p:nvSpPr>
+        <p:spPr/>
+        <p:txBody>
+          <a:bodyPr/>
+          <a:lstStyle/>
+          <a:p>
+            <a:pPr algn="r"/>
+            <a:fld id="{256D3EEF-DE4E-429D-8EC4-DDC531AFF587}" type="slidenum">
+              <a:rPr kumimoji="0" lang="fr-FR" sz="1000" smtClean="0"/>
+              <a:pPr algn="r"/>
+              <a:t>14</a:t>
+            </a:fld>
+            <a:endParaRPr kumimoji="0" lang="fr-FR"/>
+          </a:p>
+        </p:txBody>
+      </p:sp>
+      <p:sp>
+        <p:nvSpPr>
+          <p:cNvPr id="4" name="Espace réservé du texte 3"/>
+          <p:cNvSpPr>
+            <a:spLocks noGrp="1"/>
+          </p:cNvSpPr>
+          <p:nvPr>
+            <p:ph type="body" sz="quarter" idx="13"/>
+          </p:nvPr>
+        </p:nvSpPr>
+        <p:spPr/>
+        <p:txBody>
+          <a:bodyPr>
+            <a:normAutofit fontScale="55000" lnSpcReduction="20000"/>
+          </a:bodyPr>
+          <a:lstStyle/>
+          <a:p>
+            <a:r>
+              <a:rPr lang="fr-FR" dirty="0"/>
+              <a:t>Présentation interne de </a:t>
+            </a:r>
+            <a:r>
+              <a:rPr lang="fr-FR" dirty="0" smtClean="0"/>
+              <a:t>L’axe </a:t>
+            </a:r>
+            <a:r>
+              <a:rPr lang="fr-FR" dirty="0" err="1" smtClean="0"/>
+              <a:t>Emericc</a:t>
+            </a:r>
+            <a:endParaRPr lang="fr-FR" dirty="0" smtClean="0"/>
+          </a:p>
+          <a:p>
+            <a:r>
+              <a:rPr lang="fr-FR" dirty="0" smtClean="0"/>
+              <a:t>Composants de la chaîne d’énergie</a:t>
+            </a:r>
+            <a:endParaRPr lang="fr-FR" dirty="0"/>
+          </a:p>
+        </p:txBody>
+      </p:sp>
+      <p:sp>
+        <p:nvSpPr>
+          <p:cNvPr id="20" name="ZoneTexte 19">
+            <a:hlinkClick r:id="rId2" action="ppaction://hlinksldjump"/>
+          </p:cNvPr>
+          <p:cNvSpPr txBox="1"/>
+          <p:nvPr/>
+        </p:nvSpPr>
+        <p:spPr>
+          <a:xfrm>
+            <a:off x="107504" y="6525344"/>
+            <a:ext cx="8136904" cy="307777"/>
+          </a:xfrm>
+          <a:prstGeom prst="rect">
+            <a:avLst/>
+          </a:prstGeom>
+          <a:noFill/>
+        </p:spPr>
+        <p:txBody>
+          <a:bodyPr wrap="square" rtlCol="0">
+            <a:spAutoFit/>
+          </a:bodyPr>
+          <a:lstStyle/>
+          <a:p>
+            <a:pPr algn="r"/>
+            <a:r>
+              <a:rPr lang="fr-FR" sz="1400" i="1" dirty="0" smtClean="0">
+                <a:solidFill>
+                  <a:schemeClr val="bg1">
+                    <a:lumMod val="50000"/>
+                  </a:schemeClr>
+                </a:solidFill>
+              </a:rPr>
+              <a:t>Retour vers le menu</a:t>
+            </a:r>
+            <a:endParaRPr lang="fr-FR" sz="1400" i="1" dirty="0">
+              <a:solidFill>
+                <a:schemeClr val="bg1">
+                  <a:lumMod val="50000"/>
+                </a:schemeClr>
+              </a:solidFill>
+            </a:endParaRPr>
+          </a:p>
+        </p:txBody>
+      </p:sp>
+    </p:spTree>
+    <p:extLst>
+      <p:ext uri="{BB962C8B-B14F-4D97-AF65-F5344CB8AC3E}">
+        <p14:creationId xmlns:p14="http://schemas.microsoft.com/office/powerpoint/2010/main" val="1008993312"/>
+      </p:ext>
+    </p:extLst>
+  </p:cSld>
+  <p:clrMapOvr>
+    <a:masterClrMapping/>
+  </p:clrMapOvr>
+  <p:timing>
+    <p:tnLst>
+      <p:par>
+        <p:cTn id="1" dur="indefinite" restart="never" nodeType="tmRoot"/>
+      </p:par>
+    </p:tnLst>
+  </p:timing>
+</p:sld>
+</file>
+
+<file path=ppt/slides/slide15.xml><?xml version="1.0" encoding="utf-8"?>
+<p:sld xmlns:a="http://schemas.openxmlformats.org/drawingml/2006/main" xmlns:r="http://schemas.openxmlformats.org/officeDocument/2006/relationships" xmlns:p="http://schemas.openxmlformats.org/presentationml/2006/main">
+  <p:cSld>
+    <p:spTree>
+      <p:nvGrpSpPr>
+        <p:cNvPr id="1" name=""/>
+        <p:cNvGrpSpPr/>
+        <p:nvPr/>
+      </p:nvGrpSpPr>
+      <p:grpSpPr>
+        <a:xfrm>
+          <a:off x="0" y="0"/>
+          <a:ext cx="0" cy="0"/>
+          <a:chOff x="0" y="0"/>
+          <a:chExt cx="0" cy="0"/>
+        </a:xfrm>
+      </p:grpSpPr>
+      <p:sp>
+        <p:nvSpPr>
+          <p:cNvPr id="3" name="Espace réservé du numéro de diapositive 2"/>
+          <p:cNvSpPr>
+            <a:spLocks noGrp="1"/>
+          </p:cNvSpPr>
+          <p:nvPr>
+            <p:ph type="sldNum" sz="quarter" idx="17"/>
+          </p:nvPr>
+        </p:nvSpPr>
+        <p:spPr/>
+        <p:txBody>
+          <a:bodyPr/>
+          <a:lstStyle/>
+          <a:p>
+            <a:pPr algn="r"/>
+            <a:fld id="{256D3EEF-DE4E-429D-8EC4-DDC531AFF587}" type="slidenum">
+              <a:rPr kumimoji="0" lang="fr-FR" sz="1000" smtClean="0"/>
+              <a:pPr algn="r"/>
+              <a:t>15</a:t>
+            </a:fld>
+            <a:endParaRPr kumimoji="0" lang="fr-FR"/>
+          </a:p>
+        </p:txBody>
+      </p:sp>
+      <p:sp>
+        <p:nvSpPr>
+          <p:cNvPr id="4" name="Espace réservé du texte 3"/>
+          <p:cNvSpPr>
+            <a:spLocks noGrp="1"/>
+          </p:cNvSpPr>
+          <p:nvPr>
+            <p:ph type="body" sz="quarter" idx="13"/>
+          </p:nvPr>
+        </p:nvSpPr>
+        <p:spPr/>
+        <p:txBody>
+          <a:bodyPr>
+            <a:normAutofit fontScale="55000" lnSpcReduction="20000"/>
+          </a:bodyPr>
+          <a:lstStyle/>
+          <a:p>
+            <a:r>
+              <a:rPr lang="fr-FR" dirty="0"/>
+              <a:t>Présentation interne de </a:t>
+            </a:r>
+            <a:r>
+              <a:rPr lang="fr-FR" dirty="0" smtClean="0"/>
+              <a:t>L’axe </a:t>
+            </a:r>
+            <a:r>
+              <a:rPr lang="fr-FR" dirty="0" err="1" smtClean="0"/>
+              <a:t>Emericc</a:t>
+            </a:r>
+            <a:endParaRPr lang="fr-FR" dirty="0" smtClean="0"/>
+          </a:p>
+          <a:p>
+            <a:r>
+              <a:rPr lang="fr-FR" dirty="0" smtClean="0"/>
+              <a:t>Composants de la chaîne d’information</a:t>
+            </a:r>
+            <a:endParaRPr lang="fr-FR" dirty="0"/>
+          </a:p>
+        </p:txBody>
+      </p:sp>
+      <p:sp>
+        <p:nvSpPr>
+          <p:cNvPr id="20" name="ZoneTexte 19">
+            <a:hlinkClick r:id="rId2" action="ppaction://hlinksldjump"/>
+          </p:cNvPr>
+          <p:cNvSpPr txBox="1"/>
+          <p:nvPr/>
+        </p:nvSpPr>
+        <p:spPr>
+          <a:xfrm>
+            <a:off x="107504" y="6525344"/>
+            <a:ext cx="8136904" cy="307777"/>
+          </a:xfrm>
+          <a:prstGeom prst="rect">
+            <a:avLst/>
+          </a:prstGeom>
+          <a:noFill/>
+        </p:spPr>
+        <p:txBody>
+          <a:bodyPr wrap="square" rtlCol="0">
+            <a:spAutoFit/>
+          </a:bodyPr>
+          <a:lstStyle/>
+          <a:p>
+            <a:pPr algn="r"/>
+            <a:r>
+              <a:rPr lang="fr-FR" sz="1400" i="1" dirty="0" smtClean="0">
+                <a:solidFill>
+                  <a:schemeClr val="bg1">
+                    <a:lumMod val="50000"/>
+                  </a:schemeClr>
+                </a:solidFill>
+              </a:rPr>
+              <a:t>Retour vers le menu</a:t>
+            </a:r>
+            <a:endParaRPr lang="fr-FR" sz="1400" i="1" dirty="0">
+              <a:solidFill>
+                <a:schemeClr val="bg1">
+                  <a:lumMod val="50000"/>
+                </a:schemeClr>
+              </a:solidFill>
+            </a:endParaRPr>
+          </a:p>
+        </p:txBody>
+      </p:sp>
+    </p:spTree>
+    <p:extLst>
+      <p:ext uri="{BB962C8B-B14F-4D97-AF65-F5344CB8AC3E}">
+        <p14:creationId xmlns:p14="http://schemas.microsoft.com/office/powerpoint/2010/main" val="401315987"/>
+      </p:ext>
+    </p:extLst>
+  </p:cSld>
+  <p:clrMapOvr>
+    <a:masterClrMapping/>
+  </p:clrMapOvr>
+  <p:timing>
+    <p:tnLst>
+      <p:par>
+        <p:cTn id="1" dur="indefinite" restart="never" nodeType="tmRoot"/>
+      </p:par>
+    </p:tnLst>
+  </p:timing>
+</p:sld>
+</file>
+
+<file path=ppt/slides/slide16.xml><?xml version="1.0" encoding="utf-8"?>
+<p:sld xmlns:a="http://schemas.openxmlformats.org/drawingml/2006/main" xmlns:r="http://schemas.openxmlformats.org/officeDocument/2006/relationships" xmlns:p="http://schemas.openxmlformats.org/presentationml/2006/main">
+  <p:cSld>
+    <p:spTree>
+      <p:nvGrpSpPr>
+        <p:cNvPr id="1" name=""/>
+        <p:cNvGrpSpPr/>
+        <p:nvPr/>
+      </p:nvGrpSpPr>
+      <p:grpSpPr>
+        <a:xfrm>
+          <a:off x="0" y="0"/>
+          <a:ext cx="0" cy="0"/>
+          <a:chOff x="0" y="0"/>
+          <a:chExt cx="0" cy="0"/>
+        </a:xfrm>
+      </p:grpSpPr>
+      <p:sp>
+        <p:nvSpPr>
           <p:cNvPr id="2" name="Espace réservé du contenu 1"/>
           <p:cNvSpPr>
             <a:spLocks noGrp="1"/>
@@ -10005,7 +10939,2516 @@
             <a:fld id="{256D3EEF-DE4E-429D-8EC4-DDC531AFF587}" type="slidenum">
               <a:rPr lang="fr-FR" smtClean="0"/>
               <a:pPr/>
-              <a:t>11</a:t>
+              <a:t>16</a:t>
+            </a:fld>
+            <a:endParaRPr lang="fr-FR" dirty="0"/>
+          </a:p>
+        </p:txBody>
+      </p:sp>
+      <p:sp>
+        <p:nvSpPr>
+          <p:cNvPr id="4" name="Espace réservé du texte 3"/>
+          <p:cNvSpPr>
+            <a:spLocks noGrp="1"/>
+          </p:cNvSpPr>
+          <p:nvPr>
+            <p:ph type="body" sz="quarter" idx="13"/>
+          </p:nvPr>
+        </p:nvSpPr>
+        <p:spPr/>
+        <p:txBody>
+          <a:bodyPr/>
+          <a:lstStyle/>
+          <a:p>
+            <a:r>
+              <a:rPr lang="fr-FR" dirty="0" smtClean="0"/>
+              <a:t>Présentation interne de la DAE</a:t>
+            </a:r>
+            <a:endParaRPr lang="fr-FR" dirty="0"/>
+          </a:p>
+        </p:txBody>
+      </p:sp>
+    </p:spTree>
+    <p:extLst>
+      <p:ext uri="{BB962C8B-B14F-4D97-AF65-F5344CB8AC3E}">
+        <p14:creationId xmlns:p14="http://schemas.microsoft.com/office/powerpoint/2010/main" val="2367593916"/>
+      </p:ext>
+    </p:extLst>
+  </p:cSld>
+  <p:clrMapOvr>
+    <a:masterClrMapping/>
+  </p:clrMapOvr>
+</p:sld>
+</file>
+
+<file path=ppt/slides/slide17.xml><?xml version="1.0" encoding="utf-8"?>
+<p:sld xmlns:a="http://schemas.openxmlformats.org/drawingml/2006/main" xmlns:r="http://schemas.openxmlformats.org/officeDocument/2006/relationships" xmlns:p="http://schemas.openxmlformats.org/presentationml/2006/main">
+  <p:cSld>
+    <p:spTree>
+      <p:nvGrpSpPr>
+        <p:cNvPr id="1" name=""/>
+        <p:cNvGrpSpPr/>
+        <p:nvPr/>
+      </p:nvGrpSpPr>
+      <p:grpSpPr>
+        <a:xfrm>
+          <a:off x="0" y="0"/>
+          <a:ext cx="0" cy="0"/>
+          <a:chOff x="0" y="0"/>
+          <a:chExt cx="0" cy="0"/>
+        </a:xfrm>
+      </p:grpSpPr>
+      <p:sp>
+        <p:nvSpPr>
+          <p:cNvPr id="5" name="Titre 4"/>
+          <p:cNvSpPr>
+            <a:spLocks noGrp="1"/>
+          </p:cNvSpPr>
+          <p:nvPr>
+            <p:ph type="ctrTitle"/>
+          </p:nvPr>
+        </p:nvSpPr>
+        <p:spPr/>
+        <p:txBody>
+          <a:bodyPr/>
+          <a:lstStyle/>
+          <a:p>
+            <a:r>
+              <a:rPr lang="fr-FR" dirty="0"/>
+              <a:t>Présentation du logiciel d’acquisition</a:t>
+            </a:r>
+            <a:br>
+              <a:rPr lang="fr-FR" dirty="0"/>
+            </a:br>
+            <a:endParaRPr lang="fr-FR" dirty="0"/>
+          </a:p>
+        </p:txBody>
+      </p:sp>
+      <p:sp>
+        <p:nvSpPr>
+          <p:cNvPr id="3" name="Espace réservé du numéro de diapositive 2"/>
+          <p:cNvSpPr>
+            <a:spLocks noGrp="1"/>
+          </p:cNvSpPr>
+          <p:nvPr>
+            <p:ph type="sldNum" sz="quarter" idx="12"/>
+          </p:nvPr>
+        </p:nvSpPr>
+        <p:spPr/>
+        <p:txBody>
+          <a:bodyPr/>
+          <a:lstStyle/>
+          <a:p>
+            <a:fld id="{256D3EEF-DE4E-429D-8EC4-DDC531AFF587}" type="slidenum">
+              <a:rPr lang="fr-FR" smtClean="0"/>
+              <a:pPr/>
+              <a:t>17</a:t>
+            </a:fld>
+            <a:endParaRPr lang="fr-FR" dirty="0"/>
+          </a:p>
+        </p:txBody>
+      </p:sp>
+      <p:sp>
+        <p:nvSpPr>
+          <p:cNvPr id="7" name="ZoneTexte 6">
+            <a:hlinkClick r:id="rId2" action="ppaction://hlinksldjump"/>
+          </p:cNvPr>
+          <p:cNvSpPr txBox="1"/>
+          <p:nvPr/>
+        </p:nvSpPr>
+        <p:spPr>
+          <a:xfrm>
+            <a:off x="107504" y="6525344"/>
+            <a:ext cx="8136904" cy="307777"/>
+          </a:xfrm>
+          <a:prstGeom prst="rect">
+            <a:avLst/>
+          </a:prstGeom>
+          <a:noFill/>
+        </p:spPr>
+        <p:txBody>
+          <a:bodyPr wrap="square" rtlCol="0">
+            <a:spAutoFit/>
+          </a:bodyPr>
+          <a:lstStyle/>
+          <a:p>
+            <a:pPr algn="r"/>
+            <a:r>
+              <a:rPr lang="fr-FR" sz="1400" i="1" dirty="0" smtClean="0">
+                <a:solidFill>
+                  <a:schemeClr val="bg1">
+                    <a:lumMod val="50000"/>
+                  </a:schemeClr>
+                </a:solidFill>
+              </a:rPr>
+              <a:t>Retour vers le menu</a:t>
+            </a:r>
+            <a:endParaRPr lang="fr-FR" sz="1400" i="1" dirty="0">
+              <a:solidFill>
+                <a:schemeClr val="bg1">
+                  <a:lumMod val="50000"/>
+                </a:schemeClr>
+              </a:solidFill>
+            </a:endParaRPr>
+          </a:p>
+        </p:txBody>
+      </p:sp>
+    </p:spTree>
+    <p:extLst>
+      <p:ext uri="{BB962C8B-B14F-4D97-AF65-F5344CB8AC3E}">
+        <p14:creationId xmlns:p14="http://schemas.microsoft.com/office/powerpoint/2010/main" val="3771198579"/>
+      </p:ext>
+    </p:extLst>
+  </p:cSld>
+  <p:clrMapOvr>
+    <a:masterClrMapping/>
+  </p:clrMapOvr>
+  <p:timing>
+    <p:tnLst>
+      <p:par>
+        <p:cTn id="1" dur="indefinite" restart="never" nodeType="tmRoot"/>
+      </p:par>
+    </p:tnLst>
+  </p:timing>
+</p:sld>
+</file>
+
+<file path=ppt/slides/slide18.xml><?xml version="1.0" encoding="utf-8"?>
+<p:sld xmlns:a="http://schemas.openxmlformats.org/drawingml/2006/main" xmlns:r="http://schemas.openxmlformats.org/officeDocument/2006/relationships" xmlns:p="http://schemas.openxmlformats.org/presentationml/2006/main">
+  <p:cSld>
+    <p:spTree>
+      <p:nvGrpSpPr>
+        <p:cNvPr id="1" name=""/>
+        <p:cNvGrpSpPr/>
+        <p:nvPr/>
+      </p:nvGrpSpPr>
+      <p:grpSpPr>
+        <a:xfrm>
+          <a:off x="0" y="0"/>
+          <a:ext cx="0" cy="0"/>
+          <a:chOff x="0" y="0"/>
+          <a:chExt cx="0" cy="0"/>
+        </a:xfrm>
+      </p:grpSpPr>
+      <p:sp>
+        <p:nvSpPr>
+          <p:cNvPr id="2" name="Espace réservé du contenu 1"/>
+          <p:cNvSpPr>
+            <a:spLocks noGrp="1"/>
+          </p:cNvSpPr>
+          <p:nvPr>
+            <p:ph sz="quarter" idx="15"/>
+          </p:nvPr>
+        </p:nvSpPr>
+        <p:spPr/>
+        <p:txBody>
+          <a:bodyPr>
+            <a:normAutofit/>
+          </a:bodyPr>
+          <a:lstStyle/>
+          <a:p>
+            <a:r>
+              <a:rPr lang="fr-FR" dirty="0" smtClean="0"/>
+              <a:t>Lancer le logiciel </a:t>
+            </a:r>
+            <a:r>
+              <a:rPr lang="fr-FR" dirty="0" err="1" smtClean="0"/>
+              <a:t>Winaxe</a:t>
+            </a:r>
+            <a:endParaRPr lang="fr-FR" dirty="0" smtClean="0"/>
+          </a:p>
+          <a:p>
+            <a:r>
+              <a:rPr lang="fr-FR" dirty="0" smtClean="0"/>
+              <a:t>Valider la sélection de la carte avec OK</a:t>
+            </a:r>
+          </a:p>
+          <a:p>
+            <a:r>
+              <a:rPr lang="fr-FR" dirty="0" smtClean="0"/>
+              <a:t>Réaliser une Initialisation</a:t>
+            </a:r>
+          </a:p>
+          <a:p>
+            <a:pPr lvl="1"/>
+            <a:r>
+              <a:rPr lang="fr-FR" dirty="0" smtClean="0"/>
+              <a:t>Cliquer sur </a:t>
+            </a:r>
+            <a:r>
+              <a:rPr lang="fr-FR" dirty="0" smtClean="0"/>
+              <a:t>prise d’origine</a:t>
+            </a:r>
+          </a:p>
+          <a:p>
+            <a:pPr lvl="1"/>
+            <a:r>
+              <a:rPr lang="fr-FR" dirty="0" smtClean="0"/>
+              <a:t>Cliquer sur le bouton prise d’origine</a:t>
+            </a:r>
+            <a:endParaRPr lang="fr-FR" dirty="0"/>
+          </a:p>
+        </p:txBody>
+      </p:sp>
+      <p:sp>
+        <p:nvSpPr>
+          <p:cNvPr id="3" name="Espace réservé du numéro de diapositive 2"/>
+          <p:cNvSpPr>
+            <a:spLocks noGrp="1"/>
+          </p:cNvSpPr>
+          <p:nvPr>
+            <p:ph type="sldNum" sz="quarter" idx="17"/>
+          </p:nvPr>
+        </p:nvSpPr>
+        <p:spPr/>
+        <p:txBody>
+          <a:bodyPr/>
+          <a:lstStyle/>
+          <a:p>
+            <a:fld id="{256D3EEF-DE4E-429D-8EC4-DDC531AFF587}" type="slidenum">
+              <a:rPr lang="fr-FR" smtClean="0"/>
+              <a:pPr/>
+              <a:t>18</a:t>
+            </a:fld>
+            <a:endParaRPr lang="fr-FR" dirty="0"/>
+          </a:p>
+        </p:txBody>
+      </p:sp>
+      <p:sp>
+        <p:nvSpPr>
+          <p:cNvPr id="4" name="Espace réservé du texte 3"/>
+          <p:cNvSpPr>
+            <a:spLocks noGrp="1"/>
+          </p:cNvSpPr>
+          <p:nvPr>
+            <p:ph type="body" sz="quarter" idx="13"/>
+          </p:nvPr>
+        </p:nvSpPr>
+        <p:spPr/>
+        <p:txBody>
+          <a:bodyPr>
+            <a:normAutofit fontScale="55000" lnSpcReduction="20000"/>
+          </a:bodyPr>
+          <a:lstStyle/>
+          <a:p>
+            <a:r>
+              <a:rPr lang="fr-FR" dirty="0"/>
+              <a:t>Présentation du logiciel d’acquisition</a:t>
+            </a:r>
+            <a:br>
+              <a:rPr lang="fr-FR" dirty="0"/>
+            </a:br>
+            <a:r>
+              <a:rPr lang="fr-FR" dirty="0" smtClean="0"/>
+              <a:t>Lancement d’une acquisition</a:t>
+            </a:r>
+            <a:endParaRPr lang="fr-FR" dirty="0"/>
+          </a:p>
+        </p:txBody>
+      </p:sp>
+      <p:sp>
+        <p:nvSpPr>
+          <p:cNvPr id="10" name="ZoneTexte 9">
+            <a:hlinkClick r:id="rId2" action="ppaction://hlinksldjump"/>
+          </p:cNvPr>
+          <p:cNvSpPr txBox="1"/>
+          <p:nvPr/>
+        </p:nvSpPr>
+        <p:spPr>
+          <a:xfrm>
+            <a:off x="107504" y="6525344"/>
+            <a:ext cx="8136904" cy="307777"/>
+          </a:xfrm>
+          <a:prstGeom prst="rect">
+            <a:avLst/>
+          </a:prstGeom>
+          <a:noFill/>
+        </p:spPr>
+        <p:txBody>
+          <a:bodyPr wrap="square" rtlCol="0">
+            <a:spAutoFit/>
+          </a:bodyPr>
+          <a:lstStyle/>
+          <a:p>
+            <a:pPr algn="r"/>
+            <a:r>
+              <a:rPr lang="fr-FR" sz="1400" i="1" dirty="0" smtClean="0">
+                <a:solidFill>
+                  <a:schemeClr val="bg1">
+                    <a:lumMod val="50000"/>
+                  </a:schemeClr>
+                </a:solidFill>
+              </a:rPr>
+              <a:t>Retour vers le menu</a:t>
+            </a:r>
+            <a:endParaRPr lang="fr-FR" sz="1400" i="1" dirty="0">
+              <a:solidFill>
+                <a:schemeClr val="bg1">
+                  <a:lumMod val="50000"/>
+                </a:schemeClr>
+              </a:solidFill>
+            </a:endParaRPr>
+          </a:p>
+        </p:txBody>
+      </p:sp>
+    </p:spTree>
+    <p:extLst>
+      <p:ext uri="{BB962C8B-B14F-4D97-AF65-F5344CB8AC3E}">
+        <p14:creationId xmlns:p14="http://schemas.microsoft.com/office/powerpoint/2010/main" val="1069924367"/>
+      </p:ext>
+    </p:extLst>
+  </p:cSld>
+  <p:clrMapOvr>
+    <a:masterClrMapping/>
+  </p:clrMapOvr>
+  <p:timing>
+    <p:tnLst>
+      <p:par>
+        <p:cTn id="1" dur="indefinite" restart="never" nodeType="tmRoot"/>
+      </p:par>
+    </p:tnLst>
+  </p:timing>
+</p:sld>
+</file>
+
+<file path=ppt/slides/slide19.xml><?xml version="1.0" encoding="utf-8"?>
+<p:sld xmlns:a="http://schemas.openxmlformats.org/drawingml/2006/main" xmlns:r="http://schemas.openxmlformats.org/officeDocument/2006/relationships" xmlns:p="http://schemas.openxmlformats.org/presentationml/2006/main">
+  <p:cSld>
+    <p:spTree>
+      <p:nvGrpSpPr>
+        <p:cNvPr id="1" name=""/>
+        <p:cNvGrpSpPr/>
+        <p:nvPr/>
+      </p:nvGrpSpPr>
+      <p:grpSpPr>
+        <a:xfrm>
+          <a:off x="0" y="0"/>
+          <a:ext cx="0" cy="0"/>
+          <a:chOff x="0" y="0"/>
+          <a:chExt cx="0" cy="0"/>
+        </a:xfrm>
+      </p:grpSpPr>
+      <p:sp>
+        <p:nvSpPr>
+          <p:cNvPr id="2" name="Espace réservé du contenu 1"/>
+          <p:cNvSpPr>
+            <a:spLocks noGrp="1"/>
+          </p:cNvSpPr>
+          <p:nvPr>
+            <p:ph sz="quarter" idx="15"/>
+          </p:nvPr>
+        </p:nvSpPr>
+        <p:spPr>
+          <a:xfrm>
+            <a:off x="304800" y="980728"/>
+            <a:ext cx="7839100" cy="5760640"/>
+          </a:xfrm>
+        </p:spPr>
+        <p:txBody>
+          <a:bodyPr>
+            <a:normAutofit/>
+          </a:bodyPr>
+          <a:lstStyle/>
+          <a:p>
+            <a:pPr lvl="0"/>
+            <a:r>
+              <a:rPr lang="fr-FR" sz="2000" dirty="0" smtClean="0"/>
+              <a:t>Appuyer sur le bouton exporter</a:t>
+            </a:r>
+          </a:p>
+          <a:p>
+            <a:pPr lvl="0"/>
+            <a:r>
+              <a:rPr lang="fr-FR" sz="2000" dirty="0" smtClean="0"/>
+              <a:t>Enregistrer le fichier </a:t>
+            </a:r>
+            <a:r>
+              <a:rPr lang="fr-FR" sz="2000" dirty="0" err="1" smtClean="0"/>
+              <a:t>txt</a:t>
+            </a:r>
+            <a:endParaRPr lang="fr-FR" sz="2000" dirty="0"/>
+          </a:p>
+          <a:p>
+            <a:pPr lvl="0"/>
+            <a:endParaRPr lang="fr-FR" sz="2000" dirty="0"/>
+          </a:p>
+        </p:txBody>
+      </p:sp>
+      <p:sp>
+        <p:nvSpPr>
+          <p:cNvPr id="3" name="Espace réservé du numéro de diapositive 2"/>
+          <p:cNvSpPr>
+            <a:spLocks noGrp="1"/>
+          </p:cNvSpPr>
+          <p:nvPr>
+            <p:ph type="sldNum" sz="quarter" idx="17"/>
+          </p:nvPr>
+        </p:nvSpPr>
+        <p:spPr/>
+        <p:txBody>
+          <a:bodyPr/>
+          <a:lstStyle/>
+          <a:p>
+            <a:fld id="{256D3EEF-DE4E-429D-8EC4-DDC531AFF587}" type="slidenum">
+              <a:rPr lang="fr-FR" smtClean="0"/>
+              <a:pPr/>
+              <a:t>19</a:t>
+            </a:fld>
+            <a:endParaRPr lang="fr-FR" dirty="0"/>
+          </a:p>
+        </p:txBody>
+      </p:sp>
+      <p:sp>
+        <p:nvSpPr>
+          <p:cNvPr id="4" name="Espace réservé du texte 3"/>
+          <p:cNvSpPr>
+            <a:spLocks noGrp="1"/>
+          </p:cNvSpPr>
+          <p:nvPr>
+            <p:ph type="body" sz="quarter" idx="13"/>
+          </p:nvPr>
+        </p:nvSpPr>
+        <p:spPr/>
+        <p:txBody>
+          <a:bodyPr>
+            <a:normAutofit fontScale="55000" lnSpcReduction="20000"/>
+          </a:bodyPr>
+          <a:lstStyle/>
+          <a:p>
+            <a:r>
+              <a:rPr lang="fr-FR" dirty="0"/>
+              <a:t>Présentation du logiciel d’acquisition</a:t>
+            </a:r>
+            <a:br>
+              <a:rPr lang="fr-FR" dirty="0"/>
+            </a:br>
+            <a:r>
+              <a:rPr lang="fr-FR" dirty="0" smtClean="0"/>
+              <a:t>Export de données sous Excel</a:t>
+            </a:r>
+            <a:endParaRPr lang="fr-FR" dirty="0"/>
+          </a:p>
+          <a:p>
+            <a:endParaRPr lang="fr-FR" dirty="0"/>
+          </a:p>
+        </p:txBody>
+      </p:sp>
+      <p:sp>
+        <p:nvSpPr>
+          <p:cNvPr id="10" name="ZoneTexte 9">
+            <a:hlinkClick r:id="rId2" action="ppaction://hlinksldjump"/>
+          </p:cNvPr>
+          <p:cNvSpPr txBox="1"/>
+          <p:nvPr/>
+        </p:nvSpPr>
+        <p:spPr>
+          <a:xfrm>
+            <a:off x="107504" y="6525344"/>
+            <a:ext cx="8136904" cy="307777"/>
+          </a:xfrm>
+          <a:prstGeom prst="rect">
+            <a:avLst/>
+          </a:prstGeom>
+          <a:noFill/>
+        </p:spPr>
+        <p:txBody>
+          <a:bodyPr wrap="square" rtlCol="0">
+            <a:spAutoFit/>
+          </a:bodyPr>
+          <a:lstStyle/>
+          <a:p>
+            <a:pPr algn="r"/>
+            <a:r>
+              <a:rPr lang="fr-FR" sz="1400" i="1" dirty="0" smtClean="0">
+                <a:solidFill>
+                  <a:schemeClr val="bg1">
+                    <a:lumMod val="50000"/>
+                  </a:schemeClr>
+                </a:solidFill>
+              </a:rPr>
+              <a:t>Retour vers le menu</a:t>
+            </a:r>
+            <a:endParaRPr lang="fr-FR" sz="1400" i="1" dirty="0">
+              <a:solidFill>
+                <a:schemeClr val="bg1">
+                  <a:lumMod val="50000"/>
+                </a:schemeClr>
+              </a:solidFill>
+            </a:endParaRPr>
+          </a:p>
+        </p:txBody>
+      </p:sp>
+    </p:spTree>
+    <p:extLst>
+      <p:ext uri="{BB962C8B-B14F-4D97-AF65-F5344CB8AC3E}">
+        <p14:creationId xmlns:p14="http://schemas.microsoft.com/office/powerpoint/2010/main" val="1651410228"/>
+      </p:ext>
+    </p:extLst>
+  </p:cSld>
+  <p:clrMapOvr>
+    <a:masterClrMapping/>
+  </p:clrMapOvr>
+  <p:timing>
+    <p:tnLst>
+      <p:par>
+        <p:cTn id="1" dur="indefinite" restart="never" nodeType="tmRoot"/>
+      </p:par>
+    </p:tnLst>
+  </p:timing>
+</p:sld>
+</file>
+
+<file path=ppt/slides/slide2.xml><?xml version="1.0" encoding="utf-8"?>
+<p:sld xmlns:a="http://schemas.openxmlformats.org/drawingml/2006/main" xmlns:r="http://schemas.openxmlformats.org/officeDocument/2006/relationships" xmlns:p="http://schemas.openxmlformats.org/presentationml/2006/main">
+  <p:cSld>
+    <p:spTree>
+      <p:nvGrpSpPr>
+        <p:cNvPr id="1" name=""/>
+        <p:cNvGrpSpPr/>
+        <p:nvPr/>
+      </p:nvGrpSpPr>
+      <p:grpSpPr>
+        <a:xfrm>
+          <a:off x="0" y="0"/>
+          <a:ext cx="0" cy="0"/>
+          <a:chOff x="0" y="0"/>
+          <a:chExt cx="0" cy="0"/>
+        </a:xfrm>
+      </p:grpSpPr>
+      <p:sp>
+        <p:nvSpPr>
+          <p:cNvPr id="3" name="Espace réservé du texte 2"/>
+          <p:cNvSpPr>
+            <a:spLocks noGrp="1"/>
+          </p:cNvSpPr>
+          <p:nvPr>
+            <p:ph type="body" sz="quarter" idx="13"/>
+          </p:nvPr>
+        </p:nvSpPr>
+        <p:spPr/>
+        <p:txBody>
+          <a:bodyPr>
+            <a:normAutofit fontScale="92500" lnSpcReduction="10000"/>
+          </a:bodyPr>
+          <a:lstStyle/>
+          <a:p>
+            <a:r>
+              <a:rPr lang="fr-FR" dirty="0" smtClean="0">
+                <a:hlinkClick r:id="rId2" action="ppaction://hlinksldjump"/>
+              </a:rPr>
+              <a:t>Présentation générale de l’axe EMERICC</a:t>
+            </a:r>
+            <a:endParaRPr lang="fr-FR" dirty="0">
+              <a:hlinkClick r:id="rId2" action="ppaction://hlinksldjump"/>
+            </a:endParaRPr>
+          </a:p>
+        </p:txBody>
+      </p:sp>
+      <p:sp>
+        <p:nvSpPr>
+          <p:cNvPr id="6" name="Espace réservé du texte 5"/>
+          <p:cNvSpPr>
+            <a:spLocks noGrp="1"/>
+          </p:cNvSpPr>
+          <p:nvPr>
+            <p:ph type="body" sz="quarter" idx="15"/>
+          </p:nvPr>
+        </p:nvSpPr>
+        <p:spPr/>
+        <p:txBody>
+          <a:bodyPr>
+            <a:normAutofit fontScale="92500" lnSpcReduction="10000"/>
+          </a:bodyPr>
+          <a:lstStyle/>
+          <a:p>
+            <a:r>
+              <a:rPr lang="fr-FR" dirty="0">
+                <a:hlinkClick r:id="rId3" action="ppaction://hlinksldjump"/>
+              </a:rPr>
+              <a:t>Mise en œuvre de </a:t>
+            </a:r>
+            <a:r>
+              <a:rPr lang="fr-FR" dirty="0" smtClean="0">
+                <a:hlinkClick r:id="rId3" action="ppaction://hlinksldjump"/>
+              </a:rPr>
+              <a:t>l’axe EMERICC</a:t>
+            </a:r>
+            <a:endParaRPr lang="fr-FR" dirty="0">
+              <a:hlinkClick r:id="rId3" action="ppaction://hlinksldjump"/>
+            </a:endParaRPr>
+          </a:p>
+        </p:txBody>
+      </p:sp>
+      <p:sp>
+        <p:nvSpPr>
+          <p:cNvPr id="8" name="Espace réservé du texte 7"/>
+          <p:cNvSpPr>
+            <a:spLocks noGrp="1"/>
+          </p:cNvSpPr>
+          <p:nvPr>
+            <p:ph type="body" sz="quarter" idx="17"/>
+          </p:nvPr>
+        </p:nvSpPr>
+        <p:spPr/>
+        <p:txBody>
+          <a:bodyPr>
+            <a:normAutofit fontScale="92500" lnSpcReduction="10000"/>
+          </a:bodyPr>
+          <a:lstStyle/>
+          <a:p>
+            <a:r>
+              <a:rPr lang="fr-FR" dirty="0">
+                <a:hlinkClick r:id="rId4" action="ppaction://hlinksldjump"/>
+              </a:rPr>
+              <a:t>Présentation externe de </a:t>
+            </a:r>
+            <a:r>
+              <a:rPr lang="fr-FR" dirty="0" smtClean="0">
+                <a:hlinkClick r:id="rId4" action="ppaction://hlinksldjump"/>
+              </a:rPr>
+              <a:t>l’axe EMERICC</a:t>
+            </a:r>
+            <a:endParaRPr lang="fr-FR" dirty="0">
+              <a:hlinkClick r:id="rId4" action="ppaction://hlinksldjump"/>
+            </a:endParaRPr>
+          </a:p>
+        </p:txBody>
+      </p:sp>
+      <p:sp>
+        <p:nvSpPr>
+          <p:cNvPr id="10" name="Espace réservé du texte 9"/>
+          <p:cNvSpPr>
+            <a:spLocks noGrp="1"/>
+          </p:cNvSpPr>
+          <p:nvPr>
+            <p:ph type="body" sz="quarter" idx="19"/>
+          </p:nvPr>
+        </p:nvSpPr>
+        <p:spPr/>
+        <p:txBody>
+          <a:bodyPr>
+            <a:normAutofit fontScale="92500" lnSpcReduction="10000"/>
+          </a:bodyPr>
+          <a:lstStyle/>
+          <a:p>
+            <a:r>
+              <a:rPr lang="fr-FR" dirty="0">
+                <a:hlinkClick r:id="rId5" action="ppaction://hlinksldjump"/>
+              </a:rPr>
+              <a:t>Présentation interne de </a:t>
+            </a:r>
+            <a:r>
+              <a:rPr lang="fr-FR" dirty="0" smtClean="0">
+                <a:hlinkClick r:id="rId5" action="ppaction://hlinksldjump"/>
+              </a:rPr>
+              <a:t>l’axe EMERICC – </a:t>
+            </a:r>
+            <a:r>
+              <a:rPr lang="fr-FR" dirty="0">
+                <a:hlinkClick r:id="rId5" action="ppaction://hlinksldjump"/>
+              </a:rPr>
+              <a:t>Composants </a:t>
+            </a:r>
+          </a:p>
+        </p:txBody>
+      </p:sp>
+      <p:sp>
+        <p:nvSpPr>
+          <p:cNvPr id="12" name="Espace réservé du texte 11"/>
+          <p:cNvSpPr>
+            <a:spLocks noGrp="1"/>
+          </p:cNvSpPr>
+          <p:nvPr>
+            <p:ph type="body" sz="quarter" idx="21"/>
+          </p:nvPr>
+        </p:nvSpPr>
+        <p:spPr/>
+        <p:txBody>
+          <a:bodyPr>
+            <a:normAutofit fontScale="92500" lnSpcReduction="10000"/>
+          </a:bodyPr>
+          <a:lstStyle/>
+          <a:p>
+            <a:r>
+              <a:rPr lang="fr-FR" dirty="0">
+                <a:hlinkClick r:id="rId6" action="ppaction://hlinksldjump"/>
+              </a:rPr>
+              <a:t>Présentation du logiciel d’acquisition</a:t>
+            </a:r>
+          </a:p>
+        </p:txBody>
+      </p:sp>
+      <p:sp>
+        <p:nvSpPr>
+          <p:cNvPr id="14" name="Espace réservé du texte 13"/>
+          <p:cNvSpPr>
+            <a:spLocks noGrp="1"/>
+          </p:cNvSpPr>
+          <p:nvPr>
+            <p:ph type="body" sz="quarter" idx="23"/>
+          </p:nvPr>
+        </p:nvSpPr>
+        <p:spPr/>
+        <p:txBody>
+          <a:bodyPr>
+            <a:normAutofit fontScale="92500" lnSpcReduction="10000"/>
+          </a:bodyPr>
+          <a:lstStyle/>
+          <a:p>
+            <a:endParaRPr lang="fr-FR"/>
+          </a:p>
+        </p:txBody>
+      </p:sp>
+      <p:sp>
+        <p:nvSpPr>
+          <p:cNvPr id="16" name="Espace réservé du texte 15"/>
+          <p:cNvSpPr>
+            <a:spLocks noGrp="1"/>
+          </p:cNvSpPr>
+          <p:nvPr>
+            <p:ph type="body" sz="quarter" idx="25"/>
+          </p:nvPr>
+        </p:nvSpPr>
+        <p:spPr/>
+        <p:txBody>
+          <a:bodyPr>
+            <a:normAutofit fontScale="92500" lnSpcReduction="10000"/>
+          </a:bodyPr>
+          <a:lstStyle/>
+          <a:p>
+            <a:endParaRPr lang="fr-FR"/>
+          </a:p>
+        </p:txBody>
+      </p:sp>
+      <p:sp>
+        <p:nvSpPr>
+          <p:cNvPr id="18" name="Espace réservé du texte 17"/>
+          <p:cNvSpPr>
+            <a:spLocks noGrp="1"/>
+          </p:cNvSpPr>
+          <p:nvPr>
+            <p:ph type="body" sz="quarter" idx="27"/>
+          </p:nvPr>
+        </p:nvSpPr>
+        <p:spPr/>
+        <p:txBody>
+          <a:bodyPr>
+            <a:normAutofit fontScale="92500" lnSpcReduction="10000"/>
+          </a:bodyPr>
+          <a:lstStyle/>
+          <a:p>
+            <a:endParaRPr lang="fr-FR"/>
+          </a:p>
+        </p:txBody>
+      </p:sp>
+      <p:sp>
+        <p:nvSpPr>
+          <p:cNvPr id="20" name="Espace réservé du texte 19"/>
+          <p:cNvSpPr>
+            <a:spLocks noGrp="1"/>
+          </p:cNvSpPr>
+          <p:nvPr>
+            <p:ph type="body" sz="quarter" idx="29"/>
+          </p:nvPr>
+        </p:nvSpPr>
+        <p:spPr/>
+        <p:txBody>
+          <a:bodyPr>
+            <a:normAutofit fontScale="92500" lnSpcReduction="10000"/>
+          </a:bodyPr>
+          <a:lstStyle/>
+          <a:p>
+            <a:endParaRPr lang="fr-FR"/>
+          </a:p>
+        </p:txBody>
+      </p:sp>
+      <p:sp>
+        <p:nvSpPr>
+          <p:cNvPr id="22" name="Espace réservé du texte 21"/>
+          <p:cNvSpPr>
+            <a:spLocks noGrp="1"/>
+          </p:cNvSpPr>
+          <p:nvPr>
+            <p:ph type="body" sz="quarter" idx="31"/>
+          </p:nvPr>
+        </p:nvSpPr>
+        <p:spPr/>
+        <p:txBody>
+          <a:bodyPr>
+            <a:normAutofit fontScale="92500" lnSpcReduction="10000"/>
+          </a:bodyPr>
+          <a:lstStyle/>
+          <a:p>
+            <a:endParaRPr lang="fr-FR"/>
+          </a:p>
+        </p:txBody>
+      </p:sp>
+      <p:sp>
+        <p:nvSpPr>
+          <p:cNvPr id="24" name="Espace réservé du texte 23"/>
+          <p:cNvSpPr>
+            <a:spLocks noGrp="1"/>
+          </p:cNvSpPr>
+          <p:nvPr>
+            <p:ph type="body" sz="quarter" idx="33"/>
+          </p:nvPr>
+        </p:nvSpPr>
+        <p:spPr/>
+        <p:txBody>
+          <a:bodyPr>
+            <a:normAutofit fontScale="92500" lnSpcReduction="10000"/>
+          </a:bodyPr>
+          <a:lstStyle/>
+          <a:p>
+            <a:endParaRPr lang="fr-FR"/>
+          </a:p>
+        </p:txBody>
+      </p:sp>
+      <p:sp>
+        <p:nvSpPr>
+          <p:cNvPr id="26" name="Espace réservé du texte 25"/>
+          <p:cNvSpPr>
+            <a:spLocks noGrp="1"/>
+          </p:cNvSpPr>
+          <p:nvPr>
+            <p:ph type="body" sz="quarter" idx="35"/>
+          </p:nvPr>
+        </p:nvSpPr>
+        <p:spPr/>
+        <p:txBody>
+          <a:bodyPr>
+            <a:normAutofit fontScale="92500" lnSpcReduction="10000"/>
+          </a:bodyPr>
+          <a:lstStyle/>
+          <a:p>
+            <a:endParaRPr lang="fr-FR"/>
+          </a:p>
+        </p:txBody>
+      </p:sp>
+      <p:sp>
+        <p:nvSpPr>
+          <p:cNvPr id="5" name="Espace réservé du texte 4"/>
+          <p:cNvSpPr>
+            <a:spLocks noGrp="1"/>
+          </p:cNvSpPr>
+          <p:nvPr>
+            <p:ph type="body" sz="quarter" idx="14"/>
+          </p:nvPr>
+        </p:nvSpPr>
+        <p:spPr/>
+        <p:txBody>
+          <a:bodyPr>
+            <a:normAutofit fontScale="92500" lnSpcReduction="10000"/>
+          </a:bodyPr>
+          <a:lstStyle/>
+          <a:p>
+            <a:endParaRPr lang="fr-FR" dirty="0"/>
+          </a:p>
+        </p:txBody>
+      </p:sp>
+      <p:sp>
+        <p:nvSpPr>
+          <p:cNvPr id="7" name="Espace réservé du texte 6"/>
+          <p:cNvSpPr>
+            <a:spLocks noGrp="1"/>
+          </p:cNvSpPr>
+          <p:nvPr>
+            <p:ph type="body" sz="quarter" idx="16"/>
+          </p:nvPr>
+        </p:nvSpPr>
+        <p:spPr/>
+        <p:txBody>
+          <a:bodyPr>
+            <a:normAutofit fontScale="92500" lnSpcReduction="10000"/>
+          </a:bodyPr>
+          <a:lstStyle/>
+          <a:p>
+            <a:endParaRPr lang="fr-FR"/>
+          </a:p>
+        </p:txBody>
+      </p:sp>
+      <p:sp>
+        <p:nvSpPr>
+          <p:cNvPr id="9" name="Espace réservé du texte 8"/>
+          <p:cNvSpPr>
+            <a:spLocks noGrp="1"/>
+          </p:cNvSpPr>
+          <p:nvPr>
+            <p:ph type="body" sz="quarter" idx="18"/>
+          </p:nvPr>
+        </p:nvSpPr>
+        <p:spPr/>
+        <p:txBody>
+          <a:bodyPr>
+            <a:normAutofit fontScale="92500" lnSpcReduction="10000"/>
+          </a:bodyPr>
+          <a:lstStyle/>
+          <a:p>
+            <a:endParaRPr lang="fr-FR"/>
+          </a:p>
+        </p:txBody>
+      </p:sp>
+      <p:sp>
+        <p:nvSpPr>
+          <p:cNvPr id="11" name="Espace réservé du texte 10"/>
+          <p:cNvSpPr>
+            <a:spLocks noGrp="1"/>
+          </p:cNvSpPr>
+          <p:nvPr>
+            <p:ph type="body" sz="quarter" idx="20"/>
+          </p:nvPr>
+        </p:nvSpPr>
+        <p:spPr/>
+        <p:txBody>
+          <a:bodyPr>
+            <a:normAutofit fontScale="92500" lnSpcReduction="10000"/>
+          </a:bodyPr>
+          <a:lstStyle/>
+          <a:p>
+            <a:endParaRPr lang="fr-FR"/>
+          </a:p>
+        </p:txBody>
+      </p:sp>
+      <p:sp>
+        <p:nvSpPr>
+          <p:cNvPr id="13" name="Espace réservé du texte 12"/>
+          <p:cNvSpPr>
+            <a:spLocks noGrp="1"/>
+          </p:cNvSpPr>
+          <p:nvPr>
+            <p:ph type="body" sz="quarter" idx="22"/>
+          </p:nvPr>
+        </p:nvSpPr>
+        <p:spPr/>
+        <p:txBody>
+          <a:bodyPr>
+            <a:normAutofit fontScale="92500" lnSpcReduction="10000"/>
+          </a:bodyPr>
+          <a:lstStyle/>
+          <a:p>
+            <a:endParaRPr lang="fr-FR"/>
+          </a:p>
+        </p:txBody>
+      </p:sp>
+      <p:sp>
+        <p:nvSpPr>
+          <p:cNvPr id="15" name="Espace réservé du texte 14"/>
+          <p:cNvSpPr>
+            <a:spLocks noGrp="1"/>
+          </p:cNvSpPr>
+          <p:nvPr>
+            <p:ph type="body" sz="quarter" idx="24"/>
+          </p:nvPr>
+        </p:nvSpPr>
+        <p:spPr/>
+        <p:txBody>
+          <a:bodyPr>
+            <a:normAutofit fontScale="92500" lnSpcReduction="10000"/>
+          </a:bodyPr>
+          <a:lstStyle/>
+          <a:p>
+            <a:endParaRPr lang="fr-FR"/>
+          </a:p>
+        </p:txBody>
+      </p:sp>
+      <p:sp>
+        <p:nvSpPr>
+          <p:cNvPr id="17" name="Espace réservé du texte 16"/>
+          <p:cNvSpPr>
+            <a:spLocks noGrp="1"/>
+          </p:cNvSpPr>
+          <p:nvPr>
+            <p:ph type="body" sz="quarter" idx="26"/>
+          </p:nvPr>
+        </p:nvSpPr>
+        <p:spPr/>
+        <p:txBody>
+          <a:bodyPr>
+            <a:normAutofit fontScale="92500" lnSpcReduction="10000"/>
+          </a:bodyPr>
+          <a:lstStyle/>
+          <a:p>
+            <a:endParaRPr lang="fr-FR"/>
+          </a:p>
+        </p:txBody>
+      </p:sp>
+      <p:sp>
+        <p:nvSpPr>
+          <p:cNvPr id="19" name="Espace réservé du texte 18"/>
+          <p:cNvSpPr>
+            <a:spLocks noGrp="1"/>
+          </p:cNvSpPr>
+          <p:nvPr>
+            <p:ph type="body" sz="quarter" idx="28"/>
+          </p:nvPr>
+        </p:nvSpPr>
+        <p:spPr/>
+        <p:txBody>
+          <a:bodyPr>
+            <a:normAutofit fontScale="92500" lnSpcReduction="10000"/>
+          </a:bodyPr>
+          <a:lstStyle/>
+          <a:p>
+            <a:endParaRPr lang="fr-FR"/>
+          </a:p>
+        </p:txBody>
+      </p:sp>
+      <p:sp>
+        <p:nvSpPr>
+          <p:cNvPr id="21" name="Espace réservé du texte 20"/>
+          <p:cNvSpPr>
+            <a:spLocks noGrp="1"/>
+          </p:cNvSpPr>
+          <p:nvPr>
+            <p:ph type="body" sz="quarter" idx="30"/>
+          </p:nvPr>
+        </p:nvSpPr>
+        <p:spPr/>
+        <p:txBody>
+          <a:bodyPr>
+            <a:normAutofit fontScale="92500" lnSpcReduction="10000"/>
+          </a:bodyPr>
+          <a:lstStyle/>
+          <a:p>
+            <a:endParaRPr lang="fr-FR"/>
+          </a:p>
+        </p:txBody>
+      </p:sp>
+      <p:sp>
+        <p:nvSpPr>
+          <p:cNvPr id="23" name="Espace réservé du texte 22"/>
+          <p:cNvSpPr>
+            <a:spLocks noGrp="1"/>
+          </p:cNvSpPr>
+          <p:nvPr>
+            <p:ph type="body" sz="quarter" idx="32"/>
+          </p:nvPr>
+        </p:nvSpPr>
+        <p:spPr/>
+        <p:txBody>
+          <a:bodyPr>
+            <a:normAutofit fontScale="92500" lnSpcReduction="10000"/>
+          </a:bodyPr>
+          <a:lstStyle/>
+          <a:p>
+            <a:endParaRPr lang="fr-FR"/>
+          </a:p>
+        </p:txBody>
+      </p:sp>
+      <p:sp>
+        <p:nvSpPr>
+          <p:cNvPr id="25" name="Espace réservé du texte 24"/>
+          <p:cNvSpPr>
+            <a:spLocks noGrp="1"/>
+          </p:cNvSpPr>
+          <p:nvPr>
+            <p:ph type="body" sz="quarter" idx="34"/>
+          </p:nvPr>
+        </p:nvSpPr>
+        <p:spPr/>
+        <p:txBody>
+          <a:bodyPr>
+            <a:normAutofit fontScale="92500" lnSpcReduction="10000"/>
+          </a:bodyPr>
+          <a:lstStyle/>
+          <a:p>
+            <a:endParaRPr lang="fr-FR"/>
+          </a:p>
+        </p:txBody>
+      </p:sp>
+      <p:sp>
+        <p:nvSpPr>
+          <p:cNvPr id="27" name="Espace réservé du texte 26"/>
+          <p:cNvSpPr>
+            <a:spLocks noGrp="1"/>
+          </p:cNvSpPr>
+          <p:nvPr>
+            <p:ph type="body" sz="quarter" idx="36"/>
+          </p:nvPr>
+        </p:nvSpPr>
+        <p:spPr/>
+        <p:txBody>
+          <a:bodyPr>
+            <a:normAutofit fontScale="92500" lnSpcReduction="10000"/>
+          </a:bodyPr>
+          <a:lstStyle/>
+          <a:p>
+            <a:endParaRPr lang="fr-FR"/>
+          </a:p>
+        </p:txBody>
+      </p:sp>
+      <p:sp>
+        <p:nvSpPr>
+          <p:cNvPr id="28" name="Espace réservé du texte 27"/>
+          <p:cNvSpPr>
+            <a:spLocks noGrp="1"/>
+          </p:cNvSpPr>
+          <p:nvPr>
+            <p:ph type="body" sz="quarter" idx="37"/>
+          </p:nvPr>
+        </p:nvSpPr>
+        <p:spPr/>
+        <p:txBody>
+          <a:bodyPr/>
+          <a:lstStyle/>
+          <a:p>
+            <a:endParaRPr lang="fr-FR"/>
+          </a:p>
+        </p:txBody>
+      </p:sp>
+      <p:sp>
+        <p:nvSpPr>
+          <p:cNvPr id="29" name="Espace réservé du texte 28"/>
+          <p:cNvSpPr>
+            <a:spLocks noGrp="1"/>
+          </p:cNvSpPr>
+          <p:nvPr>
+            <p:ph type="body" sz="quarter" idx="38"/>
+          </p:nvPr>
+        </p:nvSpPr>
+        <p:spPr/>
+        <p:txBody>
+          <a:bodyPr>
+            <a:normAutofit fontScale="92500" lnSpcReduction="10000"/>
+          </a:bodyPr>
+          <a:lstStyle/>
+          <a:p>
+            <a:endParaRPr lang="fr-FR"/>
+          </a:p>
+        </p:txBody>
+      </p:sp>
+      <p:sp>
+        <p:nvSpPr>
+          <p:cNvPr id="2" name="Espace réservé du numéro de diapositive 1"/>
+          <p:cNvSpPr>
+            <a:spLocks noGrp="1"/>
+          </p:cNvSpPr>
+          <p:nvPr>
+            <p:ph type="sldNum" sz="quarter" idx="40"/>
+          </p:nvPr>
+        </p:nvSpPr>
+        <p:spPr/>
+        <p:txBody>
+          <a:bodyPr/>
+          <a:lstStyle/>
+          <a:p>
+            <a:pPr algn="r"/>
+            <a:fld id="{256D3EEF-DE4E-429D-8EC4-DDC531AFF587}" type="slidenum">
+              <a:rPr kumimoji="0" lang="fr-FR" sz="1000" smtClean="0"/>
+              <a:pPr algn="r"/>
+              <a:t>2</a:t>
+            </a:fld>
+            <a:endParaRPr kumimoji="0" lang="fr-FR"/>
+          </a:p>
+        </p:txBody>
+      </p:sp>
+      <p:sp>
+        <p:nvSpPr>
+          <p:cNvPr id="4" name="Titre 3"/>
+          <p:cNvSpPr>
+            <a:spLocks noGrp="1"/>
+          </p:cNvSpPr>
+          <p:nvPr>
+            <p:ph type="ctrTitle" idx="4294967295"/>
+          </p:nvPr>
+        </p:nvSpPr>
+        <p:spPr>
+          <a:xfrm>
+            <a:off x="0" y="4114800"/>
+            <a:ext cx="7239000" cy="533400"/>
+          </a:xfrm>
+          <a:prstGeom prst="rect">
+            <a:avLst/>
+          </a:prstGeom>
+        </p:spPr>
+        <p:txBody>
+          <a:bodyPr/>
+          <a:lstStyle/>
+          <a:p>
+            <a:r>
+              <a:rPr dirty="0" smtClean="0"/>
+              <a:t>Plan</a:t>
+            </a:r>
+            <a:endParaRPr lang="fr-FR" dirty="0"/>
+          </a:p>
+        </p:txBody>
+      </p:sp>
+      <p:sp>
+        <p:nvSpPr>
+          <p:cNvPr id="30" name="ZoneTexte 29">
+            <a:hlinkClick r:id="rId7" action="ppaction://hlinksldjump"/>
+          </p:cNvPr>
+          <p:cNvSpPr txBox="1"/>
+          <p:nvPr/>
+        </p:nvSpPr>
+        <p:spPr>
+          <a:xfrm>
+            <a:off x="107504" y="6525344"/>
+            <a:ext cx="8136904" cy="307777"/>
+          </a:xfrm>
+          <a:prstGeom prst="rect">
+            <a:avLst/>
+          </a:prstGeom>
+          <a:noFill/>
+        </p:spPr>
+        <p:txBody>
+          <a:bodyPr wrap="square" rtlCol="0">
+            <a:spAutoFit/>
+          </a:bodyPr>
+          <a:lstStyle/>
+          <a:p>
+            <a:pPr algn="r"/>
+            <a:r>
+              <a:rPr lang="fr-FR" sz="1400" i="1" dirty="0" smtClean="0">
+                <a:solidFill>
+                  <a:schemeClr val="bg1">
+                    <a:lumMod val="50000"/>
+                  </a:schemeClr>
+                </a:solidFill>
+              </a:rPr>
+              <a:t>Retour vers le menu</a:t>
+            </a:r>
+            <a:endParaRPr lang="fr-FR" sz="1400" i="1" dirty="0">
+              <a:solidFill>
+                <a:schemeClr val="bg1">
+                  <a:lumMod val="50000"/>
+                </a:schemeClr>
+              </a:solidFill>
+            </a:endParaRPr>
+          </a:p>
+        </p:txBody>
+      </p:sp>
+    </p:spTree>
+  </p:cSld>
+  <p:clrMapOvr>
+    <a:masterClrMapping/>
+  </p:clrMapOvr>
+  <p:timing>
+    <p:tnLst>
+      <p:par>
+        <p:cTn id="1" dur="indefinite" restart="never" nodeType="tmRoot"/>
+      </p:par>
+    </p:tnLst>
+  </p:timing>
+</p:sld>
+</file>
+
+<file path=ppt/slides/slide3.xml><?xml version="1.0" encoding="utf-8"?>
+<p:sld xmlns:a="http://schemas.openxmlformats.org/drawingml/2006/main" xmlns:r="http://schemas.openxmlformats.org/officeDocument/2006/relationships" xmlns:p="http://schemas.openxmlformats.org/presentationml/2006/main">
+  <p:cSld>
+    <p:spTree>
+      <p:nvGrpSpPr>
+        <p:cNvPr id="1" name=""/>
+        <p:cNvGrpSpPr/>
+        <p:nvPr/>
+      </p:nvGrpSpPr>
+      <p:grpSpPr>
+        <a:xfrm>
+          <a:off x="0" y="0"/>
+          <a:ext cx="0" cy="0"/>
+          <a:chOff x="0" y="0"/>
+          <a:chExt cx="0" cy="0"/>
+        </a:xfrm>
+      </p:grpSpPr>
+      <p:sp>
+        <p:nvSpPr>
+          <p:cNvPr id="2" name="Titre 1"/>
+          <p:cNvSpPr>
+            <a:spLocks noGrp="1"/>
+          </p:cNvSpPr>
+          <p:nvPr>
+            <p:ph type="ctrTitle"/>
+          </p:nvPr>
+        </p:nvSpPr>
+        <p:spPr/>
+        <p:txBody>
+          <a:bodyPr/>
+          <a:lstStyle/>
+          <a:p>
+            <a:r>
+              <a:rPr lang="fr-FR" dirty="0" smtClean="0"/>
+              <a:t>Présentation générale de l’axe EMERICC</a:t>
+            </a:r>
+            <a:endParaRPr lang="fr-FR" dirty="0"/>
+          </a:p>
+        </p:txBody>
+      </p:sp>
+      <p:sp>
+        <p:nvSpPr>
+          <p:cNvPr id="3" name="Espace réservé du numéro de diapositive 2"/>
+          <p:cNvSpPr>
+            <a:spLocks noGrp="1"/>
+          </p:cNvSpPr>
+          <p:nvPr>
+            <p:ph type="sldNum" sz="quarter" idx="12"/>
+          </p:nvPr>
+        </p:nvSpPr>
+        <p:spPr/>
+        <p:txBody>
+          <a:bodyPr/>
+          <a:lstStyle/>
+          <a:p>
+            <a:pPr algn="r"/>
+            <a:fld id="{256D3EEF-DE4E-429D-8EC4-DDC531AFF587}" type="slidenum">
+              <a:rPr kumimoji="0" lang="fr-FR" sz="1000" smtClean="0"/>
+              <a:pPr algn="r"/>
+              <a:t>3</a:t>
+            </a:fld>
+            <a:endParaRPr kumimoji="0" lang="fr-FR"/>
+          </a:p>
+        </p:txBody>
+      </p:sp>
+      <p:sp>
+        <p:nvSpPr>
+          <p:cNvPr id="5" name="ZoneTexte 4">
+            <a:hlinkClick r:id="rId2" action="ppaction://hlinksldjump"/>
+          </p:cNvPr>
+          <p:cNvSpPr txBox="1"/>
+          <p:nvPr/>
+        </p:nvSpPr>
+        <p:spPr>
+          <a:xfrm>
+            <a:off x="107504" y="6525344"/>
+            <a:ext cx="8136904" cy="307777"/>
+          </a:xfrm>
+          <a:prstGeom prst="rect">
+            <a:avLst/>
+          </a:prstGeom>
+          <a:noFill/>
+        </p:spPr>
+        <p:txBody>
+          <a:bodyPr wrap="square" rtlCol="0">
+            <a:spAutoFit/>
+          </a:bodyPr>
+          <a:lstStyle/>
+          <a:p>
+            <a:pPr algn="r"/>
+            <a:r>
+              <a:rPr lang="fr-FR" sz="1400" i="1" dirty="0" smtClean="0">
+                <a:solidFill>
+                  <a:schemeClr val="bg1">
+                    <a:lumMod val="50000"/>
+                  </a:schemeClr>
+                </a:solidFill>
+              </a:rPr>
+              <a:t>Retour vers le menu</a:t>
+            </a:r>
+            <a:endParaRPr lang="fr-FR" sz="1400" i="1" dirty="0">
+              <a:solidFill>
+                <a:schemeClr val="bg1">
+                  <a:lumMod val="50000"/>
+                </a:schemeClr>
+              </a:solidFill>
+            </a:endParaRPr>
+          </a:p>
+        </p:txBody>
+      </p:sp>
+    </p:spTree>
+    <p:extLst>
+      <p:ext uri="{BB962C8B-B14F-4D97-AF65-F5344CB8AC3E}">
+        <p14:creationId xmlns:p14="http://schemas.microsoft.com/office/powerpoint/2010/main" val="494579730"/>
+      </p:ext>
+    </p:extLst>
+  </p:cSld>
+  <p:clrMapOvr>
+    <a:masterClrMapping/>
+  </p:clrMapOvr>
+  <p:timing>
+    <p:tnLst>
+      <p:par>
+        <p:cTn id="1" dur="indefinite" restart="never" nodeType="tmRoot"/>
+      </p:par>
+    </p:tnLst>
+  </p:timing>
+</p:sld>
+</file>
+
+<file path=ppt/slides/slide4.xml><?xml version="1.0" encoding="utf-8"?>
+<p:sld xmlns:a="http://schemas.openxmlformats.org/drawingml/2006/main" xmlns:r="http://schemas.openxmlformats.org/officeDocument/2006/relationships" xmlns:p="http://schemas.openxmlformats.org/presentationml/2006/main">
+  <p:cSld>
+    <p:spTree>
+      <p:nvGrpSpPr>
+        <p:cNvPr id="1" name=""/>
+        <p:cNvGrpSpPr/>
+        <p:nvPr/>
+      </p:nvGrpSpPr>
+      <p:grpSpPr>
+        <a:xfrm>
+          <a:off x="0" y="0"/>
+          <a:ext cx="0" cy="0"/>
+          <a:chOff x="0" y="0"/>
+          <a:chExt cx="0" cy="0"/>
+        </a:xfrm>
+      </p:grpSpPr>
+      <p:sp>
+        <p:nvSpPr>
+          <p:cNvPr id="3" name="Espace réservé du numéro de diapositive 2"/>
+          <p:cNvSpPr>
+            <a:spLocks noGrp="1"/>
+          </p:cNvSpPr>
+          <p:nvPr>
+            <p:ph type="sldNum" sz="quarter" idx="17"/>
+          </p:nvPr>
+        </p:nvSpPr>
+        <p:spPr/>
+        <p:txBody>
+          <a:bodyPr/>
+          <a:lstStyle/>
+          <a:p>
+            <a:fld id="{256D3EEF-DE4E-429D-8EC4-DDC531AFF587}" type="slidenum">
+              <a:rPr lang="fr-FR" smtClean="0"/>
+              <a:pPr/>
+              <a:t>4</a:t>
+            </a:fld>
+            <a:endParaRPr lang="fr-FR" dirty="0"/>
+          </a:p>
+        </p:txBody>
+      </p:sp>
+      <p:sp>
+        <p:nvSpPr>
+          <p:cNvPr id="4" name="Espace réservé du texte 3"/>
+          <p:cNvSpPr>
+            <a:spLocks noGrp="1"/>
+          </p:cNvSpPr>
+          <p:nvPr>
+            <p:ph type="body" sz="quarter" idx="13"/>
+          </p:nvPr>
+        </p:nvSpPr>
+        <p:spPr/>
+        <p:txBody>
+          <a:bodyPr>
+            <a:normAutofit/>
+          </a:bodyPr>
+          <a:lstStyle/>
+          <a:p>
+            <a:r>
+              <a:rPr lang="fr-FR" dirty="0"/>
+              <a:t>Présentation générale de </a:t>
+            </a:r>
+            <a:r>
+              <a:rPr lang="fr-FR" dirty="0" smtClean="0"/>
+              <a:t>l’axe EMERICC</a:t>
+            </a:r>
+            <a:endParaRPr lang="fr-FR" dirty="0"/>
+          </a:p>
+        </p:txBody>
+      </p:sp>
+      <p:sp>
+        <p:nvSpPr>
+          <p:cNvPr id="9" name="Espace réservé du contenu 8"/>
+          <p:cNvSpPr>
+            <a:spLocks noGrp="1"/>
+          </p:cNvSpPr>
+          <p:nvPr>
+            <p:ph sz="quarter" idx="15"/>
+          </p:nvPr>
+        </p:nvSpPr>
+        <p:spPr/>
+        <p:txBody>
+          <a:bodyPr/>
+          <a:lstStyle/>
+          <a:p>
+            <a:r>
+              <a:rPr lang="fr-FR" dirty="0"/>
+              <a:t>Les axes numériques sont utilisés lorsqu’on désire déplacer des charges avec une dynamique élevée. (Par exemple, les centres d’usinage à commande numérique 3 axes sont équipés de 3 axes numériques.). L’axe </a:t>
+            </a:r>
+            <a:r>
+              <a:rPr lang="fr-FR" dirty="0" err="1"/>
+              <a:t>Emericc</a:t>
+            </a:r>
+            <a:r>
+              <a:rPr lang="fr-FR" dirty="0"/>
+              <a:t> est un système didactisé ayant la même structure qu’un axe numérique industriel.</a:t>
+            </a:r>
+            <a:endParaRPr lang="fr-FR" dirty="0"/>
+          </a:p>
+        </p:txBody>
+      </p:sp>
+    </p:spTree>
+    <p:extLst>
+      <p:ext uri="{BB962C8B-B14F-4D97-AF65-F5344CB8AC3E}">
+        <p14:creationId xmlns:p14="http://schemas.microsoft.com/office/powerpoint/2010/main" val="3270665889"/>
+      </p:ext>
+    </p:extLst>
+  </p:cSld>
+  <p:clrMapOvr>
+    <a:masterClrMapping/>
+  </p:clrMapOvr>
+</p:sld>
+</file>
+
+<file path=ppt/slides/slide5.xml><?xml version="1.0" encoding="utf-8"?>
+<p:sld xmlns:a="http://schemas.openxmlformats.org/drawingml/2006/main" xmlns:r="http://schemas.openxmlformats.org/officeDocument/2006/relationships" xmlns:p="http://schemas.openxmlformats.org/presentationml/2006/main">
+  <p:cSld>
+    <p:spTree>
+      <p:nvGrpSpPr>
+        <p:cNvPr id="1" name=""/>
+        <p:cNvGrpSpPr/>
+        <p:nvPr/>
+      </p:nvGrpSpPr>
+      <p:grpSpPr>
+        <a:xfrm>
+          <a:off x="0" y="0"/>
+          <a:ext cx="0" cy="0"/>
+          <a:chOff x="0" y="0"/>
+          <a:chExt cx="0" cy="0"/>
+        </a:xfrm>
+      </p:grpSpPr>
+      <p:sp>
+        <p:nvSpPr>
+          <p:cNvPr id="2" name="Titre 1"/>
+          <p:cNvSpPr>
+            <a:spLocks noGrp="1"/>
+          </p:cNvSpPr>
+          <p:nvPr>
+            <p:ph type="ctrTitle"/>
+          </p:nvPr>
+        </p:nvSpPr>
+        <p:spPr/>
+        <p:txBody>
+          <a:bodyPr/>
+          <a:lstStyle/>
+          <a:p>
+            <a:r>
+              <a:rPr lang="fr-FR" dirty="0" smtClean="0"/>
+              <a:t>Mise en œuvre de l’axe </a:t>
+            </a:r>
+            <a:r>
+              <a:rPr lang="fr-FR" dirty="0" err="1" smtClean="0"/>
+              <a:t>Emericc</a:t>
+            </a:r>
+            <a:endParaRPr lang="fr-FR" dirty="0"/>
+          </a:p>
+        </p:txBody>
+      </p:sp>
+      <p:sp>
+        <p:nvSpPr>
+          <p:cNvPr id="3" name="Espace réservé du numéro de diapositive 2"/>
+          <p:cNvSpPr>
+            <a:spLocks noGrp="1"/>
+          </p:cNvSpPr>
+          <p:nvPr>
+            <p:ph type="sldNum" sz="quarter" idx="12"/>
+          </p:nvPr>
+        </p:nvSpPr>
+        <p:spPr/>
+        <p:txBody>
+          <a:bodyPr/>
+          <a:lstStyle/>
+          <a:p>
+            <a:pPr algn="r"/>
+            <a:fld id="{256D3EEF-DE4E-429D-8EC4-DDC531AFF587}" type="slidenum">
+              <a:rPr kumimoji="0" lang="fr-FR" sz="1000" smtClean="0"/>
+              <a:pPr algn="r"/>
+              <a:t>5</a:t>
+            </a:fld>
+            <a:endParaRPr kumimoji="0" lang="fr-FR"/>
+          </a:p>
+        </p:txBody>
+      </p:sp>
+      <p:sp>
+        <p:nvSpPr>
+          <p:cNvPr id="5" name="ZoneTexte 4">
+            <a:hlinkClick r:id="rId2" action="ppaction://hlinksldjump"/>
+          </p:cNvPr>
+          <p:cNvSpPr txBox="1"/>
+          <p:nvPr/>
+        </p:nvSpPr>
+        <p:spPr>
+          <a:xfrm>
+            <a:off x="107504" y="6525344"/>
+            <a:ext cx="8136904" cy="307777"/>
+          </a:xfrm>
+          <a:prstGeom prst="rect">
+            <a:avLst/>
+          </a:prstGeom>
+          <a:noFill/>
+        </p:spPr>
+        <p:txBody>
+          <a:bodyPr wrap="square" rtlCol="0">
+            <a:spAutoFit/>
+          </a:bodyPr>
+          <a:lstStyle/>
+          <a:p>
+            <a:pPr algn="r"/>
+            <a:r>
+              <a:rPr lang="fr-FR" sz="1400" i="1" dirty="0" smtClean="0">
+                <a:solidFill>
+                  <a:schemeClr val="bg1">
+                    <a:lumMod val="50000"/>
+                  </a:schemeClr>
+                </a:solidFill>
+              </a:rPr>
+              <a:t>Retour vers le menu</a:t>
+            </a:r>
+            <a:endParaRPr lang="fr-FR" sz="1400" i="1" dirty="0">
+              <a:solidFill>
+                <a:schemeClr val="bg1">
+                  <a:lumMod val="50000"/>
+                </a:schemeClr>
+              </a:solidFill>
+            </a:endParaRPr>
+          </a:p>
+        </p:txBody>
+      </p:sp>
+    </p:spTree>
+    <p:extLst>
+      <p:ext uri="{BB962C8B-B14F-4D97-AF65-F5344CB8AC3E}">
+        <p14:creationId xmlns:p14="http://schemas.microsoft.com/office/powerpoint/2010/main" val="3693178686"/>
+      </p:ext>
+    </p:extLst>
+  </p:cSld>
+  <p:clrMapOvr>
+    <a:masterClrMapping/>
+  </p:clrMapOvr>
+  <p:timing>
+    <p:tnLst>
+      <p:par>
+        <p:cTn id="1" dur="indefinite" restart="never" nodeType="tmRoot"/>
+      </p:par>
+    </p:tnLst>
+  </p:timing>
+</p:sld>
+</file>
+
+<file path=ppt/slides/slide6.xml><?xml version="1.0" encoding="utf-8"?>
+<p:sld xmlns:a="http://schemas.openxmlformats.org/drawingml/2006/main" xmlns:r="http://schemas.openxmlformats.org/officeDocument/2006/relationships" xmlns:p="http://schemas.openxmlformats.org/presentationml/2006/main">
+  <p:cSld>
+    <p:spTree>
+      <p:nvGrpSpPr>
+        <p:cNvPr id="1" name=""/>
+        <p:cNvGrpSpPr/>
+        <p:nvPr/>
+      </p:nvGrpSpPr>
+      <p:grpSpPr>
+        <a:xfrm>
+          <a:off x="0" y="0"/>
+          <a:ext cx="0" cy="0"/>
+          <a:chOff x="0" y="0"/>
+          <a:chExt cx="0" cy="0"/>
+        </a:xfrm>
+      </p:grpSpPr>
+      <p:sp>
+        <p:nvSpPr>
+          <p:cNvPr id="2" name="Espace réservé du contenu 1"/>
+          <p:cNvSpPr>
+            <a:spLocks noGrp="1"/>
+          </p:cNvSpPr>
+          <p:nvPr>
+            <p:ph sz="quarter" idx="15"/>
+          </p:nvPr>
+        </p:nvSpPr>
+        <p:spPr/>
+        <p:txBody>
+          <a:bodyPr/>
+          <a:lstStyle/>
+          <a:p>
+            <a:r>
+              <a:rPr lang="fr-FR" dirty="0" smtClean="0"/>
+              <a:t>Pour allumer l’ordinateur utilisé par l’axe </a:t>
+            </a:r>
+            <a:r>
+              <a:rPr lang="fr-FR" dirty="0" err="1" smtClean="0"/>
+              <a:t>Emericc</a:t>
+            </a:r>
+            <a:r>
+              <a:rPr lang="fr-FR" dirty="0" smtClean="0"/>
+              <a:t>, demandez au professeur</a:t>
+            </a:r>
+          </a:p>
+          <a:p>
+            <a:r>
+              <a:rPr lang="fr-FR" dirty="0" smtClean="0"/>
+              <a:t>Pour mettre sous tension l’axe, allumer le pupitre (bouton au dos)</a:t>
+            </a:r>
+          </a:p>
+          <a:p>
+            <a:r>
+              <a:rPr lang="fr-FR" dirty="0" smtClean="0"/>
+              <a:t>Actionner les boutons + et -  pour déplacer le chariot</a:t>
+            </a:r>
+            <a:endParaRPr lang="fr-FR" dirty="0"/>
+          </a:p>
+        </p:txBody>
+      </p:sp>
+      <p:sp>
+        <p:nvSpPr>
+          <p:cNvPr id="3" name="Espace réservé du numéro de diapositive 2"/>
+          <p:cNvSpPr>
+            <a:spLocks noGrp="1"/>
+          </p:cNvSpPr>
+          <p:nvPr>
+            <p:ph type="sldNum" sz="quarter" idx="17"/>
+          </p:nvPr>
+        </p:nvSpPr>
+        <p:spPr/>
+        <p:txBody>
+          <a:bodyPr/>
+          <a:lstStyle/>
+          <a:p>
+            <a:pPr algn="r"/>
+            <a:fld id="{256D3EEF-DE4E-429D-8EC4-DDC531AFF587}" type="slidenum">
+              <a:rPr kumimoji="0" lang="fr-FR" sz="1000" smtClean="0"/>
+              <a:pPr algn="r"/>
+              <a:t>6</a:t>
+            </a:fld>
+            <a:endParaRPr kumimoji="0" lang="fr-FR"/>
+          </a:p>
+        </p:txBody>
+      </p:sp>
+      <p:sp>
+        <p:nvSpPr>
+          <p:cNvPr id="4" name="Espace réservé du texte 3"/>
+          <p:cNvSpPr>
+            <a:spLocks noGrp="1"/>
+          </p:cNvSpPr>
+          <p:nvPr>
+            <p:ph type="body" sz="quarter" idx="13"/>
+          </p:nvPr>
+        </p:nvSpPr>
+        <p:spPr/>
+        <p:txBody>
+          <a:bodyPr/>
+          <a:lstStyle/>
+          <a:p>
+            <a:r>
+              <a:rPr lang="fr-FR" dirty="0" smtClean="0"/>
+              <a:t>Mise sous tension</a:t>
+            </a:r>
+            <a:endParaRPr lang="fr-FR" dirty="0"/>
+          </a:p>
+        </p:txBody>
+      </p:sp>
+      <p:sp>
+        <p:nvSpPr>
+          <p:cNvPr id="28" name="ZoneTexte 27">
+            <a:hlinkClick r:id="rId2" action="ppaction://hlinksldjump"/>
+          </p:cNvPr>
+          <p:cNvSpPr txBox="1"/>
+          <p:nvPr/>
+        </p:nvSpPr>
+        <p:spPr>
+          <a:xfrm>
+            <a:off x="107504" y="6525344"/>
+            <a:ext cx="8136904" cy="307777"/>
+          </a:xfrm>
+          <a:prstGeom prst="rect">
+            <a:avLst/>
+          </a:prstGeom>
+          <a:noFill/>
+        </p:spPr>
+        <p:txBody>
+          <a:bodyPr wrap="square" rtlCol="0">
+            <a:spAutoFit/>
+          </a:bodyPr>
+          <a:lstStyle/>
+          <a:p>
+            <a:pPr algn="r"/>
+            <a:r>
+              <a:rPr lang="fr-FR" sz="1400" i="1" dirty="0" smtClean="0">
+                <a:solidFill>
+                  <a:schemeClr val="bg1">
+                    <a:lumMod val="50000"/>
+                  </a:schemeClr>
+                </a:solidFill>
+              </a:rPr>
+              <a:t>Retour vers le menu</a:t>
+            </a:r>
+            <a:endParaRPr lang="fr-FR" sz="1400" i="1" dirty="0">
+              <a:solidFill>
+                <a:schemeClr val="bg1">
+                  <a:lumMod val="50000"/>
+                </a:schemeClr>
+              </a:solidFill>
+            </a:endParaRPr>
+          </a:p>
+        </p:txBody>
+      </p:sp>
+      <p:sp>
+        <p:nvSpPr>
+          <p:cNvPr id="5" name="AutoShape 2" descr="https://dl-web.dropbox.com/get/Divers/20140106_082648.jpg?w=AACQBUdbo7zz_uAVOI5fFjAT-Bfrbid5augdfIVDMVrbMA"/>
+          <p:cNvSpPr>
+            <a:spLocks noChangeAspect="1" noChangeArrowheads="1"/>
+          </p:cNvSpPr>
+          <p:nvPr/>
+        </p:nvSpPr>
+        <p:spPr bwMode="auto">
+          <a:xfrm>
+            <a:off x="155575" y="-144463"/>
+            <a:ext cx="304800" cy="304801"/>
+          </a:xfrm>
+          <a:prstGeom prst="rect">
+            <a:avLst/>
+          </a:prstGeom>
+          <a:noFill/>
+          <a:extLst>
+            <a:ext uri="{909E8E84-426E-40DD-AFC4-6F175D3DCCD1}">
+              <a14:hiddenFill xmlns:a14="http://schemas.microsoft.com/office/drawing/2010/main">
+                <a:solidFill>
+                  <a:srgbClr val="FFFFFF"/>
+                </a:solidFill>
+              </a14:hiddenFill>
+            </a:ext>
+          </a:extLst>
+        </p:spPr>
+        <p:txBody>
+          <a:bodyPr vert="horz" wrap="square" lIns="91440" tIns="45720" rIns="91440" bIns="45720" numCol="1" anchor="t" anchorCtr="0" compatLnSpc="1">
+            <a:prstTxWarp prst="textNoShape">
+              <a:avLst/>
+            </a:prstTxWarp>
+          </a:bodyPr>
+          <a:lstStyle/>
+          <a:p>
+            <a:endParaRPr lang="fr-FR"/>
+          </a:p>
+        </p:txBody>
+      </p:sp>
+      <p:sp>
+        <p:nvSpPr>
+          <p:cNvPr id="6" name="AutoShape 4" descr="https://dl-web.dropbox.com/get/Divers/20140106_082648.jpg?w=AACQBUdbo7zz_uAVOI5fFjAT-Bfrbid5augdfIVDMVrbMA"/>
+          <p:cNvSpPr>
+            <a:spLocks noChangeAspect="1" noChangeArrowheads="1"/>
+          </p:cNvSpPr>
+          <p:nvPr/>
+        </p:nvSpPr>
+        <p:spPr bwMode="auto">
+          <a:xfrm>
+            <a:off x="307975" y="7937"/>
+            <a:ext cx="304800" cy="304801"/>
+          </a:xfrm>
+          <a:prstGeom prst="rect">
+            <a:avLst/>
+          </a:prstGeom>
+          <a:noFill/>
+          <a:extLst>
+            <a:ext uri="{909E8E84-426E-40DD-AFC4-6F175D3DCCD1}">
+              <a14:hiddenFill xmlns:a14="http://schemas.microsoft.com/office/drawing/2010/main">
+                <a:solidFill>
+                  <a:srgbClr val="FFFFFF"/>
+                </a:solidFill>
+              </a14:hiddenFill>
+            </a:ext>
+          </a:extLst>
+        </p:spPr>
+        <p:txBody>
+          <a:bodyPr vert="horz" wrap="square" lIns="91440" tIns="45720" rIns="91440" bIns="45720" numCol="1" anchor="t" anchorCtr="0" compatLnSpc="1">
+            <a:prstTxWarp prst="textNoShape">
+              <a:avLst/>
+            </a:prstTxWarp>
+          </a:bodyPr>
+          <a:lstStyle/>
+          <a:p>
+            <a:endParaRPr lang="fr-FR"/>
+          </a:p>
+        </p:txBody>
+      </p:sp>
+      <p:pic>
+        <p:nvPicPr>
+          <p:cNvPr id="1029" name="Picture 5" descr="C:\Users\Xavier Pessoles\Desktop\20140106_082648.jpg"/>
+          <p:cNvPicPr>
+            <a:picLocks noChangeAspect="1" noChangeArrowheads="1"/>
+          </p:cNvPicPr>
+          <p:nvPr/>
+        </p:nvPicPr>
+        <p:blipFill>
+          <a:blip r:embed="rId3" cstate="print">
+            <a:extLst>
+              <a:ext uri="{28A0092B-C50C-407E-A947-70E740481C1C}">
+                <a14:useLocalDpi xmlns:a14="http://schemas.microsoft.com/office/drawing/2010/main" val="0"/>
+              </a:ext>
+            </a:extLst>
+          </a:blip>
+          <a:srcRect/>
+          <a:stretch>
+            <a:fillRect/>
+          </a:stretch>
+        </p:blipFill>
+        <p:spPr bwMode="auto">
+          <a:xfrm>
+            <a:off x="460375" y="3515533"/>
+            <a:ext cx="4110482" cy="3082861"/>
+          </a:xfrm>
+          <a:prstGeom prst="rect">
+            <a:avLst/>
+          </a:prstGeom>
+          <a:noFill/>
+          <a:extLst>
+            <a:ext uri="{909E8E84-426E-40DD-AFC4-6F175D3DCCD1}">
+              <a14:hiddenFill xmlns:a14="http://schemas.microsoft.com/office/drawing/2010/main">
+                <a:solidFill>
+                  <a:srgbClr val="FFFFFF"/>
+                </a:solidFill>
+              </a14:hiddenFill>
+            </a:ext>
+          </a:extLst>
+        </p:spPr>
+      </p:pic>
+      <p:cxnSp>
+        <p:nvCxnSpPr>
+          <p:cNvPr id="8" name="Connecteur droit avec flèche 7"/>
+          <p:cNvCxnSpPr/>
+          <p:nvPr/>
+        </p:nvCxnSpPr>
+        <p:spPr>
+          <a:xfrm flipH="1">
+            <a:off x="2987824" y="4424560"/>
+            <a:ext cx="2016224" cy="0"/>
+          </a:xfrm>
+          <a:prstGeom prst="straightConnector1">
+            <a:avLst/>
+          </a:prstGeom>
+          <a:ln w="28575">
+            <a:solidFill>
+              <a:srgbClr val="FF0000"/>
+            </a:solidFill>
+            <a:tailEnd type="stealth" w="med" len="lg"/>
+          </a:ln>
+        </p:spPr>
+        <p:style>
+          <a:lnRef idx="1">
+            <a:schemeClr val="accent1"/>
+          </a:lnRef>
+          <a:fillRef idx="0">
+            <a:schemeClr val="accent1"/>
+          </a:fillRef>
+          <a:effectRef idx="0">
+            <a:schemeClr val="accent1"/>
+          </a:effectRef>
+          <a:fontRef idx="minor">
+            <a:schemeClr val="tx1"/>
+          </a:fontRef>
+        </p:style>
+      </p:cxnSp>
+      <p:sp>
+        <p:nvSpPr>
+          <p:cNvPr id="10" name="ZoneTexte 9"/>
+          <p:cNvSpPr txBox="1"/>
+          <p:nvPr/>
+        </p:nvSpPr>
+        <p:spPr>
+          <a:xfrm>
+            <a:off x="5042061" y="4207194"/>
+            <a:ext cx="2736304" cy="369332"/>
+          </a:xfrm>
+          <a:prstGeom prst="rect">
+            <a:avLst/>
+          </a:prstGeom>
+          <a:noFill/>
+        </p:spPr>
+        <p:txBody>
+          <a:bodyPr wrap="square" rtlCol="0">
+            <a:spAutoFit/>
+          </a:bodyPr>
+          <a:lstStyle/>
+          <a:p>
+            <a:r>
+              <a:rPr lang="fr-FR" dirty="0" smtClean="0"/>
+              <a:t>Axe </a:t>
+            </a:r>
+            <a:r>
+              <a:rPr lang="fr-FR" dirty="0" err="1" smtClean="0"/>
+              <a:t>Emericc</a:t>
+            </a:r>
+            <a:r>
+              <a:rPr lang="fr-FR" dirty="0" smtClean="0"/>
+              <a:t> avec masses</a:t>
+            </a:r>
+            <a:endParaRPr lang="fr-FR" dirty="0"/>
+          </a:p>
+        </p:txBody>
+      </p:sp>
+      <p:cxnSp>
+        <p:nvCxnSpPr>
+          <p:cNvPr id="13" name="Connecteur droit avec flèche 12"/>
+          <p:cNvCxnSpPr/>
+          <p:nvPr/>
+        </p:nvCxnSpPr>
+        <p:spPr>
+          <a:xfrm flipH="1">
+            <a:off x="3995936" y="4797152"/>
+            <a:ext cx="1008112" cy="0"/>
+          </a:xfrm>
+          <a:prstGeom prst="straightConnector1">
+            <a:avLst/>
+          </a:prstGeom>
+          <a:ln w="28575">
+            <a:solidFill>
+              <a:srgbClr val="FF0000"/>
+            </a:solidFill>
+            <a:tailEnd type="stealth" w="med" len="lg"/>
+          </a:ln>
+        </p:spPr>
+        <p:style>
+          <a:lnRef idx="1">
+            <a:schemeClr val="accent1"/>
+          </a:lnRef>
+          <a:fillRef idx="0">
+            <a:schemeClr val="accent1"/>
+          </a:fillRef>
+          <a:effectRef idx="0">
+            <a:schemeClr val="accent1"/>
+          </a:effectRef>
+          <a:fontRef idx="minor">
+            <a:schemeClr val="tx1"/>
+          </a:fontRef>
+        </p:style>
+      </p:cxnSp>
+      <p:sp>
+        <p:nvSpPr>
+          <p:cNvPr id="14" name="ZoneTexte 13"/>
+          <p:cNvSpPr txBox="1"/>
+          <p:nvPr/>
+        </p:nvSpPr>
+        <p:spPr>
+          <a:xfrm>
+            <a:off x="5042061" y="4612486"/>
+            <a:ext cx="1440160" cy="369332"/>
+          </a:xfrm>
+          <a:prstGeom prst="rect">
+            <a:avLst/>
+          </a:prstGeom>
+          <a:noFill/>
+        </p:spPr>
+        <p:txBody>
+          <a:bodyPr wrap="square" rtlCol="0">
+            <a:spAutoFit/>
+          </a:bodyPr>
+          <a:lstStyle/>
+          <a:p>
+            <a:r>
+              <a:rPr lang="fr-FR" dirty="0" smtClean="0"/>
+              <a:t>Pupitre</a:t>
+            </a:r>
+            <a:endParaRPr lang="fr-FR" dirty="0"/>
+          </a:p>
+        </p:txBody>
+      </p:sp>
+      <p:cxnSp>
+        <p:nvCxnSpPr>
+          <p:cNvPr id="16" name="Connecteur droit avec flèche 15"/>
+          <p:cNvCxnSpPr/>
+          <p:nvPr/>
+        </p:nvCxnSpPr>
+        <p:spPr>
+          <a:xfrm flipH="1">
+            <a:off x="3275856" y="5229081"/>
+            <a:ext cx="1728192" cy="0"/>
+          </a:xfrm>
+          <a:prstGeom prst="straightConnector1">
+            <a:avLst/>
+          </a:prstGeom>
+          <a:ln w="28575">
+            <a:solidFill>
+              <a:srgbClr val="FF0000"/>
+            </a:solidFill>
+            <a:tailEnd type="stealth" w="med" len="lg"/>
+          </a:ln>
+        </p:spPr>
+        <p:style>
+          <a:lnRef idx="1">
+            <a:schemeClr val="accent1"/>
+          </a:lnRef>
+          <a:fillRef idx="0">
+            <a:schemeClr val="accent1"/>
+          </a:fillRef>
+          <a:effectRef idx="0">
+            <a:schemeClr val="accent1"/>
+          </a:effectRef>
+          <a:fontRef idx="minor">
+            <a:schemeClr val="tx1"/>
+          </a:fontRef>
+        </p:style>
+      </p:cxnSp>
+      <p:sp>
+        <p:nvSpPr>
+          <p:cNvPr id="17" name="ZoneTexte 16"/>
+          <p:cNvSpPr txBox="1"/>
+          <p:nvPr/>
+        </p:nvSpPr>
+        <p:spPr>
+          <a:xfrm>
+            <a:off x="5042060" y="5044415"/>
+            <a:ext cx="3130339" cy="646331"/>
+          </a:xfrm>
+          <a:prstGeom prst="rect">
+            <a:avLst/>
+          </a:prstGeom>
+          <a:noFill/>
+        </p:spPr>
+        <p:txBody>
+          <a:bodyPr wrap="square" rtlCol="0">
+            <a:spAutoFit/>
+          </a:bodyPr>
+          <a:lstStyle/>
+          <a:p>
+            <a:r>
+              <a:rPr lang="fr-FR" dirty="0" smtClean="0"/>
+              <a:t>Déplacement manuel du chariot</a:t>
+            </a:r>
+            <a:endParaRPr lang="fr-FR" dirty="0"/>
+          </a:p>
+        </p:txBody>
+      </p:sp>
+    </p:spTree>
+    <p:extLst>
+      <p:ext uri="{BB962C8B-B14F-4D97-AF65-F5344CB8AC3E}">
+        <p14:creationId xmlns:p14="http://schemas.microsoft.com/office/powerpoint/2010/main" val="4283005353"/>
+      </p:ext>
+    </p:extLst>
+  </p:cSld>
+  <p:clrMapOvr>
+    <a:masterClrMapping/>
+  </p:clrMapOvr>
+</p:sld>
+</file>
+
+<file path=ppt/slides/slide7.xml><?xml version="1.0" encoding="utf-8"?>
+<p:sld xmlns:a="http://schemas.openxmlformats.org/drawingml/2006/main" xmlns:r="http://schemas.openxmlformats.org/officeDocument/2006/relationships" xmlns:p="http://schemas.openxmlformats.org/presentationml/2006/main">
+  <p:cSld>
+    <p:spTree>
+      <p:nvGrpSpPr>
+        <p:cNvPr id="1" name=""/>
+        <p:cNvGrpSpPr/>
+        <p:nvPr/>
+      </p:nvGrpSpPr>
+      <p:grpSpPr>
+        <a:xfrm>
+          <a:off x="0" y="0"/>
+          <a:ext cx="0" cy="0"/>
+          <a:chOff x="0" y="0"/>
+          <a:chExt cx="0" cy="0"/>
+        </a:xfrm>
+      </p:grpSpPr>
+      <p:sp>
+        <p:nvSpPr>
+          <p:cNvPr id="2" name="Titre 1"/>
+          <p:cNvSpPr>
+            <a:spLocks noGrp="1"/>
+          </p:cNvSpPr>
+          <p:nvPr>
+            <p:ph type="ctrTitle"/>
+          </p:nvPr>
+        </p:nvSpPr>
+        <p:spPr/>
+        <p:txBody>
+          <a:bodyPr/>
+          <a:lstStyle/>
+          <a:p>
+            <a:r>
+              <a:rPr lang="fr-FR" dirty="0" smtClean="0"/>
+              <a:t>Présentation externe de </a:t>
+            </a:r>
+            <a:r>
+              <a:rPr lang="fr-FR" dirty="0" smtClean="0"/>
+              <a:t>L’axe </a:t>
+            </a:r>
+            <a:r>
+              <a:rPr lang="fr-FR" dirty="0" err="1" smtClean="0"/>
+              <a:t>Emericc</a:t>
+            </a:r>
+            <a:endParaRPr lang="fr-FR" dirty="0"/>
+          </a:p>
+        </p:txBody>
+      </p:sp>
+      <p:sp>
+        <p:nvSpPr>
+          <p:cNvPr id="3" name="Espace réservé du numéro de diapositive 2"/>
+          <p:cNvSpPr>
+            <a:spLocks noGrp="1"/>
+          </p:cNvSpPr>
+          <p:nvPr>
+            <p:ph type="sldNum" sz="quarter" idx="12"/>
+          </p:nvPr>
+        </p:nvSpPr>
+        <p:spPr/>
+        <p:txBody>
+          <a:bodyPr/>
+          <a:lstStyle/>
+          <a:p>
+            <a:pPr algn="r"/>
+            <a:fld id="{256D3EEF-DE4E-429D-8EC4-DDC531AFF587}" type="slidenum">
+              <a:rPr kumimoji="0" lang="fr-FR" sz="1000" smtClean="0"/>
+              <a:pPr algn="r"/>
+              <a:t>7</a:t>
+            </a:fld>
+            <a:endParaRPr kumimoji="0" lang="fr-FR"/>
+          </a:p>
+        </p:txBody>
+      </p:sp>
+      <p:sp>
+        <p:nvSpPr>
+          <p:cNvPr id="5" name="ZoneTexte 4">
+            <a:hlinkClick r:id="rId2" action="ppaction://hlinksldjump"/>
+          </p:cNvPr>
+          <p:cNvSpPr txBox="1"/>
+          <p:nvPr/>
+        </p:nvSpPr>
+        <p:spPr>
+          <a:xfrm>
+            <a:off x="107504" y="6525344"/>
+            <a:ext cx="8136904" cy="307777"/>
+          </a:xfrm>
+          <a:prstGeom prst="rect">
+            <a:avLst/>
+          </a:prstGeom>
+          <a:noFill/>
+        </p:spPr>
+        <p:txBody>
+          <a:bodyPr wrap="square" rtlCol="0">
+            <a:spAutoFit/>
+          </a:bodyPr>
+          <a:lstStyle/>
+          <a:p>
+            <a:pPr algn="r"/>
+            <a:r>
+              <a:rPr lang="fr-FR" sz="1400" i="1" dirty="0" smtClean="0">
+                <a:solidFill>
+                  <a:schemeClr val="bg1">
+                    <a:lumMod val="50000"/>
+                  </a:schemeClr>
+                </a:solidFill>
+              </a:rPr>
+              <a:t>Retour vers le menu</a:t>
+            </a:r>
+            <a:endParaRPr lang="fr-FR" sz="1400" i="1" dirty="0">
+              <a:solidFill>
+                <a:schemeClr val="bg1">
+                  <a:lumMod val="50000"/>
+                </a:schemeClr>
+              </a:solidFill>
+            </a:endParaRPr>
+          </a:p>
+        </p:txBody>
+      </p:sp>
+    </p:spTree>
+    <p:extLst>
+      <p:ext uri="{BB962C8B-B14F-4D97-AF65-F5344CB8AC3E}">
+        <p14:creationId xmlns:p14="http://schemas.microsoft.com/office/powerpoint/2010/main" val="3295037969"/>
+      </p:ext>
+    </p:extLst>
+  </p:cSld>
+  <p:clrMapOvr>
+    <a:masterClrMapping/>
+  </p:clrMapOvr>
+</p:sld>
+</file>
+
+<file path=ppt/slides/slide8.xml><?xml version="1.0" encoding="utf-8"?>
+<p:sld xmlns:a="http://schemas.openxmlformats.org/drawingml/2006/main" xmlns:r="http://schemas.openxmlformats.org/officeDocument/2006/relationships" xmlns:p="http://schemas.openxmlformats.org/presentationml/2006/main">
+  <p:cSld>
+    <p:spTree>
+      <p:nvGrpSpPr>
+        <p:cNvPr id="1" name=""/>
+        <p:cNvGrpSpPr/>
+        <p:nvPr/>
+      </p:nvGrpSpPr>
+      <p:grpSpPr>
+        <a:xfrm>
+          <a:off x="0" y="0"/>
+          <a:ext cx="0" cy="0"/>
+          <a:chOff x="0" y="0"/>
+          <a:chExt cx="0" cy="0"/>
+        </a:xfrm>
+      </p:grpSpPr>
+      <p:sp>
+        <p:nvSpPr>
+          <p:cNvPr id="5" name="Espace réservé du contenu 4"/>
+          <p:cNvSpPr>
+            <a:spLocks noGrp="1"/>
+          </p:cNvSpPr>
+          <p:nvPr>
+            <p:ph sz="quarter" idx="15"/>
+          </p:nvPr>
+        </p:nvSpPr>
+        <p:spPr/>
+        <p:txBody>
+          <a:bodyPr/>
+          <a:lstStyle/>
+          <a:p>
+            <a:endParaRPr lang="fr-FR" dirty="0"/>
+          </a:p>
+        </p:txBody>
+      </p:sp>
+      <p:sp>
+        <p:nvSpPr>
+          <p:cNvPr id="3" name="Espace réservé du numéro de diapositive 2"/>
+          <p:cNvSpPr>
+            <a:spLocks noGrp="1"/>
+          </p:cNvSpPr>
+          <p:nvPr>
+            <p:ph type="sldNum" sz="quarter" idx="17"/>
+          </p:nvPr>
+        </p:nvSpPr>
+        <p:spPr/>
+        <p:txBody>
+          <a:bodyPr/>
+          <a:lstStyle/>
+          <a:p>
+            <a:pPr algn="r"/>
+            <a:fld id="{256D3EEF-DE4E-429D-8EC4-DDC531AFF587}" type="slidenum">
+              <a:rPr kumimoji="0" lang="fr-FR" sz="1000" smtClean="0"/>
+              <a:pPr algn="r"/>
+              <a:t>8</a:t>
+            </a:fld>
+            <a:endParaRPr kumimoji="0" lang="fr-FR"/>
+          </a:p>
+        </p:txBody>
+      </p:sp>
+      <p:sp>
+        <p:nvSpPr>
+          <p:cNvPr id="4" name="Espace réservé du texte 3"/>
+          <p:cNvSpPr>
+            <a:spLocks noGrp="1"/>
+          </p:cNvSpPr>
+          <p:nvPr>
+            <p:ph type="body" sz="quarter" idx="13"/>
+          </p:nvPr>
+        </p:nvSpPr>
+        <p:spPr/>
+        <p:txBody>
+          <a:bodyPr>
+            <a:normAutofit fontScale="55000" lnSpcReduction="20000"/>
+          </a:bodyPr>
+          <a:lstStyle/>
+          <a:p>
+            <a:r>
+              <a:rPr lang="fr-FR" dirty="0"/>
+              <a:t>Présentation externe de la </a:t>
+            </a:r>
+            <a:r>
+              <a:rPr lang="fr-FR" dirty="0" smtClean="0"/>
+              <a:t>DAE</a:t>
+            </a:r>
+          </a:p>
+          <a:p>
+            <a:r>
+              <a:rPr lang="fr-FR" dirty="0" smtClean="0"/>
+              <a:t>Constituants de la DAE</a:t>
+            </a:r>
+            <a:endParaRPr lang="fr-FR" dirty="0"/>
+          </a:p>
+        </p:txBody>
+      </p:sp>
+      <p:sp>
+        <p:nvSpPr>
+          <p:cNvPr id="23" name="ZoneTexte 22">
+            <a:hlinkClick r:id="rId2" action="ppaction://hlinksldjump"/>
+          </p:cNvPr>
+          <p:cNvSpPr txBox="1"/>
+          <p:nvPr/>
+        </p:nvSpPr>
+        <p:spPr>
+          <a:xfrm>
+            <a:off x="107504" y="6525344"/>
+            <a:ext cx="8136904" cy="307777"/>
+          </a:xfrm>
+          <a:prstGeom prst="rect">
+            <a:avLst/>
+          </a:prstGeom>
+          <a:noFill/>
+        </p:spPr>
+        <p:txBody>
+          <a:bodyPr wrap="square" rtlCol="0">
+            <a:spAutoFit/>
+          </a:bodyPr>
+          <a:lstStyle/>
+          <a:p>
+            <a:pPr algn="r"/>
+            <a:r>
+              <a:rPr lang="fr-FR" sz="1400" i="1" dirty="0" smtClean="0">
+                <a:solidFill>
+                  <a:schemeClr val="bg1">
+                    <a:lumMod val="50000"/>
+                  </a:schemeClr>
+                </a:solidFill>
+              </a:rPr>
+              <a:t>Retour vers le menu</a:t>
+            </a:r>
+            <a:endParaRPr lang="fr-FR" sz="1400" i="1" dirty="0">
+              <a:solidFill>
+                <a:schemeClr val="bg1">
+                  <a:lumMod val="50000"/>
+                </a:schemeClr>
+              </a:solidFill>
+            </a:endParaRPr>
+          </a:p>
+        </p:txBody>
+      </p:sp>
+    </p:spTree>
+    <p:extLst>
+      <p:ext uri="{BB962C8B-B14F-4D97-AF65-F5344CB8AC3E}">
+        <p14:creationId xmlns:p14="http://schemas.microsoft.com/office/powerpoint/2010/main" val="3894496050"/>
+      </p:ext>
+    </p:extLst>
+  </p:cSld>
+  <p:clrMapOvr>
+    <a:masterClrMapping/>
+  </p:clrMapOvr>
+  <p:timing>
+    <p:tnLst>
+      <p:par>
+        <p:cTn id="1" dur="indefinite" restart="never" nodeType="tmRoot"/>
+      </p:par>
+    </p:tnLst>
+  </p:timing>
+</p:sld>
+</file>
+
+<file path=ppt/slides/slide9.xml><?xml version="1.0" encoding="utf-8"?>
+<p:sld xmlns:a="http://schemas.openxmlformats.org/drawingml/2006/main" xmlns:r="http://schemas.openxmlformats.org/officeDocument/2006/relationships" xmlns:p="http://schemas.openxmlformats.org/presentationml/2006/main">
+  <p:cSld>
+    <p:spTree>
+      <p:nvGrpSpPr>
+        <p:cNvPr id="1" name=""/>
+        <p:cNvGrpSpPr/>
+        <p:nvPr/>
+      </p:nvGrpSpPr>
+      <p:grpSpPr>
+        <a:xfrm>
+          <a:off x="0" y="0"/>
+          <a:ext cx="0" cy="0"/>
+          <a:chOff x="0" y="0"/>
+          <a:chExt cx="0" cy="0"/>
+        </a:xfrm>
+      </p:grpSpPr>
+      <p:sp>
+        <p:nvSpPr>
+          <p:cNvPr id="2" name="Espace réservé du contenu 1"/>
+          <p:cNvSpPr>
+            <a:spLocks noGrp="1"/>
+          </p:cNvSpPr>
+          <p:nvPr>
+            <p:ph sz="quarter" idx="15"/>
+          </p:nvPr>
+        </p:nvSpPr>
+        <p:spPr/>
+        <p:txBody>
+          <a:bodyPr/>
+          <a:lstStyle/>
+          <a:p>
+            <a:endParaRPr lang="fr-FR"/>
+          </a:p>
+        </p:txBody>
+      </p:sp>
+      <p:sp>
+        <p:nvSpPr>
+          <p:cNvPr id="3" name="Espace réservé du numéro de diapositive 2"/>
+          <p:cNvSpPr>
+            <a:spLocks noGrp="1"/>
+          </p:cNvSpPr>
+          <p:nvPr>
+            <p:ph type="sldNum" sz="quarter" idx="17"/>
+          </p:nvPr>
+        </p:nvSpPr>
+        <p:spPr/>
+        <p:txBody>
+          <a:bodyPr/>
+          <a:lstStyle/>
+          <a:p>
+            <a:fld id="{256D3EEF-DE4E-429D-8EC4-DDC531AFF587}" type="slidenum">
+              <a:rPr lang="fr-FR" smtClean="0"/>
+              <a:pPr/>
+              <a:t>9</a:t>
             </a:fld>
             <a:endParaRPr lang="fr-FR" dirty="0"/>
           </a:p>
@@ -11214,3314 +14657,6 @@
 </p:sld>
 </file>
 
-<file path=ppt/slides/slide12.xml><?xml version="1.0" encoding="utf-8"?>
-<p:sld xmlns:a="http://schemas.openxmlformats.org/drawingml/2006/main" xmlns:r="http://schemas.openxmlformats.org/officeDocument/2006/relationships" xmlns:p="http://schemas.openxmlformats.org/presentationml/2006/main">
-  <p:cSld>
-    <p:spTree>
-      <p:nvGrpSpPr>
-        <p:cNvPr id="1" name=""/>
-        <p:cNvGrpSpPr/>
-        <p:nvPr/>
-      </p:nvGrpSpPr>
-      <p:grpSpPr>
-        <a:xfrm>
-          <a:off x="0" y="0"/>
-          <a:ext cx="0" cy="0"/>
-          <a:chOff x="0" y="0"/>
-          <a:chExt cx="0" cy="0"/>
-        </a:xfrm>
-      </p:grpSpPr>
-      <p:sp>
-        <p:nvSpPr>
-          <p:cNvPr id="3" name="Espace réservé du numéro de diapositive 2"/>
-          <p:cNvSpPr>
-            <a:spLocks noGrp="1"/>
-          </p:cNvSpPr>
-          <p:nvPr>
-            <p:ph type="sldNum" sz="quarter" idx="17"/>
-          </p:nvPr>
-        </p:nvSpPr>
-        <p:spPr/>
-        <p:txBody>
-          <a:bodyPr/>
-          <a:lstStyle/>
-          <a:p>
-            <a:fld id="{256D3EEF-DE4E-429D-8EC4-DDC531AFF587}" type="slidenum">
-              <a:rPr lang="fr-FR" smtClean="0"/>
-              <a:pPr/>
-              <a:t>12</a:t>
-            </a:fld>
-            <a:endParaRPr lang="fr-FR" dirty="0"/>
-          </a:p>
-        </p:txBody>
-      </p:sp>
-      <p:sp>
-        <p:nvSpPr>
-          <p:cNvPr id="4" name="Espace réservé du texte 3"/>
-          <p:cNvSpPr>
-            <a:spLocks noGrp="1"/>
-          </p:cNvSpPr>
-          <p:nvPr>
-            <p:ph type="body" sz="quarter" idx="13"/>
-          </p:nvPr>
-        </p:nvSpPr>
-        <p:spPr/>
-        <p:txBody>
-          <a:bodyPr>
-            <a:normAutofit fontScale="55000" lnSpcReduction="20000"/>
-          </a:bodyPr>
-          <a:lstStyle/>
-          <a:p>
-            <a:r>
-              <a:rPr lang="fr-FR" dirty="0"/>
-              <a:t>Présentation externe de </a:t>
-            </a:r>
-            <a:r>
-              <a:rPr lang="fr-FR" dirty="0" smtClean="0"/>
-              <a:t>l’axe </a:t>
-            </a:r>
-            <a:r>
-              <a:rPr lang="fr-FR" dirty="0" err="1" smtClean="0"/>
-              <a:t>Emericc</a:t>
-            </a:r>
-            <a:endParaRPr lang="fr-FR" dirty="0" smtClean="0"/>
-          </a:p>
-          <a:p>
-            <a:r>
-              <a:rPr lang="fr-FR" dirty="0" smtClean="0"/>
-              <a:t>Cahier </a:t>
-            </a:r>
-            <a:r>
-              <a:rPr lang="fr-FR" dirty="0" smtClean="0"/>
-              <a:t>des charges</a:t>
-            </a:r>
-            <a:endParaRPr lang="fr-FR" dirty="0"/>
-          </a:p>
-        </p:txBody>
-      </p:sp>
-      <p:sp>
-        <p:nvSpPr>
-          <p:cNvPr id="9" name="ZoneTexte 8">
-            <a:hlinkClick r:id="rId2" action="ppaction://hlinksldjump"/>
-          </p:cNvPr>
-          <p:cNvSpPr txBox="1"/>
-          <p:nvPr/>
-        </p:nvSpPr>
-        <p:spPr>
-          <a:xfrm>
-            <a:off x="107504" y="6525344"/>
-            <a:ext cx="8136904" cy="307777"/>
-          </a:xfrm>
-          <a:prstGeom prst="rect">
-            <a:avLst/>
-          </a:prstGeom>
-          <a:noFill/>
-        </p:spPr>
-        <p:txBody>
-          <a:bodyPr wrap="square" rtlCol="0">
-            <a:spAutoFit/>
-          </a:bodyPr>
-          <a:lstStyle/>
-          <a:p>
-            <a:pPr algn="r"/>
-            <a:r>
-              <a:rPr lang="fr-FR" sz="1400" i="1" dirty="0" smtClean="0">
-                <a:solidFill>
-                  <a:schemeClr val="bg1">
-                    <a:lumMod val="50000"/>
-                  </a:schemeClr>
-                </a:solidFill>
-              </a:rPr>
-              <a:t>Retour vers le menu</a:t>
-            </a:r>
-            <a:endParaRPr lang="fr-FR" sz="1400" i="1" dirty="0">
-              <a:solidFill>
-                <a:schemeClr val="bg1">
-                  <a:lumMod val="50000"/>
-                </a:schemeClr>
-              </a:solidFill>
-            </a:endParaRPr>
-          </a:p>
-        </p:txBody>
-      </p:sp>
-    </p:spTree>
-    <p:extLst>
-      <p:ext uri="{BB962C8B-B14F-4D97-AF65-F5344CB8AC3E}">
-        <p14:creationId xmlns:p14="http://schemas.microsoft.com/office/powerpoint/2010/main" val="2706017064"/>
-      </p:ext>
-    </p:extLst>
-  </p:cSld>
-  <p:clrMapOvr>
-    <a:masterClrMapping/>
-  </p:clrMapOvr>
-  <p:timing>
-    <p:tnLst>
-      <p:par>
-        <p:cTn id="1" dur="indefinite" restart="never" nodeType="tmRoot"/>
-      </p:par>
-    </p:tnLst>
-  </p:timing>
-</p:sld>
-</file>
-
-<file path=ppt/slides/slide13.xml><?xml version="1.0" encoding="utf-8"?>
-<p:sld xmlns:a="http://schemas.openxmlformats.org/drawingml/2006/main" xmlns:r="http://schemas.openxmlformats.org/officeDocument/2006/relationships" xmlns:p="http://schemas.openxmlformats.org/presentationml/2006/main">
-  <p:cSld>
-    <p:spTree>
-      <p:nvGrpSpPr>
-        <p:cNvPr id="1" name=""/>
-        <p:cNvGrpSpPr/>
-        <p:nvPr/>
-      </p:nvGrpSpPr>
-      <p:grpSpPr>
-        <a:xfrm>
-          <a:off x="0" y="0"/>
-          <a:ext cx="0" cy="0"/>
-          <a:chOff x="0" y="0"/>
-          <a:chExt cx="0" cy="0"/>
-        </a:xfrm>
-      </p:grpSpPr>
-      <p:sp>
-        <p:nvSpPr>
-          <p:cNvPr id="2" name="Titre 1"/>
-          <p:cNvSpPr>
-            <a:spLocks noGrp="1"/>
-          </p:cNvSpPr>
-          <p:nvPr>
-            <p:ph type="ctrTitle"/>
-          </p:nvPr>
-        </p:nvSpPr>
-        <p:spPr/>
-        <p:txBody>
-          <a:bodyPr/>
-          <a:lstStyle/>
-          <a:p>
-            <a:r>
-              <a:rPr lang="fr-FR" dirty="0" smtClean="0"/>
-              <a:t>Présentation interne de </a:t>
-            </a:r>
-            <a:r>
-              <a:rPr lang="fr-FR" dirty="0" smtClean="0"/>
-              <a:t>l’axe </a:t>
-            </a:r>
-            <a:r>
-              <a:rPr lang="fr-FR" dirty="0" err="1" smtClean="0"/>
-              <a:t>Emericc</a:t>
-            </a:r>
-            <a:endParaRPr lang="fr-FR" dirty="0"/>
-          </a:p>
-        </p:txBody>
-      </p:sp>
-      <p:sp>
-        <p:nvSpPr>
-          <p:cNvPr id="3" name="Espace réservé du numéro de diapositive 2"/>
-          <p:cNvSpPr>
-            <a:spLocks noGrp="1"/>
-          </p:cNvSpPr>
-          <p:nvPr>
-            <p:ph type="sldNum" sz="quarter" idx="12"/>
-          </p:nvPr>
-        </p:nvSpPr>
-        <p:spPr/>
-        <p:txBody>
-          <a:bodyPr/>
-          <a:lstStyle/>
-          <a:p>
-            <a:pPr algn="r"/>
-            <a:fld id="{256D3EEF-DE4E-429D-8EC4-DDC531AFF587}" type="slidenum">
-              <a:rPr kumimoji="0" lang="fr-FR" sz="1000" smtClean="0"/>
-              <a:pPr algn="r"/>
-              <a:t>13</a:t>
-            </a:fld>
-            <a:endParaRPr kumimoji="0" lang="fr-FR"/>
-          </a:p>
-        </p:txBody>
-      </p:sp>
-      <p:sp>
-        <p:nvSpPr>
-          <p:cNvPr id="5" name="ZoneTexte 4">
-            <a:hlinkClick r:id="rId2" action="ppaction://hlinksldjump"/>
-          </p:cNvPr>
-          <p:cNvSpPr txBox="1"/>
-          <p:nvPr/>
-        </p:nvSpPr>
-        <p:spPr>
-          <a:xfrm>
-            <a:off x="107504" y="6525344"/>
-            <a:ext cx="8136904" cy="307777"/>
-          </a:xfrm>
-          <a:prstGeom prst="rect">
-            <a:avLst/>
-          </a:prstGeom>
-          <a:noFill/>
-        </p:spPr>
-        <p:txBody>
-          <a:bodyPr wrap="square" rtlCol="0">
-            <a:spAutoFit/>
-          </a:bodyPr>
-          <a:lstStyle/>
-          <a:p>
-            <a:pPr algn="r"/>
-            <a:r>
-              <a:rPr lang="fr-FR" sz="1400" i="1" dirty="0" smtClean="0">
-                <a:solidFill>
-                  <a:schemeClr val="bg1">
-                    <a:lumMod val="50000"/>
-                  </a:schemeClr>
-                </a:solidFill>
-              </a:rPr>
-              <a:t>Retour vers le menu</a:t>
-            </a:r>
-            <a:endParaRPr lang="fr-FR" sz="1400" i="1" dirty="0">
-              <a:solidFill>
-                <a:schemeClr val="bg1">
-                  <a:lumMod val="50000"/>
-                </a:schemeClr>
-              </a:solidFill>
-            </a:endParaRPr>
-          </a:p>
-        </p:txBody>
-      </p:sp>
-    </p:spTree>
-    <p:extLst>
-      <p:ext uri="{BB962C8B-B14F-4D97-AF65-F5344CB8AC3E}">
-        <p14:creationId xmlns:p14="http://schemas.microsoft.com/office/powerpoint/2010/main" val="3834210991"/>
-      </p:ext>
-    </p:extLst>
-  </p:cSld>
-  <p:clrMapOvr>
-    <a:masterClrMapping/>
-  </p:clrMapOvr>
-  <p:timing>
-    <p:tnLst>
-      <p:par>
-        <p:cTn id="1" dur="indefinite" restart="never" nodeType="tmRoot"/>
-      </p:par>
-    </p:tnLst>
-  </p:timing>
-</p:sld>
-</file>
-
-<file path=ppt/slides/slide14.xml><?xml version="1.0" encoding="utf-8"?>
-<p:sld xmlns:a="http://schemas.openxmlformats.org/drawingml/2006/main" xmlns:r="http://schemas.openxmlformats.org/officeDocument/2006/relationships" xmlns:p="http://schemas.openxmlformats.org/presentationml/2006/main">
-  <p:cSld>
-    <p:spTree>
-      <p:nvGrpSpPr>
-        <p:cNvPr id="1" name=""/>
-        <p:cNvGrpSpPr/>
-        <p:nvPr/>
-      </p:nvGrpSpPr>
-      <p:grpSpPr>
-        <a:xfrm>
-          <a:off x="0" y="0"/>
-          <a:ext cx="0" cy="0"/>
-          <a:chOff x="0" y="0"/>
-          <a:chExt cx="0" cy="0"/>
-        </a:xfrm>
-      </p:grpSpPr>
-      <p:sp>
-        <p:nvSpPr>
-          <p:cNvPr id="3" name="Espace réservé du numéro de diapositive 2"/>
-          <p:cNvSpPr>
-            <a:spLocks noGrp="1"/>
-          </p:cNvSpPr>
-          <p:nvPr>
-            <p:ph type="sldNum" sz="quarter" idx="17"/>
-          </p:nvPr>
-        </p:nvSpPr>
-        <p:spPr/>
-        <p:txBody>
-          <a:bodyPr/>
-          <a:lstStyle/>
-          <a:p>
-            <a:pPr algn="r"/>
-            <a:fld id="{256D3EEF-DE4E-429D-8EC4-DDC531AFF587}" type="slidenum">
-              <a:rPr kumimoji="0" lang="fr-FR" sz="1000" smtClean="0"/>
-              <a:pPr algn="r"/>
-              <a:t>14</a:t>
-            </a:fld>
-            <a:endParaRPr kumimoji="0" lang="fr-FR"/>
-          </a:p>
-        </p:txBody>
-      </p:sp>
-      <p:sp>
-        <p:nvSpPr>
-          <p:cNvPr id="4" name="Espace réservé du texte 3"/>
-          <p:cNvSpPr>
-            <a:spLocks noGrp="1"/>
-          </p:cNvSpPr>
-          <p:nvPr>
-            <p:ph type="body" sz="quarter" idx="13"/>
-          </p:nvPr>
-        </p:nvSpPr>
-        <p:spPr/>
-        <p:txBody>
-          <a:bodyPr>
-            <a:normAutofit fontScale="55000" lnSpcReduction="20000"/>
-          </a:bodyPr>
-          <a:lstStyle/>
-          <a:p>
-            <a:r>
-              <a:rPr lang="fr-FR" dirty="0"/>
-              <a:t>Présentation interne de </a:t>
-            </a:r>
-            <a:r>
-              <a:rPr lang="fr-FR" dirty="0" smtClean="0"/>
-              <a:t>l’axe </a:t>
-            </a:r>
-            <a:r>
-              <a:rPr lang="fr-FR" dirty="0" err="1" smtClean="0"/>
-              <a:t>emericc</a:t>
-            </a:r>
-            <a:endParaRPr lang="fr-FR" dirty="0" smtClean="0"/>
-          </a:p>
-          <a:p>
-            <a:r>
-              <a:rPr lang="fr-FR" dirty="0" smtClean="0"/>
-              <a:t>Diagramme de blocs</a:t>
-            </a:r>
-          </a:p>
-        </p:txBody>
-      </p:sp>
-      <p:sp>
-        <p:nvSpPr>
-          <p:cNvPr id="7" name="ZoneTexte 6">
-            <a:hlinkClick r:id="rId2" action="ppaction://hlinksldjump"/>
-          </p:cNvPr>
-          <p:cNvSpPr txBox="1"/>
-          <p:nvPr/>
-        </p:nvSpPr>
-        <p:spPr>
-          <a:xfrm>
-            <a:off x="107504" y="6525344"/>
-            <a:ext cx="8136904" cy="307777"/>
-          </a:xfrm>
-          <a:prstGeom prst="rect">
-            <a:avLst/>
-          </a:prstGeom>
-          <a:noFill/>
-        </p:spPr>
-        <p:txBody>
-          <a:bodyPr wrap="square" rtlCol="0">
-            <a:spAutoFit/>
-          </a:bodyPr>
-          <a:lstStyle/>
-          <a:p>
-            <a:pPr algn="r"/>
-            <a:r>
-              <a:rPr lang="fr-FR" sz="1400" i="1" dirty="0" smtClean="0">
-                <a:solidFill>
-                  <a:schemeClr val="bg1">
-                    <a:lumMod val="50000"/>
-                  </a:schemeClr>
-                </a:solidFill>
-              </a:rPr>
-              <a:t>Retour vers le menu</a:t>
-            </a:r>
-            <a:endParaRPr lang="fr-FR" sz="1400" i="1" dirty="0">
-              <a:solidFill>
-                <a:schemeClr val="bg1">
-                  <a:lumMod val="50000"/>
-                </a:schemeClr>
-              </a:solidFill>
-            </a:endParaRPr>
-          </a:p>
-        </p:txBody>
-      </p:sp>
-      <p:pic>
-        <p:nvPicPr>
-          <p:cNvPr id="6" name="Image 5" descr="C:\Users\Xavier Pessoles\Dropbox\PartageXavier\PTSI\TP\Serie_3_SLCI_Scilab\Ressources\BDD.png"/>
-          <p:cNvPicPr/>
-          <p:nvPr/>
-        </p:nvPicPr>
-        <p:blipFill>
-          <a:blip r:embed="rId3">
-            <a:extLst>
-              <a:ext uri="{28A0092B-C50C-407E-A947-70E740481C1C}">
-                <a14:useLocalDpi xmlns:a14="http://schemas.microsoft.com/office/drawing/2010/main" val="0"/>
-              </a:ext>
-            </a:extLst>
-          </a:blip>
-          <a:srcRect/>
-          <a:stretch>
-            <a:fillRect/>
-          </a:stretch>
-        </p:blipFill>
-        <p:spPr bwMode="auto">
-          <a:xfrm>
-            <a:off x="1259632" y="1772816"/>
-            <a:ext cx="6181725" cy="2200275"/>
-          </a:xfrm>
-          <a:prstGeom prst="rect">
-            <a:avLst/>
-          </a:prstGeom>
-          <a:noFill/>
-          <a:ln>
-            <a:noFill/>
-          </a:ln>
-        </p:spPr>
-      </p:pic>
-      <mc:AlternateContent xmlns:mc="http://schemas.openxmlformats.org/markup-compatibility/2006">
-        <mc:Choice xmlns:a14="http://schemas.microsoft.com/office/drawing/2010/main" Requires="a14">
-          <p:sp>
-            <p:nvSpPr>
-              <p:cNvPr id="2" name="Rectangle 1"/>
-              <p:cNvSpPr/>
-              <p:nvPr/>
-            </p:nvSpPr>
-            <p:spPr>
-              <a:xfrm>
-                <a:off x="4219419" y="4129879"/>
-                <a:ext cx="3443443" cy="393569"/>
-              </a:xfrm>
-              <a:prstGeom prst="rect">
-                <a:avLst/>
-              </a:prstGeom>
-            </p:spPr>
-            <p:txBody>
-              <a:bodyPr wrap="none">
-                <a:spAutoFit/>
-              </a:bodyPr>
-              <a:lstStyle/>
-              <a:p>
-                <a:r>
-                  <a:rPr lang="fr-FR" dirty="0"/>
-                  <a:t>De plus </a:t>
-                </a:r>
-                <a14:m>
-                  <m:oMath xmlns:m="http://schemas.openxmlformats.org/officeDocument/2006/math">
-                    <m:r>
-                      <a:rPr lang="en-US" i="1"/>
-                      <m:t>𝐽</m:t>
-                    </m:r>
-                    <m:r>
-                      <a:rPr lang="fr-FR" i="1"/>
-                      <m:t> = 47⋅ </m:t>
-                    </m:r>
-                    <m:sSup>
-                      <m:sSupPr>
-                        <m:ctrlPr>
-                          <a:rPr lang="fr-FR" i="1"/>
-                        </m:ctrlPr>
-                      </m:sSupPr>
-                      <m:e>
-                        <m:r>
-                          <a:rPr lang="fr-FR" i="1"/>
-                          <m:t>10</m:t>
-                        </m:r>
-                      </m:e>
-                      <m:sup>
-                        <m:r>
-                          <a:rPr lang="fr-FR" i="1"/>
-                          <m:t>−7</m:t>
-                        </m:r>
-                      </m:sup>
-                    </m:sSup>
-                    <m:r>
-                      <a:rPr lang="fr-FR" i="1"/>
-                      <m:t>⋅ </m:t>
-                    </m:r>
-                    <m:r>
-                      <a:rPr lang="en-US" i="1"/>
-                      <m:t>𝑘𝑔</m:t>
-                    </m:r>
-                    <m:r>
-                      <a:rPr lang="fr-FR" i="1"/>
-                      <m:t>⋅ </m:t>
-                    </m:r>
-                    <m:sSup>
-                      <m:sSupPr>
-                        <m:ctrlPr>
-                          <a:rPr lang="fr-FR" i="1"/>
-                        </m:ctrlPr>
-                      </m:sSupPr>
-                      <m:e>
-                        <m:r>
-                          <a:rPr lang="en-US" i="1"/>
-                          <m:t>𝑚</m:t>
-                        </m:r>
-                      </m:e>
-                      <m:sup>
-                        <m:r>
-                          <a:rPr lang="fr-FR" i="1"/>
-                          <m:t>2</m:t>
-                        </m:r>
-                      </m:sup>
-                    </m:sSup>
-                    <m:r>
-                      <a:rPr lang="en-US" i="1"/>
-                      <m:t> </m:t>
-                    </m:r>
-                  </m:oMath>
-                </a14:m>
-                <a:endParaRPr lang="fr-FR" dirty="0"/>
-              </a:p>
-            </p:txBody>
-          </p:sp>
-        </mc:Choice>
-        <mc:Fallback>
-          <p:sp>
-            <p:nvSpPr>
-              <p:cNvPr id="2" name="Rectangle 1"/>
-              <p:cNvSpPr>
-                <a:spLocks noRot="1" noChangeAspect="1" noMove="1" noResize="1" noEditPoints="1" noAdjustHandles="1" noChangeArrowheads="1" noChangeShapeType="1" noTextEdit="1"/>
-              </p:cNvSpPr>
-              <p:nvPr/>
-            </p:nvSpPr>
-            <p:spPr>
-              <a:xfrm>
-                <a:off x="4219419" y="4129879"/>
-                <a:ext cx="3443443" cy="393569"/>
-              </a:xfrm>
-              <a:prstGeom prst="rect">
-                <a:avLst/>
-              </a:prstGeom>
-              <a:blipFill rotWithShape="1">
-                <a:blip r:embed="rId4"/>
-                <a:stretch>
-                  <a:fillRect l="-1416" t="-1538" b="-23077"/>
-                </a:stretch>
-              </a:blipFill>
-            </p:spPr>
-            <p:txBody>
-              <a:bodyPr/>
-              <a:lstStyle/>
-              <a:p>
-                <a:r>
-                  <a:rPr lang="fr-FR">
-                    <a:noFill/>
-                  </a:rPr>
-                  <a:t> </a:t>
-                </a:r>
-              </a:p>
-            </p:txBody>
-          </p:sp>
-        </mc:Fallback>
-      </mc:AlternateContent>
-    </p:spTree>
-    <p:extLst>
-      <p:ext uri="{BB962C8B-B14F-4D97-AF65-F5344CB8AC3E}">
-        <p14:creationId xmlns:p14="http://schemas.microsoft.com/office/powerpoint/2010/main" val="746680930"/>
-      </p:ext>
-    </p:extLst>
-  </p:cSld>
-  <p:clrMapOvr>
-    <a:masterClrMapping/>
-  </p:clrMapOvr>
-  <p:timing>
-    <p:tnLst>
-      <p:par>
-        <p:cTn id="1" dur="indefinite" restart="never" nodeType="tmRoot"/>
-      </p:par>
-    </p:tnLst>
-  </p:timing>
-</p:sld>
-</file>
-
-<file path=ppt/slides/slide15.xml><?xml version="1.0" encoding="utf-8"?>
-<p:sld xmlns:a="http://schemas.openxmlformats.org/drawingml/2006/main" xmlns:r="http://schemas.openxmlformats.org/officeDocument/2006/relationships" xmlns:p="http://schemas.openxmlformats.org/presentationml/2006/main">
-  <p:cSld>
-    <p:spTree>
-      <p:nvGrpSpPr>
-        <p:cNvPr id="1" name=""/>
-        <p:cNvGrpSpPr/>
-        <p:nvPr/>
-      </p:nvGrpSpPr>
-      <p:grpSpPr>
-        <a:xfrm>
-          <a:off x="0" y="0"/>
-          <a:ext cx="0" cy="0"/>
-          <a:chOff x="0" y="0"/>
-          <a:chExt cx="0" cy="0"/>
-        </a:xfrm>
-      </p:grpSpPr>
-      <p:sp>
-        <p:nvSpPr>
-          <p:cNvPr id="3" name="Espace réservé du numéro de diapositive 2"/>
-          <p:cNvSpPr>
-            <a:spLocks noGrp="1"/>
-          </p:cNvSpPr>
-          <p:nvPr>
-            <p:ph type="sldNum" sz="quarter" idx="17"/>
-          </p:nvPr>
-        </p:nvSpPr>
-        <p:spPr/>
-        <p:txBody>
-          <a:bodyPr/>
-          <a:lstStyle/>
-          <a:p>
-            <a:pPr algn="r"/>
-            <a:fld id="{256D3EEF-DE4E-429D-8EC4-DDC531AFF587}" type="slidenum">
-              <a:rPr kumimoji="0" lang="fr-FR" sz="1000" smtClean="0"/>
-              <a:pPr algn="r"/>
-              <a:t>15</a:t>
-            </a:fld>
-            <a:endParaRPr kumimoji="0" lang="fr-FR"/>
-          </a:p>
-        </p:txBody>
-      </p:sp>
-      <p:sp>
-        <p:nvSpPr>
-          <p:cNvPr id="4" name="Espace réservé du texte 3"/>
-          <p:cNvSpPr>
-            <a:spLocks noGrp="1"/>
-          </p:cNvSpPr>
-          <p:nvPr>
-            <p:ph type="body" sz="quarter" idx="13"/>
-          </p:nvPr>
-        </p:nvSpPr>
-        <p:spPr/>
-        <p:txBody>
-          <a:bodyPr>
-            <a:normAutofit fontScale="55000" lnSpcReduction="20000"/>
-          </a:bodyPr>
-          <a:lstStyle/>
-          <a:p>
-            <a:r>
-              <a:rPr lang="fr-FR" dirty="0"/>
-              <a:t>Présentation interne de </a:t>
-            </a:r>
-            <a:r>
-              <a:rPr lang="fr-FR" dirty="0" smtClean="0"/>
-              <a:t>L’</a:t>
-            </a:r>
-            <a:r>
-              <a:rPr lang="fr-FR" dirty="0" err="1" smtClean="0"/>
-              <a:t>eaxe</a:t>
-            </a:r>
-            <a:r>
-              <a:rPr lang="fr-FR" dirty="0" smtClean="0"/>
-              <a:t> </a:t>
-            </a:r>
-            <a:r>
-              <a:rPr lang="fr-FR" dirty="0" err="1" smtClean="0"/>
-              <a:t>Emericc</a:t>
-            </a:r>
-            <a:endParaRPr lang="fr-FR" dirty="0" smtClean="0"/>
-          </a:p>
-          <a:p>
-            <a:r>
-              <a:rPr lang="fr-FR" dirty="0" smtClean="0"/>
-              <a:t>Diagramme de blocs internes</a:t>
-            </a:r>
-          </a:p>
-        </p:txBody>
-      </p:sp>
-      <p:sp>
-        <p:nvSpPr>
-          <p:cNvPr id="7" name="ZoneTexte 6">
-            <a:hlinkClick r:id="rId2" action="ppaction://hlinksldjump"/>
-          </p:cNvPr>
-          <p:cNvSpPr txBox="1"/>
-          <p:nvPr/>
-        </p:nvSpPr>
-        <p:spPr>
-          <a:xfrm>
-            <a:off x="107504" y="6525344"/>
-            <a:ext cx="8136904" cy="307777"/>
-          </a:xfrm>
-          <a:prstGeom prst="rect">
-            <a:avLst/>
-          </a:prstGeom>
-          <a:noFill/>
-        </p:spPr>
-        <p:txBody>
-          <a:bodyPr wrap="square" rtlCol="0">
-            <a:spAutoFit/>
-          </a:bodyPr>
-          <a:lstStyle/>
-          <a:p>
-            <a:pPr algn="r"/>
-            <a:r>
-              <a:rPr lang="fr-FR" sz="1400" i="1" dirty="0" smtClean="0">
-                <a:solidFill>
-                  <a:schemeClr val="bg1">
-                    <a:lumMod val="50000"/>
-                  </a:schemeClr>
-                </a:solidFill>
-              </a:rPr>
-              <a:t>Retour vers le menu</a:t>
-            </a:r>
-            <a:endParaRPr lang="fr-FR" sz="1400" i="1" dirty="0">
-              <a:solidFill>
-                <a:schemeClr val="bg1">
-                  <a:lumMod val="50000"/>
-                </a:schemeClr>
-              </a:solidFill>
-            </a:endParaRPr>
-          </a:p>
-        </p:txBody>
-      </p:sp>
-      <p:pic>
-        <p:nvPicPr>
-          <p:cNvPr id="6" name="Image 5" descr="C:\Users\Xavier Pessoles\Dropbox\PartageXavier\PTSI\TP\Serie_3_SLCI_Scilab\Ressources\Sans Titre1.png"/>
-          <p:cNvPicPr/>
-          <p:nvPr/>
-        </p:nvPicPr>
-        <p:blipFill>
-          <a:blip r:embed="rId3">
-            <a:extLst>
-              <a:ext uri="{28A0092B-C50C-407E-A947-70E740481C1C}">
-                <a14:useLocalDpi xmlns:a14="http://schemas.microsoft.com/office/drawing/2010/main" val="0"/>
-              </a:ext>
-            </a:extLst>
-          </a:blip>
-          <a:srcRect/>
-          <a:stretch>
-            <a:fillRect/>
-          </a:stretch>
-        </p:blipFill>
-        <p:spPr bwMode="auto">
-          <a:xfrm>
-            <a:off x="1481137" y="2228850"/>
-            <a:ext cx="6181725" cy="2400300"/>
-          </a:xfrm>
-          <a:prstGeom prst="rect">
-            <a:avLst/>
-          </a:prstGeom>
-          <a:noFill/>
-          <a:ln>
-            <a:noFill/>
-          </a:ln>
-        </p:spPr>
-      </p:pic>
-    </p:spTree>
-    <p:extLst>
-      <p:ext uri="{BB962C8B-B14F-4D97-AF65-F5344CB8AC3E}">
-        <p14:creationId xmlns:p14="http://schemas.microsoft.com/office/powerpoint/2010/main" val="3136007789"/>
-      </p:ext>
-    </p:extLst>
-  </p:cSld>
-  <p:clrMapOvr>
-    <a:masterClrMapping/>
-  </p:clrMapOvr>
-  <p:timing>
-    <p:tnLst>
-      <p:par>
-        <p:cTn id="1" dur="indefinite" restart="never" nodeType="tmRoot"/>
-      </p:par>
-    </p:tnLst>
-  </p:timing>
-</p:sld>
-</file>
-
-<file path=ppt/slides/slide16.xml><?xml version="1.0" encoding="utf-8"?>
-<p:sld xmlns:a="http://schemas.openxmlformats.org/drawingml/2006/main" xmlns:r="http://schemas.openxmlformats.org/officeDocument/2006/relationships" xmlns:p="http://schemas.openxmlformats.org/presentationml/2006/main">
-  <p:cSld>
-    <p:spTree>
-      <p:nvGrpSpPr>
-        <p:cNvPr id="1" name=""/>
-        <p:cNvGrpSpPr/>
-        <p:nvPr/>
-      </p:nvGrpSpPr>
-      <p:grpSpPr>
-        <a:xfrm>
-          <a:off x="0" y="0"/>
-          <a:ext cx="0" cy="0"/>
-          <a:chOff x="0" y="0"/>
-          <a:chExt cx="0" cy="0"/>
-        </a:xfrm>
-      </p:grpSpPr>
-      <p:sp>
-        <p:nvSpPr>
-          <p:cNvPr id="3" name="Espace réservé du numéro de diapositive 2"/>
-          <p:cNvSpPr>
-            <a:spLocks noGrp="1"/>
-          </p:cNvSpPr>
-          <p:nvPr>
-            <p:ph type="sldNum" sz="quarter" idx="17"/>
-          </p:nvPr>
-        </p:nvSpPr>
-        <p:spPr/>
-        <p:txBody>
-          <a:bodyPr/>
-          <a:lstStyle/>
-          <a:p>
-            <a:pPr algn="r"/>
-            <a:fld id="{256D3EEF-DE4E-429D-8EC4-DDC531AFF587}" type="slidenum">
-              <a:rPr kumimoji="0" lang="fr-FR" sz="1000" smtClean="0"/>
-              <a:pPr algn="r"/>
-              <a:t>16</a:t>
-            </a:fld>
-            <a:endParaRPr kumimoji="0" lang="fr-FR"/>
-          </a:p>
-        </p:txBody>
-      </p:sp>
-      <p:sp>
-        <p:nvSpPr>
-          <p:cNvPr id="4" name="Espace réservé du texte 3"/>
-          <p:cNvSpPr>
-            <a:spLocks noGrp="1"/>
-          </p:cNvSpPr>
-          <p:nvPr>
-            <p:ph type="body" sz="quarter" idx="13"/>
-          </p:nvPr>
-        </p:nvSpPr>
-        <p:spPr/>
-        <p:txBody>
-          <a:bodyPr>
-            <a:normAutofit fontScale="55000" lnSpcReduction="20000"/>
-          </a:bodyPr>
-          <a:lstStyle/>
-          <a:p>
-            <a:r>
-              <a:rPr lang="fr-FR" dirty="0"/>
-              <a:t>Présentation interne de </a:t>
-            </a:r>
-            <a:r>
-              <a:rPr lang="fr-FR" dirty="0" smtClean="0"/>
-              <a:t>L’axe </a:t>
-            </a:r>
-            <a:r>
-              <a:rPr lang="fr-FR" dirty="0" err="1" smtClean="0"/>
-              <a:t>Emericc</a:t>
-            </a:r>
-            <a:endParaRPr lang="fr-FR" dirty="0" smtClean="0"/>
-          </a:p>
-          <a:p>
-            <a:r>
-              <a:rPr lang="fr-FR" dirty="0" smtClean="0"/>
-              <a:t>Composants de la chaîne d’énergie</a:t>
-            </a:r>
-            <a:endParaRPr lang="fr-FR" dirty="0"/>
-          </a:p>
-        </p:txBody>
-      </p:sp>
-      <p:sp>
-        <p:nvSpPr>
-          <p:cNvPr id="20" name="ZoneTexte 19">
-            <a:hlinkClick r:id="rId2" action="ppaction://hlinksldjump"/>
-          </p:cNvPr>
-          <p:cNvSpPr txBox="1"/>
-          <p:nvPr/>
-        </p:nvSpPr>
-        <p:spPr>
-          <a:xfrm>
-            <a:off x="107504" y="6525344"/>
-            <a:ext cx="8136904" cy="307777"/>
-          </a:xfrm>
-          <a:prstGeom prst="rect">
-            <a:avLst/>
-          </a:prstGeom>
-          <a:noFill/>
-        </p:spPr>
-        <p:txBody>
-          <a:bodyPr wrap="square" rtlCol="0">
-            <a:spAutoFit/>
-          </a:bodyPr>
-          <a:lstStyle/>
-          <a:p>
-            <a:pPr algn="r"/>
-            <a:r>
-              <a:rPr lang="fr-FR" sz="1400" i="1" dirty="0" smtClean="0">
-                <a:solidFill>
-                  <a:schemeClr val="bg1">
-                    <a:lumMod val="50000"/>
-                  </a:schemeClr>
-                </a:solidFill>
-              </a:rPr>
-              <a:t>Retour vers le menu</a:t>
-            </a:r>
-            <a:endParaRPr lang="fr-FR" sz="1400" i="1" dirty="0">
-              <a:solidFill>
-                <a:schemeClr val="bg1">
-                  <a:lumMod val="50000"/>
-                </a:schemeClr>
-              </a:solidFill>
-            </a:endParaRPr>
-          </a:p>
-        </p:txBody>
-      </p:sp>
-    </p:spTree>
-    <p:extLst>
-      <p:ext uri="{BB962C8B-B14F-4D97-AF65-F5344CB8AC3E}">
-        <p14:creationId xmlns:p14="http://schemas.microsoft.com/office/powerpoint/2010/main" val="1008993312"/>
-      </p:ext>
-    </p:extLst>
-  </p:cSld>
-  <p:clrMapOvr>
-    <a:masterClrMapping/>
-  </p:clrMapOvr>
-  <p:timing>
-    <p:tnLst>
-      <p:par>
-        <p:cTn id="1" dur="indefinite" restart="never" nodeType="tmRoot"/>
-      </p:par>
-    </p:tnLst>
-  </p:timing>
-</p:sld>
-</file>
-
-<file path=ppt/slides/slide17.xml><?xml version="1.0" encoding="utf-8"?>
-<p:sld xmlns:a="http://schemas.openxmlformats.org/drawingml/2006/main" xmlns:r="http://schemas.openxmlformats.org/officeDocument/2006/relationships" xmlns:p="http://schemas.openxmlformats.org/presentationml/2006/main">
-  <p:cSld>
-    <p:spTree>
-      <p:nvGrpSpPr>
-        <p:cNvPr id="1" name=""/>
-        <p:cNvGrpSpPr/>
-        <p:nvPr/>
-      </p:nvGrpSpPr>
-      <p:grpSpPr>
-        <a:xfrm>
-          <a:off x="0" y="0"/>
-          <a:ext cx="0" cy="0"/>
-          <a:chOff x="0" y="0"/>
-          <a:chExt cx="0" cy="0"/>
-        </a:xfrm>
-      </p:grpSpPr>
-      <p:sp>
-        <p:nvSpPr>
-          <p:cNvPr id="3" name="Espace réservé du numéro de diapositive 2"/>
-          <p:cNvSpPr>
-            <a:spLocks noGrp="1"/>
-          </p:cNvSpPr>
-          <p:nvPr>
-            <p:ph type="sldNum" sz="quarter" idx="17"/>
-          </p:nvPr>
-        </p:nvSpPr>
-        <p:spPr/>
-        <p:txBody>
-          <a:bodyPr/>
-          <a:lstStyle/>
-          <a:p>
-            <a:pPr algn="r"/>
-            <a:fld id="{256D3EEF-DE4E-429D-8EC4-DDC531AFF587}" type="slidenum">
-              <a:rPr kumimoji="0" lang="fr-FR" sz="1000" smtClean="0"/>
-              <a:pPr algn="r"/>
-              <a:t>17</a:t>
-            </a:fld>
-            <a:endParaRPr kumimoji="0" lang="fr-FR"/>
-          </a:p>
-        </p:txBody>
-      </p:sp>
-      <p:sp>
-        <p:nvSpPr>
-          <p:cNvPr id="4" name="Espace réservé du texte 3"/>
-          <p:cNvSpPr>
-            <a:spLocks noGrp="1"/>
-          </p:cNvSpPr>
-          <p:nvPr>
-            <p:ph type="body" sz="quarter" idx="13"/>
-          </p:nvPr>
-        </p:nvSpPr>
-        <p:spPr/>
-        <p:txBody>
-          <a:bodyPr>
-            <a:normAutofit fontScale="55000" lnSpcReduction="20000"/>
-          </a:bodyPr>
-          <a:lstStyle/>
-          <a:p>
-            <a:r>
-              <a:rPr lang="fr-FR" dirty="0"/>
-              <a:t>Présentation interne de </a:t>
-            </a:r>
-            <a:r>
-              <a:rPr lang="fr-FR" dirty="0" smtClean="0"/>
-              <a:t>L’axe </a:t>
-            </a:r>
-            <a:r>
-              <a:rPr lang="fr-FR" dirty="0" err="1" smtClean="0"/>
-              <a:t>Emericc</a:t>
-            </a:r>
-            <a:endParaRPr lang="fr-FR" dirty="0" smtClean="0"/>
-          </a:p>
-          <a:p>
-            <a:r>
-              <a:rPr lang="fr-FR" dirty="0" smtClean="0"/>
-              <a:t>Composants de la chaîne d’information</a:t>
-            </a:r>
-            <a:endParaRPr lang="fr-FR" dirty="0"/>
-          </a:p>
-        </p:txBody>
-      </p:sp>
-      <p:sp>
-        <p:nvSpPr>
-          <p:cNvPr id="20" name="ZoneTexte 19">
-            <a:hlinkClick r:id="rId2" action="ppaction://hlinksldjump"/>
-          </p:cNvPr>
-          <p:cNvSpPr txBox="1"/>
-          <p:nvPr/>
-        </p:nvSpPr>
-        <p:spPr>
-          <a:xfrm>
-            <a:off x="107504" y="6525344"/>
-            <a:ext cx="8136904" cy="307777"/>
-          </a:xfrm>
-          <a:prstGeom prst="rect">
-            <a:avLst/>
-          </a:prstGeom>
-          <a:noFill/>
-        </p:spPr>
-        <p:txBody>
-          <a:bodyPr wrap="square" rtlCol="0">
-            <a:spAutoFit/>
-          </a:bodyPr>
-          <a:lstStyle/>
-          <a:p>
-            <a:pPr algn="r"/>
-            <a:r>
-              <a:rPr lang="fr-FR" sz="1400" i="1" dirty="0" smtClean="0">
-                <a:solidFill>
-                  <a:schemeClr val="bg1">
-                    <a:lumMod val="50000"/>
-                  </a:schemeClr>
-                </a:solidFill>
-              </a:rPr>
-              <a:t>Retour vers le menu</a:t>
-            </a:r>
-            <a:endParaRPr lang="fr-FR" sz="1400" i="1" dirty="0">
-              <a:solidFill>
-                <a:schemeClr val="bg1">
-                  <a:lumMod val="50000"/>
-                </a:schemeClr>
-              </a:solidFill>
-            </a:endParaRPr>
-          </a:p>
-        </p:txBody>
-      </p:sp>
-    </p:spTree>
-    <p:extLst>
-      <p:ext uri="{BB962C8B-B14F-4D97-AF65-F5344CB8AC3E}">
-        <p14:creationId xmlns:p14="http://schemas.microsoft.com/office/powerpoint/2010/main" val="401315987"/>
-      </p:ext>
-    </p:extLst>
-  </p:cSld>
-  <p:clrMapOvr>
-    <a:masterClrMapping/>
-  </p:clrMapOvr>
-  <p:timing>
-    <p:tnLst>
-      <p:par>
-        <p:cTn id="1" dur="indefinite" restart="never" nodeType="tmRoot"/>
-      </p:par>
-    </p:tnLst>
-  </p:timing>
-</p:sld>
-</file>
-
-<file path=ppt/slides/slide18.xml><?xml version="1.0" encoding="utf-8"?>
-<p:sld xmlns:a="http://schemas.openxmlformats.org/drawingml/2006/main" xmlns:r="http://schemas.openxmlformats.org/officeDocument/2006/relationships" xmlns:p="http://schemas.openxmlformats.org/presentationml/2006/main">
-  <p:cSld>
-    <p:spTree>
-      <p:nvGrpSpPr>
-        <p:cNvPr id="1" name=""/>
-        <p:cNvGrpSpPr/>
-        <p:nvPr/>
-      </p:nvGrpSpPr>
-      <p:grpSpPr>
-        <a:xfrm>
-          <a:off x="0" y="0"/>
-          <a:ext cx="0" cy="0"/>
-          <a:chOff x="0" y="0"/>
-          <a:chExt cx="0" cy="0"/>
-        </a:xfrm>
-      </p:grpSpPr>
-      <p:sp>
-        <p:nvSpPr>
-          <p:cNvPr id="2" name="Espace réservé du contenu 1"/>
-          <p:cNvSpPr>
-            <a:spLocks noGrp="1"/>
-          </p:cNvSpPr>
-          <p:nvPr>
-            <p:ph sz="quarter" idx="15"/>
-          </p:nvPr>
-        </p:nvSpPr>
-        <p:spPr/>
-        <p:txBody>
-          <a:bodyPr/>
-          <a:lstStyle/>
-          <a:p>
-            <a:endParaRPr lang="fr-FR"/>
-          </a:p>
-        </p:txBody>
-      </p:sp>
-      <p:sp>
-        <p:nvSpPr>
-          <p:cNvPr id="3" name="Espace réservé du numéro de diapositive 2"/>
-          <p:cNvSpPr>
-            <a:spLocks noGrp="1"/>
-          </p:cNvSpPr>
-          <p:nvPr>
-            <p:ph type="sldNum" sz="quarter" idx="17"/>
-          </p:nvPr>
-        </p:nvSpPr>
-        <p:spPr/>
-        <p:txBody>
-          <a:bodyPr/>
-          <a:lstStyle/>
-          <a:p>
-            <a:fld id="{256D3EEF-DE4E-429D-8EC4-DDC531AFF587}" type="slidenum">
-              <a:rPr lang="fr-FR" smtClean="0"/>
-              <a:pPr/>
-              <a:t>18</a:t>
-            </a:fld>
-            <a:endParaRPr lang="fr-FR" dirty="0"/>
-          </a:p>
-        </p:txBody>
-      </p:sp>
-      <p:sp>
-        <p:nvSpPr>
-          <p:cNvPr id="4" name="Espace réservé du texte 3"/>
-          <p:cNvSpPr>
-            <a:spLocks noGrp="1"/>
-          </p:cNvSpPr>
-          <p:nvPr>
-            <p:ph type="body" sz="quarter" idx="13"/>
-          </p:nvPr>
-        </p:nvSpPr>
-        <p:spPr/>
-        <p:txBody>
-          <a:bodyPr/>
-          <a:lstStyle/>
-          <a:p>
-            <a:r>
-              <a:rPr lang="fr-FR" dirty="0" smtClean="0"/>
-              <a:t>Présentation interne de la DAE</a:t>
-            </a:r>
-            <a:endParaRPr lang="fr-FR" dirty="0"/>
-          </a:p>
-        </p:txBody>
-      </p:sp>
-    </p:spTree>
-    <p:extLst>
-      <p:ext uri="{BB962C8B-B14F-4D97-AF65-F5344CB8AC3E}">
-        <p14:creationId xmlns:p14="http://schemas.microsoft.com/office/powerpoint/2010/main" val="2367593916"/>
-      </p:ext>
-    </p:extLst>
-  </p:cSld>
-  <p:clrMapOvr>
-    <a:masterClrMapping/>
-  </p:clrMapOvr>
-</p:sld>
-</file>
-
-<file path=ppt/slides/slide19.xml><?xml version="1.0" encoding="utf-8"?>
-<p:sld xmlns:a="http://schemas.openxmlformats.org/drawingml/2006/main" xmlns:r="http://schemas.openxmlformats.org/officeDocument/2006/relationships" xmlns:p="http://schemas.openxmlformats.org/presentationml/2006/main">
-  <p:cSld>
-    <p:spTree>
-      <p:nvGrpSpPr>
-        <p:cNvPr id="1" name=""/>
-        <p:cNvGrpSpPr/>
-        <p:nvPr/>
-      </p:nvGrpSpPr>
-      <p:grpSpPr>
-        <a:xfrm>
-          <a:off x="0" y="0"/>
-          <a:ext cx="0" cy="0"/>
-          <a:chOff x="0" y="0"/>
-          <a:chExt cx="0" cy="0"/>
-        </a:xfrm>
-      </p:grpSpPr>
-      <p:sp>
-        <p:nvSpPr>
-          <p:cNvPr id="5" name="Titre 4"/>
-          <p:cNvSpPr>
-            <a:spLocks noGrp="1"/>
-          </p:cNvSpPr>
-          <p:nvPr>
-            <p:ph type="ctrTitle"/>
-          </p:nvPr>
-        </p:nvSpPr>
-        <p:spPr/>
-        <p:txBody>
-          <a:bodyPr/>
-          <a:lstStyle/>
-          <a:p>
-            <a:r>
-              <a:rPr lang="fr-FR" dirty="0"/>
-              <a:t>Présentation du logiciel d’acquisition</a:t>
-            </a:r>
-            <a:br>
-              <a:rPr lang="fr-FR" dirty="0"/>
-            </a:br>
-            <a:endParaRPr lang="fr-FR" dirty="0"/>
-          </a:p>
-        </p:txBody>
-      </p:sp>
-      <p:sp>
-        <p:nvSpPr>
-          <p:cNvPr id="3" name="Espace réservé du numéro de diapositive 2"/>
-          <p:cNvSpPr>
-            <a:spLocks noGrp="1"/>
-          </p:cNvSpPr>
-          <p:nvPr>
-            <p:ph type="sldNum" sz="quarter" idx="12"/>
-          </p:nvPr>
-        </p:nvSpPr>
-        <p:spPr/>
-        <p:txBody>
-          <a:bodyPr/>
-          <a:lstStyle/>
-          <a:p>
-            <a:fld id="{256D3EEF-DE4E-429D-8EC4-DDC531AFF587}" type="slidenum">
-              <a:rPr lang="fr-FR" smtClean="0"/>
-              <a:pPr/>
-              <a:t>19</a:t>
-            </a:fld>
-            <a:endParaRPr lang="fr-FR" dirty="0"/>
-          </a:p>
-        </p:txBody>
-      </p:sp>
-      <p:sp>
-        <p:nvSpPr>
-          <p:cNvPr id="7" name="ZoneTexte 6">
-            <a:hlinkClick r:id="rId2" action="ppaction://hlinksldjump"/>
-          </p:cNvPr>
-          <p:cNvSpPr txBox="1"/>
-          <p:nvPr/>
-        </p:nvSpPr>
-        <p:spPr>
-          <a:xfrm>
-            <a:off x="107504" y="6525344"/>
-            <a:ext cx="8136904" cy="307777"/>
-          </a:xfrm>
-          <a:prstGeom prst="rect">
-            <a:avLst/>
-          </a:prstGeom>
-          <a:noFill/>
-        </p:spPr>
-        <p:txBody>
-          <a:bodyPr wrap="square" rtlCol="0">
-            <a:spAutoFit/>
-          </a:bodyPr>
-          <a:lstStyle/>
-          <a:p>
-            <a:pPr algn="r"/>
-            <a:r>
-              <a:rPr lang="fr-FR" sz="1400" i="1" dirty="0" smtClean="0">
-                <a:solidFill>
-                  <a:schemeClr val="bg1">
-                    <a:lumMod val="50000"/>
-                  </a:schemeClr>
-                </a:solidFill>
-              </a:rPr>
-              <a:t>Retour vers le menu</a:t>
-            </a:r>
-            <a:endParaRPr lang="fr-FR" sz="1400" i="1" dirty="0">
-              <a:solidFill>
-                <a:schemeClr val="bg1">
-                  <a:lumMod val="50000"/>
-                </a:schemeClr>
-              </a:solidFill>
-            </a:endParaRPr>
-          </a:p>
-        </p:txBody>
-      </p:sp>
-    </p:spTree>
-    <p:extLst>
-      <p:ext uri="{BB962C8B-B14F-4D97-AF65-F5344CB8AC3E}">
-        <p14:creationId xmlns:p14="http://schemas.microsoft.com/office/powerpoint/2010/main" val="3771198579"/>
-      </p:ext>
-    </p:extLst>
-  </p:cSld>
-  <p:clrMapOvr>
-    <a:masterClrMapping/>
-  </p:clrMapOvr>
-  <p:timing>
-    <p:tnLst>
-      <p:par>
-        <p:cTn id="1" dur="indefinite" restart="never" nodeType="tmRoot"/>
-      </p:par>
-    </p:tnLst>
-  </p:timing>
-</p:sld>
-</file>
-
-<file path=ppt/slides/slide2.xml><?xml version="1.0" encoding="utf-8"?>
-<p:sld xmlns:a="http://schemas.openxmlformats.org/drawingml/2006/main" xmlns:r="http://schemas.openxmlformats.org/officeDocument/2006/relationships" xmlns:p="http://schemas.openxmlformats.org/presentationml/2006/main">
-  <p:cSld>
-    <p:spTree>
-      <p:nvGrpSpPr>
-        <p:cNvPr id="1" name=""/>
-        <p:cNvGrpSpPr/>
-        <p:nvPr/>
-      </p:nvGrpSpPr>
-      <p:grpSpPr>
-        <a:xfrm>
-          <a:off x="0" y="0"/>
-          <a:ext cx="0" cy="0"/>
-          <a:chOff x="0" y="0"/>
-          <a:chExt cx="0" cy="0"/>
-        </a:xfrm>
-      </p:grpSpPr>
-      <p:sp>
-        <p:nvSpPr>
-          <p:cNvPr id="3" name="Espace réservé du texte 2"/>
-          <p:cNvSpPr>
-            <a:spLocks noGrp="1"/>
-          </p:cNvSpPr>
-          <p:nvPr>
-            <p:ph type="body" sz="quarter" idx="13"/>
-          </p:nvPr>
-        </p:nvSpPr>
-        <p:spPr/>
-        <p:txBody>
-          <a:bodyPr>
-            <a:normAutofit fontScale="92500" lnSpcReduction="10000"/>
-          </a:bodyPr>
-          <a:lstStyle/>
-          <a:p>
-            <a:r>
-              <a:rPr lang="fr-FR" dirty="0" smtClean="0">
-                <a:hlinkClick r:id="rId2" action="ppaction://hlinksldjump"/>
-              </a:rPr>
-              <a:t>Présentation générale de </a:t>
-            </a:r>
-            <a:r>
-              <a:rPr lang="fr-FR" dirty="0" smtClean="0">
-                <a:hlinkClick r:id="rId2" action="ppaction://hlinksldjump"/>
-              </a:rPr>
-              <a:t>l’axe EMERICC</a:t>
-            </a:r>
-            <a:endParaRPr lang="fr-FR" dirty="0">
-              <a:hlinkClick r:id="rId2" action="ppaction://hlinksldjump"/>
-            </a:endParaRPr>
-          </a:p>
-        </p:txBody>
-      </p:sp>
-      <p:sp>
-        <p:nvSpPr>
-          <p:cNvPr id="6" name="Espace réservé du texte 5"/>
-          <p:cNvSpPr>
-            <a:spLocks noGrp="1"/>
-          </p:cNvSpPr>
-          <p:nvPr>
-            <p:ph type="body" sz="quarter" idx="15"/>
-          </p:nvPr>
-        </p:nvSpPr>
-        <p:spPr/>
-        <p:txBody>
-          <a:bodyPr>
-            <a:normAutofit fontScale="92500" lnSpcReduction="10000"/>
-          </a:bodyPr>
-          <a:lstStyle/>
-          <a:p>
-            <a:r>
-              <a:rPr lang="fr-FR" dirty="0">
-                <a:hlinkClick r:id="rId3" action="ppaction://hlinksldjump"/>
-              </a:rPr>
-              <a:t>Mise en œuvre de </a:t>
-            </a:r>
-            <a:r>
-              <a:rPr lang="fr-FR" dirty="0" smtClean="0">
-                <a:hlinkClick r:id="rId3" action="ppaction://hlinksldjump"/>
-              </a:rPr>
-              <a:t>l’axe EMERICC</a:t>
-            </a:r>
-            <a:endParaRPr lang="fr-FR" dirty="0">
-              <a:hlinkClick r:id="rId3" action="ppaction://hlinksldjump"/>
-            </a:endParaRPr>
-          </a:p>
-        </p:txBody>
-      </p:sp>
-      <p:sp>
-        <p:nvSpPr>
-          <p:cNvPr id="8" name="Espace réservé du texte 7"/>
-          <p:cNvSpPr>
-            <a:spLocks noGrp="1"/>
-          </p:cNvSpPr>
-          <p:nvPr>
-            <p:ph type="body" sz="quarter" idx="17"/>
-          </p:nvPr>
-        </p:nvSpPr>
-        <p:spPr/>
-        <p:txBody>
-          <a:bodyPr>
-            <a:normAutofit fontScale="92500" lnSpcReduction="10000"/>
-          </a:bodyPr>
-          <a:lstStyle/>
-          <a:p>
-            <a:r>
-              <a:rPr lang="fr-FR" dirty="0">
-                <a:hlinkClick r:id="rId4" action="ppaction://hlinksldjump"/>
-              </a:rPr>
-              <a:t>Présentation externe de </a:t>
-            </a:r>
-            <a:r>
-              <a:rPr lang="fr-FR" dirty="0" smtClean="0">
-                <a:hlinkClick r:id="rId4" action="ppaction://hlinksldjump"/>
-              </a:rPr>
-              <a:t>l’axe EMERICC</a:t>
-            </a:r>
-            <a:endParaRPr lang="fr-FR" dirty="0">
-              <a:hlinkClick r:id="rId4" action="ppaction://hlinksldjump"/>
-            </a:endParaRPr>
-          </a:p>
-        </p:txBody>
-      </p:sp>
-      <p:sp>
-        <p:nvSpPr>
-          <p:cNvPr id="10" name="Espace réservé du texte 9"/>
-          <p:cNvSpPr>
-            <a:spLocks noGrp="1"/>
-          </p:cNvSpPr>
-          <p:nvPr>
-            <p:ph type="body" sz="quarter" idx="19"/>
-          </p:nvPr>
-        </p:nvSpPr>
-        <p:spPr/>
-        <p:txBody>
-          <a:bodyPr>
-            <a:normAutofit fontScale="92500" lnSpcReduction="10000"/>
-          </a:bodyPr>
-          <a:lstStyle/>
-          <a:p>
-            <a:r>
-              <a:rPr lang="fr-FR" dirty="0">
-                <a:hlinkClick r:id="rId5" action="ppaction://hlinksldjump"/>
-              </a:rPr>
-              <a:t>Présentation interne de </a:t>
-            </a:r>
-            <a:r>
-              <a:rPr lang="fr-FR" dirty="0" smtClean="0">
-                <a:hlinkClick r:id="rId5" action="ppaction://hlinksldjump"/>
-              </a:rPr>
-              <a:t>l’axe EMERICC – </a:t>
-            </a:r>
-            <a:r>
-              <a:rPr lang="fr-FR" dirty="0">
-                <a:hlinkClick r:id="rId5" action="ppaction://hlinksldjump"/>
-              </a:rPr>
-              <a:t>Composants </a:t>
-            </a:r>
-          </a:p>
-        </p:txBody>
-      </p:sp>
-      <p:sp>
-        <p:nvSpPr>
-          <p:cNvPr id="12" name="Espace réservé du texte 11"/>
-          <p:cNvSpPr>
-            <a:spLocks noGrp="1"/>
-          </p:cNvSpPr>
-          <p:nvPr>
-            <p:ph type="body" sz="quarter" idx="21"/>
-          </p:nvPr>
-        </p:nvSpPr>
-        <p:spPr/>
-        <p:txBody>
-          <a:bodyPr>
-            <a:normAutofit fontScale="92500" lnSpcReduction="10000"/>
-          </a:bodyPr>
-          <a:lstStyle/>
-          <a:p>
-            <a:r>
-              <a:rPr lang="fr-FR" dirty="0">
-                <a:hlinkClick r:id="rId6" action="ppaction://hlinksldjump"/>
-              </a:rPr>
-              <a:t>Présentation du logiciel d’acquisition</a:t>
-            </a:r>
-          </a:p>
-        </p:txBody>
-      </p:sp>
-      <p:sp>
-        <p:nvSpPr>
-          <p:cNvPr id="14" name="Espace réservé du texte 13"/>
-          <p:cNvSpPr>
-            <a:spLocks noGrp="1"/>
-          </p:cNvSpPr>
-          <p:nvPr>
-            <p:ph type="body" sz="quarter" idx="23"/>
-          </p:nvPr>
-        </p:nvSpPr>
-        <p:spPr/>
-        <p:txBody>
-          <a:bodyPr>
-            <a:normAutofit fontScale="92500" lnSpcReduction="10000"/>
-          </a:bodyPr>
-          <a:lstStyle/>
-          <a:p>
-            <a:endParaRPr lang="fr-FR"/>
-          </a:p>
-        </p:txBody>
-      </p:sp>
-      <p:sp>
-        <p:nvSpPr>
-          <p:cNvPr id="16" name="Espace réservé du texte 15"/>
-          <p:cNvSpPr>
-            <a:spLocks noGrp="1"/>
-          </p:cNvSpPr>
-          <p:nvPr>
-            <p:ph type="body" sz="quarter" idx="25"/>
-          </p:nvPr>
-        </p:nvSpPr>
-        <p:spPr/>
-        <p:txBody>
-          <a:bodyPr>
-            <a:normAutofit fontScale="92500" lnSpcReduction="10000"/>
-          </a:bodyPr>
-          <a:lstStyle/>
-          <a:p>
-            <a:endParaRPr lang="fr-FR"/>
-          </a:p>
-        </p:txBody>
-      </p:sp>
-      <p:sp>
-        <p:nvSpPr>
-          <p:cNvPr id="18" name="Espace réservé du texte 17"/>
-          <p:cNvSpPr>
-            <a:spLocks noGrp="1"/>
-          </p:cNvSpPr>
-          <p:nvPr>
-            <p:ph type="body" sz="quarter" idx="27"/>
-          </p:nvPr>
-        </p:nvSpPr>
-        <p:spPr/>
-        <p:txBody>
-          <a:bodyPr>
-            <a:normAutofit fontScale="92500" lnSpcReduction="10000"/>
-          </a:bodyPr>
-          <a:lstStyle/>
-          <a:p>
-            <a:endParaRPr lang="fr-FR"/>
-          </a:p>
-        </p:txBody>
-      </p:sp>
-      <p:sp>
-        <p:nvSpPr>
-          <p:cNvPr id="20" name="Espace réservé du texte 19"/>
-          <p:cNvSpPr>
-            <a:spLocks noGrp="1"/>
-          </p:cNvSpPr>
-          <p:nvPr>
-            <p:ph type="body" sz="quarter" idx="29"/>
-          </p:nvPr>
-        </p:nvSpPr>
-        <p:spPr/>
-        <p:txBody>
-          <a:bodyPr>
-            <a:normAutofit fontScale="92500" lnSpcReduction="10000"/>
-          </a:bodyPr>
-          <a:lstStyle/>
-          <a:p>
-            <a:endParaRPr lang="fr-FR"/>
-          </a:p>
-        </p:txBody>
-      </p:sp>
-      <p:sp>
-        <p:nvSpPr>
-          <p:cNvPr id="22" name="Espace réservé du texte 21"/>
-          <p:cNvSpPr>
-            <a:spLocks noGrp="1"/>
-          </p:cNvSpPr>
-          <p:nvPr>
-            <p:ph type="body" sz="quarter" idx="31"/>
-          </p:nvPr>
-        </p:nvSpPr>
-        <p:spPr/>
-        <p:txBody>
-          <a:bodyPr>
-            <a:normAutofit fontScale="92500" lnSpcReduction="10000"/>
-          </a:bodyPr>
-          <a:lstStyle/>
-          <a:p>
-            <a:endParaRPr lang="fr-FR"/>
-          </a:p>
-        </p:txBody>
-      </p:sp>
-      <p:sp>
-        <p:nvSpPr>
-          <p:cNvPr id="24" name="Espace réservé du texte 23"/>
-          <p:cNvSpPr>
-            <a:spLocks noGrp="1"/>
-          </p:cNvSpPr>
-          <p:nvPr>
-            <p:ph type="body" sz="quarter" idx="33"/>
-          </p:nvPr>
-        </p:nvSpPr>
-        <p:spPr/>
-        <p:txBody>
-          <a:bodyPr>
-            <a:normAutofit fontScale="92500" lnSpcReduction="10000"/>
-          </a:bodyPr>
-          <a:lstStyle/>
-          <a:p>
-            <a:endParaRPr lang="fr-FR"/>
-          </a:p>
-        </p:txBody>
-      </p:sp>
-      <p:sp>
-        <p:nvSpPr>
-          <p:cNvPr id="26" name="Espace réservé du texte 25"/>
-          <p:cNvSpPr>
-            <a:spLocks noGrp="1"/>
-          </p:cNvSpPr>
-          <p:nvPr>
-            <p:ph type="body" sz="quarter" idx="35"/>
-          </p:nvPr>
-        </p:nvSpPr>
-        <p:spPr/>
-        <p:txBody>
-          <a:bodyPr>
-            <a:normAutofit fontScale="92500" lnSpcReduction="10000"/>
-          </a:bodyPr>
-          <a:lstStyle/>
-          <a:p>
-            <a:endParaRPr lang="fr-FR"/>
-          </a:p>
-        </p:txBody>
-      </p:sp>
-      <p:sp>
-        <p:nvSpPr>
-          <p:cNvPr id="5" name="Espace réservé du texte 4"/>
-          <p:cNvSpPr>
-            <a:spLocks noGrp="1"/>
-          </p:cNvSpPr>
-          <p:nvPr>
-            <p:ph type="body" sz="quarter" idx="14"/>
-          </p:nvPr>
-        </p:nvSpPr>
-        <p:spPr/>
-        <p:txBody>
-          <a:bodyPr>
-            <a:normAutofit fontScale="92500" lnSpcReduction="10000"/>
-          </a:bodyPr>
-          <a:lstStyle/>
-          <a:p>
-            <a:endParaRPr lang="fr-FR" dirty="0"/>
-          </a:p>
-        </p:txBody>
-      </p:sp>
-      <p:sp>
-        <p:nvSpPr>
-          <p:cNvPr id="7" name="Espace réservé du texte 6"/>
-          <p:cNvSpPr>
-            <a:spLocks noGrp="1"/>
-          </p:cNvSpPr>
-          <p:nvPr>
-            <p:ph type="body" sz="quarter" idx="16"/>
-          </p:nvPr>
-        </p:nvSpPr>
-        <p:spPr/>
-        <p:txBody>
-          <a:bodyPr>
-            <a:normAutofit fontScale="92500" lnSpcReduction="10000"/>
-          </a:bodyPr>
-          <a:lstStyle/>
-          <a:p>
-            <a:endParaRPr lang="fr-FR"/>
-          </a:p>
-        </p:txBody>
-      </p:sp>
-      <p:sp>
-        <p:nvSpPr>
-          <p:cNvPr id="9" name="Espace réservé du texte 8"/>
-          <p:cNvSpPr>
-            <a:spLocks noGrp="1"/>
-          </p:cNvSpPr>
-          <p:nvPr>
-            <p:ph type="body" sz="quarter" idx="18"/>
-          </p:nvPr>
-        </p:nvSpPr>
-        <p:spPr/>
-        <p:txBody>
-          <a:bodyPr>
-            <a:normAutofit fontScale="92500" lnSpcReduction="10000"/>
-          </a:bodyPr>
-          <a:lstStyle/>
-          <a:p>
-            <a:endParaRPr lang="fr-FR"/>
-          </a:p>
-        </p:txBody>
-      </p:sp>
-      <p:sp>
-        <p:nvSpPr>
-          <p:cNvPr id="11" name="Espace réservé du texte 10"/>
-          <p:cNvSpPr>
-            <a:spLocks noGrp="1"/>
-          </p:cNvSpPr>
-          <p:nvPr>
-            <p:ph type="body" sz="quarter" idx="20"/>
-          </p:nvPr>
-        </p:nvSpPr>
-        <p:spPr/>
-        <p:txBody>
-          <a:bodyPr>
-            <a:normAutofit fontScale="92500" lnSpcReduction="10000"/>
-          </a:bodyPr>
-          <a:lstStyle/>
-          <a:p>
-            <a:endParaRPr lang="fr-FR"/>
-          </a:p>
-        </p:txBody>
-      </p:sp>
-      <p:sp>
-        <p:nvSpPr>
-          <p:cNvPr id="13" name="Espace réservé du texte 12"/>
-          <p:cNvSpPr>
-            <a:spLocks noGrp="1"/>
-          </p:cNvSpPr>
-          <p:nvPr>
-            <p:ph type="body" sz="quarter" idx="22"/>
-          </p:nvPr>
-        </p:nvSpPr>
-        <p:spPr/>
-        <p:txBody>
-          <a:bodyPr>
-            <a:normAutofit fontScale="92500" lnSpcReduction="10000"/>
-          </a:bodyPr>
-          <a:lstStyle/>
-          <a:p>
-            <a:endParaRPr lang="fr-FR"/>
-          </a:p>
-        </p:txBody>
-      </p:sp>
-      <p:sp>
-        <p:nvSpPr>
-          <p:cNvPr id="15" name="Espace réservé du texte 14"/>
-          <p:cNvSpPr>
-            <a:spLocks noGrp="1"/>
-          </p:cNvSpPr>
-          <p:nvPr>
-            <p:ph type="body" sz="quarter" idx="24"/>
-          </p:nvPr>
-        </p:nvSpPr>
-        <p:spPr/>
-        <p:txBody>
-          <a:bodyPr>
-            <a:normAutofit fontScale="92500" lnSpcReduction="10000"/>
-          </a:bodyPr>
-          <a:lstStyle/>
-          <a:p>
-            <a:endParaRPr lang="fr-FR"/>
-          </a:p>
-        </p:txBody>
-      </p:sp>
-      <p:sp>
-        <p:nvSpPr>
-          <p:cNvPr id="17" name="Espace réservé du texte 16"/>
-          <p:cNvSpPr>
-            <a:spLocks noGrp="1"/>
-          </p:cNvSpPr>
-          <p:nvPr>
-            <p:ph type="body" sz="quarter" idx="26"/>
-          </p:nvPr>
-        </p:nvSpPr>
-        <p:spPr/>
-        <p:txBody>
-          <a:bodyPr>
-            <a:normAutofit fontScale="92500" lnSpcReduction="10000"/>
-          </a:bodyPr>
-          <a:lstStyle/>
-          <a:p>
-            <a:endParaRPr lang="fr-FR"/>
-          </a:p>
-        </p:txBody>
-      </p:sp>
-      <p:sp>
-        <p:nvSpPr>
-          <p:cNvPr id="19" name="Espace réservé du texte 18"/>
-          <p:cNvSpPr>
-            <a:spLocks noGrp="1"/>
-          </p:cNvSpPr>
-          <p:nvPr>
-            <p:ph type="body" sz="quarter" idx="28"/>
-          </p:nvPr>
-        </p:nvSpPr>
-        <p:spPr/>
-        <p:txBody>
-          <a:bodyPr>
-            <a:normAutofit fontScale="92500" lnSpcReduction="10000"/>
-          </a:bodyPr>
-          <a:lstStyle/>
-          <a:p>
-            <a:endParaRPr lang="fr-FR"/>
-          </a:p>
-        </p:txBody>
-      </p:sp>
-      <p:sp>
-        <p:nvSpPr>
-          <p:cNvPr id="21" name="Espace réservé du texte 20"/>
-          <p:cNvSpPr>
-            <a:spLocks noGrp="1"/>
-          </p:cNvSpPr>
-          <p:nvPr>
-            <p:ph type="body" sz="quarter" idx="30"/>
-          </p:nvPr>
-        </p:nvSpPr>
-        <p:spPr/>
-        <p:txBody>
-          <a:bodyPr>
-            <a:normAutofit fontScale="92500" lnSpcReduction="10000"/>
-          </a:bodyPr>
-          <a:lstStyle/>
-          <a:p>
-            <a:endParaRPr lang="fr-FR"/>
-          </a:p>
-        </p:txBody>
-      </p:sp>
-      <p:sp>
-        <p:nvSpPr>
-          <p:cNvPr id="23" name="Espace réservé du texte 22"/>
-          <p:cNvSpPr>
-            <a:spLocks noGrp="1"/>
-          </p:cNvSpPr>
-          <p:nvPr>
-            <p:ph type="body" sz="quarter" idx="32"/>
-          </p:nvPr>
-        </p:nvSpPr>
-        <p:spPr/>
-        <p:txBody>
-          <a:bodyPr>
-            <a:normAutofit fontScale="92500" lnSpcReduction="10000"/>
-          </a:bodyPr>
-          <a:lstStyle/>
-          <a:p>
-            <a:endParaRPr lang="fr-FR"/>
-          </a:p>
-        </p:txBody>
-      </p:sp>
-      <p:sp>
-        <p:nvSpPr>
-          <p:cNvPr id="25" name="Espace réservé du texte 24"/>
-          <p:cNvSpPr>
-            <a:spLocks noGrp="1"/>
-          </p:cNvSpPr>
-          <p:nvPr>
-            <p:ph type="body" sz="quarter" idx="34"/>
-          </p:nvPr>
-        </p:nvSpPr>
-        <p:spPr/>
-        <p:txBody>
-          <a:bodyPr>
-            <a:normAutofit fontScale="92500" lnSpcReduction="10000"/>
-          </a:bodyPr>
-          <a:lstStyle/>
-          <a:p>
-            <a:endParaRPr lang="fr-FR"/>
-          </a:p>
-        </p:txBody>
-      </p:sp>
-      <p:sp>
-        <p:nvSpPr>
-          <p:cNvPr id="27" name="Espace réservé du texte 26"/>
-          <p:cNvSpPr>
-            <a:spLocks noGrp="1"/>
-          </p:cNvSpPr>
-          <p:nvPr>
-            <p:ph type="body" sz="quarter" idx="36"/>
-          </p:nvPr>
-        </p:nvSpPr>
-        <p:spPr/>
-        <p:txBody>
-          <a:bodyPr>
-            <a:normAutofit fontScale="92500" lnSpcReduction="10000"/>
-          </a:bodyPr>
-          <a:lstStyle/>
-          <a:p>
-            <a:endParaRPr lang="fr-FR"/>
-          </a:p>
-        </p:txBody>
-      </p:sp>
-      <p:sp>
-        <p:nvSpPr>
-          <p:cNvPr id="28" name="Espace réservé du texte 27"/>
-          <p:cNvSpPr>
-            <a:spLocks noGrp="1"/>
-          </p:cNvSpPr>
-          <p:nvPr>
-            <p:ph type="body" sz="quarter" idx="37"/>
-          </p:nvPr>
-        </p:nvSpPr>
-        <p:spPr/>
-        <p:txBody>
-          <a:bodyPr/>
-          <a:lstStyle/>
-          <a:p>
-            <a:endParaRPr lang="fr-FR"/>
-          </a:p>
-        </p:txBody>
-      </p:sp>
-      <p:sp>
-        <p:nvSpPr>
-          <p:cNvPr id="29" name="Espace réservé du texte 28"/>
-          <p:cNvSpPr>
-            <a:spLocks noGrp="1"/>
-          </p:cNvSpPr>
-          <p:nvPr>
-            <p:ph type="body" sz="quarter" idx="38"/>
-          </p:nvPr>
-        </p:nvSpPr>
-        <p:spPr/>
-        <p:txBody>
-          <a:bodyPr>
-            <a:normAutofit fontScale="92500" lnSpcReduction="10000"/>
-          </a:bodyPr>
-          <a:lstStyle/>
-          <a:p>
-            <a:endParaRPr lang="fr-FR"/>
-          </a:p>
-        </p:txBody>
-      </p:sp>
-      <p:sp>
-        <p:nvSpPr>
-          <p:cNvPr id="2" name="Espace réservé du numéro de diapositive 1"/>
-          <p:cNvSpPr>
-            <a:spLocks noGrp="1"/>
-          </p:cNvSpPr>
-          <p:nvPr>
-            <p:ph type="sldNum" sz="quarter" idx="40"/>
-          </p:nvPr>
-        </p:nvSpPr>
-        <p:spPr/>
-        <p:txBody>
-          <a:bodyPr/>
-          <a:lstStyle/>
-          <a:p>
-            <a:pPr algn="r"/>
-            <a:fld id="{256D3EEF-DE4E-429D-8EC4-DDC531AFF587}" type="slidenum">
-              <a:rPr kumimoji="0" lang="fr-FR" sz="1000" smtClean="0"/>
-              <a:pPr algn="r"/>
-              <a:t>2</a:t>
-            </a:fld>
-            <a:endParaRPr kumimoji="0" lang="fr-FR"/>
-          </a:p>
-        </p:txBody>
-      </p:sp>
-      <p:sp>
-        <p:nvSpPr>
-          <p:cNvPr id="4" name="Titre 3"/>
-          <p:cNvSpPr>
-            <a:spLocks noGrp="1"/>
-          </p:cNvSpPr>
-          <p:nvPr>
-            <p:ph type="ctrTitle" idx="4294967295"/>
-          </p:nvPr>
-        </p:nvSpPr>
-        <p:spPr>
-          <a:xfrm>
-            <a:off x="0" y="4114800"/>
-            <a:ext cx="7239000" cy="533400"/>
-          </a:xfrm>
-          <a:prstGeom prst="rect">
-            <a:avLst/>
-          </a:prstGeom>
-        </p:spPr>
-        <p:txBody>
-          <a:bodyPr/>
-          <a:lstStyle/>
-          <a:p>
-            <a:r>
-              <a:rPr dirty="0" smtClean="0"/>
-              <a:t>Plan</a:t>
-            </a:r>
-            <a:endParaRPr lang="fr-FR" dirty="0"/>
-          </a:p>
-        </p:txBody>
-      </p:sp>
-      <p:sp>
-        <p:nvSpPr>
-          <p:cNvPr id="30" name="ZoneTexte 29">
-            <a:hlinkClick r:id="rId7" action="ppaction://hlinksldjump"/>
-          </p:cNvPr>
-          <p:cNvSpPr txBox="1"/>
-          <p:nvPr/>
-        </p:nvSpPr>
-        <p:spPr>
-          <a:xfrm>
-            <a:off x="107504" y="6525344"/>
-            <a:ext cx="8136904" cy="307777"/>
-          </a:xfrm>
-          <a:prstGeom prst="rect">
-            <a:avLst/>
-          </a:prstGeom>
-          <a:noFill/>
-        </p:spPr>
-        <p:txBody>
-          <a:bodyPr wrap="square" rtlCol="0">
-            <a:spAutoFit/>
-          </a:bodyPr>
-          <a:lstStyle/>
-          <a:p>
-            <a:pPr algn="r"/>
-            <a:r>
-              <a:rPr lang="fr-FR" sz="1400" i="1" dirty="0" smtClean="0">
-                <a:solidFill>
-                  <a:schemeClr val="bg1">
-                    <a:lumMod val="50000"/>
-                  </a:schemeClr>
-                </a:solidFill>
-              </a:rPr>
-              <a:t>Retour vers le menu</a:t>
-            </a:r>
-            <a:endParaRPr lang="fr-FR" sz="1400" i="1" dirty="0">
-              <a:solidFill>
-                <a:schemeClr val="bg1">
-                  <a:lumMod val="50000"/>
-                </a:schemeClr>
-              </a:solidFill>
-            </a:endParaRPr>
-          </a:p>
-        </p:txBody>
-      </p:sp>
-    </p:spTree>
-  </p:cSld>
-  <p:clrMapOvr>
-    <a:masterClrMapping/>
-  </p:clrMapOvr>
-  <p:timing>
-    <p:tnLst>
-      <p:par>
-        <p:cTn id="1" dur="indefinite" restart="never" nodeType="tmRoot"/>
-      </p:par>
-    </p:tnLst>
-  </p:timing>
-</p:sld>
-</file>
-
-<file path=ppt/slides/slide20.xml><?xml version="1.0" encoding="utf-8"?>
-<p:sld xmlns:a="http://schemas.openxmlformats.org/drawingml/2006/main" xmlns:r="http://schemas.openxmlformats.org/officeDocument/2006/relationships" xmlns:p="http://schemas.openxmlformats.org/presentationml/2006/main">
-  <p:cSld>
-    <p:spTree>
-      <p:nvGrpSpPr>
-        <p:cNvPr id="1" name=""/>
-        <p:cNvGrpSpPr/>
-        <p:nvPr/>
-      </p:nvGrpSpPr>
-      <p:grpSpPr>
-        <a:xfrm>
-          <a:off x="0" y="0"/>
-          <a:ext cx="0" cy="0"/>
-          <a:chOff x="0" y="0"/>
-          <a:chExt cx="0" cy="0"/>
-        </a:xfrm>
-      </p:grpSpPr>
-      <p:sp>
-        <p:nvSpPr>
-          <p:cNvPr id="2" name="Espace réservé du contenu 1"/>
-          <p:cNvSpPr>
-            <a:spLocks noGrp="1"/>
-          </p:cNvSpPr>
-          <p:nvPr>
-            <p:ph sz="quarter" idx="15"/>
-          </p:nvPr>
-        </p:nvSpPr>
-        <p:spPr/>
-        <p:txBody>
-          <a:bodyPr>
-            <a:normAutofit/>
-          </a:bodyPr>
-          <a:lstStyle/>
-          <a:p>
-            <a:endParaRPr lang="fr-FR" dirty="0"/>
-          </a:p>
-        </p:txBody>
-      </p:sp>
-      <p:sp>
-        <p:nvSpPr>
-          <p:cNvPr id="3" name="Espace réservé du numéro de diapositive 2"/>
-          <p:cNvSpPr>
-            <a:spLocks noGrp="1"/>
-          </p:cNvSpPr>
-          <p:nvPr>
-            <p:ph type="sldNum" sz="quarter" idx="17"/>
-          </p:nvPr>
-        </p:nvSpPr>
-        <p:spPr/>
-        <p:txBody>
-          <a:bodyPr/>
-          <a:lstStyle/>
-          <a:p>
-            <a:fld id="{256D3EEF-DE4E-429D-8EC4-DDC531AFF587}" type="slidenum">
-              <a:rPr lang="fr-FR" smtClean="0"/>
-              <a:pPr/>
-              <a:t>20</a:t>
-            </a:fld>
-            <a:endParaRPr lang="fr-FR" dirty="0"/>
-          </a:p>
-        </p:txBody>
-      </p:sp>
-      <p:sp>
-        <p:nvSpPr>
-          <p:cNvPr id="4" name="Espace réservé du texte 3"/>
-          <p:cNvSpPr>
-            <a:spLocks noGrp="1"/>
-          </p:cNvSpPr>
-          <p:nvPr>
-            <p:ph type="body" sz="quarter" idx="13"/>
-          </p:nvPr>
-        </p:nvSpPr>
-        <p:spPr/>
-        <p:txBody>
-          <a:bodyPr>
-            <a:normAutofit fontScale="55000" lnSpcReduction="20000"/>
-          </a:bodyPr>
-          <a:lstStyle/>
-          <a:p>
-            <a:r>
-              <a:rPr lang="fr-FR" dirty="0"/>
-              <a:t>Présentation du logiciel d’acquisition</a:t>
-            </a:r>
-            <a:br>
-              <a:rPr lang="fr-FR" dirty="0"/>
-            </a:br>
-            <a:r>
-              <a:rPr lang="fr-FR" dirty="0" smtClean="0"/>
-              <a:t>Lancement d’une acquisition</a:t>
-            </a:r>
-            <a:endParaRPr lang="fr-FR" dirty="0"/>
-          </a:p>
-        </p:txBody>
-      </p:sp>
-      <p:sp>
-        <p:nvSpPr>
-          <p:cNvPr id="10" name="ZoneTexte 9">
-            <a:hlinkClick r:id="rId2" action="ppaction://hlinksldjump"/>
-          </p:cNvPr>
-          <p:cNvSpPr txBox="1"/>
-          <p:nvPr/>
-        </p:nvSpPr>
-        <p:spPr>
-          <a:xfrm>
-            <a:off x="107504" y="6525344"/>
-            <a:ext cx="8136904" cy="307777"/>
-          </a:xfrm>
-          <a:prstGeom prst="rect">
-            <a:avLst/>
-          </a:prstGeom>
-          <a:noFill/>
-        </p:spPr>
-        <p:txBody>
-          <a:bodyPr wrap="square" rtlCol="0">
-            <a:spAutoFit/>
-          </a:bodyPr>
-          <a:lstStyle/>
-          <a:p>
-            <a:pPr algn="r"/>
-            <a:r>
-              <a:rPr lang="fr-FR" sz="1400" i="1" dirty="0" smtClean="0">
-                <a:solidFill>
-                  <a:schemeClr val="bg1">
-                    <a:lumMod val="50000"/>
-                  </a:schemeClr>
-                </a:solidFill>
-              </a:rPr>
-              <a:t>Retour vers le menu</a:t>
-            </a:r>
-            <a:endParaRPr lang="fr-FR" sz="1400" i="1" dirty="0">
-              <a:solidFill>
-                <a:schemeClr val="bg1">
-                  <a:lumMod val="50000"/>
-                </a:schemeClr>
-              </a:solidFill>
-            </a:endParaRPr>
-          </a:p>
-        </p:txBody>
-      </p:sp>
-    </p:spTree>
-    <p:extLst>
-      <p:ext uri="{BB962C8B-B14F-4D97-AF65-F5344CB8AC3E}">
-        <p14:creationId xmlns:p14="http://schemas.microsoft.com/office/powerpoint/2010/main" val="1069924367"/>
-      </p:ext>
-    </p:extLst>
-  </p:cSld>
-  <p:clrMapOvr>
-    <a:masterClrMapping/>
-  </p:clrMapOvr>
-  <p:timing>
-    <p:tnLst>
-      <p:par>
-        <p:cTn id="1" dur="indefinite" restart="never" nodeType="tmRoot"/>
-      </p:par>
-    </p:tnLst>
-  </p:timing>
-</p:sld>
-</file>
-
-<file path=ppt/slides/slide21.xml><?xml version="1.0" encoding="utf-8"?>
-<p:sld xmlns:a="http://schemas.openxmlformats.org/drawingml/2006/main" xmlns:r="http://schemas.openxmlformats.org/officeDocument/2006/relationships" xmlns:p="http://schemas.openxmlformats.org/presentationml/2006/main">
-  <p:cSld>
-    <p:spTree>
-      <p:nvGrpSpPr>
-        <p:cNvPr id="1" name=""/>
-        <p:cNvGrpSpPr/>
-        <p:nvPr/>
-      </p:nvGrpSpPr>
-      <p:grpSpPr>
-        <a:xfrm>
-          <a:off x="0" y="0"/>
-          <a:ext cx="0" cy="0"/>
-          <a:chOff x="0" y="0"/>
-          <a:chExt cx="0" cy="0"/>
-        </a:xfrm>
-      </p:grpSpPr>
-      <p:sp>
-        <p:nvSpPr>
-          <p:cNvPr id="2" name="Espace réservé du contenu 1"/>
-          <p:cNvSpPr>
-            <a:spLocks noGrp="1"/>
-          </p:cNvSpPr>
-          <p:nvPr>
-            <p:ph sz="quarter" idx="15"/>
-          </p:nvPr>
-        </p:nvSpPr>
-        <p:spPr>
-          <a:xfrm>
-            <a:off x="304800" y="980728"/>
-            <a:ext cx="7839100" cy="5760640"/>
-          </a:xfrm>
-        </p:spPr>
-        <p:txBody>
-          <a:bodyPr>
-            <a:normAutofit/>
-          </a:bodyPr>
-          <a:lstStyle/>
-          <a:p>
-            <a:pPr lvl="0"/>
-            <a:endParaRPr lang="fr-FR" sz="2000" dirty="0"/>
-          </a:p>
-        </p:txBody>
-      </p:sp>
-      <p:sp>
-        <p:nvSpPr>
-          <p:cNvPr id="3" name="Espace réservé du numéro de diapositive 2"/>
-          <p:cNvSpPr>
-            <a:spLocks noGrp="1"/>
-          </p:cNvSpPr>
-          <p:nvPr>
-            <p:ph type="sldNum" sz="quarter" idx="17"/>
-          </p:nvPr>
-        </p:nvSpPr>
-        <p:spPr/>
-        <p:txBody>
-          <a:bodyPr/>
-          <a:lstStyle/>
-          <a:p>
-            <a:fld id="{256D3EEF-DE4E-429D-8EC4-DDC531AFF587}" type="slidenum">
-              <a:rPr lang="fr-FR" smtClean="0"/>
-              <a:pPr/>
-              <a:t>21</a:t>
-            </a:fld>
-            <a:endParaRPr lang="fr-FR" dirty="0"/>
-          </a:p>
-        </p:txBody>
-      </p:sp>
-      <p:sp>
-        <p:nvSpPr>
-          <p:cNvPr id="4" name="Espace réservé du texte 3"/>
-          <p:cNvSpPr>
-            <a:spLocks noGrp="1"/>
-          </p:cNvSpPr>
-          <p:nvPr>
-            <p:ph type="body" sz="quarter" idx="13"/>
-          </p:nvPr>
-        </p:nvSpPr>
-        <p:spPr/>
-        <p:txBody>
-          <a:bodyPr>
-            <a:normAutofit fontScale="55000" lnSpcReduction="20000"/>
-          </a:bodyPr>
-          <a:lstStyle/>
-          <a:p>
-            <a:r>
-              <a:rPr lang="fr-FR" dirty="0"/>
-              <a:t>Présentation du logiciel d’acquisition</a:t>
-            </a:r>
-            <a:br>
-              <a:rPr lang="fr-FR" dirty="0"/>
-            </a:br>
-            <a:r>
-              <a:rPr lang="fr-FR" dirty="0" smtClean="0"/>
-              <a:t>Exploitation de l’acquisition</a:t>
-            </a:r>
-            <a:endParaRPr lang="fr-FR" dirty="0"/>
-          </a:p>
-          <a:p>
-            <a:endParaRPr lang="fr-FR" dirty="0"/>
-          </a:p>
-        </p:txBody>
-      </p:sp>
-      <p:sp>
-        <p:nvSpPr>
-          <p:cNvPr id="10" name="ZoneTexte 9">
-            <a:hlinkClick r:id="rId2" action="ppaction://hlinksldjump"/>
-          </p:cNvPr>
-          <p:cNvSpPr txBox="1"/>
-          <p:nvPr/>
-        </p:nvSpPr>
-        <p:spPr>
-          <a:xfrm>
-            <a:off x="107504" y="6525344"/>
-            <a:ext cx="8136904" cy="307777"/>
-          </a:xfrm>
-          <a:prstGeom prst="rect">
-            <a:avLst/>
-          </a:prstGeom>
-          <a:noFill/>
-        </p:spPr>
-        <p:txBody>
-          <a:bodyPr wrap="square" rtlCol="0">
-            <a:spAutoFit/>
-          </a:bodyPr>
-          <a:lstStyle/>
-          <a:p>
-            <a:pPr algn="r"/>
-            <a:r>
-              <a:rPr lang="fr-FR" sz="1400" i="1" dirty="0" smtClean="0">
-                <a:solidFill>
-                  <a:schemeClr val="bg1">
-                    <a:lumMod val="50000"/>
-                  </a:schemeClr>
-                </a:solidFill>
-              </a:rPr>
-              <a:t>Retour vers le menu</a:t>
-            </a:r>
-            <a:endParaRPr lang="fr-FR" sz="1400" i="1" dirty="0">
-              <a:solidFill>
-                <a:schemeClr val="bg1">
-                  <a:lumMod val="50000"/>
-                </a:schemeClr>
-              </a:solidFill>
-            </a:endParaRPr>
-          </a:p>
-        </p:txBody>
-      </p:sp>
-    </p:spTree>
-    <p:extLst>
-      <p:ext uri="{BB962C8B-B14F-4D97-AF65-F5344CB8AC3E}">
-        <p14:creationId xmlns:p14="http://schemas.microsoft.com/office/powerpoint/2010/main" val="1651410228"/>
-      </p:ext>
-    </p:extLst>
-  </p:cSld>
-  <p:clrMapOvr>
-    <a:masterClrMapping/>
-  </p:clrMapOvr>
-  <p:timing>
-    <p:tnLst>
-      <p:par>
-        <p:cTn id="1" dur="indefinite" restart="never" nodeType="tmRoot"/>
-      </p:par>
-    </p:tnLst>
-  </p:timing>
-</p:sld>
-</file>
-
-<file path=ppt/slides/slide3.xml><?xml version="1.0" encoding="utf-8"?>
-<p:sld xmlns:a="http://schemas.openxmlformats.org/drawingml/2006/main" xmlns:r="http://schemas.openxmlformats.org/officeDocument/2006/relationships" xmlns:p="http://schemas.openxmlformats.org/presentationml/2006/main">
-  <p:cSld>
-    <p:spTree>
-      <p:nvGrpSpPr>
-        <p:cNvPr id="1" name=""/>
-        <p:cNvGrpSpPr/>
-        <p:nvPr/>
-      </p:nvGrpSpPr>
-      <p:grpSpPr>
-        <a:xfrm>
-          <a:off x="0" y="0"/>
-          <a:ext cx="0" cy="0"/>
-          <a:chOff x="0" y="0"/>
-          <a:chExt cx="0" cy="0"/>
-        </a:xfrm>
-      </p:grpSpPr>
-      <p:sp>
-        <p:nvSpPr>
-          <p:cNvPr id="2" name="Titre 1"/>
-          <p:cNvSpPr>
-            <a:spLocks noGrp="1"/>
-          </p:cNvSpPr>
-          <p:nvPr>
-            <p:ph type="ctrTitle"/>
-          </p:nvPr>
-        </p:nvSpPr>
-        <p:spPr/>
-        <p:txBody>
-          <a:bodyPr/>
-          <a:lstStyle/>
-          <a:p>
-            <a:r>
-              <a:rPr lang="fr-FR" dirty="0" smtClean="0"/>
-              <a:t>Présentation générale de </a:t>
-            </a:r>
-            <a:r>
-              <a:rPr lang="fr-FR" dirty="0" smtClean="0"/>
-              <a:t>l’axe EMERICC</a:t>
-            </a:r>
-            <a:endParaRPr lang="fr-FR" dirty="0"/>
-          </a:p>
-        </p:txBody>
-      </p:sp>
-      <p:sp>
-        <p:nvSpPr>
-          <p:cNvPr id="3" name="Espace réservé du numéro de diapositive 2"/>
-          <p:cNvSpPr>
-            <a:spLocks noGrp="1"/>
-          </p:cNvSpPr>
-          <p:nvPr>
-            <p:ph type="sldNum" sz="quarter" idx="12"/>
-          </p:nvPr>
-        </p:nvSpPr>
-        <p:spPr/>
-        <p:txBody>
-          <a:bodyPr/>
-          <a:lstStyle/>
-          <a:p>
-            <a:pPr algn="r"/>
-            <a:fld id="{256D3EEF-DE4E-429D-8EC4-DDC531AFF587}" type="slidenum">
-              <a:rPr kumimoji="0" lang="fr-FR" sz="1000" smtClean="0"/>
-              <a:pPr algn="r"/>
-              <a:t>3</a:t>
-            </a:fld>
-            <a:endParaRPr kumimoji="0" lang="fr-FR"/>
-          </a:p>
-        </p:txBody>
-      </p:sp>
-      <p:sp>
-        <p:nvSpPr>
-          <p:cNvPr id="5" name="ZoneTexte 4">
-            <a:hlinkClick r:id="rId2" action="ppaction://hlinksldjump"/>
-          </p:cNvPr>
-          <p:cNvSpPr txBox="1"/>
-          <p:nvPr/>
-        </p:nvSpPr>
-        <p:spPr>
-          <a:xfrm>
-            <a:off x="107504" y="6525344"/>
-            <a:ext cx="8136904" cy="307777"/>
-          </a:xfrm>
-          <a:prstGeom prst="rect">
-            <a:avLst/>
-          </a:prstGeom>
-          <a:noFill/>
-        </p:spPr>
-        <p:txBody>
-          <a:bodyPr wrap="square" rtlCol="0">
-            <a:spAutoFit/>
-          </a:bodyPr>
-          <a:lstStyle/>
-          <a:p>
-            <a:pPr algn="r"/>
-            <a:r>
-              <a:rPr lang="fr-FR" sz="1400" i="1" dirty="0" smtClean="0">
-                <a:solidFill>
-                  <a:schemeClr val="bg1">
-                    <a:lumMod val="50000"/>
-                  </a:schemeClr>
-                </a:solidFill>
-              </a:rPr>
-              <a:t>Retour vers le menu</a:t>
-            </a:r>
-            <a:endParaRPr lang="fr-FR" sz="1400" i="1" dirty="0">
-              <a:solidFill>
-                <a:schemeClr val="bg1">
-                  <a:lumMod val="50000"/>
-                </a:schemeClr>
-              </a:solidFill>
-            </a:endParaRPr>
-          </a:p>
-        </p:txBody>
-      </p:sp>
-    </p:spTree>
-    <p:extLst>
-      <p:ext uri="{BB962C8B-B14F-4D97-AF65-F5344CB8AC3E}">
-        <p14:creationId xmlns:p14="http://schemas.microsoft.com/office/powerpoint/2010/main" val="494579730"/>
-      </p:ext>
-    </p:extLst>
-  </p:cSld>
-  <p:clrMapOvr>
-    <a:masterClrMapping/>
-  </p:clrMapOvr>
-  <p:timing>
-    <p:tnLst>
-      <p:par>
-        <p:cTn id="1" dur="indefinite" restart="never" nodeType="tmRoot"/>
-      </p:par>
-    </p:tnLst>
-  </p:timing>
-</p:sld>
-</file>
-
-<file path=ppt/slides/slide4.xml><?xml version="1.0" encoding="utf-8"?>
-<p:sld xmlns:a="http://schemas.openxmlformats.org/drawingml/2006/main" xmlns:r="http://schemas.openxmlformats.org/officeDocument/2006/relationships" xmlns:p="http://schemas.openxmlformats.org/presentationml/2006/main">
-  <p:cSld>
-    <p:spTree>
-      <p:nvGrpSpPr>
-        <p:cNvPr id="1" name=""/>
-        <p:cNvGrpSpPr/>
-        <p:nvPr/>
-      </p:nvGrpSpPr>
-      <p:grpSpPr>
-        <a:xfrm>
-          <a:off x="0" y="0"/>
-          <a:ext cx="0" cy="0"/>
-          <a:chOff x="0" y="0"/>
-          <a:chExt cx="0" cy="0"/>
-        </a:xfrm>
-      </p:grpSpPr>
-      <p:sp>
-        <p:nvSpPr>
-          <p:cNvPr id="3" name="Espace réservé du numéro de diapositive 2"/>
-          <p:cNvSpPr>
-            <a:spLocks noGrp="1"/>
-          </p:cNvSpPr>
-          <p:nvPr>
-            <p:ph type="sldNum" sz="quarter" idx="17"/>
-          </p:nvPr>
-        </p:nvSpPr>
-        <p:spPr/>
-        <p:txBody>
-          <a:bodyPr/>
-          <a:lstStyle/>
-          <a:p>
-            <a:fld id="{256D3EEF-DE4E-429D-8EC4-DDC531AFF587}" type="slidenum">
-              <a:rPr lang="fr-FR" smtClean="0"/>
-              <a:pPr/>
-              <a:t>4</a:t>
-            </a:fld>
-            <a:endParaRPr lang="fr-FR" dirty="0"/>
-          </a:p>
-        </p:txBody>
-      </p:sp>
-      <p:sp>
-        <p:nvSpPr>
-          <p:cNvPr id="4" name="Espace réservé du texte 3"/>
-          <p:cNvSpPr>
-            <a:spLocks noGrp="1"/>
-          </p:cNvSpPr>
-          <p:nvPr>
-            <p:ph type="body" sz="quarter" idx="13"/>
-          </p:nvPr>
-        </p:nvSpPr>
-        <p:spPr/>
-        <p:txBody>
-          <a:bodyPr>
-            <a:normAutofit/>
-          </a:bodyPr>
-          <a:lstStyle/>
-          <a:p>
-            <a:r>
-              <a:rPr lang="fr-FR" dirty="0"/>
-              <a:t>Présentation générale de </a:t>
-            </a:r>
-            <a:r>
-              <a:rPr lang="fr-FR" dirty="0" smtClean="0"/>
-              <a:t>l’axe EMERICC</a:t>
-            </a:r>
-            <a:endParaRPr lang="fr-FR" dirty="0"/>
-          </a:p>
-        </p:txBody>
-      </p:sp>
-      <p:sp>
-        <p:nvSpPr>
-          <p:cNvPr id="9" name="Espace réservé du contenu 8"/>
-          <p:cNvSpPr>
-            <a:spLocks noGrp="1"/>
-          </p:cNvSpPr>
-          <p:nvPr>
-            <p:ph sz="quarter" idx="15"/>
-          </p:nvPr>
-        </p:nvSpPr>
-        <p:spPr/>
-        <p:txBody>
-          <a:bodyPr/>
-          <a:lstStyle/>
-          <a:p>
-            <a:endParaRPr lang="fr-FR"/>
-          </a:p>
-        </p:txBody>
-      </p:sp>
-    </p:spTree>
-    <p:extLst>
-      <p:ext uri="{BB962C8B-B14F-4D97-AF65-F5344CB8AC3E}">
-        <p14:creationId xmlns:p14="http://schemas.microsoft.com/office/powerpoint/2010/main" val="3270665889"/>
-      </p:ext>
-    </p:extLst>
-  </p:cSld>
-  <p:clrMapOvr>
-    <a:masterClrMapping/>
-  </p:clrMapOvr>
-</p:sld>
-</file>
-
-<file path=ppt/slides/slide5.xml><?xml version="1.0" encoding="utf-8"?>
-<p:sld xmlns:a="http://schemas.openxmlformats.org/drawingml/2006/main" xmlns:r="http://schemas.openxmlformats.org/officeDocument/2006/relationships" xmlns:p="http://schemas.openxmlformats.org/presentationml/2006/main">
-  <p:cSld>
-    <p:spTree>
-      <p:nvGrpSpPr>
-        <p:cNvPr id="1" name=""/>
-        <p:cNvGrpSpPr/>
-        <p:nvPr/>
-      </p:nvGrpSpPr>
-      <p:grpSpPr>
-        <a:xfrm>
-          <a:off x="0" y="0"/>
-          <a:ext cx="0" cy="0"/>
-          <a:chOff x="0" y="0"/>
-          <a:chExt cx="0" cy="0"/>
-        </a:xfrm>
-      </p:grpSpPr>
-      <p:sp>
-        <p:nvSpPr>
-          <p:cNvPr id="5" name="Espace réservé du contenu 4"/>
-          <p:cNvSpPr>
-            <a:spLocks noGrp="1"/>
-          </p:cNvSpPr>
-          <p:nvPr>
-            <p:ph sz="quarter" idx="15"/>
-          </p:nvPr>
-        </p:nvSpPr>
-        <p:spPr/>
-        <p:txBody>
-          <a:bodyPr/>
-          <a:lstStyle/>
-          <a:p>
-            <a:endParaRPr lang="fr-FR" dirty="0"/>
-          </a:p>
-        </p:txBody>
-      </p:sp>
-      <p:sp>
-        <p:nvSpPr>
-          <p:cNvPr id="3" name="Espace réservé du numéro de diapositive 2"/>
-          <p:cNvSpPr>
-            <a:spLocks noGrp="1"/>
-          </p:cNvSpPr>
-          <p:nvPr>
-            <p:ph type="sldNum" sz="quarter" idx="17"/>
-          </p:nvPr>
-        </p:nvSpPr>
-        <p:spPr/>
-        <p:txBody>
-          <a:bodyPr/>
-          <a:lstStyle/>
-          <a:p>
-            <a:pPr algn="r"/>
-            <a:fld id="{256D3EEF-DE4E-429D-8EC4-DDC531AFF587}" type="slidenum">
-              <a:rPr kumimoji="0" lang="fr-FR" sz="1000" smtClean="0"/>
-              <a:pPr algn="r"/>
-              <a:t>5</a:t>
-            </a:fld>
-            <a:endParaRPr kumimoji="0" lang="fr-FR"/>
-          </a:p>
-        </p:txBody>
-      </p:sp>
-      <p:sp>
-        <p:nvSpPr>
-          <p:cNvPr id="4" name="Espace réservé du texte 3"/>
-          <p:cNvSpPr>
-            <a:spLocks noGrp="1"/>
-          </p:cNvSpPr>
-          <p:nvPr>
-            <p:ph type="body" sz="quarter" idx="13"/>
-          </p:nvPr>
-        </p:nvSpPr>
-        <p:spPr/>
-        <p:txBody>
-          <a:bodyPr>
-            <a:normAutofit fontScale="55000" lnSpcReduction="20000"/>
-          </a:bodyPr>
-          <a:lstStyle/>
-          <a:p>
-            <a:r>
-              <a:rPr lang="fr-FR" dirty="0" smtClean="0"/>
-              <a:t>Contexte général</a:t>
-            </a:r>
-          </a:p>
-          <a:p>
-            <a:r>
-              <a:rPr lang="fr-FR" dirty="0" smtClean="0"/>
-              <a:t>Diagramme de cas d’utilisation</a:t>
-            </a:r>
-            <a:endParaRPr lang="fr-FR" dirty="0"/>
-          </a:p>
-        </p:txBody>
-      </p:sp>
-      <p:sp>
-        <p:nvSpPr>
-          <p:cNvPr id="7" name="ZoneTexte 6">
-            <a:hlinkClick r:id="rId2" action="ppaction://hlinksldjump"/>
-          </p:cNvPr>
-          <p:cNvSpPr txBox="1"/>
-          <p:nvPr/>
-        </p:nvSpPr>
-        <p:spPr>
-          <a:xfrm>
-            <a:off x="107504" y="6525344"/>
-            <a:ext cx="8136904" cy="307777"/>
-          </a:xfrm>
-          <a:prstGeom prst="rect">
-            <a:avLst/>
-          </a:prstGeom>
-          <a:noFill/>
-        </p:spPr>
-        <p:txBody>
-          <a:bodyPr wrap="square" rtlCol="0">
-            <a:spAutoFit/>
-          </a:bodyPr>
-          <a:lstStyle/>
-          <a:p>
-            <a:pPr algn="r"/>
-            <a:r>
-              <a:rPr lang="fr-FR" sz="1400" i="1" dirty="0" smtClean="0">
-                <a:solidFill>
-                  <a:schemeClr val="bg1">
-                    <a:lumMod val="50000"/>
-                  </a:schemeClr>
-                </a:solidFill>
-              </a:rPr>
-              <a:t>Retour vers le menu</a:t>
-            </a:r>
-            <a:endParaRPr lang="fr-FR" sz="1400" i="1" dirty="0">
-              <a:solidFill>
-                <a:schemeClr val="bg1">
-                  <a:lumMod val="50000"/>
-                </a:schemeClr>
-              </a:solidFill>
-            </a:endParaRPr>
-          </a:p>
-        </p:txBody>
-      </p:sp>
-    </p:spTree>
-    <p:extLst>
-      <p:ext uri="{BB962C8B-B14F-4D97-AF65-F5344CB8AC3E}">
-        <p14:creationId xmlns:p14="http://schemas.microsoft.com/office/powerpoint/2010/main" val="1883957586"/>
-      </p:ext>
-    </p:extLst>
-  </p:cSld>
-  <p:clrMapOvr>
-    <a:masterClrMapping/>
-  </p:clrMapOvr>
-  <p:timing>
-    <p:tnLst>
-      <p:par>
-        <p:cTn id="1" dur="indefinite" restart="never" nodeType="tmRoot"/>
-      </p:par>
-    </p:tnLst>
-  </p:timing>
-</p:sld>
-</file>
-
-<file path=ppt/slides/slide6.xml><?xml version="1.0" encoding="utf-8"?>
-<p:sld xmlns:a="http://schemas.openxmlformats.org/drawingml/2006/main" xmlns:r="http://schemas.openxmlformats.org/officeDocument/2006/relationships" xmlns:p="http://schemas.openxmlformats.org/presentationml/2006/main">
-  <p:cSld>
-    <p:spTree>
-      <p:nvGrpSpPr>
-        <p:cNvPr id="1" name=""/>
-        <p:cNvGrpSpPr/>
-        <p:nvPr/>
-      </p:nvGrpSpPr>
-      <p:grpSpPr>
-        <a:xfrm>
-          <a:off x="0" y="0"/>
-          <a:ext cx="0" cy="0"/>
-          <a:chOff x="0" y="0"/>
-          <a:chExt cx="0" cy="0"/>
-        </a:xfrm>
-      </p:grpSpPr>
-      <p:sp>
-        <p:nvSpPr>
-          <p:cNvPr id="5" name="Espace réservé du contenu 4"/>
-          <p:cNvSpPr>
-            <a:spLocks noGrp="1"/>
-          </p:cNvSpPr>
-          <p:nvPr>
-            <p:ph sz="quarter" idx="15"/>
-          </p:nvPr>
-        </p:nvSpPr>
-        <p:spPr/>
-        <p:txBody>
-          <a:bodyPr/>
-          <a:lstStyle/>
-          <a:p>
-            <a:endParaRPr lang="fr-FR" dirty="0"/>
-          </a:p>
-        </p:txBody>
-      </p:sp>
-      <p:sp>
-        <p:nvSpPr>
-          <p:cNvPr id="3" name="Espace réservé du numéro de diapositive 2"/>
-          <p:cNvSpPr>
-            <a:spLocks noGrp="1"/>
-          </p:cNvSpPr>
-          <p:nvPr>
-            <p:ph type="sldNum" sz="quarter" idx="17"/>
-          </p:nvPr>
-        </p:nvSpPr>
-        <p:spPr/>
-        <p:txBody>
-          <a:bodyPr/>
-          <a:lstStyle/>
-          <a:p>
-            <a:pPr algn="r"/>
-            <a:fld id="{256D3EEF-DE4E-429D-8EC4-DDC531AFF587}" type="slidenum">
-              <a:rPr kumimoji="0" lang="fr-FR" sz="1000" smtClean="0"/>
-              <a:pPr algn="r"/>
-              <a:t>6</a:t>
-            </a:fld>
-            <a:endParaRPr kumimoji="0" lang="fr-FR"/>
-          </a:p>
-        </p:txBody>
-      </p:sp>
-      <p:sp>
-        <p:nvSpPr>
-          <p:cNvPr id="4" name="Espace réservé du texte 3"/>
-          <p:cNvSpPr>
-            <a:spLocks noGrp="1"/>
-          </p:cNvSpPr>
-          <p:nvPr>
-            <p:ph type="body" sz="quarter" idx="13"/>
-          </p:nvPr>
-        </p:nvSpPr>
-        <p:spPr/>
-        <p:txBody>
-          <a:bodyPr>
-            <a:normAutofit fontScale="55000" lnSpcReduction="20000"/>
-          </a:bodyPr>
-          <a:lstStyle/>
-          <a:p>
-            <a:r>
-              <a:rPr lang="fr-FR" dirty="0" smtClean="0"/>
-              <a:t>Contexte général</a:t>
-            </a:r>
-          </a:p>
-          <a:p>
-            <a:r>
-              <a:rPr lang="fr-FR" dirty="0" smtClean="0"/>
-              <a:t>Diagramme de contexte</a:t>
-            </a:r>
-            <a:endParaRPr lang="fr-FR" dirty="0"/>
-          </a:p>
-        </p:txBody>
-      </p:sp>
-      <p:sp>
-        <p:nvSpPr>
-          <p:cNvPr id="9" name="ZoneTexte 8">
-            <a:hlinkClick r:id="rId2" action="ppaction://hlinksldjump"/>
-          </p:cNvPr>
-          <p:cNvSpPr txBox="1"/>
-          <p:nvPr/>
-        </p:nvSpPr>
-        <p:spPr>
-          <a:xfrm>
-            <a:off x="107504" y="6525344"/>
-            <a:ext cx="8136904" cy="307777"/>
-          </a:xfrm>
-          <a:prstGeom prst="rect">
-            <a:avLst/>
-          </a:prstGeom>
-          <a:noFill/>
-        </p:spPr>
-        <p:txBody>
-          <a:bodyPr wrap="square" rtlCol="0">
-            <a:spAutoFit/>
-          </a:bodyPr>
-          <a:lstStyle/>
-          <a:p>
-            <a:pPr algn="r"/>
-            <a:r>
-              <a:rPr lang="fr-FR" sz="1400" i="1" dirty="0" smtClean="0">
-                <a:solidFill>
-                  <a:schemeClr val="bg1">
-                    <a:lumMod val="50000"/>
-                  </a:schemeClr>
-                </a:solidFill>
-              </a:rPr>
-              <a:t>Retour vers le menu</a:t>
-            </a:r>
-            <a:endParaRPr lang="fr-FR" sz="1400" i="1" dirty="0">
-              <a:solidFill>
-                <a:schemeClr val="bg1">
-                  <a:lumMod val="50000"/>
-                </a:schemeClr>
-              </a:solidFill>
-            </a:endParaRPr>
-          </a:p>
-        </p:txBody>
-      </p:sp>
-    </p:spTree>
-    <p:extLst>
-      <p:ext uri="{BB962C8B-B14F-4D97-AF65-F5344CB8AC3E}">
-        <p14:creationId xmlns:p14="http://schemas.microsoft.com/office/powerpoint/2010/main" val="3743364650"/>
-      </p:ext>
-    </p:extLst>
-  </p:cSld>
-  <p:clrMapOvr>
-    <a:masterClrMapping/>
-  </p:clrMapOvr>
-</p:sld>
-</file>
-
-<file path=ppt/slides/slide7.xml><?xml version="1.0" encoding="utf-8"?>
-<p:sld xmlns:a="http://schemas.openxmlformats.org/drawingml/2006/main" xmlns:r="http://schemas.openxmlformats.org/officeDocument/2006/relationships" xmlns:p="http://schemas.openxmlformats.org/presentationml/2006/main">
-  <p:cSld>
-    <p:spTree>
-      <p:nvGrpSpPr>
-        <p:cNvPr id="1" name=""/>
-        <p:cNvGrpSpPr/>
-        <p:nvPr/>
-      </p:nvGrpSpPr>
-      <p:grpSpPr>
-        <a:xfrm>
-          <a:off x="0" y="0"/>
-          <a:ext cx="0" cy="0"/>
-          <a:chOff x="0" y="0"/>
-          <a:chExt cx="0" cy="0"/>
-        </a:xfrm>
-      </p:grpSpPr>
-      <p:sp>
-        <p:nvSpPr>
-          <p:cNvPr id="2" name="Titre 1"/>
-          <p:cNvSpPr>
-            <a:spLocks noGrp="1"/>
-          </p:cNvSpPr>
-          <p:nvPr>
-            <p:ph type="ctrTitle"/>
-          </p:nvPr>
-        </p:nvSpPr>
-        <p:spPr/>
-        <p:txBody>
-          <a:bodyPr/>
-          <a:lstStyle/>
-          <a:p>
-            <a:r>
-              <a:rPr lang="fr-FR" dirty="0" smtClean="0"/>
-              <a:t>Mise en œuvre de </a:t>
-            </a:r>
-            <a:r>
-              <a:rPr lang="fr-FR" dirty="0" smtClean="0"/>
-              <a:t>l’axe </a:t>
-            </a:r>
-            <a:r>
-              <a:rPr lang="fr-FR" dirty="0" err="1" smtClean="0"/>
-              <a:t>Emericc</a:t>
-            </a:r>
-            <a:endParaRPr lang="fr-FR" dirty="0"/>
-          </a:p>
-        </p:txBody>
-      </p:sp>
-      <p:sp>
-        <p:nvSpPr>
-          <p:cNvPr id="3" name="Espace réservé du numéro de diapositive 2"/>
-          <p:cNvSpPr>
-            <a:spLocks noGrp="1"/>
-          </p:cNvSpPr>
-          <p:nvPr>
-            <p:ph type="sldNum" sz="quarter" idx="12"/>
-          </p:nvPr>
-        </p:nvSpPr>
-        <p:spPr/>
-        <p:txBody>
-          <a:bodyPr/>
-          <a:lstStyle/>
-          <a:p>
-            <a:pPr algn="r"/>
-            <a:fld id="{256D3EEF-DE4E-429D-8EC4-DDC531AFF587}" type="slidenum">
-              <a:rPr kumimoji="0" lang="fr-FR" sz="1000" smtClean="0"/>
-              <a:pPr algn="r"/>
-              <a:t>7</a:t>
-            </a:fld>
-            <a:endParaRPr kumimoji="0" lang="fr-FR"/>
-          </a:p>
-        </p:txBody>
-      </p:sp>
-      <p:sp>
-        <p:nvSpPr>
-          <p:cNvPr id="5" name="ZoneTexte 4">
-            <a:hlinkClick r:id="rId2" action="ppaction://hlinksldjump"/>
-          </p:cNvPr>
-          <p:cNvSpPr txBox="1"/>
-          <p:nvPr/>
-        </p:nvSpPr>
-        <p:spPr>
-          <a:xfrm>
-            <a:off x="107504" y="6525344"/>
-            <a:ext cx="8136904" cy="307777"/>
-          </a:xfrm>
-          <a:prstGeom prst="rect">
-            <a:avLst/>
-          </a:prstGeom>
-          <a:noFill/>
-        </p:spPr>
-        <p:txBody>
-          <a:bodyPr wrap="square" rtlCol="0">
-            <a:spAutoFit/>
-          </a:bodyPr>
-          <a:lstStyle/>
-          <a:p>
-            <a:pPr algn="r"/>
-            <a:r>
-              <a:rPr lang="fr-FR" sz="1400" i="1" dirty="0" smtClean="0">
-                <a:solidFill>
-                  <a:schemeClr val="bg1">
-                    <a:lumMod val="50000"/>
-                  </a:schemeClr>
-                </a:solidFill>
-              </a:rPr>
-              <a:t>Retour vers le menu</a:t>
-            </a:r>
-            <a:endParaRPr lang="fr-FR" sz="1400" i="1" dirty="0">
-              <a:solidFill>
-                <a:schemeClr val="bg1">
-                  <a:lumMod val="50000"/>
-                </a:schemeClr>
-              </a:solidFill>
-            </a:endParaRPr>
-          </a:p>
-        </p:txBody>
-      </p:sp>
-    </p:spTree>
-    <p:extLst>
-      <p:ext uri="{BB962C8B-B14F-4D97-AF65-F5344CB8AC3E}">
-        <p14:creationId xmlns:p14="http://schemas.microsoft.com/office/powerpoint/2010/main" val="3693178686"/>
-      </p:ext>
-    </p:extLst>
-  </p:cSld>
-  <p:clrMapOvr>
-    <a:masterClrMapping/>
-  </p:clrMapOvr>
-  <p:timing>
-    <p:tnLst>
-      <p:par>
-        <p:cTn id="1" dur="indefinite" restart="never" nodeType="tmRoot"/>
-      </p:par>
-    </p:tnLst>
-  </p:timing>
-</p:sld>
-</file>
-
-<file path=ppt/slides/slide8.xml><?xml version="1.0" encoding="utf-8"?>
-<p:sld xmlns:a="http://schemas.openxmlformats.org/drawingml/2006/main" xmlns:r="http://schemas.openxmlformats.org/officeDocument/2006/relationships" xmlns:p="http://schemas.openxmlformats.org/presentationml/2006/main">
-  <p:cSld>
-    <p:spTree>
-      <p:nvGrpSpPr>
-        <p:cNvPr id="1" name=""/>
-        <p:cNvGrpSpPr/>
-        <p:nvPr/>
-      </p:nvGrpSpPr>
-      <p:grpSpPr>
-        <a:xfrm>
-          <a:off x="0" y="0"/>
-          <a:ext cx="0" cy="0"/>
-          <a:chOff x="0" y="0"/>
-          <a:chExt cx="0" cy="0"/>
-        </a:xfrm>
-      </p:grpSpPr>
-      <p:sp>
-        <p:nvSpPr>
-          <p:cNvPr id="3" name="Espace réservé du numéro de diapositive 2"/>
-          <p:cNvSpPr>
-            <a:spLocks noGrp="1"/>
-          </p:cNvSpPr>
-          <p:nvPr>
-            <p:ph type="sldNum" sz="quarter" idx="17"/>
-          </p:nvPr>
-        </p:nvSpPr>
-        <p:spPr/>
-        <p:txBody>
-          <a:bodyPr/>
-          <a:lstStyle/>
-          <a:p>
-            <a:pPr algn="r"/>
-            <a:fld id="{256D3EEF-DE4E-429D-8EC4-DDC531AFF587}" type="slidenum">
-              <a:rPr kumimoji="0" lang="fr-FR" sz="1000" smtClean="0"/>
-              <a:pPr algn="r"/>
-              <a:t>8</a:t>
-            </a:fld>
-            <a:endParaRPr kumimoji="0" lang="fr-FR"/>
-          </a:p>
-        </p:txBody>
-      </p:sp>
-      <p:sp>
-        <p:nvSpPr>
-          <p:cNvPr id="4" name="Espace réservé du texte 3"/>
-          <p:cNvSpPr>
-            <a:spLocks noGrp="1"/>
-          </p:cNvSpPr>
-          <p:nvPr>
-            <p:ph type="body" sz="quarter" idx="13"/>
-          </p:nvPr>
-        </p:nvSpPr>
-        <p:spPr/>
-        <p:txBody>
-          <a:bodyPr/>
-          <a:lstStyle/>
-          <a:p>
-            <a:r>
-              <a:rPr lang="fr-FR" dirty="0" smtClean="0"/>
-              <a:t>Mise sous tension</a:t>
-            </a:r>
-            <a:endParaRPr lang="fr-FR" dirty="0"/>
-          </a:p>
-        </p:txBody>
-      </p:sp>
-      <p:sp>
-        <p:nvSpPr>
-          <p:cNvPr id="28" name="ZoneTexte 27">
-            <a:hlinkClick r:id="rId2" action="ppaction://hlinksldjump"/>
-          </p:cNvPr>
-          <p:cNvSpPr txBox="1"/>
-          <p:nvPr/>
-        </p:nvSpPr>
-        <p:spPr>
-          <a:xfrm>
-            <a:off x="107504" y="6525344"/>
-            <a:ext cx="8136904" cy="307777"/>
-          </a:xfrm>
-          <a:prstGeom prst="rect">
-            <a:avLst/>
-          </a:prstGeom>
-          <a:noFill/>
-        </p:spPr>
-        <p:txBody>
-          <a:bodyPr wrap="square" rtlCol="0">
-            <a:spAutoFit/>
-          </a:bodyPr>
-          <a:lstStyle/>
-          <a:p>
-            <a:pPr algn="r"/>
-            <a:r>
-              <a:rPr lang="fr-FR" sz="1400" i="1" dirty="0" smtClean="0">
-                <a:solidFill>
-                  <a:schemeClr val="bg1">
-                    <a:lumMod val="50000"/>
-                  </a:schemeClr>
-                </a:solidFill>
-              </a:rPr>
-              <a:t>Retour vers le menu</a:t>
-            </a:r>
-            <a:endParaRPr lang="fr-FR" sz="1400" i="1" dirty="0">
-              <a:solidFill>
-                <a:schemeClr val="bg1">
-                  <a:lumMod val="50000"/>
-                </a:schemeClr>
-              </a:solidFill>
-            </a:endParaRPr>
-          </a:p>
-        </p:txBody>
-      </p:sp>
-    </p:spTree>
-    <p:extLst>
-      <p:ext uri="{BB962C8B-B14F-4D97-AF65-F5344CB8AC3E}">
-        <p14:creationId xmlns:p14="http://schemas.microsoft.com/office/powerpoint/2010/main" val="4283005353"/>
-      </p:ext>
-    </p:extLst>
-  </p:cSld>
-  <p:clrMapOvr>
-    <a:masterClrMapping/>
-  </p:clrMapOvr>
-</p:sld>
-</file>
-
-<file path=ppt/slides/slide9.xml><?xml version="1.0" encoding="utf-8"?>
-<p:sld xmlns:a="http://schemas.openxmlformats.org/drawingml/2006/main" xmlns:r="http://schemas.openxmlformats.org/officeDocument/2006/relationships" xmlns:p="http://schemas.openxmlformats.org/presentationml/2006/main">
-  <p:cSld>
-    <p:spTree>
-      <p:nvGrpSpPr>
-        <p:cNvPr id="1" name=""/>
-        <p:cNvGrpSpPr/>
-        <p:nvPr/>
-      </p:nvGrpSpPr>
-      <p:grpSpPr>
-        <a:xfrm>
-          <a:off x="0" y="0"/>
-          <a:ext cx="0" cy="0"/>
-          <a:chOff x="0" y="0"/>
-          <a:chExt cx="0" cy="0"/>
-        </a:xfrm>
-      </p:grpSpPr>
-      <p:sp>
-        <p:nvSpPr>
-          <p:cNvPr id="2" name="Titre 1"/>
-          <p:cNvSpPr>
-            <a:spLocks noGrp="1"/>
-          </p:cNvSpPr>
-          <p:nvPr>
-            <p:ph type="ctrTitle"/>
-          </p:nvPr>
-        </p:nvSpPr>
-        <p:spPr/>
-        <p:txBody>
-          <a:bodyPr/>
-          <a:lstStyle/>
-          <a:p>
-            <a:r>
-              <a:rPr lang="fr-FR" dirty="0" smtClean="0"/>
-              <a:t>Présentation externe de la DAE</a:t>
-            </a:r>
-            <a:endParaRPr lang="fr-FR" dirty="0"/>
-          </a:p>
-        </p:txBody>
-      </p:sp>
-      <p:sp>
-        <p:nvSpPr>
-          <p:cNvPr id="3" name="Espace réservé du numéro de diapositive 2"/>
-          <p:cNvSpPr>
-            <a:spLocks noGrp="1"/>
-          </p:cNvSpPr>
-          <p:nvPr>
-            <p:ph type="sldNum" sz="quarter" idx="12"/>
-          </p:nvPr>
-        </p:nvSpPr>
-        <p:spPr/>
-        <p:txBody>
-          <a:bodyPr/>
-          <a:lstStyle/>
-          <a:p>
-            <a:pPr algn="r"/>
-            <a:fld id="{256D3EEF-DE4E-429D-8EC4-DDC531AFF587}" type="slidenum">
-              <a:rPr kumimoji="0" lang="fr-FR" sz="1000" smtClean="0"/>
-              <a:pPr algn="r"/>
-              <a:t>9</a:t>
-            </a:fld>
-            <a:endParaRPr kumimoji="0" lang="fr-FR"/>
-          </a:p>
-        </p:txBody>
-      </p:sp>
-      <p:sp>
-        <p:nvSpPr>
-          <p:cNvPr id="5" name="ZoneTexte 4">
-            <a:hlinkClick r:id="rId2" action="ppaction://hlinksldjump"/>
-          </p:cNvPr>
-          <p:cNvSpPr txBox="1"/>
-          <p:nvPr/>
-        </p:nvSpPr>
-        <p:spPr>
-          <a:xfrm>
-            <a:off x="107504" y="6525344"/>
-            <a:ext cx="8136904" cy="307777"/>
-          </a:xfrm>
-          <a:prstGeom prst="rect">
-            <a:avLst/>
-          </a:prstGeom>
-          <a:noFill/>
-        </p:spPr>
-        <p:txBody>
-          <a:bodyPr wrap="square" rtlCol="0">
-            <a:spAutoFit/>
-          </a:bodyPr>
-          <a:lstStyle/>
-          <a:p>
-            <a:pPr algn="r"/>
-            <a:r>
-              <a:rPr lang="fr-FR" sz="1400" i="1" dirty="0" smtClean="0">
-                <a:solidFill>
-                  <a:schemeClr val="bg1">
-                    <a:lumMod val="50000"/>
-                  </a:schemeClr>
-                </a:solidFill>
-              </a:rPr>
-              <a:t>Retour vers le menu</a:t>
-            </a:r>
-            <a:endParaRPr lang="fr-FR" sz="1400" i="1" dirty="0">
-              <a:solidFill>
-                <a:schemeClr val="bg1">
-                  <a:lumMod val="50000"/>
-                </a:schemeClr>
-              </a:solidFill>
-            </a:endParaRPr>
-          </a:p>
-        </p:txBody>
-      </p:sp>
-    </p:spTree>
-    <p:extLst>
-      <p:ext uri="{BB962C8B-B14F-4D97-AF65-F5344CB8AC3E}">
-        <p14:creationId xmlns:p14="http://schemas.microsoft.com/office/powerpoint/2010/main" val="3295037969"/>
-      </p:ext>
-    </p:extLst>
-  </p:cSld>
-  <p:clrMapOvr>
-    <a:masterClrMapping/>
-  </p:clrMapOvr>
-</p:sld>
-</file>
-
 <file path=ppt/theme/theme1.xml><?xml version="1.0" encoding="utf-8"?>
 <a:theme xmlns:a="http://schemas.openxmlformats.org/drawingml/2006/main" name="Plaquette commerciale">
   <a:themeElements>

--- a/DocumentsTP/Documentation_Emericc.pptx
+++ b/DocumentsTP/Documentation_Emericc.pptx
@@ -5,10 +5,10 @@
     <p:sldMasterId id="2147483648" r:id="rId1"/>
   </p:sldMasterIdLst>
   <p:notesMasterIdLst>
-    <p:notesMasterId r:id="rId21"/>
+    <p:notesMasterId r:id="rId19"/>
   </p:notesMasterIdLst>
   <p:handoutMasterIdLst>
-    <p:handoutMasterId r:id="rId22"/>
+    <p:handoutMasterId r:id="rId20"/>
   </p:handoutMasterIdLst>
   <p:sldIdLst>
     <p:sldId id="256" r:id="rId2"/>
@@ -18,18 +18,16 @@
     <p:sldId id="301" r:id="rId6"/>
     <p:sldId id="291" r:id="rId7"/>
     <p:sldId id="290" r:id="rId8"/>
-    <p:sldId id="296" r:id="rId9"/>
-    <p:sldId id="299" r:id="rId10"/>
-    <p:sldId id="300" r:id="rId11"/>
-    <p:sldId id="302" r:id="rId12"/>
-    <p:sldId id="309" r:id="rId13"/>
-    <p:sldId id="310" r:id="rId14"/>
-    <p:sldId id="303" r:id="rId15"/>
-    <p:sldId id="304" r:id="rId16"/>
-    <p:sldId id="315" r:id="rId17"/>
-    <p:sldId id="293" r:id="rId18"/>
-    <p:sldId id="294" r:id="rId19"/>
-    <p:sldId id="295" r:id="rId20"/>
+    <p:sldId id="299" r:id="rId9"/>
+    <p:sldId id="300" r:id="rId10"/>
+    <p:sldId id="302" r:id="rId11"/>
+    <p:sldId id="309" r:id="rId12"/>
+    <p:sldId id="310" r:id="rId13"/>
+    <p:sldId id="303" r:id="rId14"/>
+    <p:sldId id="304" r:id="rId15"/>
+    <p:sldId id="293" r:id="rId16"/>
+    <p:sldId id="294" r:id="rId17"/>
+    <p:sldId id="315" r:id="rId18"/>
   </p:sldIdLst>
   <p:sldSz cx="9144000" cy="6858000" type="screen4x3"/>
   <p:notesSz cx="7099300" cy="10234613"/>
@@ -9790,12 +9788,12 @@
       </p:grpSpPr>
       <p:sp>
         <p:nvSpPr>
-          <p:cNvPr id="3" name="Espace réservé du numéro de diapositive 2"/>
-          <p:cNvSpPr>
-            <a:spLocks noGrp="1"/>
-          </p:cNvSpPr>
-          <p:nvPr>
-            <p:ph type="sldNum" sz="quarter" idx="17"/>
+          <p:cNvPr id="2" name="Titre 1"/>
+          <p:cNvSpPr>
+            <a:spLocks noGrp="1"/>
+          </p:cNvSpPr>
+          <p:nvPr>
+            <p:ph type="ctrTitle"/>
           </p:nvPr>
         </p:nvSpPr>
         <p:spPr/>
@@ -9803,58 +9801,46 @@
           <a:bodyPr/>
           <a:lstStyle/>
           <a:p>
+            <a:r>
+              <a:rPr lang="fr-FR" dirty="0" smtClean="0"/>
+              <a:t>Présentation interne de l’axe </a:t>
+            </a:r>
+            <a:r>
+              <a:rPr lang="fr-FR" dirty="0" err="1" smtClean="0"/>
+              <a:t>Emericc</a:t>
+            </a:r>
+            <a:endParaRPr lang="fr-FR" dirty="0"/>
+          </a:p>
+        </p:txBody>
+      </p:sp>
+      <p:sp>
+        <p:nvSpPr>
+          <p:cNvPr id="3" name="Espace réservé du numéro de diapositive 2"/>
+          <p:cNvSpPr>
+            <a:spLocks noGrp="1"/>
+          </p:cNvSpPr>
+          <p:nvPr>
+            <p:ph type="sldNum" sz="quarter" idx="12"/>
+          </p:nvPr>
+        </p:nvSpPr>
+        <p:spPr/>
+        <p:txBody>
+          <a:bodyPr/>
+          <a:lstStyle/>
+          <a:p>
+            <a:pPr algn="r"/>
             <a:fld id="{256D3EEF-DE4E-429D-8EC4-DDC531AFF587}" type="slidenum">
-              <a:rPr lang="fr-FR" smtClean="0"/>
-              <a:pPr/>
+              <a:rPr kumimoji="0" lang="fr-FR" sz="1000" smtClean="0"/>
+              <a:pPr algn="r"/>
               <a:t>10</a:t>
             </a:fld>
-            <a:endParaRPr lang="fr-FR" dirty="0"/>
-          </a:p>
-        </p:txBody>
-      </p:sp>
-      <p:sp>
-        <p:nvSpPr>
-          <p:cNvPr id="4" name="Espace réservé du texte 3"/>
-          <p:cNvSpPr>
-            <a:spLocks noGrp="1"/>
-          </p:cNvSpPr>
-          <p:nvPr>
-            <p:ph type="body" sz="quarter" idx="13"/>
-          </p:nvPr>
-        </p:nvSpPr>
-        <p:spPr/>
-        <p:txBody>
-          <a:bodyPr>
-            <a:normAutofit fontScale="55000" lnSpcReduction="20000"/>
-          </a:bodyPr>
-          <a:lstStyle/>
-          <a:p>
-            <a:r>
-              <a:rPr lang="fr-FR" dirty="0"/>
-              <a:t>Présentation externe de </a:t>
-            </a:r>
-            <a:r>
-              <a:rPr lang="fr-FR" dirty="0" smtClean="0"/>
-              <a:t>l’axe </a:t>
-            </a:r>
-            <a:r>
-              <a:rPr lang="fr-FR" dirty="0" err="1" smtClean="0"/>
-              <a:t>Emericc</a:t>
-            </a:r>
-            <a:endParaRPr lang="fr-FR" dirty="0" smtClean="0"/>
-          </a:p>
-          <a:p>
-            <a:r>
-              <a:rPr lang="fr-FR" dirty="0" smtClean="0"/>
-              <a:t>Cahier des charges</a:t>
-            </a:r>
-            <a:endParaRPr lang="fr-FR" dirty="0"/>
-          </a:p>
-        </p:txBody>
-      </p:sp>
-      <p:sp>
-        <p:nvSpPr>
-          <p:cNvPr id="9" name="ZoneTexte 8">
+            <a:endParaRPr kumimoji="0" lang="fr-FR"/>
+          </a:p>
+        </p:txBody>
+      </p:sp>
+      <p:sp>
+        <p:nvSpPr>
+          <p:cNvPr id="5" name="ZoneTexte 4">
             <a:hlinkClick r:id="rId2" action="ppaction://hlinksldjump"/>
           </p:cNvPr>
           <p:cNvSpPr txBox="1"/>
@@ -9900,7 +9886,7 @@
     </p:spTree>
     <p:extLst>
       <p:ext uri="{BB962C8B-B14F-4D97-AF65-F5344CB8AC3E}">
-        <p14:creationId xmlns:p14="http://schemas.microsoft.com/office/powerpoint/2010/main" val="2706017064"/>
+        <p14:creationId xmlns:p14="http://schemas.microsoft.com/office/powerpoint/2010/main" val="3834210991"/>
       </p:ext>
     </p:extLst>
   </p:cSld>
@@ -9936,39 +9922,12 @@
       </p:grpSpPr>
       <p:sp>
         <p:nvSpPr>
-          <p:cNvPr id="2" name="Titre 1"/>
-          <p:cNvSpPr>
-            <a:spLocks noGrp="1"/>
-          </p:cNvSpPr>
-          <p:nvPr>
-            <p:ph type="ctrTitle"/>
-          </p:nvPr>
-        </p:nvSpPr>
-        <p:spPr/>
-        <p:txBody>
-          <a:bodyPr/>
-          <a:lstStyle/>
-          <a:p>
-            <a:r>
-              <a:rPr lang="fr-FR" dirty="0" smtClean="0"/>
-              <a:t>Présentation interne de l’axe </a:t>
-            </a:r>
-            <a:r>
-              <a:rPr lang="fr-FR" dirty="0" err="1" smtClean="0"/>
-              <a:t>Emericc</a:t>
-            </a:r>
-            <a:endParaRPr lang="fr-FR" dirty="0"/>
-          </a:p>
-        </p:txBody>
-      </p:sp>
-      <p:sp>
-        <p:nvSpPr>
           <p:cNvPr id="3" name="Espace réservé du numéro de diapositive 2"/>
           <p:cNvSpPr>
             <a:spLocks noGrp="1"/>
           </p:cNvSpPr>
           <p:nvPr>
-            <p:ph type="sldNum" sz="quarter" idx="12"/>
+            <p:ph type="sldNum" sz="quarter" idx="17"/>
           </p:nvPr>
         </p:nvSpPr>
         <p:spPr/>
@@ -9981,113 +9940,6 @@
               <a:rPr kumimoji="0" lang="fr-FR" sz="1000" smtClean="0"/>
               <a:pPr algn="r"/>
               <a:t>11</a:t>
-            </a:fld>
-            <a:endParaRPr kumimoji="0" lang="fr-FR"/>
-          </a:p>
-        </p:txBody>
-      </p:sp>
-      <p:sp>
-        <p:nvSpPr>
-          <p:cNvPr id="5" name="ZoneTexte 4">
-            <a:hlinkClick r:id="rId2" action="ppaction://hlinksldjump"/>
-          </p:cNvPr>
-          <p:cNvSpPr txBox="1"/>
-          <p:nvPr/>
-        </p:nvSpPr>
-        <p:spPr>
-          <a:xfrm>
-            <a:off x="107504" y="6525344"/>
-            <a:ext cx="8136904" cy="307777"/>
-          </a:xfrm>
-          <a:prstGeom prst="rect">
-            <a:avLst/>
-          </a:prstGeom>
-          <a:noFill/>
-        </p:spPr>
-        <p:txBody>
-          <a:bodyPr wrap="square" rtlCol="0">
-            <a:spAutoFit/>
-          </a:bodyPr>
-          <a:lstStyle/>
-          <a:p>
-            <a:pPr algn="r"/>
-            <a:r>
-              <a:rPr lang="fr-FR" sz="1400" i="1" dirty="0" smtClean="0">
-                <a:solidFill>
-                  <a:schemeClr val="bg1">
-                    <a:lumMod val="50000"/>
-                  </a:schemeClr>
-                </a:solidFill>
-              </a:rPr>
-              <a:t>Retour vers le menu</a:t>
-            </a:r>
-            <a:endParaRPr lang="fr-FR" sz="1400" i="1" dirty="0">
-              <a:solidFill>
-                <a:schemeClr val="bg1">
-                  <a:lumMod val="50000"/>
-                </a:schemeClr>
-              </a:solidFill>
-            </a:endParaRPr>
-          </a:p>
-        </p:txBody>
-      </p:sp>
-    </p:spTree>
-    <p:extLst>
-      <p:ext uri="{BB962C8B-B14F-4D97-AF65-F5344CB8AC3E}">
-        <p14:creationId xmlns:p14="http://schemas.microsoft.com/office/powerpoint/2010/main" val="3834210991"/>
-      </p:ext>
-    </p:extLst>
-  </p:cSld>
-  <p:clrMapOvr>
-    <a:masterClrMapping/>
-  </p:clrMapOvr>
-  <p:timing>
-    <p:tnLst>
-      <p:par>
-        <p:cTn id="1" dur="indefinite" restart="never" nodeType="tmRoot"/>
-      </p:par>
-    </p:tnLst>
-  </p:timing>
-</p:sld>
-</file>
-
-<file path=ppt/slides/slide12.xml><?xml version="1.0" encoding="utf-8"?>
-<p:sld xmlns:a="http://schemas.openxmlformats.org/drawingml/2006/main" xmlns:r="http://schemas.openxmlformats.org/officeDocument/2006/relationships" xmlns:p="http://schemas.openxmlformats.org/presentationml/2006/main">
-  <p:cSld>
-    <p:spTree>
-      <p:nvGrpSpPr>
-        <p:cNvPr id="1" name=""/>
-        <p:cNvGrpSpPr/>
-        <p:nvPr/>
-      </p:nvGrpSpPr>
-      <p:grpSpPr>
-        <a:xfrm>
-          <a:off x="0" y="0"/>
-          <a:ext cx="0" cy="0"/>
-          <a:chOff x="0" y="0"/>
-          <a:chExt cx="0" cy="0"/>
-        </a:xfrm>
-      </p:grpSpPr>
-      <p:sp>
-        <p:nvSpPr>
-          <p:cNvPr id="3" name="Espace réservé du numéro de diapositive 2"/>
-          <p:cNvSpPr>
-            <a:spLocks noGrp="1"/>
-          </p:cNvSpPr>
-          <p:nvPr>
-            <p:ph type="sldNum" sz="quarter" idx="17"/>
-          </p:nvPr>
-        </p:nvSpPr>
-        <p:spPr/>
-        <p:txBody>
-          <a:bodyPr/>
-          <a:lstStyle/>
-          <a:p>
-            <a:pPr algn="r"/>
-            <a:fld id="{256D3EEF-DE4E-429D-8EC4-DDC531AFF587}" type="slidenum">
-              <a:rPr kumimoji="0" lang="fr-FR" sz="1000" smtClean="0"/>
-              <a:pPr algn="r"/>
-              <a:t>12</a:t>
             </a:fld>
             <a:endParaRPr kumimoji="0" lang="fr-FR"/>
           </a:p>
@@ -10210,8 +10062,8 @@
           </a:ln>
         </p:spPr>
       </p:pic>
-      <mc:AlternateContent xmlns:mc="http://schemas.openxmlformats.org/markup-compatibility/2006">
-        <mc:Choice xmlns:a14="http://schemas.microsoft.com/office/drawing/2010/main" Requires="a14">
+      <mc:AlternateContent xmlns:mc="http://schemas.openxmlformats.org/markup-compatibility/2006" xmlns:a14="http://schemas.microsoft.com/office/drawing/2010/main">
+        <mc:Choice Requires="a14">
           <p:sp>
             <p:nvSpPr>
               <p:cNvPr id="2" name="Rectangle 1"/>
@@ -10345,7 +10197,7 @@
             </p:txBody>
           </p:sp>
         </mc:Choice>
-        <mc:Fallback>
+        <mc:Fallback xmlns="">
           <p:sp>
             <p:nvSpPr>
               <p:cNvPr id="2" name="Rectangle 1"/>
@@ -10404,7 +10256,7 @@
 </p:sld>
 </file>
 
-<file path=ppt/slides/slide13.xml><?xml version="1.0" encoding="utf-8"?>
+<file path=ppt/slides/slide12.xml><?xml version="1.0" encoding="utf-8"?>
 <p:sld xmlns:a="http://schemas.openxmlformats.org/drawingml/2006/main" xmlns:r="http://schemas.openxmlformats.org/officeDocument/2006/relationships" xmlns:p="http://schemas.openxmlformats.org/presentationml/2006/main">
   <p:cSld>
     <p:spTree>
@@ -10440,7 +10292,7 @@
             <a:fld id="{256D3EEF-DE4E-429D-8EC4-DDC531AFF587}" type="slidenum">
               <a:rPr kumimoji="0" lang="fr-FR" sz="1000" smtClean="0"/>
               <a:pPr algn="r"/>
-              <a:t>13</a:t>
+              <a:t>12</a:t>
             </a:fld>
             <a:endParaRPr kumimoji="0" lang="fr-FR"/>
           </a:p>
@@ -10575,6 +10427,153 @@
     <p:extLst>
       <p:ext uri="{BB962C8B-B14F-4D97-AF65-F5344CB8AC3E}">
         <p14:creationId xmlns:p14="http://schemas.microsoft.com/office/powerpoint/2010/main" val="3136007789"/>
+      </p:ext>
+    </p:extLst>
+  </p:cSld>
+  <p:clrMapOvr>
+    <a:masterClrMapping/>
+  </p:clrMapOvr>
+  <p:timing>
+    <p:tnLst>
+      <p:par>
+        <p:cTn id="1" dur="indefinite" restart="never" nodeType="tmRoot"/>
+      </p:par>
+    </p:tnLst>
+  </p:timing>
+</p:sld>
+</file>
+
+<file path=ppt/slides/slide13.xml><?xml version="1.0" encoding="utf-8"?>
+<p:sld xmlns:a="http://schemas.openxmlformats.org/drawingml/2006/main" xmlns:r="http://schemas.openxmlformats.org/officeDocument/2006/relationships" xmlns:p="http://schemas.openxmlformats.org/presentationml/2006/main">
+  <p:cSld>
+    <p:spTree>
+      <p:nvGrpSpPr>
+        <p:cNvPr id="1" name=""/>
+        <p:cNvGrpSpPr/>
+        <p:nvPr/>
+      </p:nvGrpSpPr>
+      <p:grpSpPr>
+        <a:xfrm>
+          <a:off x="0" y="0"/>
+          <a:ext cx="0" cy="0"/>
+          <a:chOff x="0" y="0"/>
+          <a:chExt cx="0" cy="0"/>
+        </a:xfrm>
+      </p:grpSpPr>
+      <p:sp>
+        <p:nvSpPr>
+          <p:cNvPr id="3" name="Espace réservé du numéro de diapositive 2"/>
+          <p:cNvSpPr>
+            <a:spLocks noGrp="1"/>
+          </p:cNvSpPr>
+          <p:nvPr>
+            <p:ph type="sldNum" sz="quarter" idx="17"/>
+          </p:nvPr>
+        </p:nvSpPr>
+        <p:spPr/>
+        <p:txBody>
+          <a:bodyPr/>
+          <a:lstStyle/>
+          <a:p>
+            <a:pPr algn="r"/>
+            <a:fld id="{256D3EEF-DE4E-429D-8EC4-DDC531AFF587}" type="slidenum">
+              <a:rPr kumimoji="0" lang="fr-FR" sz="1000" smtClean="0"/>
+              <a:pPr algn="r"/>
+              <a:t>13</a:t>
+            </a:fld>
+            <a:endParaRPr kumimoji="0" lang="fr-FR"/>
+          </a:p>
+        </p:txBody>
+      </p:sp>
+      <p:sp>
+        <p:nvSpPr>
+          <p:cNvPr id="4" name="Espace réservé du texte 3"/>
+          <p:cNvSpPr>
+            <a:spLocks noGrp="1"/>
+          </p:cNvSpPr>
+          <p:nvPr>
+            <p:ph type="body" sz="quarter" idx="13"/>
+          </p:nvPr>
+        </p:nvSpPr>
+        <p:spPr/>
+        <p:txBody>
+          <a:bodyPr>
+            <a:normAutofit fontScale="55000" lnSpcReduction="20000"/>
+          </a:bodyPr>
+          <a:lstStyle/>
+          <a:p>
+            <a:r>
+              <a:rPr lang="fr-FR" dirty="0"/>
+              <a:t>Présentation interne de </a:t>
+            </a:r>
+            <a:r>
+              <a:rPr lang="fr-FR" dirty="0" smtClean="0"/>
+              <a:t>L’axe </a:t>
+            </a:r>
+            <a:r>
+              <a:rPr lang="fr-FR" dirty="0" err="1" smtClean="0"/>
+              <a:t>Emericc</a:t>
+            </a:r>
+            <a:endParaRPr lang="fr-FR" dirty="0" smtClean="0"/>
+          </a:p>
+          <a:p>
+            <a:r>
+              <a:rPr lang="fr-FR" dirty="0" smtClean="0"/>
+              <a:t>Composants de la chaîne d’énergie</a:t>
+            </a:r>
+            <a:endParaRPr lang="fr-FR" dirty="0"/>
+          </a:p>
+        </p:txBody>
+      </p:sp>
+      <p:sp>
+        <p:nvSpPr>
+          <p:cNvPr id="20" name="ZoneTexte 19">
+            <a:hlinkClick r:id="rId2" action="ppaction://hlinksldjump"/>
+          </p:cNvPr>
+          <p:cNvSpPr txBox="1"/>
+          <p:nvPr/>
+        </p:nvSpPr>
+        <p:spPr>
+          <a:xfrm>
+            <a:off x="107504" y="6525344"/>
+            <a:ext cx="8136904" cy="307777"/>
+          </a:xfrm>
+          <a:prstGeom prst="rect">
+            <a:avLst/>
+          </a:prstGeom>
+          <a:noFill/>
+        </p:spPr>
+        <p:txBody>
+          <a:bodyPr wrap="square" rtlCol="0">
+            <a:spAutoFit/>
+          </a:bodyPr>
+          <a:lstStyle/>
+          <a:p>
+            <a:pPr algn="r"/>
+            <a:r>
+              <a:rPr lang="fr-FR" sz="1400" i="1" dirty="0" smtClean="0">
+                <a:solidFill>
+                  <a:schemeClr val="bg1">
+                    <a:lumMod val="50000"/>
+                  </a:schemeClr>
+                </a:solidFill>
+              </a:rPr>
+              <a:t>Retour vers le menu</a:t>
+            </a:r>
+            <a:endParaRPr lang="fr-FR" sz="1400" i="1" dirty="0">
+              <a:solidFill>
+                <a:schemeClr val="bg1">
+                  <a:lumMod val="50000"/>
+                </a:schemeClr>
+              </a:solidFill>
+            </a:endParaRPr>
+          </a:p>
+        </p:txBody>
+      </p:sp>
+    </p:spTree>
+    <p:extLst>
+      <p:ext uri="{BB962C8B-B14F-4D97-AF65-F5344CB8AC3E}">
+        <p14:creationId xmlns:p14="http://schemas.microsoft.com/office/powerpoint/2010/main" val="1008993312"/>
       </p:ext>
     </p:extLst>
   </p:cSld>
@@ -10667,7 +10666,7 @@
           <a:p>
             <a:r>
               <a:rPr lang="fr-FR" dirty="0" smtClean="0"/>
-              <a:t>Composants de la chaîne d’énergie</a:t>
+              <a:t>Composants de la chaîne d’information</a:t>
             </a:r>
             <a:endParaRPr lang="fr-FR" dirty="0"/>
           </a:p>
@@ -10721,7 +10720,7 @@
     </p:spTree>
     <p:extLst>
       <p:ext uri="{BB962C8B-B14F-4D97-AF65-F5344CB8AC3E}">
-        <p14:creationId xmlns:p14="http://schemas.microsoft.com/office/powerpoint/2010/main" val="1008993312"/>
+        <p14:creationId xmlns:p14="http://schemas.microsoft.com/office/powerpoint/2010/main" val="401315987"/>
       </p:ext>
     </p:extLst>
   </p:cSld>
@@ -10757,12 +10756,12 @@
       </p:grpSpPr>
       <p:sp>
         <p:nvSpPr>
-          <p:cNvPr id="3" name="Espace réservé du numéro de diapositive 2"/>
-          <p:cNvSpPr>
-            <a:spLocks noGrp="1"/>
-          </p:cNvSpPr>
-          <p:nvPr>
-            <p:ph type="sldNum" sz="quarter" idx="17"/>
+          <p:cNvPr id="5" name="Titre 4"/>
+          <p:cNvSpPr>
+            <a:spLocks noGrp="1"/>
+          </p:cNvSpPr>
+          <p:nvPr>
+            <p:ph type="ctrTitle"/>
           </p:nvPr>
         </p:nvSpPr>
         <p:spPr/>
@@ -10770,59 +10769,44 @@
           <a:bodyPr/>
           <a:lstStyle/>
           <a:p>
-            <a:pPr algn="r"/>
+            <a:r>
+              <a:rPr lang="fr-FR" dirty="0"/>
+              <a:t>Présentation du logiciel d’acquisition</a:t>
+            </a:r>
+            <a:br>
+              <a:rPr lang="fr-FR" dirty="0"/>
+            </a:br>
+            <a:endParaRPr lang="fr-FR" dirty="0"/>
+          </a:p>
+        </p:txBody>
+      </p:sp>
+      <p:sp>
+        <p:nvSpPr>
+          <p:cNvPr id="3" name="Espace réservé du numéro de diapositive 2"/>
+          <p:cNvSpPr>
+            <a:spLocks noGrp="1"/>
+          </p:cNvSpPr>
+          <p:nvPr>
+            <p:ph type="sldNum" sz="quarter" idx="12"/>
+          </p:nvPr>
+        </p:nvSpPr>
+        <p:spPr/>
+        <p:txBody>
+          <a:bodyPr/>
+          <a:lstStyle/>
+          <a:p>
             <a:fld id="{256D3EEF-DE4E-429D-8EC4-DDC531AFF587}" type="slidenum">
-              <a:rPr kumimoji="0" lang="fr-FR" sz="1000" smtClean="0"/>
-              <a:pPr algn="r"/>
+              <a:rPr lang="fr-FR" smtClean="0"/>
+              <a:pPr/>
               <a:t>15</a:t>
             </a:fld>
-            <a:endParaRPr kumimoji="0" lang="fr-FR"/>
-          </a:p>
-        </p:txBody>
-      </p:sp>
-      <p:sp>
-        <p:nvSpPr>
-          <p:cNvPr id="4" name="Espace réservé du texte 3"/>
-          <p:cNvSpPr>
-            <a:spLocks noGrp="1"/>
-          </p:cNvSpPr>
-          <p:nvPr>
-            <p:ph type="body" sz="quarter" idx="13"/>
-          </p:nvPr>
-        </p:nvSpPr>
-        <p:spPr/>
-        <p:txBody>
-          <a:bodyPr>
-            <a:normAutofit fontScale="55000" lnSpcReduction="20000"/>
-          </a:bodyPr>
-          <a:lstStyle/>
-          <a:p>
-            <a:r>
-              <a:rPr lang="fr-FR" dirty="0"/>
-              <a:t>Présentation interne de </a:t>
-            </a:r>
-            <a:r>
-              <a:rPr lang="fr-FR" dirty="0" smtClean="0"/>
-              <a:t>L’axe </a:t>
-            </a:r>
-            <a:r>
-              <a:rPr lang="fr-FR" dirty="0" err="1" smtClean="0"/>
-              <a:t>Emericc</a:t>
-            </a:r>
-            <a:endParaRPr lang="fr-FR" dirty="0" smtClean="0"/>
-          </a:p>
-          <a:p>
-            <a:r>
-              <a:rPr lang="fr-FR" dirty="0" smtClean="0"/>
-              <a:t>Composants de la chaîne d’information</a:t>
-            </a:r>
             <a:endParaRPr lang="fr-FR" dirty="0"/>
           </a:p>
         </p:txBody>
       </p:sp>
       <p:sp>
         <p:nvSpPr>
-          <p:cNvPr id="20" name="ZoneTexte 19">
+          <p:cNvPr id="7" name="ZoneTexte 6">
             <a:hlinkClick r:id="rId2" action="ppaction://hlinksldjump"/>
           </p:cNvPr>
           <p:cNvSpPr txBox="1"/>
@@ -10868,7 +10852,7 @@
     </p:spTree>
     <p:extLst>
       <p:ext uri="{BB962C8B-B14F-4D97-AF65-F5344CB8AC3E}">
-        <p14:creationId xmlns:p14="http://schemas.microsoft.com/office/powerpoint/2010/main" val="401315987"/>
+        <p14:creationId xmlns:p14="http://schemas.microsoft.com/office/powerpoint/2010/main" val="3771198579"/>
       </p:ext>
     </p:extLst>
   </p:cSld>
@@ -10914,10 +10898,47 @@
         </p:nvSpPr>
         <p:spPr/>
         <p:txBody>
-          <a:bodyPr/>
+          <a:bodyPr>
+            <a:normAutofit/>
+          </a:bodyPr>
           <a:lstStyle/>
           <a:p>
-            <a:endParaRPr lang="fr-FR"/>
+            <a:r>
+              <a:rPr lang="fr-FR" dirty="0" smtClean="0"/>
+              <a:t>Lancer le logiciel </a:t>
+            </a:r>
+            <a:r>
+              <a:rPr lang="fr-FR" dirty="0" err="1" smtClean="0"/>
+              <a:t>Winaxe</a:t>
+            </a:r>
+            <a:endParaRPr lang="fr-FR" dirty="0" smtClean="0"/>
+          </a:p>
+          <a:p>
+            <a:r>
+              <a:rPr lang="fr-FR" dirty="0" smtClean="0"/>
+              <a:t>Valider la sélection de la carte avec OK</a:t>
+            </a:r>
+          </a:p>
+          <a:p>
+            <a:r>
+              <a:rPr lang="fr-FR" dirty="0" smtClean="0"/>
+              <a:t>Réaliser une Initialisation</a:t>
+            </a:r>
+          </a:p>
+          <a:p>
+            <a:pPr lvl="1"/>
+            <a:r>
+              <a:rPr lang="fr-FR" dirty="0" smtClean="0"/>
+              <a:t>Cliquer sur prise d’origine</a:t>
+            </a:r>
+          </a:p>
+          <a:p>
+            <a:pPr lvl="1"/>
+            <a:r>
+              <a:rPr lang="fr-FR" dirty="0" smtClean="0"/>
+              <a:t>Cliquer sur le bouton prise d’origine</a:t>
+            </a:r>
+            <a:endParaRPr lang="fr-FR" dirty="0"/>
           </a:p>
         </p:txBody>
       </p:sp>
@@ -10957,27 +10978,152 @@
         </p:nvSpPr>
         <p:spPr/>
         <p:txBody>
-          <a:bodyPr/>
+          <a:bodyPr>
+            <a:normAutofit fontScale="55000" lnSpcReduction="20000"/>
+          </a:bodyPr>
           <a:lstStyle/>
           <a:p>
             <a:r>
+              <a:rPr lang="fr-FR" dirty="0"/>
+              <a:t>Présentation du logiciel d’acquisition</a:t>
+            </a:r>
+            <a:br>
+              <a:rPr lang="fr-FR" dirty="0"/>
+            </a:br>
+            <a:r>
               <a:rPr lang="fr-FR" dirty="0" smtClean="0"/>
-              <a:t>Présentation interne de la DAE</a:t>
+              <a:t>Lancement d’une acquisition</a:t>
             </a:r>
             <a:endParaRPr lang="fr-FR" dirty="0"/>
           </a:p>
         </p:txBody>
       </p:sp>
+      <p:sp>
+        <p:nvSpPr>
+          <p:cNvPr id="10" name="ZoneTexte 9">
+            <a:hlinkClick r:id="rId2" action="ppaction://hlinksldjump"/>
+          </p:cNvPr>
+          <p:cNvSpPr txBox="1"/>
+          <p:nvPr/>
+        </p:nvSpPr>
+        <p:spPr>
+          <a:xfrm>
+            <a:off x="107504" y="6525344"/>
+            <a:ext cx="8136904" cy="307777"/>
+          </a:xfrm>
+          <a:prstGeom prst="rect">
+            <a:avLst/>
+          </a:prstGeom>
+          <a:noFill/>
+        </p:spPr>
+        <p:txBody>
+          <a:bodyPr wrap="square" rtlCol="0">
+            <a:spAutoFit/>
+          </a:bodyPr>
+          <a:lstStyle/>
+          <a:p>
+            <a:pPr algn="r"/>
+            <a:r>
+              <a:rPr lang="fr-FR" sz="1400" i="1" dirty="0" smtClean="0">
+                <a:solidFill>
+                  <a:schemeClr val="bg1">
+                    <a:lumMod val="50000"/>
+                  </a:schemeClr>
+                </a:solidFill>
+              </a:rPr>
+              <a:t>Retour vers le menu</a:t>
+            </a:r>
+            <a:endParaRPr lang="fr-FR" sz="1400" i="1" dirty="0">
+              <a:solidFill>
+                <a:schemeClr val="bg1">
+                  <a:lumMod val="50000"/>
+                </a:schemeClr>
+              </a:solidFill>
+            </a:endParaRPr>
+          </a:p>
+        </p:txBody>
+      </p:sp>
+      <p:pic>
+        <p:nvPicPr>
+          <p:cNvPr id="1027" name="Picture 3"/>
+          <p:cNvPicPr>
+            <a:picLocks noChangeAspect="1" noChangeArrowheads="1"/>
+          </p:cNvPicPr>
+          <p:nvPr/>
+        </p:nvPicPr>
+        <p:blipFill>
+          <a:blip r:embed="rId3">
+            <a:extLst>
+              <a:ext uri="{28A0092B-C50C-407E-A947-70E740481C1C}">
+                <a14:useLocalDpi xmlns:a14="http://schemas.microsoft.com/office/drawing/2010/main" val="0"/>
+              </a:ext>
+            </a:extLst>
+          </a:blip>
+          <a:srcRect/>
+          <a:stretch>
+            <a:fillRect/>
+          </a:stretch>
+        </p:blipFill>
+        <p:spPr bwMode="auto">
+          <a:xfrm>
+            <a:off x="6084168" y="980728"/>
+            <a:ext cx="485775" cy="514350"/>
+          </a:xfrm>
+          <a:prstGeom prst="rect">
+            <a:avLst/>
+          </a:prstGeom>
+          <a:noFill/>
+          <a:ln>
+            <a:noFill/>
+          </a:ln>
+          <a:effectLst/>
+          <a:extLst>
+            <a:ext uri="{909E8E84-426E-40DD-AFC4-6F175D3DCCD1}">
+              <a14:hiddenFill xmlns:a14="http://schemas.microsoft.com/office/drawing/2010/main">
+                <a:solidFill>
+                  <a:schemeClr val="accent1"/>
+                </a:solidFill>
+              </a14:hiddenFill>
+            </a:ext>
+            <a:ext uri="{91240B29-F687-4F45-9708-019B960494DF}">
+              <a14:hiddenLine xmlns:a14="http://schemas.microsoft.com/office/drawing/2010/main" w="9525">
+                <a:solidFill>
+                  <a:schemeClr val="tx1"/>
+                </a:solidFill>
+                <a:miter lim="800000"/>
+                <a:headEnd/>
+                <a:tailEnd/>
+              </a14:hiddenLine>
+            </a:ext>
+            <a:ext uri="{AF507438-7753-43E0-B8FC-AC1667EBCBE1}">
+              <a14:hiddenEffects xmlns:a14="http://schemas.microsoft.com/office/drawing/2010/main">
+                <a:effectLst>
+                  <a:outerShdw dist="35921" dir="2700000" algn="ctr" rotWithShape="0">
+                    <a:schemeClr val="bg2"/>
+                  </a:outerShdw>
+                </a:effectLst>
+              </a14:hiddenEffects>
+            </a:ext>
+          </a:extLst>
+        </p:spPr>
+      </p:pic>
     </p:spTree>
     <p:extLst>
       <p:ext uri="{BB962C8B-B14F-4D97-AF65-F5344CB8AC3E}">
-        <p14:creationId xmlns:p14="http://schemas.microsoft.com/office/powerpoint/2010/main" val="2367593916"/>
+        <p14:creationId xmlns:p14="http://schemas.microsoft.com/office/powerpoint/2010/main" val="1069924367"/>
       </p:ext>
     </p:extLst>
   </p:cSld>
   <p:clrMapOvr>
     <a:masterClrMapping/>
   </p:clrMapOvr>
+  <p:timing>
+    <p:tnLst>
+      <p:par>
+        <p:cTn id="1" dur="indefinite" restart="never" nodeType="tmRoot"/>
+      </p:par>
+    </p:tnLst>
+  </p:timing>
 </p:sld>
 </file>
 
@@ -11000,38 +11146,12 @@
       </p:grpSpPr>
       <p:sp>
         <p:nvSpPr>
-          <p:cNvPr id="5" name="Titre 4"/>
-          <p:cNvSpPr>
-            <a:spLocks noGrp="1"/>
-          </p:cNvSpPr>
-          <p:nvPr>
-            <p:ph type="ctrTitle"/>
-          </p:nvPr>
-        </p:nvSpPr>
-        <p:spPr/>
-        <p:txBody>
-          <a:bodyPr/>
-          <a:lstStyle/>
-          <a:p>
-            <a:r>
-              <a:rPr lang="fr-FR" dirty="0"/>
-              <a:t>Présentation du logiciel d’acquisition</a:t>
-            </a:r>
-            <a:br>
-              <a:rPr lang="fr-FR" dirty="0"/>
-            </a:br>
-            <a:endParaRPr lang="fr-FR" dirty="0"/>
-          </a:p>
-        </p:txBody>
-      </p:sp>
-      <p:sp>
-        <p:nvSpPr>
           <p:cNvPr id="3" name="Espace réservé du numéro de diapositive 2"/>
           <p:cNvSpPr>
             <a:spLocks noGrp="1"/>
           </p:cNvSpPr>
           <p:nvPr>
-            <p:ph type="sldNum" sz="quarter" idx="12"/>
+            <p:ph type="sldNum" sz="quarter" idx="17"/>
           </p:nvPr>
         </p:nvSpPr>
         <p:spPr/>
@@ -11050,7 +11170,39 @@
       </p:sp>
       <p:sp>
         <p:nvSpPr>
-          <p:cNvPr id="7" name="ZoneTexte 6">
+          <p:cNvPr id="4" name="Espace réservé du texte 3"/>
+          <p:cNvSpPr>
+            <a:spLocks noGrp="1"/>
+          </p:cNvSpPr>
+          <p:nvPr>
+            <p:ph type="body" sz="quarter" idx="13"/>
+          </p:nvPr>
+        </p:nvSpPr>
+        <p:spPr/>
+        <p:txBody>
+          <a:bodyPr>
+            <a:normAutofit fontScale="55000" lnSpcReduction="20000"/>
+          </a:bodyPr>
+          <a:lstStyle/>
+          <a:p>
+            <a:r>
+              <a:rPr lang="fr-FR" dirty="0"/>
+              <a:t>Présentation du logiciel d’acquisition</a:t>
+            </a:r>
+            <a:br>
+              <a:rPr lang="fr-FR" dirty="0"/>
+            </a:br>
+            <a:r>
+              <a:rPr lang="fr-FR" dirty="0" smtClean="0"/>
+              <a:t>Importation d’un fichier de point avec un tableur</a:t>
+            </a:r>
+            <a:endParaRPr lang="fr-FR" dirty="0"/>
+          </a:p>
+        </p:txBody>
+      </p:sp>
+      <p:sp>
+        <p:nvSpPr>
+          <p:cNvPr id="10" name="ZoneTexte 9">
             <a:hlinkClick r:id="rId2" action="ppaction://hlinksldjump"/>
           </p:cNvPr>
           <p:cNvSpPr txBox="1"/>
@@ -11093,395 +11245,523 @@
           </a:p>
         </p:txBody>
       </p:sp>
-    </p:spTree>
-    <p:extLst>
-      <p:ext uri="{BB962C8B-B14F-4D97-AF65-F5344CB8AC3E}">
-        <p14:creationId xmlns:p14="http://schemas.microsoft.com/office/powerpoint/2010/main" val="3771198579"/>
-      </p:ext>
-    </p:extLst>
-  </p:cSld>
-  <p:clrMapOvr>
-    <a:masterClrMapping/>
-  </p:clrMapOvr>
-  <p:timing>
-    <p:tnLst>
-      <p:par>
-        <p:cTn id="1" dur="indefinite" restart="never" nodeType="tmRoot"/>
-      </p:par>
-    </p:tnLst>
-  </p:timing>
-</p:sld>
-</file>
-
-<file path=ppt/slides/slide18.xml><?xml version="1.0" encoding="utf-8"?>
-<p:sld xmlns:a="http://schemas.openxmlformats.org/drawingml/2006/main" xmlns:r="http://schemas.openxmlformats.org/officeDocument/2006/relationships" xmlns:p="http://schemas.openxmlformats.org/presentationml/2006/main">
-  <p:cSld>
-    <p:spTree>
-      <p:nvGrpSpPr>
-        <p:cNvPr id="1" name=""/>
-        <p:cNvGrpSpPr/>
-        <p:nvPr/>
-      </p:nvGrpSpPr>
-      <p:grpSpPr>
-        <a:xfrm>
-          <a:off x="0" y="0"/>
-          <a:ext cx="0" cy="0"/>
-          <a:chOff x="0" y="0"/>
-          <a:chExt cx="0" cy="0"/>
-        </a:xfrm>
-      </p:grpSpPr>
-      <p:sp>
-        <p:nvSpPr>
-          <p:cNvPr id="2" name="Espace réservé du contenu 1"/>
-          <p:cNvSpPr>
-            <a:spLocks noGrp="1"/>
-          </p:cNvSpPr>
-          <p:nvPr>
-            <p:ph sz="quarter" idx="15"/>
-          </p:nvPr>
-        </p:nvSpPr>
-        <p:spPr/>
-        <p:txBody>
-          <a:bodyPr>
-            <a:normAutofit/>
+      <p:sp>
+        <p:nvSpPr>
+          <p:cNvPr id="8" name="Espace réservé du contenu 1"/>
+          <p:cNvSpPr txBox="1">
+            <a:spLocks/>
+          </p:cNvSpPr>
+          <p:nvPr/>
+        </p:nvSpPr>
+        <p:spPr>
+          <a:xfrm>
+            <a:off x="107504" y="980728"/>
+            <a:ext cx="5256584" cy="3903117"/>
+          </a:xfrm>
+          <a:prstGeom prst="rect">
+            <a:avLst/>
+          </a:prstGeom>
+        </p:spPr>
+        <p:txBody>
+          <a:bodyPr vert="horz">
+            <a:normAutofit fontScale="85000" lnSpcReduction="20000"/>
           </a:bodyPr>
-          <a:lstStyle/>
-          <a:p>
-            <a:r>
-              <a:rPr lang="fr-FR" dirty="0" smtClean="0"/>
-              <a:t>Lancer le logiciel </a:t>
-            </a:r>
-            <a:r>
-              <a:rPr lang="fr-FR" dirty="0" err="1" smtClean="0"/>
-              <a:t>Winaxe</a:t>
-            </a:r>
-            <a:endParaRPr lang="fr-FR" dirty="0" smtClean="0"/>
-          </a:p>
-          <a:p>
-            <a:r>
-              <a:rPr lang="fr-FR" dirty="0" smtClean="0"/>
-              <a:t>Valider la sélection de la carte avec OK</a:t>
-            </a:r>
-          </a:p>
-          <a:p>
-            <a:r>
-              <a:rPr lang="fr-FR" dirty="0" smtClean="0"/>
-              <a:t>Réaliser une Initialisation</a:t>
+          <a:lstStyle>
+            <a:lvl1pPr marL="342900" marR="0" indent="-342900" algn="l" rtl="0" eaLnBrk="1" latinLnBrk="0" hangingPunct="1">
+              <a:spcBef>
+                <a:spcPct val="20000"/>
+              </a:spcBef>
+              <a:buFontTx/>
+              <a:buBlip>
+                <a:blip r:embed="rId3"/>
+              </a:buBlip>
+              <a:defRPr kumimoji="0" lang="fr-FR" sz="2400">
+                <a:solidFill>
+                  <a:schemeClr val="tx1"/>
+                </a:solidFill>
+                <a:latin typeface="+mn-lt"/>
+                <a:ea typeface="+mn-ea"/>
+                <a:cs typeface="+mn-cs"/>
+              </a:defRPr>
+            </a:lvl1pPr>
+            <a:lvl2pPr marL="800100" indent="-342900" algn="l" rtl="0" eaLnBrk="1" latinLnBrk="0" hangingPunct="1">
+              <a:spcBef>
+                <a:spcPct val="20000"/>
+              </a:spcBef>
+              <a:buFontTx/>
+              <a:buBlip>
+                <a:blip r:embed="rId3"/>
+              </a:buBlip>
+              <a:defRPr kumimoji="0" lang="fr-FR" sz="2000">
+                <a:solidFill>
+                  <a:schemeClr val="tx1"/>
+                </a:solidFill>
+                <a:latin typeface="+mn-lt"/>
+                <a:ea typeface="+mn-ea"/>
+                <a:cs typeface="+mn-cs"/>
+              </a:defRPr>
+            </a:lvl2pPr>
+            <a:lvl3pPr marL="1257300" indent="-342900" algn="l" rtl="0" eaLnBrk="1" latinLnBrk="0" hangingPunct="1">
+              <a:spcBef>
+                <a:spcPct val="20000"/>
+              </a:spcBef>
+              <a:buFontTx/>
+              <a:buBlip>
+                <a:blip r:embed="rId3"/>
+              </a:buBlip>
+              <a:defRPr kumimoji="0" lang="fr-FR" sz="2000">
+                <a:solidFill>
+                  <a:schemeClr val="tx1"/>
+                </a:solidFill>
+                <a:latin typeface="+mn-lt"/>
+                <a:ea typeface="+mn-ea"/>
+                <a:cs typeface="+mn-cs"/>
+              </a:defRPr>
+            </a:lvl3pPr>
+            <a:lvl4pPr marL="1714500" indent="-342900" algn="l" rtl="0" eaLnBrk="1" latinLnBrk="0" hangingPunct="1">
+              <a:spcBef>
+                <a:spcPct val="20000"/>
+              </a:spcBef>
+              <a:buFontTx/>
+              <a:buBlip>
+                <a:blip r:embed="rId3"/>
+              </a:buBlip>
+              <a:defRPr kumimoji="0" lang="fr-FR" sz="2000">
+                <a:solidFill>
+                  <a:schemeClr val="tx1"/>
+                </a:solidFill>
+                <a:latin typeface="+mn-lt"/>
+                <a:ea typeface="+mn-ea"/>
+                <a:cs typeface="+mn-cs"/>
+              </a:defRPr>
+            </a:lvl4pPr>
+            <a:lvl5pPr marL="2171700" indent="-342900" algn="l" rtl="0" eaLnBrk="1" latinLnBrk="0" hangingPunct="1">
+              <a:spcBef>
+                <a:spcPct val="20000"/>
+              </a:spcBef>
+              <a:buFontTx/>
+              <a:buBlip>
+                <a:blip r:embed="rId3"/>
+              </a:buBlip>
+              <a:defRPr kumimoji="0" lang="fr-FR" sz="2000">
+                <a:solidFill>
+                  <a:schemeClr val="tx1"/>
+                </a:solidFill>
+                <a:latin typeface="+mn-lt"/>
+                <a:ea typeface="+mn-ea"/>
+                <a:cs typeface="+mn-cs"/>
+              </a:defRPr>
+            </a:lvl5pPr>
+            <a:lvl6pPr marL="2514600" indent="-228600" algn="l" rtl="0" eaLnBrk="1" latinLnBrk="0" hangingPunct="1">
+              <a:spcBef>
+                <a:spcPct val="20000"/>
+              </a:spcBef>
+              <a:buChar char="•"/>
+              <a:defRPr kumimoji="0" lang="fr-FR" sz="2000">
+                <a:solidFill>
+                  <a:schemeClr val="tx1"/>
+                </a:solidFill>
+                <a:latin typeface="+mn-lt"/>
+                <a:ea typeface="+mn-ea"/>
+                <a:cs typeface="+mn-cs"/>
+              </a:defRPr>
+            </a:lvl6pPr>
+            <a:lvl7pPr marL="2971800" indent="-228600" algn="l" rtl="0" eaLnBrk="1" latinLnBrk="0" hangingPunct="1">
+              <a:spcBef>
+                <a:spcPct val="20000"/>
+              </a:spcBef>
+              <a:buChar char="•"/>
+              <a:defRPr kumimoji="0" lang="fr-FR" sz="2000">
+                <a:solidFill>
+                  <a:schemeClr val="tx1"/>
+                </a:solidFill>
+                <a:latin typeface="+mn-lt"/>
+                <a:ea typeface="+mn-ea"/>
+                <a:cs typeface="+mn-cs"/>
+              </a:defRPr>
+            </a:lvl7pPr>
+            <a:lvl8pPr marL="3429000" indent="-228600" algn="l" rtl="0" eaLnBrk="1" latinLnBrk="0" hangingPunct="1">
+              <a:spcBef>
+                <a:spcPct val="20000"/>
+              </a:spcBef>
+              <a:buChar char="•"/>
+              <a:defRPr kumimoji="0" lang="fr-FR" sz="2000">
+                <a:solidFill>
+                  <a:schemeClr val="tx1"/>
+                </a:solidFill>
+                <a:latin typeface="+mn-lt"/>
+                <a:ea typeface="+mn-ea"/>
+                <a:cs typeface="+mn-cs"/>
+              </a:defRPr>
+            </a:lvl8pPr>
+            <a:lvl9pPr marL="3886200" indent="-228600" algn="l" rtl="0" eaLnBrk="1" latinLnBrk="0" hangingPunct="1">
+              <a:spcBef>
+                <a:spcPct val="20000"/>
+              </a:spcBef>
+              <a:buChar char="•"/>
+              <a:defRPr kumimoji="0" lang="fr-FR" sz="2000">
+                <a:solidFill>
+                  <a:schemeClr val="tx1"/>
+                </a:solidFill>
+                <a:latin typeface="+mn-lt"/>
+                <a:ea typeface="+mn-ea"/>
+                <a:cs typeface="+mn-cs"/>
+              </a:defRPr>
+            </a:lvl9pPr>
+            <a:extLst/>
+          </a:lstStyle>
+          <a:p>
+            <a:r>
+              <a:rPr lang="fr-FR" kern="0" dirty="0" smtClean="0"/>
+              <a:t>Les fichiers de mesure sont des fichiers texte deux colonnes</a:t>
             </a:r>
           </a:p>
           <a:p>
             <a:pPr lvl="1"/>
             <a:r>
-              <a:rPr lang="fr-FR" dirty="0" smtClean="0"/>
-              <a:t>Cliquer sur </a:t>
-            </a:r>
-            <a:r>
-              <a:rPr lang="fr-FR" dirty="0" smtClean="0"/>
-              <a:t>prise d’origine</a:t>
+              <a:rPr lang="fr-FR" kern="0" dirty="0" smtClean="0"/>
+              <a:t>1</a:t>
+            </a:r>
+            <a:r>
+              <a:rPr lang="fr-FR" kern="0" baseline="30000" dirty="0" smtClean="0"/>
+              <a:t>ère</a:t>
+            </a:r>
+            <a:r>
+              <a:rPr lang="fr-FR" kern="0" dirty="0" smtClean="0"/>
+              <a:t> colonne : temps (ms)</a:t>
             </a:r>
           </a:p>
           <a:p>
             <a:pPr lvl="1"/>
             <a:r>
-              <a:rPr lang="fr-FR" dirty="0" smtClean="0"/>
-              <a:t>Cliquer sur le bouton prise d’origine</a:t>
-            </a:r>
-            <a:endParaRPr lang="fr-FR" dirty="0"/>
-          </a:p>
-        </p:txBody>
-      </p:sp>
-      <p:sp>
-        <p:nvSpPr>
-          <p:cNvPr id="3" name="Espace réservé du numéro de diapositive 2"/>
-          <p:cNvSpPr>
-            <a:spLocks noGrp="1"/>
-          </p:cNvSpPr>
-          <p:nvPr>
-            <p:ph type="sldNum" sz="quarter" idx="17"/>
-          </p:nvPr>
-        </p:nvSpPr>
-        <p:spPr/>
-        <p:txBody>
-          <a:bodyPr/>
-          <a:lstStyle/>
-          <a:p>
-            <a:fld id="{256D3EEF-DE4E-429D-8EC4-DDC531AFF587}" type="slidenum">
-              <a:rPr lang="fr-FR" smtClean="0"/>
-              <a:pPr/>
-              <a:t>18</a:t>
-            </a:fld>
-            <a:endParaRPr lang="fr-FR" dirty="0"/>
-          </a:p>
-        </p:txBody>
-      </p:sp>
-      <p:sp>
-        <p:nvSpPr>
-          <p:cNvPr id="4" name="Espace réservé du texte 3"/>
-          <p:cNvSpPr>
-            <a:spLocks noGrp="1"/>
-          </p:cNvSpPr>
-          <p:nvPr>
-            <p:ph type="body" sz="quarter" idx="13"/>
-          </p:nvPr>
-        </p:nvSpPr>
-        <p:spPr/>
-        <p:txBody>
-          <a:bodyPr>
-            <a:normAutofit fontScale="55000" lnSpcReduction="20000"/>
-          </a:bodyPr>
-          <a:lstStyle/>
-          <a:p>
-            <a:r>
-              <a:rPr lang="fr-FR" dirty="0"/>
-              <a:t>Présentation du logiciel d’acquisition</a:t>
-            </a:r>
-            <a:br>
-              <a:rPr lang="fr-FR" dirty="0"/>
-            </a:br>
-            <a:r>
-              <a:rPr lang="fr-FR" dirty="0" smtClean="0"/>
-              <a:t>Lancement d’une acquisition</a:t>
-            </a:r>
-            <a:endParaRPr lang="fr-FR" dirty="0"/>
-          </a:p>
-        </p:txBody>
-      </p:sp>
-      <p:sp>
-        <p:nvSpPr>
-          <p:cNvPr id="10" name="ZoneTexte 9">
-            <a:hlinkClick r:id="rId2" action="ppaction://hlinksldjump"/>
-          </p:cNvPr>
-          <p:cNvSpPr txBox="1"/>
+              <a:rPr lang="fr-FR" kern="0" dirty="0" smtClean="0"/>
+              <a:t>2</a:t>
+            </a:r>
+            <a:r>
+              <a:rPr lang="fr-FR" kern="0" baseline="30000" dirty="0" smtClean="0"/>
+              <a:t>nde</a:t>
+            </a:r>
+            <a:r>
+              <a:rPr lang="fr-FR" kern="0" dirty="0" smtClean="0"/>
+              <a:t> colonne : position (en tops)</a:t>
+            </a:r>
+          </a:p>
+          <a:p>
+            <a:pPr lvl="1"/>
+            <a:r>
+              <a:rPr lang="fr-FR" kern="0" dirty="0" smtClean="0"/>
+              <a:t>Séparateur : tabulation</a:t>
+            </a:r>
+          </a:p>
+          <a:p>
+            <a:r>
+              <a:rPr lang="fr-FR" kern="0" dirty="0" smtClean="0"/>
+              <a:t>Ouvrir Excel</a:t>
+            </a:r>
+          </a:p>
+          <a:p>
+            <a:pPr lvl="1"/>
+            <a:r>
+              <a:rPr lang="fr-FR" kern="0" dirty="0" smtClean="0"/>
+              <a:t>Fichier, Ouvrir</a:t>
+            </a:r>
+          </a:p>
+          <a:p>
+            <a:pPr lvl="2"/>
+            <a:r>
+              <a:rPr lang="fr-FR" kern="0" dirty="0" smtClean="0"/>
+              <a:t>Tous les fichiers (et pas seulement « Tous les fichiers Excel »)</a:t>
+            </a:r>
+          </a:p>
+          <a:p>
+            <a:pPr lvl="2"/>
+            <a:r>
+              <a:rPr lang="fr-FR" kern="0" dirty="0" smtClean="0"/>
+              <a:t>Origine du fichier : WINDOWS (ANSI)</a:t>
+            </a:r>
+          </a:p>
+          <a:p>
+            <a:pPr lvl="2"/>
+            <a:r>
+              <a:rPr lang="fr-FR" kern="0" dirty="0" smtClean="0"/>
+              <a:t>Suivant</a:t>
+            </a:r>
+          </a:p>
+          <a:p>
+            <a:pPr lvl="2"/>
+            <a:r>
+              <a:rPr lang="fr-FR" kern="0" dirty="0" smtClean="0"/>
+              <a:t>Séparateur </a:t>
+            </a:r>
+            <a:r>
+              <a:rPr lang="fr-FR" kern="0" smtClean="0"/>
+              <a:t>: </a:t>
+            </a:r>
+            <a:r>
+              <a:rPr lang="fr-FR" kern="0" smtClean="0"/>
+              <a:t>tabulation</a:t>
+            </a:r>
+            <a:endParaRPr lang="fr-FR" kern="0" dirty="0" smtClean="0"/>
+          </a:p>
+          <a:p>
+            <a:pPr lvl="2"/>
+            <a:r>
+              <a:rPr lang="fr-FR" kern="0" dirty="0" smtClean="0"/>
+              <a:t>Terminer</a:t>
+            </a:r>
+          </a:p>
+          <a:p>
+            <a:pPr lvl="1"/>
+            <a:r>
+              <a:rPr lang="fr-FR" kern="0" dirty="0" smtClean="0"/>
+              <a:t>Replacer si nécessaire les points par des virgules (Ctrl + h)</a:t>
+            </a:r>
+            <a:endParaRPr lang="fr-FR" kern="0" dirty="0"/>
+          </a:p>
+        </p:txBody>
+      </p:sp>
+      <p:pic>
+        <p:nvPicPr>
+          <p:cNvPr id="2050" name="Picture 2"/>
+          <p:cNvPicPr>
+            <a:picLocks noChangeAspect="1" noChangeArrowheads="1"/>
+          </p:cNvPicPr>
           <p:nvPr/>
-        </p:nvSpPr>
-        <p:spPr>
-          <a:xfrm>
-            <a:off x="107504" y="6525344"/>
-            <a:ext cx="8136904" cy="307777"/>
+        </p:nvPicPr>
+        <p:blipFill>
+          <a:blip r:embed="rId4">
+            <a:extLst>
+              <a:ext uri="{28A0092B-C50C-407E-A947-70E740481C1C}">
+                <a14:useLocalDpi xmlns:a14="http://schemas.microsoft.com/office/drawing/2010/main" val="0"/>
+              </a:ext>
+            </a:extLst>
+          </a:blip>
+          <a:srcRect/>
+          <a:stretch>
+            <a:fillRect/>
+          </a:stretch>
+        </p:blipFill>
+        <p:spPr bwMode="auto">
+          <a:xfrm>
+            <a:off x="257023" y="4883845"/>
+            <a:ext cx="3234857" cy="1927149"/>
           </a:xfrm>
           <a:prstGeom prst="rect">
             <a:avLst/>
           </a:prstGeom>
           <a:noFill/>
-        </p:spPr>
-        <p:txBody>
-          <a:bodyPr wrap="square" rtlCol="0">
-            <a:spAutoFit/>
-          </a:bodyPr>
-          <a:lstStyle/>
-          <a:p>
-            <a:pPr algn="r"/>
-            <a:r>
-              <a:rPr lang="fr-FR" sz="1400" i="1" dirty="0" smtClean="0">
+          <a:ln>
+            <a:noFill/>
+          </a:ln>
+          <a:effectLst/>
+          <a:extLst>
+            <a:ext uri="{909E8E84-426E-40DD-AFC4-6F175D3DCCD1}">
+              <a14:hiddenFill xmlns:a14="http://schemas.microsoft.com/office/drawing/2010/main">
                 <a:solidFill>
-                  <a:schemeClr val="bg1">
-                    <a:lumMod val="50000"/>
-                  </a:schemeClr>
+                  <a:schemeClr val="accent1"/>
                 </a:solidFill>
-              </a:rPr>
-              <a:t>Retour vers le menu</a:t>
-            </a:r>
-            <a:endParaRPr lang="fr-FR" sz="1400" i="1" dirty="0">
-              <a:solidFill>
-                <a:schemeClr val="bg1">
-                  <a:lumMod val="50000"/>
-                </a:schemeClr>
-              </a:solidFill>
-            </a:endParaRPr>
-          </a:p>
-        </p:txBody>
-      </p:sp>
-    </p:spTree>
-    <p:extLst>
-      <p:ext uri="{BB962C8B-B14F-4D97-AF65-F5344CB8AC3E}">
-        <p14:creationId xmlns:p14="http://schemas.microsoft.com/office/powerpoint/2010/main" val="1069924367"/>
-      </p:ext>
-    </p:extLst>
-  </p:cSld>
-  <p:clrMapOvr>
-    <a:masterClrMapping/>
-  </p:clrMapOvr>
-  <p:timing>
-    <p:tnLst>
-      <p:par>
-        <p:cTn id="1" dur="indefinite" restart="never" nodeType="tmRoot"/>
-      </p:par>
-    </p:tnLst>
-  </p:timing>
-</p:sld>
-</file>
-
-<file path=ppt/slides/slide19.xml><?xml version="1.0" encoding="utf-8"?>
-<p:sld xmlns:a="http://schemas.openxmlformats.org/drawingml/2006/main" xmlns:r="http://schemas.openxmlformats.org/officeDocument/2006/relationships" xmlns:p="http://schemas.openxmlformats.org/presentationml/2006/main">
-  <p:cSld>
-    <p:spTree>
-      <p:nvGrpSpPr>
-        <p:cNvPr id="1" name=""/>
-        <p:cNvGrpSpPr/>
-        <p:nvPr/>
-      </p:nvGrpSpPr>
-      <p:grpSpPr>
-        <a:xfrm>
-          <a:off x="0" y="0"/>
-          <a:ext cx="0" cy="0"/>
-          <a:chOff x="0" y="0"/>
-          <a:chExt cx="0" cy="0"/>
-        </a:xfrm>
-      </p:grpSpPr>
-      <p:sp>
-        <p:nvSpPr>
-          <p:cNvPr id="2" name="Espace réservé du contenu 1"/>
-          <p:cNvSpPr>
-            <a:spLocks noGrp="1"/>
-          </p:cNvSpPr>
-          <p:nvPr>
-            <p:ph sz="quarter" idx="15"/>
-          </p:nvPr>
-        </p:nvSpPr>
-        <p:spPr>
-          <a:xfrm>
-            <a:off x="304800" y="980728"/>
-            <a:ext cx="7839100" cy="5760640"/>
-          </a:xfrm>
-        </p:spPr>
-        <p:txBody>
-          <a:bodyPr>
-            <a:normAutofit/>
-          </a:bodyPr>
-          <a:lstStyle/>
-          <a:p>
-            <a:pPr lvl="0"/>
-            <a:r>
-              <a:rPr lang="fr-FR" sz="2000" dirty="0" smtClean="0"/>
-              <a:t>Appuyer sur le bouton exporter</a:t>
-            </a:r>
-          </a:p>
-          <a:p>
-            <a:pPr lvl="0"/>
-            <a:r>
-              <a:rPr lang="fr-FR" sz="2000" dirty="0" smtClean="0"/>
-              <a:t>Enregistrer le fichier </a:t>
-            </a:r>
-            <a:r>
-              <a:rPr lang="fr-FR" sz="2000" dirty="0" err="1" smtClean="0"/>
-              <a:t>txt</a:t>
-            </a:r>
-            <a:endParaRPr lang="fr-FR" sz="2000" dirty="0"/>
-          </a:p>
-          <a:p>
-            <a:pPr lvl="0"/>
-            <a:endParaRPr lang="fr-FR" sz="2000" dirty="0"/>
-          </a:p>
-        </p:txBody>
-      </p:sp>
-      <p:sp>
-        <p:nvSpPr>
-          <p:cNvPr id="3" name="Espace réservé du numéro de diapositive 2"/>
-          <p:cNvSpPr>
-            <a:spLocks noGrp="1"/>
-          </p:cNvSpPr>
-          <p:nvPr>
-            <p:ph type="sldNum" sz="quarter" idx="17"/>
-          </p:nvPr>
-        </p:nvSpPr>
-        <p:spPr/>
-        <p:txBody>
-          <a:bodyPr/>
-          <a:lstStyle/>
-          <a:p>
-            <a:fld id="{256D3EEF-DE4E-429D-8EC4-DDC531AFF587}" type="slidenum">
-              <a:rPr lang="fr-FR" smtClean="0"/>
-              <a:pPr/>
-              <a:t>19</a:t>
-            </a:fld>
-            <a:endParaRPr lang="fr-FR" dirty="0"/>
-          </a:p>
-        </p:txBody>
-      </p:sp>
-      <p:sp>
-        <p:nvSpPr>
-          <p:cNvPr id="4" name="Espace réservé du texte 3"/>
-          <p:cNvSpPr>
-            <a:spLocks noGrp="1"/>
-          </p:cNvSpPr>
-          <p:nvPr>
-            <p:ph type="body" sz="quarter" idx="13"/>
-          </p:nvPr>
-        </p:nvSpPr>
-        <p:spPr/>
-        <p:txBody>
-          <a:bodyPr>
-            <a:normAutofit fontScale="55000" lnSpcReduction="20000"/>
-          </a:bodyPr>
-          <a:lstStyle/>
-          <a:p>
-            <a:r>
-              <a:rPr lang="fr-FR" dirty="0"/>
-              <a:t>Présentation du logiciel d’acquisition</a:t>
-            </a:r>
-            <a:br>
-              <a:rPr lang="fr-FR" dirty="0"/>
-            </a:br>
-            <a:r>
-              <a:rPr lang="fr-FR" dirty="0" smtClean="0"/>
-              <a:t>Export de données sous Excel</a:t>
-            </a:r>
-            <a:endParaRPr lang="fr-FR" dirty="0"/>
-          </a:p>
-          <a:p>
-            <a:endParaRPr lang="fr-FR" dirty="0"/>
-          </a:p>
-        </p:txBody>
-      </p:sp>
-      <p:sp>
-        <p:nvSpPr>
-          <p:cNvPr id="10" name="ZoneTexte 9">
-            <a:hlinkClick r:id="rId2" action="ppaction://hlinksldjump"/>
-          </p:cNvPr>
-          <p:cNvSpPr txBox="1"/>
+              </a14:hiddenFill>
+            </a:ext>
+            <a:ext uri="{91240B29-F687-4F45-9708-019B960494DF}">
+              <a14:hiddenLine xmlns:a14="http://schemas.microsoft.com/office/drawing/2010/main" w="9525">
+                <a:solidFill>
+                  <a:schemeClr val="tx1"/>
+                </a:solidFill>
+                <a:miter lim="800000"/>
+                <a:headEnd/>
+                <a:tailEnd/>
+              </a14:hiddenLine>
+            </a:ext>
+            <a:ext uri="{AF507438-7753-43E0-B8FC-AC1667EBCBE1}">
+              <a14:hiddenEffects xmlns:a14="http://schemas.microsoft.com/office/drawing/2010/main">
+                <a:effectLst>
+                  <a:outerShdw dist="35921" dir="2700000" algn="ctr" rotWithShape="0">
+                    <a:schemeClr val="bg2"/>
+                  </a:outerShdw>
+                </a:effectLst>
+              </a14:hiddenEffects>
+            </a:ext>
+          </a:extLst>
+        </p:spPr>
+      </p:pic>
+      <p:pic>
+        <p:nvPicPr>
+          <p:cNvPr id="11" name="Picture 4"/>
+          <p:cNvPicPr>
+            <a:picLocks noChangeAspect="1" noChangeArrowheads="1"/>
+          </p:cNvPicPr>
           <p:nvPr/>
-        </p:nvSpPr>
-        <p:spPr>
-          <a:xfrm>
-            <a:off x="107504" y="6525344"/>
-            <a:ext cx="8136904" cy="307777"/>
+        </p:nvPicPr>
+        <p:blipFill>
+          <a:blip r:embed="rId5">
+            <a:extLst>
+              <a:ext uri="{28A0092B-C50C-407E-A947-70E740481C1C}">
+                <a14:useLocalDpi xmlns:a14="http://schemas.microsoft.com/office/drawing/2010/main" val="0"/>
+              </a:ext>
+            </a:extLst>
+          </a:blip>
+          <a:srcRect/>
+          <a:stretch>
+            <a:fillRect/>
+          </a:stretch>
+        </p:blipFill>
+        <p:spPr bwMode="auto">
+          <a:xfrm>
+            <a:off x="5364088" y="1124744"/>
+            <a:ext cx="2869506" cy="1904348"/>
           </a:xfrm>
           <a:prstGeom prst="rect">
             <a:avLst/>
           </a:prstGeom>
           <a:noFill/>
-        </p:spPr>
-        <p:txBody>
-          <a:bodyPr wrap="square" rtlCol="0">
-            <a:spAutoFit/>
-          </a:bodyPr>
+          <a:ln>
+            <a:noFill/>
+          </a:ln>
+          <a:effectLst/>
+          <a:extLst>
+            <a:ext uri="{909E8E84-426E-40DD-AFC4-6F175D3DCCD1}">
+              <a14:hiddenFill xmlns:a14="http://schemas.microsoft.com/office/drawing/2010/main">
+                <a:solidFill>
+                  <a:schemeClr val="accent1"/>
+                </a:solidFill>
+              </a14:hiddenFill>
+            </a:ext>
+            <a:ext uri="{91240B29-F687-4F45-9708-019B960494DF}">
+              <a14:hiddenLine xmlns:a14="http://schemas.microsoft.com/office/drawing/2010/main" w="9525">
+                <a:solidFill>
+                  <a:schemeClr val="tx1"/>
+                </a:solidFill>
+                <a:miter lim="800000"/>
+                <a:headEnd/>
+                <a:tailEnd/>
+              </a14:hiddenLine>
+            </a:ext>
+            <a:ext uri="{AF507438-7753-43E0-B8FC-AC1667EBCBE1}">
+              <a14:hiddenEffects xmlns:a14="http://schemas.microsoft.com/office/drawing/2010/main">
+                <a:effectLst>
+                  <a:outerShdw dist="35921" dir="2700000" algn="ctr" rotWithShape="0">
+                    <a:schemeClr val="bg2"/>
+                  </a:outerShdw>
+                </a:effectLst>
+              </a14:hiddenEffects>
+            </a:ext>
+          </a:extLst>
+        </p:spPr>
+      </p:pic>
+      <p:sp>
+        <p:nvSpPr>
+          <p:cNvPr id="12" name="Rectangle 11"/>
+          <p:cNvSpPr/>
+          <p:nvPr/>
+        </p:nvSpPr>
+        <p:spPr>
+          <a:xfrm>
+            <a:off x="7269670" y="2670286"/>
+            <a:ext cx="925290" cy="144016"/>
+          </a:xfrm>
+          <a:prstGeom prst="rect">
+            <a:avLst/>
+          </a:prstGeom>
+          <a:noFill/>
+          <a:ln>
+            <a:solidFill>
+              <a:srgbClr val="FF0000"/>
+            </a:solidFill>
+          </a:ln>
+        </p:spPr>
+        <p:style>
+          <a:lnRef idx="2">
+            <a:schemeClr val="accent1">
+              <a:shade val="50000"/>
+            </a:schemeClr>
+          </a:lnRef>
+          <a:fillRef idx="1">
+            <a:schemeClr val="accent1"/>
+          </a:fillRef>
+          <a:effectRef idx="0">
+            <a:schemeClr val="accent1"/>
+          </a:effectRef>
+          <a:fontRef idx="minor">
+            <a:schemeClr val="lt1"/>
+          </a:fontRef>
+        </p:style>
+        <p:txBody>
+          <a:bodyPr rtlCol="0" anchor="ctr"/>
           <a:lstStyle/>
           <a:p>
-            <a:pPr algn="r"/>
-            <a:r>
-              <a:rPr lang="fr-FR" sz="1400" i="1" dirty="0" smtClean="0">
+            <a:pPr algn="ctr"/>
+            <a:endParaRPr lang="fr-FR"/>
+          </a:p>
+        </p:txBody>
+      </p:sp>
+      <p:pic>
+        <p:nvPicPr>
+          <p:cNvPr id="2051" name="Picture 3"/>
+          <p:cNvPicPr>
+            <a:picLocks noChangeAspect="1" noChangeArrowheads="1"/>
+          </p:cNvPicPr>
+          <p:nvPr/>
+        </p:nvPicPr>
+        <p:blipFill>
+          <a:blip r:embed="rId6">
+            <a:extLst>
+              <a:ext uri="{28A0092B-C50C-407E-A947-70E740481C1C}">
+                <a14:useLocalDpi xmlns:a14="http://schemas.microsoft.com/office/drawing/2010/main" val="0"/>
+              </a:ext>
+            </a:extLst>
+          </a:blip>
+          <a:srcRect/>
+          <a:stretch>
+            <a:fillRect/>
+          </a:stretch>
+        </p:blipFill>
+        <p:spPr bwMode="auto">
+          <a:xfrm>
+            <a:off x="3707904" y="4883845"/>
+            <a:ext cx="3219581" cy="1927149"/>
+          </a:xfrm>
+          <a:prstGeom prst="rect">
+            <a:avLst/>
+          </a:prstGeom>
+          <a:noFill/>
+          <a:ln>
+            <a:noFill/>
+          </a:ln>
+          <a:effectLst/>
+          <a:extLst>
+            <a:ext uri="{909E8E84-426E-40DD-AFC4-6F175D3DCCD1}">
+              <a14:hiddenFill xmlns:a14="http://schemas.microsoft.com/office/drawing/2010/main">
                 <a:solidFill>
-                  <a:schemeClr val="bg1">
-                    <a:lumMod val="50000"/>
-                  </a:schemeClr>
+                  <a:schemeClr val="accent1"/>
                 </a:solidFill>
-              </a:rPr>
-              <a:t>Retour vers le menu</a:t>
-            </a:r>
-            <a:endParaRPr lang="fr-FR" sz="1400" i="1" dirty="0">
-              <a:solidFill>
-                <a:schemeClr val="bg1">
-                  <a:lumMod val="50000"/>
-                </a:schemeClr>
-              </a:solidFill>
-            </a:endParaRPr>
-          </a:p>
-        </p:txBody>
-      </p:sp>
+              </a14:hiddenFill>
+            </a:ext>
+            <a:ext uri="{91240B29-F687-4F45-9708-019B960494DF}">
+              <a14:hiddenLine xmlns:a14="http://schemas.microsoft.com/office/drawing/2010/main" w="9525">
+                <a:solidFill>
+                  <a:schemeClr val="tx1"/>
+                </a:solidFill>
+                <a:miter lim="800000"/>
+                <a:headEnd/>
+                <a:tailEnd/>
+              </a14:hiddenLine>
+            </a:ext>
+            <a:ext uri="{AF507438-7753-43E0-B8FC-AC1667EBCBE1}">
+              <a14:hiddenEffects xmlns:a14="http://schemas.microsoft.com/office/drawing/2010/main">
+                <a:effectLst>
+                  <a:outerShdw dist="35921" dir="2700000" algn="ctr" rotWithShape="0">
+                    <a:schemeClr val="bg2"/>
+                  </a:outerShdw>
+                </a:effectLst>
+              </a14:hiddenEffects>
+            </a:ext>
+          </a:extLst>
+        </p:spPr>
+      </p:pic>
     </p:spTree>
     <p:extLst>
       <p:ext uri="{BB962C8B-B14F-4D97-AF65-F5344CB8AC3E}">
-        <p14:creationId xmlns:p14="http://schemas.microsoft.com/office/powerpoint/2010/main" val="1651410228"/>
+        <p14:creationId xmlns:p14="http://schemas.microsoft.com/office/powerpoint/2010/main" val="948691457"/>
       </p:ext>
     </p:extLst>
   </p:cSld>
@@ -12460,7 +12740,6 @@
               <a:rPr lang="fr-FR" dirty="0"/>
               <a:t> est un système didactisé ayant la même structure qu’un axe numérique industriel.</a:t>
             </a:r>
-            <a:endParaRPr lang="fr-FR" dirty="0"/>
           </a:p>
         </p:txBody>
       </p:sp>
@@ -13136,11 +13415,7 @@
           <a:p>
             <a:r>
               <a:rPr lang="fr-FR" dirty="0" smtClean="0"/>
-              <a:t>Présentation externe de </a:t>
-            </a:r>
-            <a:r>
-              <a:rPr lang="fr-FR" dirty="0" smtClean="0"/>
-              <a:t>L’axe </a:t>
+              <a:t>Présentation externe de L’axe </a:t>
             </a:r>
             <a:r>
               <a:rPr lang="fr-FR" dirty="0" err="1" smtClean="0"/>
@@ -13252,7 +13527,7 @@
       </p:grpSpPr>
       <p:sp>
         <p:nvSpPr>
-          <p:cNvPr id="5" name="Espace réservé du contenu 4"/>
+          <p:cNvPr id="2" name="Espace réservé du contenu 1"/>
           <p:cNvSpPr>
             <a:spLocks noGrp="1"/>
           </p:cNvSpPr>
@@ -13265,7 +13540,7 @@
           <a:bodyPr/>
           <a:lstStyle/>
           <a:p>
-            <a:endParaRPr lang="fr-FR" dirty="0"/>
+            <a:endParaRPr lang="fr-FR"/>
           </a:p>
         </p:txBody>
       </p:sp>
@@ -13284,13 +13559,12 @@
           <a:bodyPr/>
           <a:lstStyle/>
           <a:p>
-            <a:pPr algn="r"/>
             <a:fld id="{256D3EEF-DE4E-429D-8EC4-DDC531AFF587}" type="slidenum">
-              <a:rPr kumimoji="0" lang="fr-FR" sz="1000" smtClean="0"/>
-              <a:pPr algn="r"/>
+              <a:rPr lang="fr-FR" smtClean="0"/>
+              <a:pPr/>
               <a:t>8</a:t>
             </a:fld>
-            <a:endParaRPr kumimoji="0" lang="fr-FR"/>
+            <a:endParaRPr lang="fr-FR" dirty="0"/>
           </a:p>
         </p:txBody>
       </p:sp>
@@ -13313,172 +13587,17 @@
           <a:p>
             <a:r>
               <a:rPr lang="fr-FR" dirty="0"/>
-              <a:t>Présentation externe de la </a:t>
+              <a:t>Présentation externe de </a:t>
             </a:r>
             <a:r>
               <a:rPr lang="fr-FR" dirty="0" smtClean="0"/>
-              <a:t>DAE</a:t>
-            </a:r>
-          </a:p>
-          <a:p>
-            <a:r>
-              <a:rPr lang="fr-FR" dirty="0" smtClean="0"/>
-              <a:t>Constituants de la DAE</a:t>
-            </a:r>
-            <a:endParaRPr lang="fr-FR" dirty="0"/>
-          </a:p>
-        </p:txBody>
-      </p:sp>
-      <p:sp>
-        <p:nvSpPr>
-          <p:cNvPr id="23" name="ZoneTexte 22">
-            <a:hlinkClick r:id="rId2" action="ppaction://hlinksldjump"/>
-          </p:cNvPr>
-          <p:cNvSpPr txBox="1"/>
-          <p:nvPr/>
-        </p:nvSpPr>
-        <p:spPr>
-          <a:xfrm>
-            <a:off x="107504" y="6525344"/>
-            <a:ext cx="8136904" cy="307777"/>
-          </a:xfrm>
-          <a:prstGeom prst="rect">
-            <a:avLst/>
-          </a:prstGeom>
-          <a:noFill/>
-        </p:spPr>
-        <p:txBody>
-          <a:bodyPr wrap="square" rtlCol="0">
-            <a:spAutoFit/>
-          </a:bodyPr>
-          <a:lstStyle/>
-          <a:p>
-            <a:pPr algn="r"/>
-            <a:r>
-              <a:rPr lang="fr-FR" sz="1400" i="1" dirty="0" smtClean="0">
-                <a:solidFill>
-                  <a:schemeClr val="bg1">
-                    <a:lumMod val="50000"/>
-                  </a:schemeClr>
-                </a:solidFill>
-              </a:rPr>
-              <a:t>Retour vers le menu</a:t>
-            </a:r>
-            <a:endParaRPr lang="fr-FR" sz="1400" i="1" dirty="0">
-              <a:solidFill>
-                <a:schemeClr val="bg1">
-                  <a:lumMod val="50000"/>
-                </a:schemeClr>
-              </a:solidFill>
-            </a:endParaRPr>
-          </a:p>
-        </p:txBody>
-      </p:sp>
-    </p:spTree>
-    <p:extLst>
-      <p:ext uri="{BB962C8B-B14F-4D97-AF65-F5344CB8AC3E}">
-        <p14:creationId xmlns:p14="http://schemas.microsoft.com/office/powerpoint/2010/main" val="3894496050"/>
-      </p:ext>
-    </p:extLst>
-  </p:cSld>
-  <p:clrMapOvr>
-    <a:masterClrMapping/>
-  </p:clrMapOvr>
-  <p:timing>
-    <p:tnLst>
-      <p:par>
-        <p:cTn id="1" dur="indefinite" restart="never" nodeType="tmRoot"/>
-      </p:par>
-    </p:tnLst>
-  </p:timing>
-</p:sld>
-</file>
-
-<file path=ppt/slides/slide9.xml><?xml version="1.0" encoding="utf-8"?>
-<p:sld xmlns:a="http://schemas.openxmlformats.org/drawingml/2006/main" xmlns:r="http://schemas.openxmlformats.org/officeDocument/2006/relationships" xmlns:p="http://schemas.openxmlformats.org/presentationml/2006/main">
-  <p:cSld>
-    <p:spTree>
-      <p:nvGrpSpPr>
-        <p:cNvPr id="1" name=""/>
-        <p:cNvGrpSpPr/>
-        <p:nvPr/>
-      </p:nvGrpSpPr>
-      <p:grpSpPr>
-        <a:xfrm>
-          <a:off x="0" y="0"/>
-          <a:ext cx="0" cy="0"/>
-          <a:chOff x="0" y="0"/>
-          <a:chExt cx="0" cy="0"/>
-        </a:xfrm>
-      </p:grpSpPr>
-      <p:sp>
-        <p:nvSpPr>
-          <p:cNvPr id="2" name="Espace réservé du contenu 1"/>
-          <p:cNvSpPr>
-            <a:spLocks noGrp="1"/>
-          </p:cNvSpPr>
-          <p:nvPr>
-            <p:ph sz="quarter" idx="15"/>
-          </p:nvPr>
-        </p:nvSpPr>
-        <p:spPr/>
-        <p:txBody>
-          <a:bodyPr/>
-          <a:lstStyle/>
-          <a:p>
-            <a:endParaRPr lang="fr-FR"/>
-          </a:p>
-        </p:txBody>
-      </p:sp>
-      <p:sp>
-        <p:nvSpPr>
-          <p:cNvPr id="3" name="Espace réservé du numéro de diapositive 2"/>
-          <p:cNvSpPr>
-            <a:spLocks noGrp="1"/>
-          </p:cNvSpPr>
-          <p:nvPr>
-            <p:ph type="sldNum" sz="quarter" idx="17"/>
-          </p:nvPr>
-        </p:nvSpPr>
-        <p:spPr/>
-        <p:txBody>
-          <a:bodyPr/>
-          <a:lstStyle/>
-          <a:p>
-            <a:fld id="{256D3EEF-DE4E-429D-8EC4-DDC531AFF587}" type="slidenum">
-              <a:rPr lang="fr-FR" smtClean="0"/>
-              <a:pPr/>
-              <a:t>9</a:t>
-            </a:fld>
-            <a:endParaRPr lang="fr-FR" dirty="0"/>
-          </a:p>
-        </p:txBody>
-      </p:sp>
-      <p:sp>
-        <p:nvSpPr>
-          <p:cNvPr id="4" name="Espace réservé du texte 3"/>
-          <p:cNvSpPr>
-            <a:spLocks noGrp="1"/>
-          </p:cNvSpPr>
-          <p:nvPr>
-            <p:ph type="body" sz="quarter" idx="13"/>
-          </p:nvPr>
-        </p:nvSpPr>
-        <p:spPr/>
-        <p:txBody>
-          <a:bodyPr>
-            <a:normAutofit fontScale="55000" lnSpcReduction="20000"/>
-          </a:bodyPr>
-          <a:lstStyle/>
-          <a:p>
-            <a:r>
-              <a:rPr lang="fr-FR" dirty="0"/>
-              <a:t>Présentation externe de la </a:t>
-            </a:r>
-            <a:r>
-              <a:rPr lang="fr-FR" dirty="0" smtClean="0"/>
-              <a:t>DAE</a:t>
-            </a:r>
+              <a:t>l’axe </a:t>
+            </a:r>
+            <a:r>
+              <a:rPr lang="fr-FR" dirty="0" err="1" smtClean="0"/>
+              <a:t>Emericc</a:t>
+            </a:r>
+            <a:endParaRPr lang="fr-FR" dirty="0" smtClean="0"/>
           </a:p>
           <a:p>
             <a:r>
@@ -14657,6 +14776,152 @@
 </p:sld>
 </file>
 
+<file path=ppt/slides/slide9.xml><?xml version="1.0" encoding="utf-8"?>
+<p:sld xmlns:a="http://schemas.openxmlformats.org/drawingml/2006/main" xmlns:r="http://schemas.openxmlformats.org/officeDocument/2006/relationships" xmlns:p="http://schemas.openxmlformats.org/presentationml/2006/main">
+  <p:cSld>
+    <p:spTree>
+      <p:nvGrpSpPr>
+        <p:cNvPr id="1" name=""/>
+        <p:cNvGrpSpPr/>
+        <p:nvPr/>
+      </p:nvGrpSpPr>
+      <p:grpSpPr>
+        <a:xfrm>
+          <a:off x="0" y="0"/>
+          <a:ext cx="0" cy="0"/>
+          <a:chOff x="0" y="0"/>
+          <a:chExt cx="0" cy="0"/>
+        </a:xfrm>
+      </p:grpSpPr>
+      <p:sp>
+        <p:nvSpPr>
+          <p:cNvPr id="3" name="Espace réservé du numéro de diapositive 2"/>
+          <p:cNvSpPr>
+            <a:spLocks noGrp="1"/>
+          </p:cNvSpPr>
+          <p:nvPr>
+            <p:ph type="sldNum" sz="quarter" idx="17"/>
+          </p:nvPr>
+        </p:nvSpPr>
+        <p:spPr/>
+        <p:txBody>
+          <a:bodyPr/>
+          <a:lstStyle/>
+          <a:p>
+            <a:fld id="{256D3EEF-DE4E-429D-8EC4-DDC531AFF587}" type="slidenum">
+              <a:rPr lang="fr-FR" smtClean="0"/>
+              <a:pPr/>
+              <a:t>9</a:t>
+            </a:fld>
+            <a:endParaRPr lang="fr-FR" dirty="0"/>
+          </a:p>
+        </p:txBody>
+      </p:sp>
+      <p:sp>
+        <p:nvSpPr>
+          <p:cNvPr id="4" name="Espace réservé du texte 3"/>
+          <p:cNvSpPr>
+            <a:spLocks noGrp="1"/>
+          </p:cNvSpPr>
+          <p:nvPr>
+            <p:ph type="body" sz="quarter" idx="13"/>
+          </p:nvPr>
+        </p:nvSpPr>
+        <p:spPr/>
+        <p:txBody>
+          <a:bodyPr>
+            <a:normAutofit fontScale="55000" lnSpcReduction="20000"/>
+          </a:bodyPr>
+          <a:lstStyle/>
+          <a:p>
+            <a:r>
+              <a:rPr lang="fr-FR" dirty="0"/>
+              <a:t>Présentation externe de </a:t>
+            </a:r>
+            <a:r>
+              <a:rPr lang="fr-FR" dirty="0" smtClean="0"/>
+              <a:t>l’axe </a:t>
+            </a:r>
+            <a:r>
+              <a:rPr lang="fr-FR" dirty="0" err="1" smtClean="0"/>
+              <a:t>Emericc</a:t>
+            </a:r>
+            <a:endParaRPr lang="fr-FR" dirty="0" smtClean="0"/>
+          </a:p>
+          <a:p>
+            <a:r>
+              <a:rPr lang="fr-FR" dirty="0" smtClean="0"/>
+              <a:t>Cahier des charges</a:t>
+            </a:r>
+            <a:endParaRPr lang="fr-FR" dirty="0"/>
+          </a:p>
+        </p:txBody>
+      </p:sp>
+      <p:sp>
+        <p:nvSpPr>
+          <p:cNvPr id="9" name="ZoneTexte 8">
+            <a:hlinkClick r:id="rId2" action="ppaction://hlinksldjump"/>
+          </p:cNvPr>
+          <p:cNvSpPr txBox="1"/>
+          <p:nvPr/>
+        </p:nvSpPr>
+        <p:spPr>
+          <a:xfrm>
+            <a:off x="107504" y="6525344"/>
+            <a:ext cx="8136904" cy="307777"/>
+          </a:xfrm>
+          <a:prstGeom prst="rect">
+            <a:avLst/>
+          </a:prstGeom>
+          <a:noFill/>
+        </p:spPr>
+        <p:txBody>
+          <a:bodyPr wrap="square" rtlCol="0">
+            <a:spAutoFit/>
+          </a:bodyPr>
+          <a:lstStyle/>
+          <a:p>
+            <a:pPr algn="r"/>
+            <a:r>
+              <a:rPr lang="fr-FR" sz="1400" i="1" dirty="0" smtClean="0">
+                <a:solidFill>
+                  <a:schemeClr val="bg1">
+                    <a:lumMod val="50000"/>
+                  </a:schemeClr>
+                </a:solidFill>
+              </a:rPr>
+              <a:t>Retour vers le menu</a:t>
+            </a:r>
+            <a:endParaRPr lang="fr-FR" sz="1400" i="1" dirty="0">
+              <a:solidFill>
+                <a:schemeClr val="bg1">
+                  <a:lumMod val="50000"/>
+                </a:schemeClr>
+              </a:solidFill>
+            </a:endParaRPr>
+          </a:p>
+        </p:txBody>
+      </p:sp>
+    </p:spTree>
+    <p:extLst>
+      <p:ext uri="{BB962C8B-B14F-4D97-AF65-F5344CB8AC3E}">
+        <p14:creationId xmlns:p14="http://schemas.microsoft.com/office/powerpoint/2010/main" val="2706017064"/>
+      </p:ext>
+    </p:extLst>
+  </p:cSld>
+  <p:clrMapOvr>
+    <a:masterClrMapping/>
+  </p:clrMapOvr>
+  <p:timing>
+    <p:tnLst>
+      <p:par>
+        <p:cTn id="1" dur="indefinite" restart="never" nodeType="tmRoot"/>
+      </p:par>
+    </p:tnLst>
+  </p:timing>
+</p:sld>
+</file>
+
 <file path=ppt/theme/theme1.xml><?xml version="1.0" encoding="utf-8"?>
 <a:theme xmlns:a="http://schemas.openxmlformats.org/drawingml/2006/main" name="Plaquette commerciale">
   <a:themeElements>

--- a/DocumentsTP/Documentation_Emericc.pptx
+++ b/DocumentsTP/Documentation_Emericc.pptx
@@ -5,10 +5,10 @@
     <p:sldMasterId id="2147483648" r:id="rId1"/>
   </p:sldMasterIdLst>
   <p:notesMasterIdLst>
-    <p:notesMasterId r:id="rId19"/>
+    <p:notesMasterId r:id="rId16"/>
   </p:notesMasterIdLst>
   <p:handoutMasterIdLst>
-    <p:handoutMasterId r:id="rId20"/>
+    <p:handoutMasterId r:id="rId17"/>
   </p:handoutMasterIdLst>
   <p:sldIdLst>
     <p:sldId id="256" r:id="rId2"/>
@@ -19,18 +19,15 @@
     <p:sldId id="291" r:id="rId7"/>
     <p:sldId id="290" r:id="rId8"/>
     <p:sldId id="299" r:id="rId9"/>
-    <p:sldId id="300" r:id="rId10"/>
-    <p:sldId id="302" r:id="rId11"/>
-    <p:sldId id="309" r:id="rId12"/>
-    <p:sldId id="310" r:id="rId13"/>
-    <p:sldId id="303" r:id="rId14"/>
-    <p:sldId id="304" r:id="rId15"/>
-    <p:sldId id="293" r:id="rId16"/>
-    <p:sldId id="294" r:id="rId17"/>
-    <p:sldId id="315" r:id="rId18"/>
+    <p:sldId id="302" r:id="rId10"/>
+    <p:sldId id="309" r:id="rId11"/>
+    <p:sldId id="310" r:id="rId12"/>
+    <p:sldId id="293" r:id="rId13"/>
+    <p:sldId id="294" r:id="rId14"/>
+    <p:sldId id="315" r:id="rId15"/>
   </p:sldIdLst>
   <p:sldSz cx="9144000" cy="6858000" type="screen4x3"/>
-  <p:notesSz cx="7099300" cy="10234613"/>
+  <p:notesSz cx="6735763" cy="9869488"/>
   <p:defaultTextStyle>
     <a:lvl1pPr marL="0" algn="l" rtl="0" latinLnBrk="0">
       <a:defRPr lang="fr-FR" sz="1800" kern="1200">
@@ -161,15 +158,15 @@
         </p:nvSpPr>
         <p:spPr>
           <a:xfrm>
-            <a:off x="0" y="0"/>
-            <a:ext cx="3076363" cy="511731"/>
+            <a:off x="1" y="0"/>
+            <a:ext cx="2918830" cy="493475"/>
           </a:xfrm>
           <a:prstGeom prst="rect">
             <a:avLst/>
           </a:prstGeom>
         </p:spPr>
         <p:txBody>
-          <a:bodyPr vert="horz" lIns="99048" tIns="49524" rIns="99048" bIns="49524"/>
+          <a:bodyPr vert="horz" lIns="94878" tIns="47439" rIns="94878" bIns="47439"/>
           <a:lstStyle>
             <a:extLst/>
           </a:lstStyle>
@@ -190,15 +187,15 @@
         </p:nvSpPr>
         <p:spPr>
           <a:xfrm>
-            <a:off x="4021294" y="0"/>
-            <a:ext cx="3076363" cy="511731"/>
+            <a:off x="3815374" y="0"/>
+            <a:ext cx="2918830" cy="493475"/>
           </a:xfrm>
           <a:prstGeom prst="rect">
             <a:avLst/>
           </a:prstGeom>
         </p:spPr>
         <p:txBody>
-          <a:bodyPr vert="horz" lIns="99048" tIns="49524" rIns="99048" bIns="49524"/>
+          <a:bodyPr vert="horz" lIns="94878" tIns="47439" rIns="94878" bIns="47439"/>
           <a:lstStyle>
             <a:extLst/>
           </a:lstStyle>
@@ -206,7 +203,7 @@
             <a:fld id="{31555DB1-8736-42A3-B48D-2B08FB93332A}" type="datetimeFigureOut">
               <a:rPr lang="fr-FR" smtClean="0"/>
               <a:pPr/>
-              <a:t>06/01/2014</a:t>
+              <a:t>07/01/2014</a:t>
             </a:fld>
             <a:endParaRPr lang="fr-FR"/>
           </a:p>
@@ -224,15 +221,15 @@
         </p:nvSpPr>
         <p:spPr>
           <a:xfrm>
-            <a:off x="0" y="9721106"/>
-            <a:ext cx="3076363" cy="511731"/>
+            <a:off x="1" y="9374301"/>
+            <a:ext cx="2918830" cy="493475"/>
           </a:xfrm>
           <a:prstGeom prst="rect">
             <a:avLst/>
           </a:prstGeom>
         </p:spPr>
         <p:txBody>
-          <a:bodyPr vert="horz" lIns="99048" tIns="49524" rIns="99048" bIns="49524"/>
+          <a:bodyPr vert="horz" lIns="94878" tIns="47439" rIns="94878" bIns="47439"/>
           <a:lstStyle>
             <a:extLst/>
           </a:lstStyle>
@@ -253,15 +250,15 @@
         </p:nvSpPr>
         <p:spPr>
           <a:xfrm>
-            <a:off x="4021294" y="9721106"/>
-            <a:ext cx="3076363" cy="511731"/>
+            <a:off x="3815374" y="9374301"/>
+            <a:ext cx="2918830" cy="493475"/>
           </a:xfrm>
           <a:prstGeom prst="rect">
             <a:avLst/>
           </a:prstGeom>
         </p:spPr>
         <p:txBody>
-          <a:bodyPr vert="horz" lIns="99048" tIns="49524" rIns="99048" bIns="49524"/>
+          <a:bodyPr vert="horz" lIns="94878" tIns="47439" rIns="94878" bIns="47439"/>
           <a:lstStyle>
             <a:extLst/>
           </a:lstStyle>
@@ -320,15 +317,15 @@
         </p:nvSpPr>
         <p:spPr>
           <a:xfrm>
-            <a:off x="0" y="0"/>
-            <a:ext cx="3076363" cy="511731"/>
+            <a:off x="1" y="0"/>
+            <a:ext cx="2918830" cy="493475"/>
           </a:xfrm>
           <a:prstGeom prst="rect">
             <a:avLst/>
           </a:prstGeom>
         </p:spPr>
         <p:txBody>
-          <a:bodyPr vert="horz" lIns="99048" tIns="49524" rIns="99048" bIns="49524"/>
+          <a:bodyPr vert="horz" lIns="94878" tIns="47439" rIns="94878" bIns="47439"/>
           <a:lstStyle>
             <a:extLst/>
           </a:lstStyle>
@@ -349,15 +346,15 @@
         </p:nvSpPr>
         <p:spPr>
           <a:xfrm>
-            <a:off x="4021294" y="0"/>
-            <a:ext cx="3076363" cy="511731"/>
+            <a:off x="3815374" y="0"/>
+            <a:ext cx="2918830" cy="493475"/>
           </a:xfrm>
           <a:prstGeom prst="rect">
             <a:avLst/>
           </a:prstGeom>
         </p:spPr>
         <p:txBody>
-          <a:bodyPr vert="horz" lIns="99048" tIns="49524" rIns="99048" bIns="49524"/>
+          <a:bodyPr vert="horz" lIns="94878" tIns="47439" rIns="94878" bIns="47439"/>
           <a:lstStyle>
             <a:extLst/>
           </a:lstStyle>
@@ -365,7 +362,7 @@
             <a:fld id="{0BDB199F-A56C-4049-BA04-1447030960FF}" type="datetimeFigureOut">
               <a:rPr lang="fr-FR"/>
               <a:pPr/>
-              <a:t>06/01/2014</a:t>
+              <a:t>07/01/2014</a:t>
             </a:fld>
             <a:endParaRPr lang="fr-FR"/>
           </a:p>
@@ -383,8 +380,8 @@
         </p:nvSpPr>
         <p:spPr>
           <a:xfrm>
-            <a:off x="992188" y="768350"/>
-            <a:ext cx="5114925" cy="3836988"/>
+            <a:off x="901700" y="741363"/>
+            <a:ext cx="4932363" cy="3700462"/>
           </a:xfrm>
           <a:prstGeom prst="rect">
             <a:avLst/>
@@ -397,7 +394,7 @@
           </a:ln>
         </p:spPr>
         <p:txBody>
-          <a:bodyPr vert="horz" lIns="99048" tIns="49524" rIns="99048" bIns="49524" anchor="ctr"/>
+          <a:bodyPr vert="horz" lIns="94878" tIns="47439" rIns="94878" bIns="47439" anchor="ctr"/>
           <a:lstStyle>
             <a:extLst/>
           </a:lstStyle>
@@ -418,15 +415,15 @@
         </p:nvSpPr>
         <p:spPr>
           <a:xfrm>
-            <a:off x="709930" y="4861441"/>
-            <a:ext cx="5679440" cy="4605576"/>
+            <a:off x="673577" y="4688007"/>
+            <a:ext cx="5388610" cy="4441270"/>
           </a:xfrm>
           <a:prstGeom prst="rect">
             <a:avLst/>
           </a:prstGeom>
         </p:spPr>
         <p:txBody>
-          <a:bodyPr vert="horz" lIns="99048" tIns="49524" rIns="99048" bIns="49524">
+          <a:bodyPr vert="horz" lIns="94878" tIns="47439" rIns="94878" bIns="47439">
             <a:normAutofit/>
           </a:bodyPr>
           <a:lstStyle>
@@ -481,15 +478,15 @@
         </p:nvSpPr>
         <p:spPr>
           <a:xfrm>
-            <a:off x="0" y="9721106"/>
-            <a:ext cx="3076363" cy="511731"/>
+            <a:off x="1" y="9374301"/>
+            <a:ext cx="2918830" cy="493475"/>
           </a:xfrm>
           <a:prstGeom prst="rect">
             <a:avLst/>
           </a:prstGeom>
         </p:spPr>
         <p:txBody>
-          <a:bodyPr vert="horz" lIns="99048" tIns="49524" rIns="99048" bIns="49524"/>
+          <a:bodyPr vert="horz" lIns="94878" tIns="47439" rIns="94878" bIns="47439"/>
           <a:lstStyle>
             <a:extLst/>
           </a:lstStyle>
@@ -510,15 +507,15 @@
         </p:nvSpPr>
         <p:spPr>
           <a:xfrm>
-            <a:off x="4021294" y="9721106"/>
-            <a:ext cx="3076363" cy="511731"/>
+            <a:off x="3815374" y="9374301"/>
+            <a:ext cx="2918830" cy="493475"/>
           </a:xfrm>
           <a:prstGeom prst="rect">
             <a:avLst/>
           </a:prstGeom>
         </p:spPr>
         <p:txBody>
-          <a:bodyPr vert="horz" lIns="99048" tIns="49524" rIns="99048" bIns="49524"/>
+          <a:bodyPr vert="horz" lIns="94878" tIns="47439" rIns="94878" bIns="47439"/>
           <a:lstStyle>
             <a:extLst/>
           </a:lstStyle>
@@ -9788,39 +9785,12 @@
       </p:grpSpPr>
       <p:sp>
         <p:nvSpPr>
-          <p:cNvPr id="2" name="Titre 1"/>
-          <p:cNvSpPr>
-            <a:spLocks noGrp="1"/>
-          </p:cNvSpPr>
-          <p:nvPr>
-            <p:ph type="ctrTitle"/>
-          </p:nvPr>
-        </p:nvSpPr>
-        <p:spPr/>
-        <p:txBody>
-          <a:bodyPr/>
-          <a:lstStyle/>
-          <a:p>
-            <a:r>
-              <a:rPr lang="fr-FR" dirty="0" smtClean="0"/>
-              <a:t>Présentation interne de l’axe </a:t>
-            </a:r>
-            <a:r>
-              <a:rPr lang="fr-FR" dirty="0" err="1" smtClean="0"/>
-              <a:t>Emericc</a:t>
-            </a:r>
-            <a:endParaRPr lang="fr-FR" dirty="0"/>
-          </a:p>
-        </p:txBody>
-      </p:sp>
-      <p:sp>
-        <p:nvSpPr>
           <p:cNvPr id="3" name="Espace réservé du numéro de diapositive 2"/>
           <p:cNvSpPr>
             <a:spLocks noGrp="1"/>
           </p:cNvSpPr>
           <p:nvPr>
-            <p:ph type="sldNum" sz="quarter" idx="12"/>
+            <p:ph type="sldNum" sz="quarter" idx="17"/>
           </p:nvPr>
         </p:nvSpPr>
         <p:spPr/>
@@ -9833,113 +9803,6 @@
               <a:rPr kumimoji="0" lang="fr-FR" sz="1000" smtClean="0"/>
               <a:pPr algn="r"/>
               <a:t>10</a:t>
-            </a:fld>
-            <a:endParaRPr kumimoji="0" lang="fr-FR"/>
-          </a:p>
-        </p:txBody>
-      </p:sp>
-      <p:sp>
-        <p:nvSpPr>
-          <p:cNvPr id="5" name="ZoneTexte 4">
-            <a:hlinkClick r:id="rId2" action="ppaction://hlinksldjump"/>
-          </p:cNvPr>
-          <p:cNvSpPr txBox="1"/>
-          <p:nvPr/>
-        </p:nvSpPr>
-        <p:spPr>
-          <a:xfrm>
-            <a:off x="107504" y="6525344"/>
-            <a:ext cx="8136904" cy="307777"/>
-          </a:xfrm>
-          <a:prstGeom prst="rect">
-            <a:avLst/>
-          </a:prstGeom>
-          <a:noFill/>
-        </p:spPr>
-        <p:txBody>
-          <a:bodyPr wrap="square" rtlCol="0">
-            <a:spAutoFit/>
-          </a:bodyPr>
-          <a:lstStyle/>
-          <a:p>
-            <a:pPr algn="r"/>
-            <a:r>
-              <a:rPr lang="fr-FR" sz="1400" i="1" dirty="0" smtClean="0">
-                <a:solidFill>
-                  <a:schemeClr val="bg1">
-                    <a:lumMod val="50000"/>
-                  </a:schemeClr>
-                </a:solidFill>
-              </a:rPr>
-              <a:t>Retour vers le menu</a:t>
-            </a:r>
-            <a:endParaRPr lang="fr-FR" sz="1400" i="1" dirty="0">
-              <a:solidFill>
-                <a:schemeClr val="bg1">
-                  <a:lumMod val="50000"/>
-                </a:schemeClr>
-              </a:solidFill>
-            </a:endParaRPr>
-          </a:p>
-        </p:txBody>
-      </p:sp>
-    </p:spTree>
-    <p:extLst>
-      <p:ext uri="{BB962C8B-B14F-4D97-AF65-F5344CB8AC3E}">
-        <p14:creationId xmlns:p14="http://schemas.microsoft.com/office/powerpoint/2010/main" val="3834210991"/>
-      </p:ext>
-    </p:extLst>
-  </p:cSld>
-  <p:clrMapOvr>
-    <a:masterClrMapping/>
-  </p:clrMapOvr>
-  <p:timing>
-    <p:tnLst>
-      <p:par>
-        <p:cTn id="1" dur="indefinite" restart="never" nodeType="tmRoot"/>
-      </p:par>
-    </p:tnLst>
-  </p:timing>
-</p:sld>
-</file>
-
-<file path=ppt/slides/slide11.xml><?xml version="1.0" encoding="utf-8"?>
-<p:sld xmlns:a="http://schemas.openxmlformats.org/drawingml/2006/main" xmlns:r="http://schemas.openxmlformats.org/officeDocument/2006/relationships" xmlns:p="http://schemas.openxmlformats.org/presentationml/2006/main">
-  <p:cSld>
-    <p:spTree>
-      <p:nvGrpSpPr>
-        <p:cNvPr id="1" name=""/>
-        <p:cNvGrpSpPr/>
-        <p:nvPr/>
-      </p:nvGrpSpPr>
-      <p:grpSpPr>
-        <a:xfrm>
-          <a:off x="0" y="0"/>
-          <a:ext cx="0" cy="0"/>
-          <a:chOff x="0" y="0"/>
-          <a:chExt cx="0" cy="0"/>
-        </a:xfrm>
-      </p:grpSpPr>
-      <p:sp>
-        <p:nvSpPr>
-          <p:cNvPr id="3" name="Espace réservé du numéro de diapositive 2"/>
-          <p:cNvSpPr>
-            <a:spLocks noGrp="1"/>
-          </p:cNvSpPr>
-          <p:nvPr>
-            <p:ph type="sldNum" sz="quarter" idx="17"/>
-          </p:nvPr>
-        </p:nvSpPr>
-        <p:spPr/>
-        <p:txBody>
-          <a:bodyPr/>
-          <a:lstStyle/>
-          <a:p>
-            <a:pPr algn="r"/>
-            <a:fld id="{256D3EEF-DE4E-429D-8EC4-DDC531AFF587}" type="slidenum">
-              <a:rPr kumimoji="0" lang="fr-FR" sz="1000" smtClean="0"/>
-              <a:pPr algn="r"/>
-              <a:t>11</a:t>
             </a:fld>
             <a:endParaRPr kumimoji="0" lang="fr-FR"/>
           </a:p>
@@ -10256,7 +10119,7 @@
 </p:sld>
 </file>
 
-<file path=ppt/slides/slide12.xml><?xml version="1.0" encoding="utf-8"?>
+<file path=ppt/slides/slide11.xml><?xml version="1.0" encoding="utf-8"?>
 <p:sld xmlns:a="http://schemas.openxmlformats.org/drawingml/2006/main" xmlns:r="http://schemas.openxmlformats.org/officeDocument/2006/relationships" xmlns:p="http://schemas.openxmlformats.org/presentationml/2006/main">
   <p:cSld>
     <p:spTree>
@@ -10292,7 +10155,7 @@
             <a:fld id="{256D3EEF-DE4E-429D-8EC4-DDC531AFF587}" type="slidenum">
               <a:rPr kumimoji="0" lang="fr-FR" sz="1000" smtClean="0"/>
               <a:pPr algn="r"/>
-              <a:t>12</a:t>
+              <a:t>11</a:t>
             </a:fld>
             <a:endParaRPr kumimoji="0" lang="fr-FR"/>
           </a:p>
@@ -10411,8 +10274,8 @@
         </p:blipFill>
         <p:spPr bwMode="auto">
           <a:xfrm>
-            <a:off x="1481137" y="2228850"/>
-            <a:ext cx="6181725" cy="2400300"/>
+            <a:off x="405134" y="1736254"/>
+            <a:ext cx="7541643" cy="2928342"/>
           </a:xfrm>
           <a:prstGeom prst="rect">
             <a:avLst/>
@@ -10433,6 +10296,146 @@
   <p:clrMapOvr>
     <a:masterClrMapping/>
   </p:clrMapOvr>
+  <p:timing>
+    <p:tnLst>
+      <p:par>
+        <p:cTn id="1" dur="indefinite" restart="never" nodeType="tmRoot"/>
+      </p:par>
+    </p:tnLst>
+  </p:timing>
+</p:sld>
+</file>
+
+<file path=ppt/slides/slide12.xml><?xml version="1.0" encoding="utf-8"?>
+<p:sld xmlns:a="http://schemas.openxmlformats.org/drawingml/2006/main" xmlns:r="http://schemas.openxmlformats.org/officeDocument/2006/relationships" xmlns:p="http://schemas.openxmlformats.org/presentationml/2006/main">
+  <p:cSld>
+    <p:spTree>
+      <p:nvGrpSpPr>
+        <p:cNvPr id="1" name=""/>
+        <p:cNvGrpSpPr/>
+        <p:nvPr/>
+      </p:nvGrpSpPr>
+      <p:grpSpPr>
+        <a:xfrm>
+          <a:off x="0" y="0"/>
+          <a:ext cx="0" cy="0"/>
+          <a:chOff x="0" y="0"/>
+          <a:chExt cx="0" cy="0"/>
+        </a:xfrm>
+      </p:grpSpPr>
+      <p:sp>
+        <p:nvSpPr>
+          <p:cNvPr id="5" name="Titre 4"/>
+          <p:cNvSpPr>
+            <a:spLocks noGrp="1"/>
+          </p:cNvSpPr>
+          <p:nvPr>
+            <p:ph type="ctrTitle"/>
+          </p:nvPr>
+        </p:nvSpPr>
+        <p:spPr/>
+        <p:txBody>
+          <a:bodyPr/>
+          <a:lstStyle/>
+          <a:p>
+            <a:r>
+              <a:rPr lang="fr-FR" dirty="0"/>
+              <a:t>Présentation du logiciel d’acquisition</a:t>
+            </a:r>
+            <a:br>
+              <a:rPr lang="fr-FR" dirty="0"/>
+            </a:br>
+            <a:endParaRPr lang="fr-FR" dirty="0"/>
+          </a:p>
+        </p:txBody>
+      </p:sp>
+      <p:sp>
+        <p:nvSpPr>
+          <p:cNvPr id="3" name="Espace réservé du numéro de diapositive 2"/>
+          <p:cNvSpPr>
+            <a:spLocks noGrp="1"/>
+          </p:cNvSpPr>
+          <p:nvPr>
+            <p:ph type="sldNum" sz="quarter" idx="12"/>
+          </p:nvPr>
+        </p:nvSpPr>
+        <p:spPr/>
+        <p:txBody>
+          <a:bodyPr/>
+          <a:lstStyle/>
+          <a:p>
+            <a:fld id="{256D3EEF-DE4E-429D-8EC4-DDC531AFF587}" type="slidenum">
+              <a:rPr lang="fr-FR" smtClean="0"/>
+              <a:pPr/>
+              <a:t>12</a:t>
+            </a:fld>
+            <a:endParaRPr lang="fr-FR" dirty="0"/>
+          </a:p>
+        </p:txBody>
+      </p:sp>
+      <p:sp>
+        <p:nvSpPr>
+          <p:cNvPr id="7" name="ZoneTexte 6">
+            <a:hlinkClick r:id="rId2" action="ppaction://hlinksldjump"/>
+          </p:cNvPr>
+          <p:cNvSpPr txBox="1"/>
+          <p:nvPr/>
+        </p:nvSpPr>
+        <p:spPr>
+          <a:xfrm>
+            <a:off x="107504" y="6525344"/>
+            <a:ext cx="8136904" cy="307777"/>
+          </a:xfrm>
+          <a:prstGeom prst="rect">
+            <a:avLst/>
+          </a:prstGeom>
+          <a:noFill/>
+        </p:spPr>
+        <p:txBody>
+          <a:bodyPr wrap="square" rtlCol="0">
+            <a:spAutoFit/>
+          </a:bodyPr>
+          <a:lstStyle/>
+          <a:p>
+            <a:pPr algn="r"/>
+            <a:r>
+              <a:rPr lang="fr-FR" sz="1400" i="1" dirty="0" smtClean="0">
+                <a:solidFill>
+                  <a:schemeClr val="bg1">
+                    <a:lumMod val="50000"/>
+                  </a:schemeClr>
+                </a:solidFill>
+              </a:rPr>
+              <a:t>Retour vers le menu</a:t>
+            </a:r>
+            <a:endParaRPr lang="fr-FR" sz="1400" i="1" dirty="0">
+              <a:solidFill>
+                <a:schemeClr val="bg1">
+                  <a:lumMod val="50000"/>
+                </a:schemeClr>
+              </a:solidFill>
+            </a:endParaRPr>
+          </a:p>
+        </p:txBody>
+      </p:sp>
+    </p:spTree>
+    <p:extLst>
+      <p:ext uri="{BB962C8B-B14F-4D97-AF65-F5344CB8AC3E}">
+        <p14:creationId xmlns:p14="http://schemas.microsoft.com/office/powerpoint/2010/main" val="3771198579"/>
+      </p:ext>
+    </p:extLst>
+  </p:cSld>
+  <p:clrMapOvr>
+    <a:masterClrMapping/>
+  </p:clrMapOvr>
+  <mc:AlternateContent xmlns:mc="http://schemas.openxmlformats.org/markup-compatibility/2006">
+    <mc:Choice xmlns:p14="http://schemas.microsoft.com/office/powerpoint/2010/main" Requires="p14">
+      <p:transition spd="slow" p14:dur="2000"/>
+    </mc:Choice>
+    <mc:Fallback>
+      <p:transition spd="slow"/>
+    </mc:Fallback>
+  </mc:AlternateContent>
   <p:timing>
     <p:tnLst>
       <p:par>
@@ -10462,432 +10465,6 @@
       </p:grpSpPr>
       <p:sp>
         <p:nvSpPr>
-          <p:cNvPr id="3" name="Espace réservé du numéro de diapositive 2"/>
-          <p:cNvSpPr>
-            <a:spLocks noGrp="1"/>
-          </p:cNvSpPr>
-          <p:nvPr>
-            <p:ph type="sldNum" sz="quarter" idx="17"/>
-          </p:nvPr>
-        </p:nvSpPr>
-        <p:spPr/>
-        <p:txBody>
-          <a:bodyPr/>
-          <a:lstStyle/>
-          <a:p>
-            <a:pPr algn="r"/>
-            <a:fld id="{256D3EEF-DE4E-429D-8EC4-DDC531AFF587}" type="slidenum">
-              <a:rPr kumimoji="0" lang="fr-FR" sz="1000" smtClean="0"/>
-              <a:pPr algn="r"/>
-              <a:t>13</a:t>
-            </a:fld>
-            <a:endParaRPr kumimoji="0" lang="fr-FR"/>
-          </a:p>
-        </p:txBody>
-      </p:sp>
-      <p:sp>
-        <p:nvSpPr>
-          <p:cNvPr id="4" name="Espace réservé du texte 3"/>
-          <p:cNvSpPr>
-            <a:spLocks noGrp="1"/>
-          </p:cNvSpPr>
-          <p:nvPr>
-            <p:ph type="body" sz="quarter" idx="13"/>
-          </p:nvPr>
-        </p:nvSpPr>
-        <p:spPr/>
-        <p:txBody>
-          <a:bodyPr>
-            <a:normAutofit fontScale="55000" lnSpcReduction="20000"/>
-          </a:bodyPr>
-          <a:lstStyle/>
-          <a:p>
-            <a:r>
-              <a:rPr lang="fr-FR" dirty="0"/>
-              <a:t>Présentation interne de </a:t>
-            </a:r>
-            <a:r>
-              <a:rPr lang="fr-FR" dirty="0" smtClean="0"/>
-              <a:t>L’axe </a:t>
-            </a:r>
-            <a:r>
-              <a:rPr lang="fr-FR" dirty="0" err="1" smtClean="0"/>
-              <a:t>Emericc</a:t>
-            </a:r>
-            <a:endParaRPr lang="fr-FR" dirty="0" smtClean="0"/>
-          </a:p>
-          <a:p>
-            <a:r>
-              <a:rPr lang="fr-FR" dirty="0" smtClean="0"/>
-              <a:t>Composants de la chaîne d’énergie</a:t>
-            </a:r>
-            <a:endParaRPr lang="fr-FR" dirty="0"/>
-          </a:p>
-        </p:txBody>
-      </p:sp>
-      <p:sp>
-        <p:nvSpPr>
-          <p:cNvPr id="20" name="ZoneTexte 19">
-            <a:hlinkClick r:id="rId2" action="ppaction://hlinksldjump"/>
-          </p:cNvPr>
-          <p:cNvSpPr txBox="1"/>
-          <p:nvPr/>
-        </p:nvSpPr>
-        <p:spPr>
-          <a:xfrm>
-            <a:off x="107504" y="6525344"/>
-            <a:ext cx="8136904" cy="307777"/>
-          </a:xfrm>
-          <a:prstGeom prst="rect">
-            <a:avLst/>
-          </a:prstGeom>
-          <a:noFill/>
-        </p:spPr>
-        <p:txBody>
-          <a:bodyPr wrap="square" rtlCol="0">
-            <a:spAutoFit/>
-          </a:bodyPr>
-          <a:lstStyle/>
-          <a:p>
-            <a:pPr algn="r"/>
-            <a:r>
-              <a:rPr lang="fr-FR" sz="1400" i="1" dirty="0" smtClean="0">
-                <a:solidFill>
-                  <a:schemeClr val="bg1">
-                    <a:lumMod val="50000"/>
-                  </a:schemeClr>
-                </a:solidFill>
-              </a:rPr>
-              <a:t>Retour vers le menu</a:t>
-            </a:r>
-            <a:endParaRPr lang="fr-FR" sz="1400" i="1" dirty="0">
-              <a:solidFill>
-                <a:schemeClr val="bg1">
-                  <a:lumMod val="50000"/>
-                </a:schemeClr>
-              </a:solidFill>
-            </a:endParaRPr>
-          </a:p>
-        </p:txBody>
-      </p:sp>
-    </p:spTree>
-    <p:extLst>
-      <p:ext uri="{BB962C8B-B14F-4D97-AF65-F5344CB8AC3E}">
-        <p14:creationId xmlns:p14="http://schemas.microsoft.com/office/powerpoint/2010/main" val="1008993312"/>
-      </p:ext>
-    </p:extLst>
-  </p:cSld>
-  <p:clrMapOvr>
-    <a:masterClrMapping/>
-  </p:clrMapOvr>
-  <p:timing>
-    <p:tnLst>
-      <p:par>
-        <p:cTn id="1" dur="indefinite" restart="never" nodeType="tmRoot"/>
-      </p:par>
-    </p:tnLst>
-  </p:timing>
-</p:sld>
-</file>
-
-<file path=ppt/slides/slide14.xml><?xml version="1.0" encoding="utf-8"?>
-<p:sld xmlns:a="http://schemas.openxmlformats.org/drawingml/2006/main" xmlns:r="http://schemas.openxmlformats.org/officeDocument/2006/relationships" xmlns:p="http://schemas.openxmlformats.org/presentationml/2006/main">
-  <p:cSld>
-    <p:spTree>
-      <p:nvGrpSpPr>
-        <p:cNvPr id="1" name=""/>
-        <p:cNvGrpSpPr/>
-        <p:nvPr/>
-      </p:nvGrpSpPr>
-      <p:grpSpPr>
-        <a:xfrm>
-          <a:off x="0" y="0"/>
-          <a:ext cx="0" cy="0"/>
-          <a:chOff x="0" y="0"/>
-          <a:chExt cx="0" cy="0"/>
-        </a:xfrm>
-      </p:grpSpPr>
-      <p:sp>
-        <p:nvSpPr>
-          <p:cNvPr id="3" name="Espace réservé du numéro de diapositive 2"/>
-          <p:cNvSpPr>
-            <a:spLocks noGrp="1"/>
-          </p:cNvSpPr>
-          <p:nvPr>
-            <p:ph type="sldNum" sz="quarter" idx="17"/>
-          </p:nvPr>
-        </p:nvSpPr>
-        <p:spPr/>
-        <p:txBody>
-          <a:bodyPr/>
-          <a:lstStyle/>
-          <a:p>
-            <a:pPr algn="r"/>
-            <a:fld id="{256D3EEF-DE4E-429D-8EC4-DDC531AFF587}" type="slidenum">
-              <a:rPr kumimoji="0" lang="fr-FR" sz="1000" smtClean="0"/>
-              <a:pPr algn="r"/>
-              <a:t>14</a:t>
-            </a:fld>
-            <a:endParaRPr kumimoji="0" lang="fr-FR"/>
-          </a:p>
-        </p:txBody>
-      </p:sp>
-      <p:sp>
-        <p:nvSpPr>
-          <p:cNvPr id="4" name="Espace réservé du texte 3"/>
-          <p:cNvSpPr>
-            <a:spLocks noGrp="1"/>
-          </p:cNvSpPr>
-          <p:nvPr>
-            <p:ph type="body" sz="quarter" idx="13"/>
-          </p:nvPr>
-        </p:nvSpPr>
-        <p:spPr/>
-        <p:txBody>
-          <a:bodyPr>
-            <a:normAutofit fontScale="55000" lnSpcReduction="20000"/>
-          </a:bodyPr>
-          <a:lstStyle/>
-          <a:p>
-            <a:r>
-              <a:rPr lang="fr-FR" dirty="0"/>
-              <a:t>Présentation interne de </a:t>
-            </a:r>
-            <a:r>
-              <a:rPr lang="fr-FR" dirty="0" smtClean="0"/>
-              <a:t>L’axe </a:t>
-            </a:r>
-            <a:r>
-              <a:rPr lang="fr-FR" dirty="0" err="1" smtClean="0"/>
-              <a:t>Emericc</a:t>
-            </a:r>
-            <a:endParaRPr lang="fr-FR" dirty="0" smtClean="0"/>
-          </a:p>
-          <a:p>
-            <a:r>
-              <a:rPr lang="fr-FR" dirty="0" smtClean="0"/>
-              <a:t>Composants de la chaîne d’information</a:t>
-            </a:r>
-            <a:endParaRPr lang="fr-FR" dirty="0"/>
-          </a:p>
-        </p:txBody>
-      </p:sp>
-      <p:sp>
-        <p:nvSpPr>
-          <p:cNvPr id="20" name="ZoneTexte 19">
-            <a:hlinkClick r:id="rId2" action="ppaction://hlinksldjump"/>
-          </p:cNvPr>
-          <p:cNvSpPr txBox="1"/>
-          <p:nvPr/>
-        </p:nvSpPr>
-        <p:spPr>
-          <a:xfrm>
-            <a:off x="107504" y="6525344"/>
-            <a:ext cx="8136904" cy="307777"/>
-          </a:xfrm>
-          <a:prstGeom prst="rect">
-            <a:avLst/>
-          </a:prstGeom>
-          <a:noFill/>
-        </p:spPr>
-        <p:txBody>
-          <a:bodyPr wrap="square" rtlCol="0">
-            <a:spAutoFit/>
-          </a:bodyPr>
-          <a:lstStyle/>
-          <a:p>
-            <a:pPr algn="r"/>
-            <a:r>
-              <a:rPr lang="fr-FR" sz="1400" i="1" dirty="0" smtClean="0">
-                <a:solidFill>
-                  <a:schemeClr val="bg1">
-                    <a:lumMod val="50000"/>
-                  </a:schemeClr>
-                </a:solidFill>
-              </a:rPr>
-              <a:t>Retour vers le menu</a:t>
-            </a:r>
-            <a:endParaRPr lang="fr-FR" sz="1400" i="1" dirty="0">
-              <a:solidFill>
-                <a:schemeClr val="bg1">
-                  <a:lumMod val="50000"/>
-                </a:schemeClr>
-              </a:solidFill>
-            </a:endParaRPr>
-          </a:p>
-        </p:txBody>
-      </p:sp>
-    </p:spTree>
-    <p:extLst>
-      <p:ext uri="{BB962C8B-B14F-4D97-AF65-F5344CB8AC3E}">
-        <p14:creationId xmlns:p14="http://schemas.microsoft.com/office/powerpoint/2010/main" val="401315987"/>
-      </p:ext>
-    </p:extLst>
-  </p:cSld>
-  <p:clrMapOvr>
-    <a:masterClrMapping/>
-  </p:clrMapOvr>
-  <p:timing>
-    <p:tnLst>
-      <p:par>
-        <p:cTn id="1" dur="indefinite" restart="never" nodeType="tmRoot"/>
-      </p:par>
-    </p:tnLst>
-  </p:timing>
-</p:sld>
-</file>
-
-<file path=ppt/slides/slide15.xml><?xml version="1.0" encoding="utf-8"?>
-<p:sld xmlns:a="http://schemas.openxmlformats.org/drawingml/2006/main" xmlns:r="http://schemas.openxmlformats.org/officeDocument/2006/relationships" xmlns:p="http://schemas.openxmlformats.org/presentationml/2006/main">
-  <p:cSld>
-    <p:spTree>
-      <p:nvGrpSpPr>
-        <p:cNvPr id="1" name=""/>
-        <p:cNvGrpSpPr/>
-        <p:nvPr/>
-      </p:nvGrpSpPr>
-      <p:grpSpPr>
-        <a:xfrm>
-          <a:off x="0" y="0"/>
-          <a:ext cx="0" cy="0"/>
-          <a:chOff x="0" y="0"/>
-          <a:chExt cx="0" cy="0"/>
-        </a:xfrm>
-      </p:grpSpPr>
-      <p:sp>
-        <p:nvSpPr>
-          <p:cNvPr id="5" name="Titre 4"/>
-          <p:cNvSpPr>
-            <a:spLocks noGrp="1"/>
-          </p:cNvSpPr>
-          <p:nvPr>
-            <p:ph type="ctrTitle"/>
-          </p:nvPr>
-        </p:nvSpPr>
-        <p:spPr/>
-        <p:txBody>
-          <a:bodyPr/>
-          <a:lstStyle/>
-          <a:p>
-            <a:r>
-              <a:rPr lang="fr-FR" dirty="0"/>
-              <a:t>Présentation du logiciel d’acquisition</a:t>
-            </a:r>
-            <a:br>
-              <a:rPr lang="fr-FR" dirty="0"/>
-            </a:br>
-            <a:endParaRPr lang="fr-FR" dirty="0"/>
-          </a:p>
-        </p:txBody>
-      </p:sp>
-      <p:sp>
-        <p:nvSpPr>
-          <p:cNvPr id="3" name="Espace réservé du numéro de diapositive 2"/>
-          <p:cNvSpPr>
-            <a:spLocks noGrp="1"/>
-          </p:cNvSpPr>
-          <p:nvPr>
-            <p:ph type="sldNum" sz="quarter" idx="12"/>
-          </p:nvPr>
-        </p:nvSpPr>
-        <p:spPr/>
-        <p:txBody>
-          <a:bodyPr/>
-          <a:lstStyle/>
-          <a:p>
-            <a:fld id="{256D3EEF-DE4E-429D-8EC4-DDC531AFF587}" type="slidenum">
-              <a:rPr lang="fr-FR" smtClean="0"/>
-              <a:pPr/>
-              <a:t>15</a:t>
-            </a:fld>
-            <a:endParaRPr lang="fr-FR" dirty="0"/>
-          </a:p>
-        </p:txBody>
-      </p:sp>
-      <p:sp>
-        <p:nvSpPr>
-          <p:cNvPr id="7" name="ZoneTexte 6">
-            <a:hlinkClick r:id="rId2" action="ppaction://hlinksldjump"/>
-          </p:cNvPr>
-          <p:cNvSpPr txBox="1"/>
-          <p:nvPr/>
-        </p:nvSpPr>
-        <p:spPr>
-          <a:xfrm>
-            <a:off x="107504" y="6525344"/>
-            <a:ext cx="8136904" cy="307777"/>
-          </a:xfrm>
-          <a:prstGeom prst="rect">
-            <a:avLst/>
-          </a:prstGeom>
-          <a:noFill/>
-        </p:spPr>
-        <p:txBody>
-          <a:bodyPr wrap="square" rtlCol="0">
-            <a:spAutoFit/>
-          </a:bodyPr>
-          <a:lstStyle/>
-          <a:p>
-            <a:pPr algn="r"/>
-            <a:r>
-              <a:rPr lang="fr-FR" sz="1400" i="1" dirty="0" smtClean="0">
-                <a:solidFill>
-                  <a:schemeClr val="bg1">
-                    <a:lumMod val="50000"/>
-                  </a:schemeClr>
-                </a:solidFill>
-              </a:rPr>
-              <a:t>Retour vers le menu</a:t>
-            </a:r>
-            <a:endParaRPr lang="fr-FR" sz="1400" i="1" dirty="0">
-              <a:solidFill>
-                <a:schemeClr val="bg1">
-                  <a:lumMod val="50000"/>
-                </a:schemeClr>
-              </a:solidFill>
-            </a:endParaRPr>
-          </a:p>
-        </p:txBody>
-      </p:sp>
-    </p:spTree>
-    <p:extLst>
-      <p:ext uri="{BB962C8B-B14F-4D97-AF65-F5344CB8AC3E}">
-        <p14:creationId xmlns:p14="http://schemas.microsoft.com/office/powerpoint/2010/main" val="3771198579"/>
-      </p:ext>
-    </p:extLst>
-  </p:cSld>
-  <p:clrMapOvr>
-    <a:masterClrMapping/>
-  </p:clrMapOvr>
-  <p:timing>
-    <p:tnLst>
-      <p:par>
-        <p:cTn id="1" dur="indefinite" restart="never" nodeType="tmRoot"/>
-      </p:par>
-    </p:tnLst>
-  </p:timing>
-</p:sld>
-</file>
-
-<file path=ppt/slides/slide16.xml><?xml version="1.0" encoding="utf-8"?>
-<p:sld xmlns:a="http://schemas.openxmlformats.org/drawingml/2006/main" xmlns:r="http://schemas.openxmlformats.org/officeDocument/2006/relationships" xmlns:p="http://schemas.openxmlformats.org/presentationml/2006/main">
-  <p:cSld>
-    <p:spTree>
-      <p:nvGrpSpPr>
-        <p:cNvPr id="1" name=""/>
-        <p:cNvGrpSpPr/>
-        <p:nvPr/>
-      </p:nvGrpSpPr>
-      <p:grpSpPr>
-        <a:xfrm>
-          <a:off x="0" y="0"/>
-          <a:ext cx="0" cy="0"/>
-          <a:chOff x="0" y="0"/>
-          <a:chExt cx="0" cy="0"/>
-        </a:xfrm>
-      </p:grpSpPr>
-      <p:sp>
-        <p:nvSpPr>
           <p:cNvPr id="2" name="Espace réservé du contenu 1"/>
           <p:cNvSpPr>
             <a:spLocks noGrp="1"/>
@@ -10960,7 +10537,7 @@
             <a:fld id="{256D3EEF-DE4E-429D-8EC4-DDC531AFF587}" type="slidenum">
               <a:rPr lang="fr-FR" smtClean="0"/>
               <a:pPr/>
-              <a:t>16</a:t>
+              <a:t>13</a:t>
             </a:fld>
             <a:endParaRPr lang="fr-FR" dirty="0"/>
           </a:p>
@@ -11127,7 +10704,7 @@
 </p:sld>
 </file>
 
-<file path=ppt/slides/slide17.xml><?xml version="1.0" encoding="utf-8"?>
+<file path=ppt/slides/slide14.xml><?xml version="1.0" encoding="utf-8"?>
 <p:sld xmlns:a="http://schemas.openxmlformats.org/drawingml/2006/main" xmlns:r="http://schemas.openxmlformats.org/officeDocument/2006/relationships" xmlns:p="http://schemas.openxmlformats.org/presentationml/2006/main">
   <p:cSld>
     <p:spTree>
@@ -11162,7 +10739,7 @@
             <a:fld id="{256D3EEF-DE4E-429D-8EC4-DDC531AFF587}" type="slidenum">
               <a:rPr lang="fr-FR" smtClean="0"/>
               <a:pPr/>
-              <a:t>17</a:t>
+              <a:t>14</a:t>
             </a:fld>
             <a:endParaRPr lang="fr-FR" dirty="0"/>
           </a:p>
@@ -11495,11 +11072,7 @@
             </a:r>
             <a:r>
               <a:rPr lang="fr-FR" kern="0" smtClean="0"/>
-              <a:t>: </a:t>
-            </a:r>
-            <a:r>
-              <a:rPr lang="fr-FR" kern="0" smtClean="0"/>
-              <a:t>tabulation</a:t>
+              <a:t>: tabulation</a:t>
             </a:r>
             <a:endParaRPr lang="fr-FR" kern="0" dirty="0" smtClean="0"/>
           </a:p>
@@ -12633,6 +12206,14 @@
   <p:clrMapOvr>
     <a:masterClrMapping/>
   </p:clrMapOvr>
+  <mc:AlternateContent xmlns:mc="http://schemas.openxmlformats.org/markup-compatibility/2006">
+    <mc:Choice xmlns:p14="http://schemas.microsoft.com/office/powerpoint/2010/main" Requires="p14">
+      <p:transition spd="slow" p14:dur="2000"/>
+    </mc:Choice>
+    <mc:Fallback>
+      <p:transition spd="slow"/>
+    </mc:Fallback>
+  </mc:AlternateContent>
   <p:timing>
     <p:tnLst>
       <p:par>
@@ -12880,6 +12461,14 @@
   <p:clrMapOvr>
     <a:masterClrMapping/>
   </p:clrMapOvr>
+  <mc:AlternateContent xmlns:mc="http://schemas.openxmlformats.org/markup-compatibility/2006">
+    <mc:Choice xmlns:p14="http://schemas.microsoft.com/office/powerpoint/2010/main" Requires="p14">
+      <p:transition spd="slow" p14:dur="2000"/>
+    </mc:Choice>
+    <mc:Fallback>
+      <p:transition spd="slow"/>
+    </mc:Fallback>
+  </mc:AlternateContent>
   <p:timing>
     <p:tnLst>
       <p:par>
@@ -13505,6 +13094,14 @@
   <p:clrMapOvr>
     <a:masterClrMapping/>
   </p:clrMapOvr>
+  <mc:AlternateContent xmlns:mc="http://schemas.openxmlformats.org/markup-compatibility/2006">
+    <mc:Choice xmlns:p14="http://schemas.microsoft.com/office/powerpoint/2010/main" Requires="p14">
+      <p:transition spd="slow" p14:dur="2000"/>
+    </mc:Choice>
+    <mc:Fallback>
+      <p:transition spd="slow"/>
+    </mc:Fallback>
+  </mc:AlternateContent>
 </p:sld>
 </file>
 
@@ -14795,12 +14392,12 @@
       </p:grpSpPr>
       <p:sp>
         <p:nvSpPr>
-          <p:cNvPr id="3" name="Espace réservé du numéro de diapositive 2"/>
-          <p:cNvSpPr>
-            <a:spLocks noGrp="1"/>
-          </p:cNvSpPr>
-          <p:nvPr>
-            <p:ph type="sldNum" sz="quarter" idx="17"/>
+          <p:cNvPr id="2" name="Titre 1"/>
+          <p:cNvSpPr>
+            <a:spLocks noGrp="1"/>
+          </p:cNvSpPr>
+          <p:nvPr>
+            <p:ph type="ctrTitle"/>
           </p:nvPr>
         </p:nvSpPr>
         <p:spPr/>
@@ -14808,58 +14405,46 @@
           <a:bodyPr/>
           <a:lstStyle/>
           <a:p>
+            <a:r>
+              <a:rPr lang="fr-FR" dirty="0" smtClean="0"/>
+              <a:t>Présentation interne de l’axe </a:t>
+            </a:r>
+            <a:r>
+              <a:rPr lang="fr-FR" dirty="0" err="1" smtClean="0"/>
+              <a:t>Emericc</a:t>
+            </a:r>
+            <a:endParaRPr lang="fr-FR" dirty="0"/>
+          </a:p>
+        </p:txBody>
+      </p:sp>
+      <p:sp>
+        <p:nvSpPr>
+          <p:cNvPr id="3" name="Espace réservé du numéro de diapositive 2"/>
+          <p:cNvSpPr>
+            <a:spLocks noGrp="1"/>
+          </p:cNvSpPr>
+          <p:nvPr>
+            <p:ph type="sldNum" sz="quarter" idx="12"/>
+          </p:nvPr>
+        </p:nvSpPr>
+        <p:spPr/>
+        <p:txBody>
+          <a:bodyPr/>
+          <a:lstStyle/>
+          <a:p>
+            <a:pPr algn="r"/>
             <a:fld id="{256D3EEF-DE4E-429D-8EC4-DDC531AFF587}" type="slidenum">
-              <a:rPr lang="fr-FR" smtClean="0"/>
-              <a:pPr/>
+              <a:rPr kumimoji="0" lang="fr-FR" sz="1000" smtClean="0"/>
+              <a:pPr algn="r"/>
               <a:t>9</a:t>
             </a:fld>
-            <a:endParaRPr lang="fr-FR" dirty="0"/>
-          </a:p>
-        </p:txBody>
-      </p:sp>
-      <p:sp>
-        <p:nvSpPr>
-          <p:cNvPr id="4" name="Espace réservé du texte 3"/>
-          <p:cNvSpPr>
-            <a:spLocks noGrp="1"/>
-          </p:cNvSpPr>
-          <p:nvPr>
-            <p:ph type="body" sz="quarter" idx="13"/>
-          </p:nvPr>
-        </p:nvSpPr>
-        <p:spPr/>
-        <p:txBody>
-          <a:bodyPr>
-            <a:normAutofit fontScale="55000" lnSpcReduction="20000"/>
-          </a:bodyPr>
-          <a:lstStyle/>
-          <a:p>
-            <a:r>
-              <a:rPr lang="fr-FR" dirty="0"/>
-              <a:t>Présentation externe de </a:t>
-            </a:r>
-            <a:r>
-              <a:rPr lang="fr-FR" dirty="0" smtClean="0"/>
-              <a:t>l’axe </a:t>
-            </a:r>
-            <a:r>
-              <a:rPr lang="fr-FR" dirty="0" err="1" smtClean="0"/>
-              <a:t>Emericc</a:t>
-            </a:r>
-            <a:endParaRPr lang="fr-FR" dirty="0" smtClean="0"/>
-          </a:p>
-          <a:p>
-            <a:r>
-              <a:rPr lang="fr-FR" dirty="0" smtClean="0"/>
-              <a:t>Cahier des charges</a:t>
-            </a:r>
-            <a:endParaRPr lang="fr-FR" dirty="0"/>
-          </a:p>
-        </p:txBody>
-      </p:sp>
-      <p:sp>
-        <p:nvSpPr>
-          <p:cNvPr id="9" name="ZoneTexte 8">
+            <a:endParaRPr kumimoji="0" lang="fr-FR"/>
+          </a:p>
+        </p:txBody>
+      </p:sp>
+      <p:sp>
+        <p:nvSpPr>
+          <p:cNvPr id="5" name="ZoneTexte 4">
             <a:hlinkClick r:id="rId2" action="ppaction://hlinksldjump"/>
           </p:cNvPr>
           <p:cNvSpPr txBox="1"/>
@@ -14905,13 +14490,21 @@
     </p:spTree>
     <p:extLst>
       <p:ext uri="{BB962C8B-B14F-4D97-AF65-F5344CB8AC3E}">
-        <p14:creationId xmlns:p14="http://schemas.microsoft.com/office/powerpoint/2010/main" val="2706017064"/>
+        <p14:creationId xmlns:p14="http://schemas.microsoft.com/office/powerpoint/2010/main" val="3834210991"/>
       </p:ext>
     </p:extLst>
   </p:cSld>
   <p:clrMapOvr>
     <a:masterClrMapping/>
   </p:clrMapOvr>
+  <mc:AlternateContent xmlns:mc="http://schemas.openxmlformats.org/markup-compatibility/2006">
+    <mc:Choice xmlns:p14="http://schemas.microsoft.com/office/powerpoint/2010/main" Requires="p14">
+      <p:transition spd="slow" p14:dur="2000"/>
+    </mc:Choice>
+    <mc:Fallback>
+      <p:transition spd="slow"/>
+    </mc:Fallback>
+  </mc:AlternateContent>
   <p:timing>
     <p:tnLst>
       <p:par>
